--- a/Componente_Teórico_Presentaciones/Slide-Java sesión 13 semana 5_.pptx
+++ b/Componente_Teórico_Presentaciones/Slide-Java sesión 13 semana 5_.pptx
@@ -26,16 +26,20 @@
     <p:sldId id="271" r:id="rId21"/>
     <p:sldId id="272" r:id="rId22"/>
     <p:sldId id="273" r:id="rId23"/>
+    <p:sldId id="274" r:id="rId24"/>
+    <p:sldId id="275" r:id="rId25"/>
+    <p:sldId id="276" r:id="rId26"/>
+    <p:sldId id="277" r:id="rId27"/>
   </p:sldIdLst>
   <p:sldSz cy="5143500" cx="9144000"/>
   <p:notesSz cx="6858000" cy="9144000"/>
   <p:embeddedFontLst>
     <p:embeddedFont>
       <p:font typeface="Nunito"/>
-      <p:regular r:id="rId24"/>
-      <p:bold r:id="rId25"/>
-      <p:italic r:id="rId26"/>
-      <p:boldItalic r:id="rId27"/>
+      <p:regular r:id="rId28"/>
+      <p:bold r:id="rId29"/>
+      <p:italic r:id="rId30"/>
+      <p:boldItalic r:id="rId31"/>
     </p:embeddedFont>
   </p:embeddedFontLst>
   <p:defaultTextStyle>
@@ -990,7 +994,7 @@
       </p:grpSpPr>
       <p:sp>
         <p:nvSpPr>
-          <p:cNvPr id="195" name="Google Shape;195;gdeea6e1648_1_26:notes"/>
+          <p:cNvPr id="195" name="Google Shape;195;ge535eb90df_0_59:notes"/>
           <p:cNvSpPr txBox="1"/>
           <p:nvPr>
             <p:ph idx="1" type="body"/>
@@ -1037,7 +1041,7 @@
       </p:sp>
       <p:sp>
         <p:nvSpPr>
-          <p:cNvPr id="196" name="Google Shape;196;gdeea6e1648_1_26:notes"/>
+          <p:cNvPr id="196" name="Google Shape;196;ge535eb90df_0_59:notes"/>
           <p:cNvSpPr/>
           <p:nvPr>
             <p:ph idx="2" type="sldImg"/>
@@ -1093,7 +1097,7 @@
   <p:cSld>
     <p:spTree>
       <p:nvGrpSpPr>
-        <p:cNvPr id="201" name="Shape 201"/>
+        <p:cNvPr id="200" name="Shape 200"/>
         <p:cNvGrpSpPr/>
         <p:nvPr/>
       </p:nvGrpSpPr>
@@ -1107,7 +1111,7 @@
       </p:grpSpPr>
       <p:sp>
         <p:nvSpPr>
-          <p:cNvPr id="202" name="Google Shape;202;gdeea6e1648_1_32:notes"/>
+          <p:cNvPr id="201" name="Google Shape;201;ge535eb90df_0_64:notes"/>
           <p:cNvSpPr txBox="1"/>
           <p:nvPr>
             <p:ph idx="1" type="body"/>
@@ -1154,7 +1158,7 @@
       </p:sp>
       <p:sp>
         <p:nvSpPr>
-          <p:cNvPr id="203" name="Google Shape;203;gdeea6e1648_1_32:notes"/>
+          <p:cNvPr id="202" name="Google Shape;202;ge535eb90df_0_64:notes"/>
           <p:cNvSpPr/>
           <p:nvPr>
             <p:ph idx="2" type="sldImg"/>
@@ -1210,7 +1214,7 @@
   <p:cSld>
     <p:spTree>
       <p:nvGrpSpPr>
-        <p:cNvPr id="211" name="Shape 211"/>
+        <p:cNvPr id="206" name="Shape 206"/>
         <p:cNvGrpSpPr/>
         <p:nvPr/>
       </p:nvGrpSpPr>
@@ -1224,7 +1228,7 @@
       </p:grpSpPr>
       <p:sp>
         <p:nvSpPr>
-          <p:cNvPr id="212" name="Google Shape;212;gdeea6e1648_1_193:notes"/>
+          <p:cNvPr id="207" name="Google Shape;207;ge535eb90df_0_69:notes"/>
           <p:cNvSpPr txBox="1"/>
           <p:nvPr>
             <p:ph idx="1" type="body"/>
@@ -1271,7 +1275,7 @@
       </p:sp>
       <p:sp>
         <p:nvSpPr>
-          <p:cNvPr id="213" name="Google Shape;213;gdeea6e1648_1_193:notes"/>
+          <p:cNvPr id="208" name="Google Shape;208;ge535eb90df_0_69:notes"/>
           <p:cNvSpPr/>
           <p:nvPr>
             <p:ph idx="2" type="sldImg"/>
@@ -1327,7 +1331,7 @@
   <p:cSld>
     <p:spTree>
       <p:nvGrpSpPr>
-        <p:cNvPr id="217" name="Shape 217"/>
+        <p:cNvPr id="212" name="Shape 212"/>
         <p:cNvGrpSpPr/>
         <p:nvPr/>
       </p:nvGrpSpPr>
@@ -1341,7 +1345,7 @@
       </p:grpSpPr>
       <p:sp>
         <p:nvSpPr>
-          <p:cNvPr id="218" name="Google Shape;218;gdeea6e1648_1_41:notes"/>
+          <p:cNvPr id="213" name="Google Shape;213;gdeea6e1648_1_26:notes"/>
           <p:cNvSpPr txBox="1"/>
           <p:nvPr>
             <p:ph idx="1" type="body"/>
@@ -1388,7 +1392,7 @@
       </p:sp>
       <p:sp>
         <p:nvSpPr>
-          <p:cNvPr id="219" name="Google Shape;219;gdeea6e1648_1_41:notes"/>
+          <p:cNvPr id="214" name="Google Shape;214;gdeea6e1648_1_26:notes"/>
           <p:cNvSpPr/>
           <p:nvPr>
             <p:ph idx="2" type="sldImg"/>
@@ -1444,7 +1448,7 @@
   <p:cSld>
     <p:spTree>
       <p:nvGrpSpPr>
-        <p:cNvPr id="224" name="Shape 224"/>
+        <p:cNvPr id="219" name="Shape 219"/>
         <p:cNvGrpSpPr/>
         <p:nvPr/>
       </p:nvGrpSpPr>
@@ -1458,7 +1462,7 @@
       </p:grpSpPr>
       <p:sp>
         <p:nvSpPr>
-          <p:cNvPr id="225" name="Google Shape;225;gdeea6e1648_1_340:notes"/>
+          <p:cNvPr id="220" name="Google Shape;220;gdeea6e1648_1_32:notes"/>
           <p:cNvSpPr txBox="1"/>
           <p:nvPr>
             <p:ph idx="1" type="body"/>
@@ -1505,7 +1509,7 @@
       </p:sp>
       <p:sp>
         <p:nvSpPr>
-          <p:cNvPr id="226" name="Google Shape;226;gdeea6e1648_1_340:notes"/>
+          <p:cNvPr id="221" name="Google Shape;221;gdeea6e1648_1_32:notes"/>
           <p:cNvSpPr/>
           <p:nvPr>
             <p:ph idx="2" type="sldImg"/>
@@ -1561,7 +1565,7 @@
   <p:cSld>
     <p:spTree>
       <p:nvGrpSpPr>
-        <p:cNvPr id="230" name="Shape 230"/>
+        <p:cNvPr id="226" name="Shape 226"/>
         <p:cNvGrpSpPr/>
         <p:nvPr/>
       </p:nvGrpSpPr>
@@ -1575,7 +1579,7 @@
       </p:grpSpPr>
       <p:sp>
         <p:nvSpPr>
-          <p:cNvPr id="231" name="Google Shape;231;gdeeb47ac5c_0_0:notes"/>
+          <p:cNvPr id="227" name="Google Shape;227;ge535eb90df_0_2:notes"/>
           <p:cNvSpPr txBox="1"/>
           <p:nvPr>
             <p:ph idx="1" type="body"/>
@@ -1622,7 +1626,7 @@
       </p:sp>
       <p:sp>
         <p:nvSpPr>
-          <p:cNvPr id="232" name="Google Shape;232;gdeeb47ac5c_0_0:notes"/>
+          <p:cNvPr id="228" name="Google Shape;228;ge535eb90df_0_2:notes"/>
           <p:cNvSpPr/>
           <p:nvPr>
             <p:ph idx="2" type="sldImg"/>
@@ -1678,7 +1682,7 @@
   <p:cSld>
     <p:spTree>
       <p:nvGrpSpPr>
-        <p:cNvPr id="236" name="Shape 236"/>
+        <p:cNvPr id="234" name="Shape 234"/>
         <p:cNvGrpSpPr/>
         <p:nvPr/>
       </p:nvGrpSpPr>
@@ -1692,7 +1696,7 @@
       </p:grpSpPr>
       <p:sp>
         <p:nvSpPr>
-          <p:cNvPr id="237" name="Google Shape;237;gdeeb47ac5c_0_25:notes"/>
+          <p:cNvPr id="235" name="Google Shape;235;ge535eb90df_0_16:notes"/>
           <p:cNvSpPr txBox="1"/>
           <p:nvPr>
             <p:ph idx="1" type="body"/>
@@ -1739,7 +1743,7 @@
       </p:sp>
       <p:sp>
         <p:nvSpPr>
-          <p:cNvPr id="238" name="Google Shape;238;gdeeb47ac5c_0_25:notes"/>
+          <p:cNvPr id="236" name="Google Shape;236;ge535eb90df_0_16:notes"/>
           <p:cNvSpPr/>
           <p:nvPr>
             <p:ph idx="2" type="sldImg"/>
@@ -1795,7 +1799,7 @@
   <p:cSld>
     <p:spTree>
       <p:nvGrpSpPr>
-        <p:cNvPr id="242" name="Shape 242"/>
+        <p:cNvPr id="243" name="Shape 243"/>
         <p:cNvGrpSpPr/>
         <p:nvPr/>
       </p:nvGrpSpPr>
@@ -1809,7 +1813,7 @@
       </p:grpSpPr>
       <p:sp>
         <p:nvSpPr>
-          <p:cNvPr id="243" name="Google Shape;243;gdeea6e1648_1_201:notes"/>
+          <p:cNvPr id="244" name="Google Shape;244;ge535eb90df_0_27:notes"/>
           <p:cNvSpPr txBox="1"/>
           <p:nvPr>
             <p:ph idx="1" type="body"/>
@@ -1856,7 +1860,7 @@
       </p:sp>
       <p:sp>
         <p:nvSpPr>
-          <p:cNvPr id="244" name="Google Shape;244;gdeea6e1648_1_201:notes"/>
+          <p:cNvPr id="245" name="Google Shape;245;ge535eb90df_0_27:notes"/>
           <p:cNvSpPr/>
           <p:nvPr>
             <p:ph idx="2" type="sldImg"/>
@@ -1912,7 +1916,7 @@
   <p:cSld>
     <p:spTree>
       <p:nvGrpSpPr>
-        <p:cNvPr id="247" name="Shape 247"/>
+        <p:cNvPr id="252" name="Shape 252"/>
         <p:cNvGrpSpPr/>
         <p:nvPr/>
       </p:nvGrpSpPr>
@@ -1926,7 +1930,7 @@
       </p:grpSpPr>
       <p:sp>
         <p:nvSpPr>
-          <p:cNvPr id="248" name="Google Shape;248;gd62fcfd924_1_333:notes"/>
+          <p:cNvPr id="253" name="Google Shape;253;ge535eb90df_0_37:notes"/>
           <p:cNvSpPr txBox="1"/>
           <p:nvPr>
             <p:ph idx="1" type="body"/>
@@ -1934,12 +1938,16 @@
         </p:nvSpPr>
         <p:spPr>
           <a:xfrm>
-            <a:off x="685800" y="4400550"/>
-            <a:ext cx="5486400" cy="3600600"/>
+            <a:off x="685800" y="4343400"/>
+            <a:ext cx="5486400" cy="4114800"/>
           </a:xfrm>
           <a:prstGeom prst="rect">
             <a:avLst/>
           </a:prstGeom>
+          <a:noFill/>
+          <a:ln>
+            <a:noFill/>
+          </a:ln>
         </p:spPr>
         <p:txBody>
           <a:bodyPr anchorCtr="0" anchor="t" bIns="91425" lIns="91425" spcFirstLastPara="1" rIns="91425" wrap="square" tIns="91425">
@@ -1948,12 +1956,16 @@
           <a:lstStyle/>
           <a:p>
             <a:pPr indent="0" lvl="0" marL="0" rtl="0" algn="l">
-              <a:spcBef>
-                <a:spcPts val="0"/>
-              </a:spcBef>
-              <a:spcAft>
-                <a:spcPts val="0"/>
-              </a:spcAft>
+              <a:lnSpc>
+                <a:spcPct val="100000"/>
+              </a:lnSpc>
+              <a:spcBef>
+                <a:spcPts val="0"/>
+              </a:spcBef>
+              <a:spcAft>
+                <a:spcPts val="0"/>
+              </a:spcAft>
+              <a:buSzPts val="1100"/>
               <a:buNone/>
             </a:pPr>
             <a:r>
@@ -1965,7 +1977,7 @@
       </p:sp>
       <p:sp>
         <p:nvSpPr>
-          <p:cNvPr id="249" name="Google Shape;249;gd62fcfd924_1_333:notes"/>
+          <p:cNvPr id="254" name="Google Shape;254;ge535eb90df_0_37:notes"/>
           <p:cNvSpPr/>
           <p:nvPr>
             <p:ph idx="2" type="sldImg"/>
@@ -1973,8 +1985,8 @@
         </p:nvSpPr>
         <p:spPr>
           <a:xfrm>
-            <a:off x="685800" y="1143000"/>
-            <a:ext cx="5486400" cy="3086100"/>
+            <a:off x="381000" y="685800"/>
+            <a:ext cx="6096000" cy="3429000"/>
           </a:xfrm>
           <a:custGeom>
             <a:rect b="b" l="l" r="r" t="t"/>
@@ -1996,6 +2008,133 @@
               </a:path>
             </a:pathLst>
           </a:custGeom>
+          <a:noFill/>
+          <a:ln cap="flat" cmpd="sng" w="9525">
+            <a:solidFill>
+              <a:srgbClr val="000000"/>
+            </a:solidFill>
+            <a:prstDash val="solid"/>
+            <a:round/>
+            <a:headEnd len="sm" w="sm" type="none"/>
+            <a:tailEnd len="sm" w="sm" type="none"/>
+          </a:ln>
+        </p:spPr>
+      </p:sp>
+    </p:spTree>
+  </p:cSld>
+  <p:clrMapOvr>
+    <a:masterClrMapping/>
+  </p:clrMapOvr>
+</p:notes>
+</file>
+
+<file path=ppt/notesSlides/notesSlide19.xml><?xml version="1.0" encoding="utf-8"?>
+<p:notes xmlns:a="http://schemas.openxmlformats.org/drawingml/2006/main" xmlns:r="http://schemas.openxmlformats.org/officeDocument/2006/relationships" xmlns:mc="http://schemas.openxmlformats.org/markup-compatibility/2006" xmlns:mv="urn:schemas-microsoft-com:mac:vml" xmlns:p="http://schemas.openxmlformats.org/presentationml/2006/main" xmlns:c="http://schemas.openxmlformats.org/drawingml/2006/chart" xmlns:dgm="http://schemas.openxmlformats.org/drawingml/2006/diagram" xmlns:o="urn:schemas-microsoft-com:office:office" xmlns:v="urn:schemas-microsoft-com:vml" xmlns:pvml="urn:schemas-microsoft-com:office:powerpoint" xmlns:com="http://schemas.openxmlformats.org/drawingml/2006/compatibility" xmlns:p14="http://schemas.microsoft.com/office/powerpoint/2010/main" xmlns:p15="http://schemas.microsoft.com/office/powerpoint/2012/main" xmlns:ahyp="http://schemas.microsoft.com/office/drawing/2018/hyperlinkcolor" showMasterPhAnim="0" showMasterSp="0">
+  <p:cSld>
+    <p:spTree>
+      <p:nvGrpSpPr>
+        <p:cNvPr id="259" name="Shape 259"/>
+        <p:cNvGrpSpPr/>
+        <p:nvPr/>
+      </p:nvGrpSpPr>
+      <p:grpSpPr>
+        <a:xfrm>
+          <a:off x="0" y="0"/>
+          <a:ext cx="0" cy="0"/>
+          <a:chOff x="0" y="0"/>
+          <a:chExt cx="0" cy="0"/>
+        </a:xfrm>
+      </p:grpSpPr>
+      <p:sp>
+        <p:nvSpPr>
+          <p:cNvPr id="260" name="Google Shape;260;ge535eb90df_0_50:notes"/>
+          <p:cNvSpPr txBox="1"/>
+          <p:nvPr>
+            <p:ph idx="1" type="body"/>
+          </p:nvPr>
+        </p:nvSpPr>
+        <p:spPr>
+          <a:xfrm>
+            <a:off x="685800" y="4343400"/>
+            <a:ext cx="5486400" cy="4114800"/>
+          </a:xfrm>
+          <a:prstGeom prst="rect">
+            <a:avLst/>
+          </a:prstGeom>
+          <a:noFill/>
+          <a:ln>
+            <a:noFill/>
+          </a:ln>
+        </p:spPr>
+        <p:txBody>
+          <a:bodyPr anchorCtr="0" anchor="t" bIns="91425" lIns="91425" spcFirstLastPara="1" rIns="91425" wrap="square" tIns="91425">
+            <a:noAutofit/>
+          </a:bodyPr>
+          <a:lstStyle/>
+          <a:p>
+            <a:pPr indent="0" lvl="0" marL="0" rtl="0" algn="l">
+              <a:lnSpc>
+                <a:spcPct val="100000"/>
+              </a:lnSpc>
+              <a:spcBef>
+                <a:spcPts val="0"/>
+              </a:spcBef>
+              <a:spcAft>
+                <a:spcPts val="0"/>
+              </a:spcAft>
+              <a:buSzPts val="1100"/>
+              <a:buNone/>
+            </a:pPr>
+            <a:r>
+              <a:t/>
+            </a:r>
+            <a:endParaRPr/>
+          </a:p>
+        </p:txBody>
+      </p:sp>
+      <p:sp>
+        <p:nvSpPr>
+          <p:cNvPr id="261" name="Google Shape;261;ge535eb90df_0_50:notes"/>
+          <p:cNvSpPr/>
+          <p:nvPr>
+            <p:ph idx="2" type="sldImg"/>
+          </p:nvPr>
+        </p:nvSpPr>
+        <p:spPr>
+          <a:xfrm>
+            <a:off x="381000" y="685800"/>
+            <a:ext cx="6096000" cy="3429000"/>
+          </a:xfrm>
+          <a:custGeom>
+            <a:rect b="b" l="l" r="r" t="t"/>
+            <a:pathLst>
+              <a:path extrusionOk="0" h="120000" w="120000">
+                <a:moveTo>
+                  <a:pt x="0" y="0"/>
+                </a:moveTo>
+                <a:lnTo>
+                  <a:pt x="120000" y="0"/>
+                </a:lnTo>
+                <a:lnTo>
+                  <a:pt x="120000" y="120000"/>
+                </a:lnTo>
+                <a:lnTo>
+                  <a:pt x="0" y="120000"/>
+                </a:lnTo>
+                <a:close/>
+              </a:path>
+            </a:pathLst>
+          </a:custGeom>
+          <a:noFill/>
+          <a:ln cap="flat" cmpd="sng" w="9525">
+            <a:solidFill>
+              <a:srgbClr val="000000"/>
+            </a:solidFill>
+            <a:prstDash val="solid"/>
+            <a:round/>
+            <a:headEnd len="sm" w="sm" type="none"/>
+            <a:tailEnd len="sm" w="sm" type="none"/>
+          </a:ln>
         </p:spPr>
       </p:sp>
     </p:spTree>
@@ -2114,6 +2253,339 @@
             <a:endParaRPr/>
           </a:p>
         </p:txBody>
+      </p:sp>
+    </p:spTree>
+  </p:cSld>
+  <p:clrMapOvr>
+    <a:masterClrMapping/>
+  </p:clrMapOvr>
+</p:notes>
+</file>
+
+<file path=ppt/notesSlides/notesSlide20.xml><?xml version="1.0" encoding="utf-8"?>
+<p:notes xmlns:a="http://schemas.openxmlformats.org/drawingml/2006/main" xmlns:r="http://schemas.openxmlformats.org/officeDocument/2006/relationships" xmlns:mc="http://schemas.openxmlformats.org/markup-compatibility/2006" xmlns:mv="urn:schemas-microsoft-com:mac:vml" xmlns:p="http://schemas.openxmlformats.org/presentationml/2006/main" xmlns:c="http://schemas.openxmlformats.org/drawingml/2006/chart" xmlns:dgm="http://schemas.openxmlformats.org/drawingml/2006/diagram" xmlns:o="urn:schemas-microsoft-com:office:office" xmlns:v="urn:schemas-microsoft-com:vml" xmlns:pvml="urn:schemas-microsoft-com:office:powerpoint" xmlns:com="http://schemas.openxmlformats.org/drawingml/2006/compatibility" xmlns:p14="http://schemas.microsoft.com/office/powerpoint/2010/main" xmlns:p15="http://schemas.microsoft.com/office/powerpoint/2012/main" xmlns:ahyp="http://schemas.microsoft.com/office/drawing/2018/hyperlinkcolor" showMasterPhAnim="0" showMasterSp="0">
+  <p:cSld>
+    <p:spTree>
+      <p:nvGrpSpPr>
+        <p:cNvPr id="268" name="Shape 268"/>
+        <p:cNvGrpSpPr/>
+        <p:nvPr/>
+      </p:nvGrpSpPr>
+      <p:grpSpPr>
+        <a:xfrm>
+          <a:off x="0" y="0"/>
+          <a:ext cx="0" cy="0"/>
+          <a:chOff x="0" y="0"/>
+          <a:chExt cx="0" cy="0"/>
+        </a:xfrm>
+      </p:grpSpPr>
+      <p:sp>
+        <p:nvSpPr>
+          <p:cNvPr id="269" name="Google Shape;269;gdeea6e1648_1_41:notes"/>
+          <p:cNvSpPr txBox="1"/>
+          <p:nvPr>
+            <p:ph idx="1" type="body"/>
+          </p:nvPr>
+        </p:nvSpPr>
+        <p:spPr>
+          <a:xfrm>
+            <a:off x="685800" y="4343400"/>
+            <a:ext cx="5486400" cy="4114800"/>
+          </a:xfrm>
+          <a:prstGeom prst="rect">
+            <a:avLst/>
+          </a:prstGeom>
+          <a:noFill/>
+          <a:ln>
+            <a:noFill/>
+          </a:ln>
+        </p:spPr>
+        <p:txBody>
+          <a:bodyPr anchorCtr="0" anchor="t" bIns="91425" lIns="91425" spcFirstLastPara="1" rIns="91425" wrap="square" tIns="91425">
+            <a:noAutofit/>
+          </a:bodyPr>
+          <a:lstStyle/>
+          <a:p>
+            <a:pPr indent="0" lvl="0" marL="0" rtl="0" algn="l">
+              <a:lnSpc>
+                <a:spcPct val="100000"/>
+              </a:lnSpc>
+              <a:spcBef>
+                <a:spcPts val="0"/>
+              </a:spcBef>
+              <a:spcAft>
+                <a:spcPts val="0"/>
+              </a:spcAft>
+              <a:buSzPts val="1100"/>
+              <a:buNone/>
+            </a:pPr>
+            <a:r>
+              <a:t/>
+            </a:r>
+            <a:endParaRPr/>
+          </a:p>
+        </p:txBody>
+      </p:sp>
+      <p:sp>
+        <p:nvSpPr>
+          <p:cNvPr id="270" name="Google Shape;270;gdeea6e1648_1_41:notes"/>
+          <p:cNvSpPr/>
+          <p:nvPr>
+            <p:ph idx="2" type="sldImg"/>
+          </p:nvPr>
+        </p:nvSpPr>
+        <p:spPr>
+          <a:xfrm>
+            <a:off x="381000" y="685800"/>
+            <a:ext cx="6096000" cy="3429000"/>
+          </a:xfrm>
+          <a:custGeom>
+            <a:rect b="b" l="l" r="r" t="t"/>
+            <a:pathLst>
+              <a:path extrusionOk="0" h="120000" w="120000">
+                <a:moveTo>
+                  <a:pt x="0" y="0"/>
+                </a:moveTo>
+                <a:lnTo>
+                  <a:pt x="120000" y="0"/>
+                </a:lnTo>
+                <a:lnTo>
+                  <a:pt x="120000" y="120000"/>
+                </a:lnTo>
+                <a:lnTo>
+                  <a:pt x="0" y="120000"/>
+                </a:lnTo>
+                <a:close/>
+              </a:path>
+            </a:pathLst>
+          </a:custGeom>
+          <a:noFill/>
+          <a:ln cap="flat" cmpd="sng" w="9525">
+            <a:solidFill>
+              <a:srgbClr val="000000"/>
+            </a:solidFill>
+            <a:prstDash val="solid"/>
+            <a:round/>
+            <a:headEnd len="sm" w="sm" type="none"/>
+            <a:tailEnd len="sm" w="sm" type="none"/>
+          </a:ln>
+        </p:spPr>
+      </p:sp>
+    </p:spTree>
+  </p:cSld>
+  <p:clrMapOvr>
+    <a:masterClrMapping/>
+  </p:clrMapOvr>
+</p:notes>
+</file>
+
+<file path=ppt/notesSlides/notesSlide21.xml><?xml version="1.0" encoding="utf-8"?>
+<p:notes xmlns:a="http://schemas.openxmlformats.org/drawingml/2006/main" xmlns:r="http://schemas.openxmlformats.org/officeDocument/2006/relationships" xmlns:mc="http://schemas.openxmlformats.org/markup-compatibility/2006" xmlns:mv="urn:schemas-microsoft-com:mac:vml" xmlns:p="http://schemas.openxmlformats.org/presentationml/2006/main" xmlns:c="http://schemas.openxmlformats.org/drawingml/2006/chart" xmlns:dgm="http://schemas.openxmlformats.org/drawingml/2006/diagram" xmlns:o="urn:schemas-microsoft-com:office:office" xmlns:v="urn:schemas-microsoft-com:vml" xmlns:pvml="urn:schemas-microsoft-com:office:powerpoint" xmlns:com="http://schemas.openxmlformats.org/drawingml/2006/compatibility" xmlns:p14="http://schemas.microsoft.com/office/powerpoint/2010/main" xmlns:p15="http://schemas.microsoft.com/office/powerpoint/2012/main" xmlns:ahyp="http://schemas.microsoft.com/office/drawing/2018/hyperlinkcolor" showMasterPhAnim="0" showMasterSp="0">
+  <p:cSld>
+    <p:spTree>
+      <p:nvGrpSpPr>
+        <p:cNvPr id="275" name="Shape 275"/>
+        <p:cNvGrpSpPr/>
+        <p:nvPr/>
+      </p:nvGrpSpPr>
+      <p:grpSpPr>
+        <a:xfrm>
+          <a:off x="0" y="0"/>
+          <a:ext cx="0" cy="0"/>
+          <a:chOff x="0" y="0"/>
+          <a:chExt cx="0" cy="0"/>
+        </a:xfrm>
+      </p:grpSpPr>
+      <p:sp>
+        <p:nvSpPr>
+          <p:cNvPr id="276" name="Google Shape;276;gdeea6e1648_1_201:notes"/>
+          <p:cNvSpPr txBox="1"/>
+          <p:nvPr>
+            <p:ph idx="1" type="body"/>
+          </p:nvPr>
+        </p:nvSpPr>
+        <p:spPr>
+          <a:xfrm>
+            <a:off x="685800" y="4343400"/>
+            <a:ext cx="5486400" cy="4114800"/>
+          </a:xfrm>
+          <a:prstGeom prst="rect">
+            <a:avLst/>
+          </a:prstGeom>
+          <a:noFill/>
+          <a:ln>
+            <a:noFill/>
+          </a:ln>
+        </p:spPr>
+        <p:txBody>
+          <a:bodyPr anchorCtr="0" anchor="t" bIns="91425" lIns="91425" spcFirstLastPara="1" rIns="91425" wrap="square" tIns="91425">
+            <a:noAutofit/>
+          </a:bodyPr>
+          <a:lstStyle/>
+          <a:p>
+            <a:pPr indent="0" lvl="0" marL="0" rtl="0" algn="l">
+              <a:lnSpc>
+                <a:spcPct val="100000"/>
+              </a:lnSpc>
+              <a:spcBef>
+                <a:spcPts val="0"/>
+              </a:spcBef>
+              <a:spcAft>
+                <a:spcPts val="0"/>
+              </a:spcAft>
+              <a:buSzPts val="1100"/>
+              <a:buNone/>
+            </a:pPr>
+            <a:r>
+              <a:t/>
+            </a:r>
+            <a:endParaRPr/>
+          </a:p>
+        </p:txBody>
+      </p:sp>
+      <p:sp>
+        <p:nvSpPr>
+          <p:cNvPr id="277" name="Google Shape;277;gdeea6e1648_1_201:notes"/>
+          <p:cNvSpPr/>
+          <p:nvPr>
+            <p:ph idx="2" type="sldImg"/>
+          </p:nvPr>
+        </p:nvSpPr>
+        <p:spPr>
+          <a:xfrm>
+            <a:off x="381000" y="685800"/>
+            <a:ext cx="6096000" cy="3429000"/>
+          </a:xfrm>
+          <a:custGeom>
+            <a:rect b="b" l="l" r="r" t="t"/>
+            <a:pathLst>
+              <a:path extrusionOk="0" h="120000" w="120000">
+                <a:moveTo>
+                  <a:pt x="0" y="0"/>
+                </a:moveTo>
+                <a:lnTo>
+                  <a:pt x="120000" y="0"/>
+                </a:lnTo>
+                <a:lnTo>
+                  <a:pt x="120000" y="120000"/>
+                </a:lnTo>
+                <a:lnTo>
+                  <a:pt x="0" y="120000"/>
+                </a:lnTo>
+                <a:close/>
+              </a:path>
+            </a:pathLst>
+          </a:custGeom>
+          <a:noFill/>
+          <a:ln cap="flat" cmpd="sng" w="9525">
+            <a:solidFill>
+              <a:srgbClr val="000000"/>
+            </a:solidFill>
+            <a:prstDash val="solid"/>
+            <a:round/>
+            <a:headEnd len="sm" w="sm" type="none"/>
+            <a:tailEnd len="sm" w="sm" type="none"/>
+          </a:ln>
+        </p:spPr>
+      </p:sp>
+    </p:spTree>
+  </p:cSld>
+  <p:clrMapOvr>
+    <a:masterClrMapping/>
+  </p:clrMapOvr>
+</p:notes>
+</file>
+
+<file path=ppt/notesSlides/notesSlide22.xml><?xml version="1.0" encoding="utf-8"?>
+<p:notes xmlns:a="http://schemas.openxmlformats.org/drawingml/2006/main" xmlns:r="http://schemas.openxmlformats.org/officeDocument/2006/relationships" xmlns:mc="http://schemas.openxmlformats.org/markup-compatibility/2006" xmlns:mv="urn:schemas-microsoft-com:mac:vml" xmlns:p="http://schemas.openxmlformats.org/presentationml/2006/main" xmlns:c="http://schemas.openxmlformats.org/drawingml/2006/chart" xmlns:dgm="http://schemas.openxmlformats.org/drawingml/2006/diagram" xmlns:o="urn:schemas-microsoft-com:office:office" xmlns:v="urn:schemas-microsoft-com:vml" xmlns:pvml="urn:schemas-microsoft-com:office:powerpoint" xmlns:com="http://schemas.openxmlformats.org/drawingml/2006/compatibility" xmlns:p14="http://schemas.microsoft.com/office/powerpoint/2010/main" xmlns:p15="http://schemas.microsoft.com/office/powerpoint/2012/main" xmlns:ahyp="http://schemas.microsoft.com/office/drawing/2018/hyperlinkcolor" showMasterPhAnim="0" showMasterSp="0">
+  <p:cSld>
+    <p:spTree>
+      <p:nvGrpSpPr>
+        <p:cNvPr id="280" name="Shape 280"/>
+        <p:cNvGrpSpPr/>
+        <p:nvPr/>
+      </p:nvGrpSpPr>
+      <p:grpSpPr>
+        <a:xfrm>
+          <a:off x="0" y="0"/>
+          <a:ext cx="0" cy="0"/>
+          <a:chOff x="0" y="0"/>
+          <a:chExt cx="0" cy="0"/>
+        </a:xfrm>
+      </p:grpSpPr>
+      <p:sp>
+        <p:nvSpPr>
+          <p:cNvPr id="281" name="Google Shape;281;gd62fcfd924_1_333:notes"/>
+          <p:cNvSpPr txBox="1"/>
+          <p:nvPr>
+            <p:ph idx="1" type="body"/>
+          </p:nvPr>
+        </p:nvSpPr>
+        <p:spPr>
+          <a:xfrm>
+            <a:off x="685800" y="4400550"/>
+            <a:ext cx="5486400" cy="3600600"/>
+          </a:xfrm>
+          <a:prstGeom prst="rect">
+            <a:avLst/>
+          </a:prstGeom>
+        </p:spPr>
+        <p:txBody>
+          <a:bodyPr anchorCtr="0" anchor="t" bIns="91425" lIns="91425" spcFirstLastPara="1" rIns="91425" wrap="square" tIns="91425">
+            <a:noAutofit/>
+          </a:bodyPr>
+          <a:lstStyle/>
+          <a:p>
+            <a:pPr indent="0" lvl="0" marL="0" rtl="0" algn="l">
+              <a:spcBef>
+                <a:spcPts val="0"/>
+              </a:spcBef>
+              <a:spcAft>
+                <a:spcPts val="0"/>
+              </a:spcAft>
+              <a:buNone/>
+            </a:pPr>
+            <a:r>
+              <a:t/>
+            </a:r>
+            <a:endParaRPr/>
+          </a:p>
+        </p:txBody>
+      </p:sp>
+      <p:sp>
+        <p:nvSpPr>
+          <p:cNvPr id="282" name="Google Shape;282;gd62fcfd924_1_333:notes"/>
+          <p:cNvSpPr/>
+          <p:nvPr>
+            <p:ph idx="2" type="sldImg"/>
+          </p:nvPr>
+        </p:nvSpPr>
+        <p:spPr>
+          <a:xfrm>
+            <a:off x="685800" y="1143000"/>
+            <a:ext cx="5486400" cy="3086100"/>
+          </a:xfrm>
+          <a:custGeom>
+            <a:rect b="b" l="l" r="r" t="t"/>
+            <a:pathLst>
+              <a:path extrusionOk="0" h="120000" w="120000">
+                <a:moveTo>
+                  <a:pt x="0" y="0"/>
+                </a:moveTo>
+                <a:lnTo>
+                  <a:pt x="120000" y="0"/>
+                </a:lnTo>
+                <a:lnTo>
+                  <a:pt x="120000" y="120000"/>
+                </a:lnTo>
+                <a:lnTo>
+                  <a:pt x="0" y="120000"/>
+                </a:lnTo>
+                <a:close/>
+              </a:path>
+            </a:pathLst>
+          </a:custGeom>
+        </p:spPr>
       </p:sp>
     </p:spTree>
   </p:cSld>
@@ -17516,7 +17988,7 @@
         </p:nvSpPr>
         <p:spPr>
           <a:xfrm>
-            <a:off x="526205" y="359918"/>
+            <a:off x="800098" y="275609"/>
             <a:ext cx="7543800" cy="1088100"/>
           </a:xfrm>
           <a:prstGeom prst="rect">
@@ -17551,38 +18023,26 @@
                   <a:srgbClr val="E83464"/>
                 </a:solidFill>
               </a:rPr>
-              <a:t>Estructura de una aplicación GUI</a:t>
+              <a:t>Eventos en JavaFX</a:t>
             </a:r>
-            <a:endParaRPr sz="2800">
+            <a:endParaRPr sz="3000">
               <a:solidFill>
-                <a:srgbClr val="AF7B51"/>
+                <a:srgbClr val="E83464"/>
               </a:solidFill>
-              <a:latin typeface="Nunito"/>
-              <a:ea typeface="Nunito"/>
-              <a:cs typeface="Nunito"/>
-              <a:sym typeface="Nunito"/>
             </a:endParaRPr>
           </a:p>
         </p:txBody>
       </p:sp>
-      <p:pic>
-        <p:nvPicPr>
+      <p:sp>
+        <p:nvSpPr>
           <p:cNvPr id="199" name="Google Shape;199;p24"/>
-          <p:cNvPicPr preferRelativeResize="0"/>
+          <p:cNvSpPr txBox="1"/>
           <p:nvPr/>
-        </p:nvPicPr>
-        <p:blipFill>
-          <a:blip r:embed="rId4">
-            <a:alphaModFix/>
-          </a:blip>
-          <a:stretch>
-            <a:fillRect/>
-          </a:stretch>
-        </p:blipFill>
+        </p:nvSpPr>
         <p:spPr>
           <a:xfrm>
-            <a:off x="834850" y="1537200"/>
-            <a:ext cx="2991775" cy="3200350"/>
+            <a:off x="636525" y="1744000"/>
+            <a:ext cx="7862700" cy="3601800"/>
           </a:xfrm>
           <a:prstGeom prst="rect">
             <a:avLst/>
@@ -17592,35 +18052,259 @@
             <a:noFill/>
           </a:ln>
         </p:spPr>
-      </p:pic>
-      <p:pic>
-        <p:nvPicPr>
-          <p:cNvPr id="200" name="Google Shape;200;p24"/>
-          <p:cNvPicPr preferRelativeResize="0"/>
-          <p:nvPr/>
-        </p:nvPicPr>
-        <p:blipFill>
-          <a:blip r:embed="rId5">
-            <a:alphaModFix/>
-          </a:blip>
-          <a:stretch>
-            <a:fillRect/>
-          </a:stretch>
-        </p:blipFill>
-        <p:spPr>
-          <a:xfrm>
-            <a:off x="4867025" y="1730700"/>
-            <a:ext cx="2724800" cy="2336350"/>
-          </a:xfrm>
-          <a:prstGeom prst="rect">
-            <a:avLst/>
-          </a:prstGeom>
-          <a:noFill/>
-          <a:ln>
-            <a:noFill/>
-          </a:ln>
-        </p:spPr>
-      </p:pic>
+        <p:txBody>
+          <a:bodyPr anchorCtr="0" anchor="t" bIns="91425" lIns="91425" spcFirstLastPara="1" rIns="91425" wrap="square" tIns="91425">
+            <a:spAutoFit/>
+          </a:bodyPr>
+          <a:lstStyle/>
+          <a:p>
+            <a:pPr indent="0" lvl="0" marL="0" rtl="0" algn="just">
+              <a:spcBef>
+                <a:spcPts val="0"/>
+              </a:spcBef>
+              <a:spcAft>
+                <a:spcPts val="0"/>
+              </a:spcAft>
+              <a:buNone/>
+            </a:pPr>
+            <a:r>
+              <a:rPr lang="es" sz="1300">
+                <a:solidFill>
+                  <a:srgbClr val="375FA9"/>
+                </a:solidFill>
+              </a:rPr>
+              <a:t>JavaFX proporciona soporte para manejar una amplia variedad de eventos. La clase llamada Evento del paquete javafx.event es la clase base para un evento. Una instancia de cualquiera de su subclase es un evento. JavaFX proporciona una amplia variedad de eventos:</a:t>
+            </a:r>
+            <a:endParaRPr sz="1300">
+              <a:solidFill>
+                <a:srgbClr val="375FA9"/>
+              </a:solidFill>
+            </a:endParaRPr>
+          </a:p>
+          <a:p>
+            <a:pPr indent="0" lvl="0" marL="0" rtl="0" algn="just">
+              <a:spcBef>
+                <a:spcPts val="0"/>
+              </a:spcBef>
+              <a:spcAft>
+                <a:spcPts val="0"/>
+              </a:spcAft>
+              <a:buNone/>
+            </a:pPr>
+            <a:r>
+              <a:t/>
+            </a:r>
+            <a:endParaRPr sz="1300">
+              <a:solidFill>
+                <a:srgbClr val="375FA9"/>
+              </a:solidFill>
+            </a:endParaRPr>
+          </a:p>
+          <a:p>
+            <a:pPr indent="-311150" lvl="0" marL="457200" rtl="0" algn="just">
+              <a:spcBef>
+                <a:spcPts val="0"/>
+              </a:spcBef>
+              <a:spcAft>
+                <a:spcPts val="0"/>
+              </a:spcAft>
+              <a:buClr>
+                <a:srgbClr val="375FA9"/>
+              </a:buClr>
+              <a:buSzPts val="1300"/>
+              <a:buChar char="●"/>
+            </a:pPr>
+            <a:r>
+              <a:rPr b="1" lang="es" sz="1300">
+                <a:solidFill>
+                  <a:srgbClr val="375FA9"/>
+                </a:solidFill>
+              </a:rPr>
+              <a:t>Mouse Event</a:t>
+            </a:r>
+            <a:r>
+              <a:rPr lang="es" sz="1300">
+                <a:solidFill>
+                  <a:srgbClr val="375FA9"/>
+                </a:solidFill>
+              </a:rPr>
+              <a:t>:  este es un evento de entrada que ocurre cuando se hace clic en un mouse. Está representado por la clase llamada </a:t>
+            </a:r>
+            <a:r>
+              <a:rPr b="1" lang="es" sz="1300">
+                <a:solidFill>
+                  <a:srgbClr val="375FA9"/>
+                </a:solidFill>
+              </a:rPr>
+              <a:t>MouseEvent</a:t>
+            </a:r>
+            <a:r>
+              <a:rPr lang="es" sz="1300">
+                <a:solidFill>
+                  <a:srgbClr val="375FA9"/>
+                </a:solidFill>
+              </a:rPr>
+              <a:t> . Incluye acciones como hacer clic con el mouse, presionar el mouse, soltar el mouse, mover el mouse, objetivo ingresado con el mouse, objetivo salido del mouse, etc.</a:t>
+            </a:r>
+            <a:endParaRPr sz="1300">
+              <a:solidFill>
+                <a:srgbClr val="375FA9"/>
+              </a:solidFill>
+            </a:endParaRPr>
+          </a:p>
+          <a:p>
+            <a:pPr indent="0" lvl="0" marL="0" rtl="0" algn="just">
+              <a:spcBef>
+                <a:spcPts val="0"/>
+              </a:spcBef>
+              <a:spcAft>
+                <a:spcPts val="0"/>
+              </a:spcAft>
+              <a:buNone/>
+            </a:pPr>
+            <a:r>
+              <a:t/>
+            </a:r>
+            <a:endParaRPr sz="1300">
+              <a:solidFill>
+                <a:srgbClr val="375FA9"/>
+              </a:solidFill>
+            </a:endParaRPr>
+          </a:p>
+          <a:p>
+            <a:pPr indent="-311150" lvl="0" marL="457200" rtl="0" algn="just">
+              <a:spcBef>
+                <a:spcPts val="0"/>
+              </a:spcBef>
+              <a:spcAft>
+                <a:spcPts val="0"/>
+              </a:spcAft>
+              <a:buClr>
+                <a:srgbClr val="375FA9"/>
+              </a:buClr>
+              <a:buSzPts val="1300"/>
+              <a:buChar char="●"/>
+            </a:pPr>
+            <a:r>
+              <a:rPr b="1" lang="es" sz="1300">
+                <a:solidFill>
+                  <a:srgbClr val="375FA9"/>
+                </a:solidFill>
+              </a:rPr>
+              <a:t>Key Event</a:t>
+            </a:r>
+            <a:r>
+              <a:rPr lang="es" sz="1300">
+                <a:solidFill>
+                  <a:srgbClr val="375FA9"/>
+                </a:solidFill>
+              </a:rPr>
+              <a:t>: Este es un evento de entrada que indica que la pulsación de la tecla se produjo en un nodo. Está representado por la clase llamada KeyEvent . Este evento incluye acciones como tecla presionada, tecla soltada y tecla tecleada.</a:t>
+            </a:r>
+            <a:endParaRPr sz="1300">
+              <a:solidFill>
+                <a:srgbClr val="375FA9"/>
+              </a:solidFill>
+            </a:endParaRPr>
+          </a:p>
+          <a:p>
+            <a:pPr indent="0" lvl="0" marL="0" rtl="0" algn="just">
+              <a:spcBef>
+                <a:spcPts val="0"/>
+              </a:spcBef>
+              <a:spcAft>
+                <a:spcPts val="0"/>
+              </a:spcAft>
+              <a:buNone/>
+            </a:pPr>
+            <a:r>
+              <a:t/>
+            </a:r>
+            <a:endParaRPr sz="1300">
+              <a:solidFill>
+                <a:srgbClr val="375FA9"/>
+              </a:solidFill>
+            </a:endParaRPr>
+          </a:p>
+          <a:p>
+            <a:pPr indent="0" lvl="0" marL="0" rtl="0" algn="just">
+              <a:spcBef>
+                <a:spcPts val="0"/>
+              </a:spcBef>
+              <a:spcAft>
+                <a:spcPts val="0"/>
+              </a:spcAft>
+              <a:buNone/>
+            </a:pPr>
+            <a:r>
+              <a:t/>
+            </a:r>
+            <a:endParaRPr sz="1300">
+              <a:solidFill>
+                <a:srgbClr val="375FA9"/>
+              </a:solidFill>
+            </a:endParaRPr>
+          </a:p>
+          <a:p>
+            <a:pPr indent="0" lvl="0" marL="0" rtl="0" algn="just">
+              <a:spcBef>
+                <a:spcPts val="0"/>
+              </a:spcBef>
+              <a:spcAft>
+                <a:spcPts val="0"/>
+              </a:spcAft>
+              <a:buNone/>
+            </a:pPr>
+            <a:r>
+              <a:t/>
+            </a:r>
+            <a:endParaRPr sz="1300">
+              <a:solidFill>
+                <a:srgbClr val="375FA9"/>
+              </a:solidFill>
+            </a:endParaRPr>
+          </a:p>
+          <a:p>
+            <a:pPr indent="0" lvl="0" marL="0" rtl="0" algn="just">
+              <a:spcBef>
+                <a:spcPts val="0"/>
+              </a:spcBef>
+              <a:spcAft>
+                <a:spcPts val="0"/>
+              </a:spcAft>
+              <a:buNone/>
+            </a:pPr>
+            <a:r>
+              <a:t/>
+            </a:r>
+            <a:endParaRPr sz="1300">
+              <a:solidFill>
+                <a:srgbClr val="375FA9"/>
+              </a:solidFill>
+            </a:endParaRPr>
+          </a:p>
+          <a:p>
+            <a:pPr indent="0" lvl="0" marL="0" rtl="0" algn="l">
+              <a:spcBef>
+                <a:spcPts val="0"/>
+              </a:spcBef>
+              <a:spcAft>
+                <a:spcPts val="0"/>
+              </a:spcAft>
+              <a:buNone/>
+            </a:pPr>
+            <a:r>
+              <a:t/>
+            </a:r>
+            <a:endParaRPr>
+              <a:latin typeface="Calibri"/>
+              <a:ea typeface="Calibri"/>
+              <a:cs typeface="Calibri"/>
+              <a:sym typeface="Calibri"/>
+            </a:endParaRPr>
+          </a:p>
+        </p:txBody>
+      </p:sp>
     </p:spTree>
   </p:cSld>
   <p:clrMapOvr>
@@ -17646,7 +18330,7 @@
     </p:bg>
     <p:spTree>
       <p:nvGrpSpPr>
-        <p:cNvPr id="204" name="Shape 204"/>
+        <p:cNvPr id="203" name="Shape 203"/>
         <p:cNvGrpSpPr/>
         <p:nvPr/>
       </p:nvGrpSpPr>
@@ -17660,13 +18344,13 @@
       </p:grpSpPr>
       <p:sp>
         <p:nvSpPr>
-          <p:cNvPr id="205" name="Google Shape;205;p25"/>
+          <p:cNvPr id="204" name="Google Shape;204;p25"/>
           <p:cNvSpPr txBox="1"/>
           <p:nvPr/>
         </p:nvSpPr>
         <p:spPr>
           <a:xfrm>
-            <a:off x="526205" y="359918"/>
+            <a:off x="800098" y="275609"/>
             <a:ext cx="7543800" cy="1088100"/>
           </a:xfrm>
           <a:prstGeom prst="rect">
@@ -17701,30 +18385,26 @@
                   <a:srgbClr val="E83464"/>
                 </a:solidFill>
               </a:rPr>
-              <a:t>Ejemplo de una aplicación GUI</a:t>
+              <a:t>Eventos en JavaFX</a:t>
             </a:r>
-            <a:endParaRPr sz="2800">
+            <a:endParaRPr sz="3000">
               <a:solidFill>
-                <a:srgbClr val="AF7B51"/>
+                <a:srgbClr val="E83464"/>
               </a:solidFill>
-              <a:latin typeface="Nunito"/>
-              <a:ea typeface="Nunito"/>
-              <a:cs typeface="Nunito"/>
-              <a:sym typeface="Nunito"/>
             </a:endParaRPr>
           </a:p>
         </p:txBody>
       </p:sp>
       <p:sp>
         <p:nvSpPr>
-          <p:cNvPr id="206" name="Google Shape;206;p25"/>
+          <p:cNvPr id="205" name="Google Shape;205;p25"/>
           <p:cNvSpPr txBox="1"/>
           <p:nvPr/>
         </p:nvSpPr>
         <p:spPr>
           <a:xfrm>
-            <a:off x="580225" y="1592975"/>
-            <a:ext cx="8015400" cy="2339700"/>
+            <a:off x="585800" y="1593975"/>
+            <a:ext cx="8274600" cy="2801400"/>
           </a:xfrm>
           <a:prstGeom prst="rect">
             <a:avLst/>
@@ -17750,61 +18430,52 @@
               <a:buNone/>
             </a:pPr>
             <a:r>
-              <a:rPr lang="es">
-                <a:solidFill>
-                  <a:srgbClr val="375FA9"/>
-                </a:solidFill>
-                <a:latin typeface="Courier New"/>
-                <a:ea typeface="Courier New"/>
-                <a:cs typeface="Courier New"/>
-                <a:sym typeface="Courier New"/>
-              </a:rPr>
-              <a:t>import javafx.application.Application;</a:t>
+              <a:t/>
             </a:r>
-            <a:endParaRPr>
+            <a:endParaRPr sz="1300">
               <a:solidFill>
                 <a:srgbClr val="375FA9"/>
               </a:solidFill>
-              <a:latin typeface="Courier New"/>
-              <a:ea typeface="Courier New"/>
-              <a:cs typeface="Courier New"/>
-              <a:sym typeface="Courier New"/>
             </a:endParaRPr>
           </a:p>
           <a:p>
-            <a:pPr indent="0" lvl="0" marL="0" rtl="0" algn="just">
-              <a:spcBef>
-                <a:spcPts val="0"/>
-              </a:spcBef>
-              <a:spcAft>
-                <a:spcPts val="0"/>
-              </a:spcAft>
-              <a:buNone/>
+            <a:pPr indent="-311150" lvl="0" marL="457200" rtl="0" algn="just">
+              <a:spcBef>
+                <a:spcPts val="0"/>
+              </a:spcBef>
+              <a:spcAft>
+                <a:spcPts val="0"/>
+              </a:spcAft>
+              <a:buClr>
+                <a:srgbClr val="375FA9"/>
+              </a:buClr>
+              <a:buSzPts val="1300"/>
+              <a:buChar char="●"/>
             </a:pPr>
             <a:r>
-              <a:rPr lang="es">
+              <a:rPr b="1" lang="es" sz="1300">
                 <a:solidFill>
                   <a:srgbClr val="375FA9"/>
                 </a:solidFill>
-                <a:latin typeface="Courier New"/>
-                <a:ea typeface="Courier New"/>
-                <a:cs typeface="Courier New"/>
-                <a:sym typeface="Courier New"/>
               </a:rPr>
-              <a:t>import javafx.event.ActionEvent;</a:t>
+              <a:t>Drag Event: </a:t>
             </a:r>
-            <a:endParaRPr>
+            <a:r>
+              <a:rPr lang="es" sz="1300">
+                <a:solidFill>
+                  <a:srgbClr val="375FA9"/>
+                </a:solidFill>
+              </a:rPr>
+              <a:t>Este es un evento de entrada que ocurre cuando se arrastra el mouse. Está representado por la clase llamada DragEvent . Incluye acciones como arrastrar ingresado, arrastrar soltado, arrastrar el objetivo ingresado, arrastrar el objetivo salido, arrastrar sobre, etc.</a:t>
+            </a:r>
+            <a:endParaRPr sz="1300">
               <a:solidFill>
                 <a:srgbClr val="375FA9"/>
               </a:solidFill>
-              <a:latin typeface="Courier New"/>
-              <a:ea typeface="Courier New"/>
-              <a:cs typeface="Courier New"/>
-              <a:sym typeface="Courier New"/>
             </a:endParaRPr>
           </a:p>
           <a:p>
-            <a:pPr indent="0" lvl="0" marL="0" rtl="0" algn="just">
+            <a:pPr indent="0" lvl="0" marL="457200" rtl="0" algn="just">
               <a:spcBef>
                 <a:spcPts val="0"/>
               </a:spcBef>
@@ -17814,61 +18485,52 @@
               <a:buNone/>
             </a:pPr>
             <a:r>
-              <a:rPr lang="es">
-                <a:solidFill>
-                  <a:srgbClr val="375FA9"/>
-                </a:solidFill>
-                <a:latin typeface="Courier New"/>
-                <a:ea typeface="Courier New"/>
-                <a:cs typeface="Courier New"/>
-                <a:sym typeface="Courier New"/>
-              </a:rPr>
-              <a:t>import javafx.event.EventHandler;</a:t>
+              <a:t/>
             </a:r>
-            <a:endParaRPr>
+            <a:endParaRPr sz="1300">
               <a:solidFill>
                 <a:srgbClr val="375FA9"/>
               </a:solidFill>
-              <a:latin typeface="Courier New"/>
-              <a:ea typeface="Courier New"/>
-              <a:cs typeface="Courier New"/>
-              <a:sym typeface="Courier New"/>
             </a:endParaRPr>
           </a:p>
           <a:p>
-            <a:pPr indent="0" lvl="0" marL="0" rtl="0" algn="just">
-              <a:spcBef>
-                <a:spcPts val="0"/>
-              </a:spcBef>
-              <a:spcAft>
-                <a:spcPts val="0"/>
-              </a:spcAft>
-              <a:buNone/>
+            <a:pPr indent="-311150" lvl="0" marL="457200" rtl="0" algn="just">
+              <a:spcBef>
+                <a:spcPts val="0"/>
+              </a:spcBef>
+              <a:spcAft>
+                <a:spcPts val="0"/>
+              </a:spcAft>
+              <a:buClr>
+                <a:srgbClr val="375FA9"/>
+              </a:buClr>
+              <a:buSzPts val="1300"/>
+              <a:buChar char="●"/>
             </a:pPr>
             <a:r>
-              <a:rPr lang="es">
+              <a:rPr b="1" lang="es" sz="1300">
                 <a:solidFill>
                   <a:srgbClr val="375FA9"/>
                 </a:solidFill>
-                <a:latin typeface="Courier New"/>
-                <a:ea typeface="Courier New"/>
-                <a:cs typeface="Courier New"/>
-                <a:sym typeface="Courier New"/>
               </a:rPr>
-              <a:t>import javafx.scene.Scene;</a:t>
+              <a:t>Window Event: </a:t>
             </a:r>
-            <a:endParaRPr>
+            <a:r>
+              <a:rPr lang="es" sz="1300">
+                <a:solidFill>
+                  <a:srgbClr val="375FA9"/>
+                </a:solidFill>
+              </a:rPr>
+              <a:t>Este es un evento relacionado con acciones de mostrar / ocultar ventanas. Está representado por la clase llamada WindowEvent . Incluye acciones como ocultar ventanas, mostrar ventanas, ocultar ventanas, mostrar ventanas, etc.</a:t>
+            </a:r>
+            <a:endParaRPr sz="1300">
               <a:solidFill>
                 <a:srgbClr val="375FA9"/>
               </a:solidFill>
-              <a:latin typeface="Courier New"/>
-              <a:ea typeface="Courier New"/>
-              <a:cs typeface="Courier New"/>
-              <a:sym typeface="Courier New"/>
             </a:endParaRPr>
           </a:p>
           <a:p>
-            <a:pPr indent="0" lvl="0" marL="0" rtl="0" algn="just">
+            <a:pPr indent="0" lvl="0" marL="457200" rtl="0" algn="just">
               <a:spcBef>
                 <a:spcPts val="0"/>
               </a:spcBef>
@@ -17878,110 +18540,9 @@
               <a:buNone/>
             </a:pPr>
             <a:r>
-              <a:rPr lang="es">
-                <a:solidFill>
-                  <a:srgbClr val="375FA9"/>
-                </a:solidFill>
-                <a:latin typeface="Courier New"/>
-                <a:ea typeface="Courier New"/>
-                <a:cs typeface="Courier New"/>
-                <a:sym typeface="Courier New"/>
-              </a:rPr>
-              <a:t>import javafx.scene.control.Button;</a:t>
+              <a:t/>
             </a:r>
-            <a:endParaRPr>
-              <a:solidFill>
-                <a:srgbClr val="375FA9"/>
-              </a:solidFill>
-              <a:latin typeface="Courier New"/>
-              <a:ea typeface="Courier New"/>
-              <a:cs typeface="Courier New"/>
-              <a:sym typeface="Courier New"/>
-            </a:endParaRPr>
-          </a:p>
-          <a:p>
-            <a:pPr indent="0" lvl="0" marL="0" rtl="0" algn="just">
-              <a:spcBef>
-                <a:spcPts val="0"/>
-              </a:spcBef>
-              <a:spcAft>
-                <a:spcPts val="0"/>
-              </a:spcAft>
-              <a:buNone/>
-            </a:pPr>
-            <a:r>
-              <a:rPr lang="es">
-                <a:solidFill>
-                  <a:srgbClr val="375FA9"/>
-                </a:solidFill>
-                <a:latin typeface="Courier New"/>
-                <a:ea typeface="Courier New"/>
-                <a:cs typeface="Courier New"/>
-                <a:sym typeface="Courier New"/>
-              </a:rPr>
-              <a:t>import javafx.scene.layout.StackPane;</a:t>
-            </a:r>
-            <a:endParaRPr>
-              <a:solidFill>
-                <a:srgbClr val="375FA9"/>
-              </a:solidFill>
-              <a:latin typeface="Courier New"/>
-              <a:ea typeface="Courier New"/>
-              <a:cs typeface="Courier New"/>
-              <a:sym typeface="Courier New"/>
-            </a:endParaRPr>
-          </a:p>
-          <a:p>
-            <a:pPr indent="0" lvl="0" marL="0" rtl="0" algn="just">
-              <a:spcBef>
-                <a:spcPts val="0"/>
-              </a:spcBef>
-              <a:spcAft>
-                <a:spcPts val="0"/>
-              </a:spcAft>
-              <a:buNone/>
-            </a:pPr>
-            <a:r>
-              <a:rPr lang="es">
-                <a:solidFill>
-                  <a:srgbClr val="375FA9"/>
-                </a:solidFill>
-                <a:latin typeface="Courier New"/>
-                <a:ea typeface="Courier New"/>
-                <a:cs typeface="Courier New"/>
-                <a:sym typeface="Courier New"/>
-              </a:rPr>
-              <a:t>import javafx.stage.Stage;</a:t>
-            </a:r>
-            <a:endParaRPr>
-              <a:solidFill>
-                <a:srgbClr val="375FA9"/>
-              </a:solidFill>
-              <a:latin typeface="Courier New"/>
-              <a:ea typeface="Courier New"/>
-              <a:cs typeface="Courier New"/>
-              <a:sym typeface="Courier New"/>
-            </a:endParaRPr>
-          </a:p>
-          <a:p>
-            <a:pPr indent="0" lvl="0" marL="0" rtl="0" algn="just">
-              <a:spcBef>
-                <a:spcPts val="0"/>
-              </a:spcBef>
-              <a:spcAft>
-                <a:spcPts val="0"/>
-              </a:spcAft>
-              <a:buNone/>
-            </a:pPr>
-            <a:r>
-              <a:rPr lang="es">
-                <a:solidFill>
-                  <a:srgbClr val="375FA9"/>
-                </a:solidFill>
-              </a:rPr>
-              <a:t> </a:t>
-            </a:r>
-            <a:endParaRPr>
+            <a:endParaRPr sz="1300">
               <a:solidFill>
                 <a:srgbClr val="375FA9"/>
               </a:solidFill>
@@ -18000,7 +18561,45 @@
             <a:r>
               <a:t/>
             </a:r>
-            <a:endParaRPr>
+            <a:endParaRPr sz="1300">
+              <a:solidFill>
+                <a:srgbClr val="375FA9"/>
+              </a:solidFill>
+            </a:endParaRPr>
+          </a:p>
+          <a:p>
+            <a:pPr indent="0" lvl="0" marL="0" rtl="0" algn="just">
+              <a:spcBef>
+                <a:spcPts val="0"/>
+              </a:spcBef>
+              <a:spcAft>
+                <a:spcPts val="0"/>
+              </a:spcAft>
+              <a:buNone/>
+            </a:pPr>
+            <a:r>
+              <a:t/>
+            </a:r>
+            <a:endParaRPr sz="1300">
+              <a:solidFill>
+                <a:srgbClr val="375FA9"/>
+              </a:solidFill>
+            </a:endParaRPr>
+          </a:p>
+          <a:p>
+            <a:pPr indent="0" lvl="0" marL="0" rtl="0" algn="just">
+              <a:spcBef>
+                <a:spcPts val="0"/>
+              </a:spcBef>
+              <a:spcAft>
+                <a:spcPts val="0"/>
+              </a:spcAft>
+              <a:buNone/>
+            </a:pPr>
+            <a:r>
+              <a:t/>
+            </a:r>
+            <a:endParaRPr sz="1300">
               <a:solidFill>
                 <a:srgbClr val="375FA9"/>
               </a:solidFill>
@@ -18024,227 +18623,6 @@
               <a:ea typeface="Calibri"/>
               <a:cs typeface="Calibri"/>
               <a:sym typeface="Calibri"/>
-            </a:endParaRPr>
-          </a:p>
-        </p:txBody>
-      </p:sp>
-      <p:sp>
-        <p:nvSpPr>
-          <p:cNvPr id="207" name="Google Shape;207;p25"/>
-          <p:cNvSpPr/>
-          <p:nvPr/>
-        </p:nvSpPr>
-        <p:spPr>
-          <a:xfrm>
-            <a:off x="4988925" y="1760350"/>
-            <a:ext cx="219300" cy="1359900"/>
-          </a:xfrm>
-          <a:prstGeom prst="rightBrace">
-            <a:avLst>
-              <a:gd fmla="val 50000" name="adj1"/>
-              <a:gd fmla="val 50000" name="adj2"/>
-            </a:avLst>
-          </a:prstGeom>
-          <a:noFill/>
-          <a:ln cap="flat" cmpd="sng" w="9525">
-            <a:solidFill>
-              <a:schemeClr val="dk2"/>
-            </a:solidFill>
-            <a:prstDash val="solid"/>
-            <a:round/>
-            <a:headEnd len="sm" w="sm" type="none"/>
-            <a:tailEnd len="sm" w="sm" type="none"/>
-          </a:ln>
-        </p:spPr>
-        <p:txBody>
-          <a:bodyPr anchorCtr="0" anchor="ctr" bIns="91425" lIns="91425" spcFirstLastPara="1" rIns="91425" wrap="square" tIns="91425">
-            <a:noAutofit/>
-          </a:bodyPr>
-          <a:lstStyle/>
-          <a:p>
-            <a:pPr indent="0" lvl="0" marL="0" rtl="0" algn="l">
-              <a:spcBef>
-                <a:spcPts val="0"/>
-              </a:spcBef>
-              <a:spcAft>
-                <a:spcPts val="0"/>
-              </a:spcAft>
-              <a:buNone/>
-            </a:pPr>
-            <a:r>
-              <a:t/>
-            </a:r>
-            <a:endParaRPr/>
-          </a:p>
-        </p:txBody>
-      </p:sp>
-      <p:sp>
-        <p:nvSpPr>
-          <p:cNvPr id="208" name="Google Shape;208;p25"/>
-          <p:cNvSpPr txBox="1"/>
-          <p:nvPr/>
-        </p:nvSpPr>
-        <p:spPr>
-          <a:xfrm>
-            <a:off x="5388425" y="2263950"/>
-            <a:ext cx="6317100" cy="615600"/>
-          </a:xfrm>
-          <a:prstGeom prst="rect">
-            <a:avLst/>
-          </a:prstGeom>
-          <a:noFill/>
-          <a:ln>
-            <a:noFill/>
-          </a:ln>
-        </p:spPr>
-        <p:txBody>
-          <a:bodyPr anchorCtr="0" anchor="t" bIns="91425" lIns="91425" spcFirstLastPara="1" rIns="91425" wrap="square" tIns="91425">
-            <a:spAutoFit/>
-          </a:bodyPr>
-          <a:lstStyle/>
-          <a:p>
-            <a:pPr indent="0" lvl="0" marL="0" rtl="0" algn="l">
-              <a:spcBef>
-                <a:spcPts val="0"/>
-              </a:spcBef>
-              <a:spcAft>
-                <a:spcPts val="0"/>
-              </a:spcAft>
-              <a:buNone/>
-            </a:pPr>
-            <a:r>
-              <a:rPr lang="es">
-                <a:solidFill>
-                  <a:srgbClr val="3C63AA"/>
-                </a:solidFill>
-              </a:rPr>
-              <a:t>Importación de librerías necesarias </a:t>
-            </a:r>
-            <a:endParaRPr>
-              <a:solidFill>
-                <a:srgbClr val="3C63AA"/>
-              </a:solidFill>
-            </a:endParaRPr>
-          </a:p>
-          <a:p>
-            <a:pPr indent="0" lvl="0" marL="0" rtl="0" algn="l">
-              <a:spcBef>
-                <a:spcPts val="0"/>
-              </a:spcBef>
-              <a:spcAft>
-                <a:spcPts val="0"/>
-              </a:spcAft>
-              <a:buNone/>
-            </a:pPr>
-            <a:r>
-              <a:t/>
-            </a:r>
-            <a:endParaRPr>
-              <a:solidFill>
-                <a:srgbClr val="3C63AA"/>
-              </a:solidFill>
-            </a:endParaRPr>
-          </a:p>
-        </p:txBody>
-      </p:sp>
-      <p:sp>
-        <p:nvSpPr>
-          <p:cNvPr id="209" name="Google Shape;209;p25"/>
-          <p:cNvSpPr/>
-          <p:nvPr/>
-        </p:nvSpPr>
-        <p:spPr>
-          <a:xfrm rot="5396893">
-            <a:off x="1887049" y="3665624"/>
-            <a:ext cx="663900" cy="109800"/>
-          </a:xfrm>
-          <a:prstGeom prst="rightArrow">
-            <a:avLst>
-              <a:gd fmla="val 50000" name="adj1"/>
-              <a:gd fmla="val 50000" name="adj2"/>
-            </a:avLst>
-          </a:prstGeom>
-          <a:solidFill>
-            <a:srgbClr val="FFFF00"/>
-          </a:solidFill>
-          <a:ln cap="flat" cmpd="sng" w="9525">
-            <a:solidFill>
-              <a:srgbClr val="000000"/>
-            </a:solidFill>
-            <a:prstDash val="solid"/>
-            <a:round/>
-            <a:headEnd len="sm" w="sm" type="none"/>
-            <a:tailEnd len="sm" w="sm" type="none"/>
-          </a:ln>
-        </p:spPr>
-        <p:txBody>
-          <a:bodyPr anchorCtr="0" anchor="ctr" bIns="91425" lIns="91425" spcFirstLastPara="1" rIns="91425" wrap="square" tIns="91425">
-            <a:noAutofit/>
-          </a:bodyPr>
-          <a:lstStyle/>
-          <a:p>
-            <a:pPr indent="0" lvl="0" marL="0" rtl="0" algn="l">
-              <a:spcBef>
-                <a:spcPts val="0"/>
-              </a:spcBef>
-              <a:spcAft>
-                <a:spcPts val="0"/>
-              </a:spcAft>
-              <a:buNone/>
-            </a:pPr>
-            <a:r>
-              <a:t/>
-            </a:r>
-            <a:endParaRPr/>
-          </a:p>
-        </p:txBody>
-      </p:sp>
-      <p:sp>
-        <p:nvSpPr>
-          <p:cNvPr id="210" name="Google Shape;210;p25"/>
-          <p:cNvSpPr txBox="1"/>
-          <p:nvPr/>
-        </p:nvSpPr>
-        <p:spPr>
-          <a:xfrm>
-            <a:off x="1752900" y="4077625"/>
-            <a:ext cx="6317100" cy="400200"/>
-          </a:xfrm>
-          <a:prstGeom prst="rect">
-            <a:avLst/>
-          </a:prstGeom>
-          <a:noFill/>
-          <a:ln>
-            <a:noFill/>
-          </a:ln>
-        </p:spPr>
-        <p:txBody>
-          <a:bodyPr anchorCtr="0" anchor="t" bIns="91425" lIns="91425" spcFirstLastPara="1" rIns="91425" wrap="square" tIns="91425">
-            <a:spAutoFit/>
-          </a:bodyPr>
-          <a:lstStyle/>
-          <a:p>
-            <a:pPr indent="0" lvl="0" marL="0" rtl="0" algn="l">
-              <a:spcBef>
-                <a:spcPts val="0"/>
-              </a:spcBef>
-              <a:spcAft>
-                <a:spcPts val="0"/>
-              </a:spcAft>
-              <a:buNone/>
-            </a:pPr>
-            <a:r>
-              <a:rPr lang="es">
-                <a:solidFill>
-                  <a:srgbClr val="375FA9"/>
-                </a:solidFill>
-              </a:rPr>
-              <a:t>Siguiente.</a:t>
-            </a:r>
-            <a:endParaRPr>
-              <a:solidFill>
-                <a:srgbClr val="375FA9"/>
-              </a:solidFill>
             </a:endParaRPr>
           </a:p>
         </p:txBody>
@@ -18274,7 +18652,7 @@
     </p:bg>
     <p:spTree>
       <p:nvGrpSpPr>
-        <p:cNvPr id="214" name="Shape 214"/>
+        <p:cNvPr id="209" name="Shape 209"/>
         <p:cNvGrpSpPr/>
         <p:nvPr/>
       </p:nvGrpSpPr>
@@ -18288,13 +18666,13 @@
       </p:grpSpPr>
       <p:sp>
         <p:nvSpPr>
-          <p:cNvPr id="215" name="Google Shape;215;p26"/>
+          <p:cNvPr id="210" name="Google Shape;210;p26"/>
           <p:cNvSpPr txBox="1"/>
           <p:nvPr/>
         </p:nvSpPr>
         <p:spPr>
           <a:xfrm>
-            <a:off x="800105" y="191143"/>
+            <a:off x="800098" y="275609"/>
             <a:ext cx="7543800" cy="1088100"/>
           </a:xfrm>
           <a:prstGeom prst="rect">
@@ -18324,35 +18702,31 @@
               <a:buNone/>
             </a:pPr>
             <a:r>
-              <a:rPr lang="es" sz="2700">
+              <a:rPr lang="es" sz="3000">
                 <a:solidFill>
                   <a:srgbClr val="E83464"/>
                 </a:solidFill>
               </a:rPr>
-              <a:t>Ejemplo de una aplicación GUI</a:t>
+              <a:t>Eventos en JavaFX</a:t>
             </a:r>
-            <a:endParaRPr sz="2500">
+            <a:endParaRPr sz="3000">
               <a:solidFill>
-                <a:srgbClr val="AF7B51"/>
+                <a:srgbClr val="E83464"/>
               </a:solidFill>
-              <a:latin typeface="Nunito"/>
-              <a:ea typeface="Nunito"/>
-              <a:cs typeface="Nunito"/>
-              <a:sym typeface="Nunito"/>
             </a:endParaRPr>
           </a:p>
         </p:txBody>
       </p:sp>
       <p:sp>
         <p:nvSpPr>
-          <p:cNvPr id="216" name="Google Shape;216;p26"/>
+          <p:cNvPr id="211" name="Google Shape;211;p26"/>
           <p:cNvSpPr txBox="1"/>
           <p:nvPr/>
         </p:nvSpPr>
         <p:spPr>
           <a:xfrm>
-            <a:off x="949000" y="1209025"/>
-            <a:ext cx="8015400" cy="3879000"/>
+            <a:off x="640650" y="1034650"/>
+            <a:ext cx="8274600" cy="4079100"/>
           </a:xfrm>
           <a:prstGeom prst="rect">
             <a:avLst/>
@@ -18378,25 +18752,12 @@
               <a:buNone/>
             </a:pPr>
             <a:r>
-              <a:rPr lang="es" sz="1000">
-                <a:solidFill>
-                  <a:srgbClr val="375FA9"/>
-                </a:solidFill>
-                <a:latin typeface="Courier New"/>
-                <a:ea typeface="Courier New"/>
-                <a:cs typeface="Courier New"/>
-                <a:sym typeface="Courier New"/>
-              </a:rPr>
-              <a:t>public class App extends Application {</a:t>
+              <a:t/>
             </a:r>
-            <a:endParaRPr sz="1000">
+            <a:endParaRPr sz="1300">
               <a:solidFill>
                 <a:srgbClr val="375FA9"/>
               </a:solidFill>
-              <a:latin typeface="Courier New"/>
-              <a:ea typeface="Courier New"/>
-              <a:cs typeface="Courier New"/>
-              <a:sym typeface="Courier New"/>
             </a:endParaRPr>
           </a:p>
           <a:p>
@@ -18410,25 +18771,12 @@
               <a:buNone/>
             </a:pPr>
             <a:r>
-              <a:rPr lang="es" sz="1000">
-                <a:solidFill>
-                  <a:srgbClr val="375FA9"/>
-                </a:solidFill>
-                <a:latin typeface="Courier New"/>
-                <a:ea typeface="Courier New"/>
-                <a:cs typeface="Courier New"/>
-                <a:sym typeface="Courier New"/>
-              </a:rPr>
-              <a:t>    public static void main(String[] args) {</a:t>
+              <a:t/>
             </a:r>
-            <a:endParaRPr sz="1000">
+            <a:endParaRPr sz="1300">
               <a:solidFill>
                 <a:srgbClr val="375FA9"/>
               </a:solidFill>
-              <a:latin typeface="Courier New"/>
-              <a:ea typeface="Courier New"/>
-              <a:cs typeface="Courier New"/>
-              <a:sym typeface="Courier New"/>
             </a:endParaRPr>
           </a:p>
           <a:p>
@@ -18442,25 +18790,209 @@
               <a:buNone/>
             </a:pPr>
             <a:r>
-              <a:rPr lang="es" sz="1000">
+              <a:rPr b="1" lang="es" sz="1300">
                 <a:solidFill>
                   <a:srgbClr val="375FA9"/>
                 </a:solidFill>
-                <a:latin typeface="Courier New"/>
-                <a:ea typeface="Courier New"/>
-                <a:cs typeface="Courier New"/>
-                <a:sym typeface="Courier New"/>
               </a:rPr>
-              <a:t>        launch(args);</a:t>
+              <a:t>Event Handling:</a:t>
             </a:r>
-            <a:endParaRPr sz="1000">
+            <a:r>
+              <a:rPr lang="es" sz="1300">
+                <a:solidFill>
+                  <a:srgbClr val="375FA9"/>
+                </a:solidFill>
+              </a:rPr>
+              <a:t> El manejo de eventos es el mecanismo que controla el evento y decide qué debe suceder, si ocurre un evento. Este mecanismo tiene el código que se conoce como controlador de eventos que se ejecuta cuando ocurre un evento. JavaFX proporciona controladores y filtros para manejar eventos. En JavaFX cada evento tiene:</a:t>
+            </a:r>
+            <a:endParaRPr sz="1300">
               <a:solidFill>
                 <a:srgbClr val="375FA9"/>
               </a:solidFill>
-              <a:latin typeface="Courier New"/>
-              <a:ea typeface="Courier New"/>
-              <a:cs typeface="Courier New"/>
-              <a:sym typeface="Courier New"/>
+            </a:endParaRPr>
+          </a:p>
+          <a:p>
+            <a:pPr indent="0" lvl="0" marL="457200" rtl="0" algn="just">
+              <a:spcBef>
+                <a:spcPts val="0"/>
+              </a:spcBef>
+              <a:spcAft>
+                <a:spcPts val="0"/>
+              </a:spcAft>
+              <a:buNone/>
+            </a:pPr>
+            <a:r>
+              <a:t/>
+            </a:r>
+            <a:endParaRPr sz="1800">
+              <a:solidFill>
+                <a:srgbClr val="375FA9"/>
+              </a:solidFill>
+            </a:endParaRPr>
+          </a:p>
+          <a:p>
+            <a:pPr indent="-311150" lvl="0" marL="457200" rtl="0" algn="just">
+              <a:spcBef>
+                <a:spcPts val="0"/>
+              </a:spcBef>
+              <a:spcAft>
+                <a:spcPts val="0"/>
+              </a:spcAft>
+              <a:buClr>
+                <a:srgbClr val="375FA9"/>
+              </a:buClr>
+              <a:buSzPts val="1300"/>
+              <a:buChar char="●"/>
+            </a:pPr>
+            <a:r>
+              <a:rPr b="1" lang="es" sz="1300">
+                <a:solidFill>
+                  <a:srgbClr val="375FA9"/>
+                </a:solidFill>
+              </a:rPr>
+              <a:t>Target:</a:t>
+            </a:r>
+            <a:r>
+              <a:rPr lang="es" sz="1300">
+                <a:solidFill>
+                  <a:srgbClr val="375FA9"/>
+                </a:solidFill>
+              </a:rPr>
+              <a:t> el nodo en el que ocurrió un evento. Un objetivo puede ser una ventana, una escena y un nodo.</a:t>
+            </a:r>
+            <a:endParaRPr sz="1300">
+              <a:solidFill>
+                <a:srgbClr val="375FA9"/>
+              </a:solidFill>
+            </a:endParaRPr>
+          </a:p>
+          <a:p>
+            <a:pPr indent="0" lvl="0" marL="457200" rtl="0" algn="just">
+              <a:spcBef>
+                <a:spcPts val="0"/>
+              </a:spcBef>
+              <a:spcAft>
+                <a:spcPts val="0"/>
+              </a:spcAft>
+              <a:buNone/>
+            </a:pPr>
+            <a:r>
+              <a:t/>
+            </a:r>
+            <a:endParaRPr sz="1300">
+              <a:solidFill>
+                <a:srgbClr val="375FA9"/>
+              </a:solidFill>
+            </a:endParaRPr>
+          </a:p>
+          <a:p>
+            <a:pPr indent="-311150" lvl="0" marL="457200" rtl="0" algn="just">
+              <a:spcBef>
+                <a:spcPts val="0"/>
+              </a:spcBef>
+              <a:spcAft>
+                <a:spcPts val="0"/>
+              </a:spcAft>
+              <a:buClr>
+                <a:srgbClr val="375FA9"/>
+              </a:buClr>
+              <a:buSzPts val="1300"/>
+              <a:buChar char="●"/>
+            </a:pPr>
+            <a:r>
+              <a:rPr b="1" lang="es" sz="1300">
+                <a:solidFill>
+                  <a:srgbClr val="375FA9"/>
+                </a:solidFill>
+              </a:rPr>
+              <a:t>Source: </a:t>
+            </a:r>
+            <a:r>
+              <a:rPr lang="es" sz="1300">
+                <a:solidFill>
+                  <a:srgbClr val="375FA9"/>
+                </a:solidFill>
+              </a:rPr>
+              <a:t> la fuente a partir de la cual se genera el evento será la fuente del evento. En el escenario anterior, el mouse es la fuente del evento.</a:t>
+            </a:r>
+            <a:endParaRPr sz="1300">
+              <a:solidFill>
+                <a:srgbClr val="375FA9"/>
+              </a:solidFill>
+            </a:endParaRPr>
+          </a:p>
+          <a:p>
+            <a:pPr indent="0" lvl="0" marL="457200" rtl="0" algn="just">
+              <a:spcBef>
+                <a:spcPts val="0"/>
+              </a:spcBef>
+              <a:spcAft>
+                <a:spcPts val="0"/>
+              </a:spcAft>
+              <a:buNone/>
+            </a:pPr>
+            <a:r>
+              <a:t/>
+            </a:r>
+            <a:endParaRPr sz="1300">
+              <a:solidFill>
+                <a:srgbClr val="375FA9"/>
+              </a:solidFill>
+            </a:endParaRPr>
+          </a:p>
+          <a:p>
+            <a:pPr indent="-311150" lvl="0" marL="457200" rtl="0" algn="just">
+              <a:spcBef>
+                <a:spcPts val="0"/>
+              </a:spcBef>
+              <a:spcAft>
+                <a:spcPts val="0"/>
+              </a:spcAft>
+              <a:buClr>
+                <a:srgbClr val="375FA9"/>
+              </a:buClr>
+              <a:buSzPts val="1300"/>
+              <a:buChar char="●"/>
+            </a:pPr>
+            <a:r>
+              <a:rPr b="1" lang="es" sz="1300">
+                <a:solidFill>
+                  <a:srgbClr val="375FA9"/>
+                </a:solidFill>
+              </a:rPr>
+              <a:t>Type</a:t>
+            </a:r>
+            <a:r>
+              <a:rPr lang="es" sz="1300">
+                <a:solidFill>
+                  <a:srgbClr val="375FA9"/>
+                </a:solidFill>
+              </a:rPr>
+              <a:t>: Tipo de evento ocurrido; en el caso de un evento de mouse, el mouse presionado, el mouse soltado son el tipo de eventos.</a:t>
+            </a:r>
+            <a:endParaRPr sz="1300">
+              <a:solidFill>
+                <a:srgbClr val="375FA9"/>
+              </a:solidFill>
+            </a:endParaRPr>
+          </a:p>
+          <a:p>
+            <a:pPr indent="0" lvl="0" marL="457200" rtl="0" algn="just">
+              <a:spcBef>
+                <a:spcPts val="0"/>
+              </a:spcBef>
+              <a:spcAft>
+                <a:spcPts val="0"/>
+              </a:spcAft>
+              <a:buNone/>
+            </a:pPr>
+            <a:r>
+              <a:t/>
+            </a:r>
+            <a:endParaRPr sz="1300">
+              <a:solidFill>
+                <a:srgbClr val="375FA9"/>
+              </a:solidFill>
             </a:endParaRPr>
           </a:p>
           <a:p>
@@ -18474,25 +19006,12 @@
               <a:buNone/>
             </a:pPr>
             <a:r>
-              <a:rPr lang="es" sz="1000">
-                <a:solidFill>
-                  <a:srgbClr val="375FA9"/>
-                </a:solidFill>
-                <a:latin typeface="Courier New"/>
-                <a:ea typeface="Courier New"/>
-                <a:cs typeface="Courier New"/>
-                <a:sym typeface="Courier New"/>
-              </a:rPr>
-              <a:t>    }</a:t>
+              <a:t/>
             </a:r>
-            <a:endParaRPr sz="1000">
+            <a:endParaRPr sz="1300">
               <a:solidFill>
                 <a:srgbClr val="375FA9"/>
               </a:solidFill>
-              <a:latin typeface="Courier New"/>
-              <a:ea typeface="Courier New"/>
-              <a:cs typeface="Courier New"/>
-              <a:sym typeface="Courier New"/>
             </a:endParaRPr>
           </a:p>
           <a:p>
@@ -18506,25 +19025,12 @@
               <a:buNone/>
             </a:pPr>
             <a:r>
-              <a:rPr lang="es" sz="1000">
-                <a:solidFill>
-                  <a:srgbClr val="375FA9"/>
-                </a:solidFill>
-                <a:latin typeface="Courier New"/>
-                <a:ea typeface="Courier New"/>
-                <a:cs typeface="Courier New"/>
-                <a:sym typeface="Courier New"/>
-              </a:rPr>
-              <a:t>    </a:t>
+              <a:t/>
             </a:r>
-            <a:endParaRPr sz="1000">
+            <a:endParaRPr sz="1300">
               <a:solidFill>
                 <a:srgbClr val="375FA9"/>
               </a:solidFill>
-              <a:latin typeface="Courier New"/>
-              <a:ea typeface="Courier New"/>
-              <a:cs typeface="Courier New"/>
-              <a:sym typeface="Courier New"/>
             </a:endParaRPr>
           </a:p>
           <a:p>
@@ -18538,29 +19044,16 @@
               <a:buNone/>
             </a:pPr>
             <a:r>
-              <a:rPr lang="es" sz="1000">
-                <a:solidFill>
-                  <a:srgbClr val="375FA9"/>
-                </a:solidFill>
-                <a:latin typeface="Courier New"/>
-                <a:ea typeface="Courier New"/>
-                <a:cs typeface="Courier New"/>
-                <a:sym typeface="Courier New"/>
-              </a:rPr>
-              <a:t>    @Override</a:t>
+              <a:t/>
             </a:r>
-            <a:endParaRPr sz="1000">
+            <a:endParaRPr sz="1300">
               <a:solidFill>
                 <a:srgbClr val="375FA9"/>
               </a:solidFill>
-              <a:latin typeface="Courier New"/>
-              <a:ea typeface="Courier New"/>
-              <a:cs typeface="Courier New"/>
-              <a:sym typeface="Courier New"/>
             </a:endParaRPr>
           </a:p>
           <a:p>
-            <a:pPr indent="0" lvl="0" marL="0" rtl="0" algn="just">
+            <a:pPr indent="0" lvl="0" marL="0" rtl="0" algn="l">
               <a:spcBef>
                 <a:spcPts val="0"/>
               </a:spcBef>
@@ -18570,566 +19063,13 @@
               <a:buNone/>
             </a:pPr>
             <a:r>
-              <a:rPr lang="es" sz="1000">
-                <a:solidFill>
-                  <a:srgbClr val="375FA9"/>
-                </a:solidFill>
-                <a:latin typeface="Courier New"/>
-                <a:ea typeface="Courier New"/>
-                <a:cs typeface="Courier New"/>
-                <a:sym typeface="Courier New"/>
-              </a:rPr>
-              <a:t>    public void start(Stage primaryStage) {</a:t>
-            </a:r>
-            <a:endParaRPr sz="1000">
-              <a:solidFill>
-                <a:srgbClr val="375FA9"/>
-              </a:solidFill>
-              <a:latin typeface="Courier New"/>
-              <a:ea typeface="Courier New"/>
-              <a:cs typeface="Courier New"/>
-              <a:sym typeface="Courier New"/>
-            </a:endParaRPr>
-          </a:p>
-          <a:p>
-            <a:pPr indent="0" lvl="0" marL="0" rtl="0" algn="just">
-              <a:spcBef>
-                <a:spcPts val="0"/>
-              </a:spcBef>
-              <a:spcAft>
-                <a:spcPts val="0"/>
-              </a:spcAft>
-              <a:buNone/>
-            </a:pPr>
-            <a:r>
-              <a:rPr lang="es" sz="1000">
-                <a:solidFill>
-                  <a:srgbClr val="375FA9"/>
-                </a:solidFill>
-                <a:latin typeface="Courier New"/>
-                <a:ea typeface="Courier New"/>
-                <a:cs typeface="Courier New"/>
-                <a:sym typeface="Courier New"/>
-              </a:rPr>
-              <a:t>        primaryStage.setTitle("Hello World!");</a:t>
-            </a:r>
-            <a:endParaRPr sz="1000">
-              <a:solidFill>
-                <a:srgbClr val="375FA9"/>
-              </a:solidFill>
-              <a:latin typeface="Courier New"/>
-              <a:ea typeface="Courier New"/>
-              <a:cs typeface="Courier New"/>
-              <a:sym typeface="Courier New"/>
-            </a:endParaRPr>
-          </a:p>
-          <a:p>
-            <a:pPr indent="0" lvl="0" marL="0" rtl="0" algn="just">
-              <a:spcBef>
-                <a:spcPts val="0"/>
-              </a:spcBef>
-              <a:spcAft>
-                <a:spcPts val="0"/>
-              </a:spcAft>
-              <a:buNone/>
-            </a:pPr>
-            <a:r>
-              <a:rPr lang="es" sz="1000">
-                <a:solidFill>
-                  <a:srgbClr val="375FA9"/>
-                </a:solidFill>
-                <a:latin typeface="Courier New"/>
-                <a:ea typeface="Courier New"/>
-                <a:cs typeface="Courier New"/>
-                <a:sym typeface="Courier New"/>
-              </a:rPr>
-              <a:t>        Button btn = new Button();</a:t>
-            </a:r>
-            <a:endParaRPr sz="1000">
-              <a:solidFill>
-                <a:srgbClr val="375FA9"/>
-              </a:solidFill>
-              <a:latin typeface="Courier New"/>
-              <a:ea typeface="Courier New"/>
-              <a:cs typeface="Courier New"/>
-              <a:sym typeface="Courier New"/>
-            </a:endParaRPr>
-          </a:p>
-          <a:p>
-            <a:pPr indent="0" lvl="0" marL="0" rtl="0" algn="just">
-              <a:spcBef>
-                <a:spcPts val="0"/>
-              </a:spcBef>
-              <a:spcAft>
-                <a:spcPts val="0"/>
-              </a:spcAft>
-              <a:buNone/>
-            </a:pPr>
-            <a:r>
-              <a:rPr lang="es" sz="1000">
-                <a:solidFill>
-                  <a:srgbClr val="375FA9"/>
-                </a:solidFill>
-                <a:latin typeface="Courier New"/>
-                <a:ea typeface="Courier New"/>
-                <a:cs typeface="Courier New"/>
-                <a:sym typeface="Courier New"/>
-              </a:rPr>
-              <a:t>        btn.setText("Say 'Hello World'");</a:t>
-            </a:r>
-            <a:endParaRPr sz="1000">
-              <a:solidFill>
-                <a:srgbClr val="375FA9"/>
-              </a:solidFill>
-              <a:latin typeface="Courier New"/>
-              <a:ea typeface="Courier New"/>
-              <a:cs typeface="Courier New"/>
-              <a:sym typeface="Courier New"/>
-            </a:endParaRPr>
-          </a:p>
-          <a:p>
-            <a:pPr indent="0" lvl="0" marL="0" rtl="0" algn="just">
-              <a:spcBef>
-                <a:spcPts val="0"/>
-              </a:spcBef>
-              <a:spcAft>
-                <a:spcPts val="0"/>
-              </a:spcAft>
-              <a:buNone/>
-            </a:pPr>
-            <a:r>
-              <a:rPr lang="es" sz="1000">
-                <a:solidFill>
-                  <a:srgbClr val="375FA9"/>
-                </a:solidFill>
-                <a:latin typeface="Courier New"/>
-                <a:ea typeface="Courier New"/>
-                <a:cs typeface="Courier New"/>
-                <a:sym typeface="Courier New"/>
-              </a:rPr>
-              <a:t>        btn.setOnAction(new EventHandler&lt;ActionEvent&gt;() {</a:t>
-            </a:r>
-            <a:endParaRPr sz="1000">
-              <a:solidFill>
-                <a:srgbClr val="375FA9"/>
-              </a:solidFill>
-              <a:latin typeface="Courier New"/>
-              <a:ea typeface="Courier New"/>
-              <a:cs typeface="Courier New"/>
-              <a:sym typeface="Courier New"/>
-            </a:endParaRPr>
-          </a:p>
-          <a:p>
-            <a:pPr indent="0" lvl="0" marL="0" rtl="0" algn="just">
-              <a:spcBef>
-                <a:spcPts val="0"/>
-              </a:spcBef>
-              <a:spcAft>
-                <a:spcPts val="0"/>
-              </a:spcAft>
-              <a:buNone/>
-            </a:pPr>
-            <a:r>
-              <a:rPr lang="es" sz="1000">
-                <a:solidFill>
-                  <a:srgbClr val="375FA9"/>
-                </a:solidFill>
-                <a:latin typeface="Courier New"/>
-                <a:ea typeface="Courier New"/>
-                <a:cs typeface="Courier New"/>
-                <a:sym typeface="Courier New"/>
-              </a:rPr>
-              <a:t> </a:t>
-            </a:r>
-            <a:endParaRPr sz="1000">
-              <a:solidFill>
-                <a:srgbClr val="375FA9"/>
-              </a:solidFill>
-              <a:latin typeface="Courier New"/>
-              <a:ea typeface="Courier New"/>
-              <a:cs typeface="Courier New"/>
-              <a:sym typeface="Courier New"/>
-            </a:endParaRPr>
-          </a:p>
-          <a:p>
-            <a:pPr indent="0" lvl="0" marL="0" rtl="0" algn="just">
-              <a:spcBef>
-                <a:spcPts val="0"/>
-              </a:spcBef>
-              <a:spcAft>
-                <a:spcPts val="0"/>
-              </a:spcAft>
-              <a:buNone/>
-            </a:pPr>
-            <a:r>
-              <a:rPr lang="es" sz="1000">
-                <a:solidFill>
-                  <a:srgbClr val="375FA9"/>
-                </a:solidFill>
-                <a:latin typeface="Courier New"/>
-                <a:ea typeface="Courier New"/>
-                <a:cs typeface="Courier New"/>
-                <a:sym typeface="Courier New"/>
-              </a:rPr>
-              <a:t>            @Override</a:t>
-            </a:r>
-            <a:endParaRPr sz="1000">
-              <a:solidFill>
-                <a:srgbClr val="375FA9"/>
-              </a:solidFill>
-              <a:latin typeface="Courier New"/>
-              <a:ea typeface="Courier New"/>
-              <a:cs typeface="Courier New"/>
-              <a:sym typeface="Courier New"/>
-            </a:endParaRPr>
-          </a:p>
-          <a:p>
-            <a:pPr indent="0" lvl="0" marL="0" rtl="0" algn="just">
-              <a:spcBef>
-                <a:spcPts val="0"/>
-              </a:spcBef>
-              <a:spcAft>
-                <a:spcPts val="0"/>
-              </a:spcAft>
-              <a:buNone/>
-            </a:pPr>
-            <a:r>
-              <a:rPr lang="es" sz="1000">
-                <a:solidFill>
-                  <a:srgbClr val="375FA9"/>
-                </a:solidFill>
-                <a:latin typeface="Courier New"/>
-                <a:ea typeface="Courier New"/>
-                <a:cs typeface="Courier New"/>
-                <a:sym typeface="Courier New"/>
-              </a:rPr>
-              <a:t>            public void handle(ActionEvent event) {</a:t>
-            </a:r>
-            <a:endParaRPr sz="1000">
-              <a:solidFill>
-                <a:srgbClr val="375FA9"/>
-              </a:solidFill>
-              <a:latin typeface="Courier New"/>
-              <a:ea typeface="Courier New"/>
-              <a:cs typeface="Courier New"/>
-              <a:sym typeface="Courier New"/>
-            </a:endParaRPr>
-          </a:p>
-          <a:p>
-            <a:pPr indent="0" lvl="0" marL="0" rtl="0" algn="just">
-              <a:spcBef>
-                <a:spcPts val="0"/>
-              </a:spcBef>
-              <a:spcAft>
-                <a:spcPts val="0"/>
-              </a:spcAft>
-              <a:buNone/>
-            </a:pPr>
-            <a:r>
-              <a:rPr lang="es" sz="1000">
-                <a:solidFill>
-                  <a:srgbClr val="375FA9"/>
-                </a:solidFill>
-                <a:latin typeface="Courier New"/>
-                <a:ea typeface="Courier New"/>
-                <a:cs typeface="Courier New"/>
-                <a:sym typeface="Courier New"/>
-              </a:rPr>
-              <a:t>                System.out.println("Hello World!");</a:t>
-            </a:r>
-            <a:endParaRPr sz="1000">
-              <a:solidFill>
-                <a:srgbClr val="375FA9"/>
-              </a:solidFill>
-              <a:latin typeface="Courier New"/>
-              <a:ea typeface="Courier New"/>
-              <a:cs typeface="Courier New"/>
-              <a:sym typeface="Courier New"/>
-            </a:endParaRPr>
-          </a:p>
-          <a:p>
-            <a:pPr indent="0" lvl="0" marL="0" rtl="0" algn="just">
-              <a:spcBef>
-                <a:spcPts val="0"/>
-              </a:spcBef>
-              <a:spcAft>
-                <a:spcPts val="0"/>
-              </a:spcAft>
-              <a:buNone/>
-            </a:pPr>
-            <a:r>
-              <a:rPr lang="es" sz="1000">
-                <a:solidFill>
-                  <a:srgbClr val="375FA9"/>
-                </a:solidFill>
-                <a:latin typeface="Courier New"/>
-                <a:ea typeface="Courier New"/>
-                <a:cs typeface="Courier New"/>
-                <a:sym typeface="Courier New"/>
-              </a:rPr>
-              <a:t>            }</a:t>
-            </a:r>
-            <a:endParaRPr sz="1000">
-              <a:solidFill>
-                <a:srgbClr val="375FA9"/>
-              </a:solidFill>
-              <a:latin typeface="Courier New"/>
-              <a:ea typeface="Courier New"/>
-              <a:cs typeface="Courier New"/>
-              <a:sym typeface="Courier New"/>
-            </a:endParaRPr>
-          </a:p>
-          <a:p>
-            <a:pPr indent="0" lvl="0" marL="0" rtl="0" algn="just">
-              <a:spcBef>
-                <a:spcPts val="0"/>
-              </a:spcBef>
-              <a:spcAft>
-                <a:spcPts val="0"/>
-              </a:spcAft>
-              <a:buNone/>
-            </a:pPr>
-            <a:r>
-              <a:rPr lang="es" sz="1000">
-                <a:solidFill>
-                  <a:srgbClr val="375FA9"/>
-                </a:solidFill>
-                <a:latin typeface="Courier New"/>
-                <a:ea typeface="Courier New"/>
-                <a:cs typeface="Courier New"/>
-                <a:sym typeface="Courier New"/>
-              </a:rPr>
-              <a:t>        });</a:t>
-            </a:r>
-            <a:endParaRPr sz="1000">
-              <a:solidFill>
-                <a:srgbClr val="375FA9"/>
-              </a:solidFill>
-              <a:latin typeface="Courier New"/>
-              <a:ea typeface="Courier New"/>
-              <a:cs typeface="Courier New"/>
-              <a:sym typeface="Courier New"/>
-            </a:endParaRPr>
-          </a:p>
-          <a:p>
-            <a:pPr indent="0" lvl="0" marL="0" rtl="0" algn="just">
-              <a:spcBef>
-                <a:spcPts val="0"/>
-              </a:spcBef>
-              <a:spcAft>
-                <a:spcPts val="0"/>
-              </a:spcAft>
-              <a:buNone/>
-            </a:pPr>
-            <a:r>
-              <a:rPr lang="es" sz="1000">
-                <a:solidFill>
-                  <a:srgbClr val="375FA9"/>
-                </a:solidFill>
-                <a:latin typeface="Courier New"/>
-                <a:ea typeface="Courier New"/>
-                <a:cs typeface="Courier New"/>
-                <a:sym typeface="Courier New"/>
-              </a:rPr>
-              <a:t>        </a:t>
-            </a:r>
-            <a:endParaRPr sz="1000">
-              <a:solidFill>
-                <a:srgbClr val="375FA9"/>
-              </a:solidFill>
-              <a:latin typeface="Courier New"/>
-              <a:ea typeface="Courier New"/>
-              <a:cs typeface="Courier New"/>
-              <a:sym typeface="Courier New"/>
-            </a:endParaRPr>
-          </a:p>
-          <a:p>
-            <a:pPr indent="0" lvl="0" marL="0" rtl="0" algn="just">
-              <a:spcBef>
-                <a:spcPts val="0"/>
-              </a:spcBef>
-              <a:spcAft>
-                <a:spcPts val="0"/>
-              </a:spcAft>
-              <a:buNone/>
-            </a:pPr>
-            <a:r>
-              <a:rPr lang="es" sz="1000">
-                <a:solidFill>
-                  <a:srgbClr val="375FA9"/>
-                </a:solidFill>
-                <a:latin typeface="Courier New"/>
-                <a:ea typeface="Courier New"/>
-                <a:cs typeface="Courier New"/>
-                <a:sym typeface="Courier New"/>
-              </a:rPr>
-              <a:t>        StackPane root = new StackPane();</a:t>
-            </a:r>
-            <a:endParaRPr sz="1000">
-              <a:solidFill>
-                <a:srgbClr val="375FA9"/>
-              </a:solidFill>
-              <a:latin typeface="Courier New"/>
-              <a:ea typeface="Courier New"/>
-              <a:cs typeface="Courier New"/>
-              <a:sym typeface="Courier New"/>
-            </a:endParaRPr>
-          </a:p>
-          <a:p>
-            <a:pPr indent="0" lvl="0" marL="0" rtl="0" algn="just">
-              <a:spcBef>
-                <a:spcPts val="0"/>
-              </a:spcBef>
-              <a:spcAft>
-                <a:spcPts val="0"/>
-              </a:spcAft>
-              <a:buNone/>
-            </a:pPr>
-            <a:r>
-              <a:rPr lang="es" sz="1000">
-                <a:solidFill>
-                  <a:srgbClr val="375FA9"/>
-                </a:solidFill>
-                <a:latin typeface="Courier New"/>
-                <a:ea typeface="Courier New"/>
-                <a:cs typeface="Courier New"/>
-                <a:sym typeface="Courier New"/>
-              </a:rPr>
-              <a:t>        root.getChildren().add(btn);</a:t>
-            </a:r>
-            <a:endParaRPr sz="1000">
-              <a:solidFill>
-                <a:srgbClr val="375FA9"/>
-              </a:solidFill>
-              <a:latin typeface="Courier New"/>
-              <a:ea typeface="Courier New"/>
-              <a:cs typeface="Courier New"/>
-              <a:sym typeface="Courier New"/>
-            </a:endParaRPr>
-          </a:p>
-          <a:p>
-            <a:pPr indent="0" lvl="0" marL="0" rtl="0" algn="just">
-              <a:spcBef>
-                <a:spcPts val="0"/>
-              </a:spcBef>
-              <a:spcAft>
-                <a:spcPts val="0"/>
-              </a:spcAft>
-              <a:buNone/>
-            </a:pPr>
-            <a:r>
-              <a:rPr lang="es" sz="1000">
-                <a:solidFill>
-                  <a:srgbClr val="375FA9"/>
-                </a:solidFill>
-                <a:latin typeface="Courier New"/>
-                <a:ea typeface="Courier New"/>
-                <a:cs typeface="Courier New"/>
-                <a:sym typeface="Courier New"/>
-              </a:rPr>
-              <a:t>        primaryStage.setScene(new Scene(root, 300, 250));</a:t>
-            </a:r>
-            <a:endParaRPr sz="1000">
-              <a:solidFill>
-                <a:srgbClr val="375FA9"/>
-              </a:solidFill>
-              <a:latin typeface="Courier New"/>
-              <a:ea typeface="Courier New"/>
-              <a:cs typeface="Courier New"/>
-              <a:sym typeface="Courier New"/>
-            </a:endParaRPr>
-          </a:p>
-          <a:p>
-            <a:pPr indent="0" lvl="0" marL="0" rtl="0" algn="just">
-              <a:spcBef>
-                <a:spcPts val="0"/>
-              </a:spcBef>
-              <a:spcAft>
-                <a:spcPts val="0"/>
-              </a:spcAft>
-              <a:buNone/>
-            </a:pPr>
-            <a:r>
-              <a:rPr lang="es" sz="1000">
-                <a:solidFill>
-                  <a:srgbClr val="375FA9"/>
-                </a:solidFill>
-                <a:latin typeface="Courier New"/>
-                <a:ea typeface="Courier New"/>
-                <a:cs typeface="Courier New"/>
-                <a:sym typeface="Courier New"/>
-              </a:rPr>
-              <a:t>        primaryStage.show();</a:t>
-            </a:r>
-            <a:endParaRPr sz="1000">
-              <a:solidFill>
-                <a:srgbClr val="375FA9"/>
-              </a:solidFill>
-              <a:latin typeface="Courier New"/>
-              <a:ea typeface="Courier New"/>
-              <a:cs typeface="Courier New"/>
-              <a:sym typeface="Courier New"/>
-            </a:endParaRPr>
-          </a:p>
-          <a:p>
-            <a:pPr indent="0" lvl="0" marL="0" rtl="0" algn="just">
-              <a:spcBef>
-                <a:spcPts val="0"/>
-              </a:spcBef>
-              <a:spcAft>
-                <a:spcPts val="0"/>
-              </a:spcAft>
-              <a:buNone/>
-            </a:pPr>
-            <a:r>
-              <a:rPr lang="es" sz="1000">
-                <a:solidFill>
-                  <a:srgbClr val="375FA9"/>
-                </a:solidFill>
-                <a:latin typeface="Courier New"/>
-                <a:ea typeface="Courier New"/>
-                <a:cs typeface="Courier New"/>
-                <a:sym typeface="Courier New"/>
-              </a:rPr>
-              <a:t>    }</a:t>
-            </a:r>
-            <a:endParaRPr sz="1000">
-              <a:solidFill>
-                <a:srgbClr val="375FA9"/>
-              </a:solidFill>
-              <a:latin typeface="Courier New"/>
-              <a:ea typeface="Courier New"/>
-              <a:cs typeface="Courier New"/>
-              <a:sym typeface="Courier New"/>
-            </a:endParaRPr>
-          </a:p>
-          <a:p>
-            <a:pPr indent="0" lvl="0" marL="0" rtl="0" algn="just">
-              <a:spcBef>
-                <a:spcPts val="0"/>
-              </a:spcBef>
-              <a:spcAft>
-                <a:spcPts val="0"/>
-              </a:spcAft>
-              <a:buNone/>
-            </a:pPr>
-            <a:r>
-              <a:rPr lang="es" sz="1000">
-                <a:solidFill>
-                  <a:srgbClr val="375FA9"/>
-                </a:solidFill>
-                <a:latin typeface="Courier New"/>
-                <a:ea typeface="Courier New"/>
-                <a:cs typeface="Courier New"/>
-                <a:sym typeface="Courier New"/>
-              </a:rPr>
-              <a:t>}</a:t>
+              <a:t/>
             </a:r>
             <a:endParaRPr>
-              <a:latin typeface="Courier New"/>
-              <a:ea typeface="Courier New"/>
-              <a:cs typeface="Courier New"/>
-              <a:sym typeface="Courier New"/>
+              <a:latin typeface="Calibri"/>
+              <a:ea typeface="Calibri"/>
+              <a:cs typeface="Calibri"/>
+              <a:sym typeface="Calibri"/>
             </a:endParaRPr>
           </a:p>
         </p:txBody>
@@ -19159,7 +19099,7 @@
     </p:bg>
     <p:spTree>
       <p:nvGrpSpPr>
-        <p:cNvPr id="220" name="Shape 220"/>
+        <p:cNvPr id="215" name="Shape 215"/>
         <p:cNvGrpSpPr/>
         <p:nvPr/>
       </p:nvGrpSpPr>
@@ -19173,13 +19113,13 @@
       </p:grpSpPr>
       <p:sp>
         <p:nvSpPr>
-          <p:cNvPr id="221" name="Google Shape;221;p27"/>
+          <p:cNvPr id="216" name="Google Shape;216;p27"/>
           <p:cNvSpPr txBox="1"/>
           <p:nvPr/>
         </p:nvSpPr>
         <p:spPr>
           <a:xfrm>
-            <a:off x="800105" y="191143"/>
+            <a:off x="526205" y="359918"/>
             <a:ext cx="7543800" cy="1088100"/>
           </a:xfrm>
           <a:prstGeom prst="rect">
@@ -19209,14 +19149,14 @@
               <a:buNone/>
             </a:pPr>
             <a:r>
-              <a:rPr lang="es" sz="2700">
+              <a:rPr lang="es" sz="3000">
                 <a:solidFill>
                   <a:srgbClr val="E83464"/>
                 </a:solidFill>
               </a:rPr>
-              <a:t>Ejemplo de una aplicación GUI</a:t>
+              <a:t>Estructura de una aplicación GUI</a:t>
             </a:r>
-            <a:endParaRPr sz="2500">
+            <a:endParaRPr sz="2800">
               <a:solidFill>
                 <a:srgbClr val="AF7B51"/>
               </a:solidFill>
@@ -19230,7 +19170,7 @@
       </p:sp>
       <p:pic>
         <p:nvPicPr>
-          <p:cNvPr id="222" name="Google Shape;222;p27"/>
+          <p:cNvPr id="217" name="Google Shape;217;p27"/>
           <p:cNvPicPr preferRelativeResize="0"/>
           <p:nvPr/>
         </p:nvPicPr>
@@ -19244,8 +19184,8 @@
         </p:blipFill>
         <p:spPr>
           <a:xfrm>
-            <a:off x="4382500" y="1458255"/>
-            <a:ext cx="3324225" cy="2667000"/>
+            <a:off x="834850" y="1537200"/>
+            <a:ext cx="2991775" cy="3200350"/>
           </a:xfrm>
           <a:prstGeom prst="rect">
             <a:avLst/>
@@ -19258,7 +19198,7 @@
       </p:pic>
       <p:pic>
         <p:nvPicPr>
-          <p:cNvPr id="223" name="Google Shape;223;p27"/>
+          <p:cNvPr id="218" name="Google Shape;218;p27"/>
           <p:cNvPicPr preferRelativeResize="0"/>
           <p:nvPr/>
         </p:nvPicPr>
@@ -19272,8 +19212,8 @@
         </p:blipFill>
         <p:spPr>
           <a:xfrm>
-            <a:off x="932775" y="1484875"/>
-            <a:ext cx="2867892" cy="2613775"/>
+            <a:off x="4867025" y="1730700"/>
+            <a:ext cx="2724800" cy="2336350"/>
           </a:xfrm>
           <a:prstGeom prst="rect">
             <a:avLst/>
@@ -19309,7 +19249,7 @@
     </p:bg>
     <p:spTree>
       <p:nvGrpSpPr>
-        <p:cNvPr id="227" name="Shape 227"/>
+        <p:cNvPr id="222" name="Shape 222"/>
         <p:cNvGrpSpPr/>
         <p:nvPr/>
       </p:nvGrpSpPr>
@@ -19323,14 +19263,14 @@
       </p:grpSpPr>
       <p:sp>
         <p:nvSpPr>
-          <p:cNvPr id="228" name="Google Shape;228;p28"/>
+          <p:cNvPr id="223" name="Google Shape;223;p28"/>
           <p:cNvSpPr txBox="1"/>
           <p:nvPr/>
         </p:nvSpPr>
         <p:spPr>
           <a:xfrm>
-            <a:off x="800098" y="275609"/>
-            <a:ext cx="7543800" cy="1088100"/>
+            <a:off x="800100" y="895872"/>
+            <a:ext cx="7543800" cy="556500"/>
           </a:xfrm>
           <a:prstGeom prst="rect">
             <a:avLst/>
@@ -19364,7 +19304,7 @@
                   <a:srgbClr val="E83464"/>
                 </a:solidFill>
               </a:rPr>
-              <a:t>Eventos</a:t>
+              <a:t>S</a:t>
             </a:r>
             <a:r>
               <a:rPr lang="es" sz="3000">
@@ -19372,26 +19312,58 @@
                   <a:srgbClr val="E83464"/>
                 </a:solidFill>
               </a:rPr>
-              <a:t> en JavaFX</a:t>
+              <a:t>cene Builder </a:t>
             </a:r>
-            <a:endParaRPr sz="3000">
+            <a:endParaRPr sz="2800">
               <a:solidFill>
-                <a:srgbClr val="E83464"/>
+                <a:srgbClr val="AF7B51"/>
               </a:solidFill>
+              <a:latin typeface="Nunito"/>
+              <a:ea typeface="Nunito"/>
+              <a:cs typeface="Nunito"/>
+              <a:sym typeface="Nunito"/>
             </a:endParaRPr>
           </a:p>
         </p:txBody>
       </p:sp>
+      <p:pic>
+        <p:nvPicPr>
+          <p:cNvPr id="224" name="Google Shape;224;p28"/>
+          <p:cNvPicPr preferRelativeResize="0"/>
+          <p:nvPr/>
+        </p:nvPicPr>
+        <p:blipFill>
+          <a:blip r:embed="rId4">
+            <a:alphaModFix/>
+          </a:blip>
+          <a:stretch>
+            <a:fillRect/>
+          </a:stretch>
+        </p:blipFill>
+        <p:spPr>
+          <a:xfrm>
+            <a:off x="4572000" y="1302224"/>
+            <a:ext cx="3952299" cy="2622400"/>
+          </a:xfrm>
+          <a:prstGeom prst="rect">
+            <a:avLst/>
+          </a:prstGeom>
+          <a:noFill/>
+          <a:ln>
+            <a:noFill/>
+          </a:ln>
+        </p:spPr>
+      </p:pic>
       <p:sp>
         <p:nvSpPr>
-          <p:cNvPr id="229" name="Google Shape;229;p28"/>
+          <p:cNvPr id="225" name="Google Shape;225;p28"/>
           <p:cNvSpPr txBox="1"/>
           <p:nvPr/>
         </p:nvSpPr>
         <p:spPr>
           <a:xfrm>
-            <a:off x="636525" y="1744000"/>
-            <a:ext cx="7862700" cy="3601800"/>
+            <a:off x="535950" y="1553650"/>
+            <a:ext cx="3648000" cy="2678100"/>
           </a:xfrm>
           <a:prstGeom prst="rect">
             <a:avLst/>
@@ -19407,249 +19379,102 @@
           </a:bodyPr>
           <a:lstStyle/>
           <a:p>
-            <a:pPr indent="0" lvl="0" marL="0" rtl="0" algn="just">
-              <a:spcBef>
-                <a:spcPts val="0"/>
-              </a:spcBef>
-              <a:spcAft>
-                <a:spcPts val="0"/>
-              </a:spcAft>
-              <a:buNone/>
+            <a:pPr indent="-314325" lvl="0" marL="457200" rtl="0" algn="l">
+              <a:spcBef>
+                <a:spcPts val="0"/>
+              </a:spcBef>
+              <a:spcAft>
+                <a:spcPts val="0"/>
+              </a:spcAft>
+              <a:buClr>
+                <a:srgbClr val="3C63AB"/>
+              </a:buClr>
+              <a:buSzPts val="1350"/>
+              <a:buChar char="●"/>
             </a:pPr>
             <a:r>
-              <a:rPr lang="es" sz="1300">
-                <a:solidFill>
-                  <a:srgbClr val="375FA9"/>
-                </a:solidFill>
+              <a:rPr lang="es" sz="1350">
+                <a:solidFill>
+                  <a:srgbClr val="3C63AB"/>
+                </a:solidFill>
+                <a:highlight>
+                  <a:srgbClr val="FFFFFF"/>
+                </a:highlight>
               </a:rPr>
-              <a:t>JavaFX proporciona soporte para manejar una amplia variedad de eventos. La clase llamada Evento del paquete javafx.event es la clase base para un evento. Una instancia de cualquiera de su subclase es un evento. JavaFX proporciona una amplia variedad de eventos:</a:t>
+              <a:t>Scene Builder permite construir la interfaz gráfica de una aplicación de escritorio Java de forma más sencilla.</a:t>
+            </a:r>
+            <a:endParaRPr sz="1350">
+              <a:solidFill>
+                <a:srgbClr val="3C63AB"/>
+              </a:solidFill>
+              <a:highlight>
+                <a:srgbClr val="FFFFFF"/>
+              </a:highlight>
+            </a:endParaRPr>
+          </a:p>
+          <a:p>
+            <a:pPr indent="-314325" lvl="0" marL="457200" rtl="0" algn="l">
+              <a:spcBef>
+                <a:spcPts val="0"/>
+              </a:spcBef>
+              <a:spcAft>
+                <a:spcPts val="0"/>
+              </a:spcAft>
+              <a:buClr>
+                <a:srgbClr val="3C63AB"/>
+              </a:buClr>
+              <a:buSzPts val="1350"/>
+              <a:buChar char="●"/>
+            </a:pPr>
+            <a:r>
+              <a:rPr lang="es" sz="1350">
+                <a:solidFill>
+                  <a:srgbClr val="3C63AB"/>
+                </a:solidFill>
+                <a:highlight>
+                  <a:srgbClr val="FFFFFF"/>
+                </a:highlight>
+              </a:rPr>
+              <a:t>El diseño de la interfaz de usuario de arrastrar y soltar permite una iteración rápida.</a:t>
+            </a:r>
+            <a:endParaRPr sz="1350">
+              <a:solidFill>
+                <a:srgbClr val="3C63AB"/>
+              </a:solidFill>
+              <a:highlight>
+                <a:srgbClr val="FFFFFF"/>
+              </a:highlight>
+            </a:endParaRPr>
+          </a:p>
+          <a:p>
+            <a:pPr indent="-314325" lvl="0" marL="457200" rtl="0" algn="l">
+              <a:spcBef>
+                <a:spcPts val="0"/>
+              </a:spcBef>
+              <a:spcAft>
+                <a:spcPts val="0"/>
+              </a:spcAft>
+              <a:buClr>
+                <a:srgbClr val="3C63AB"/>
+              </a:buClr>
+              <a:buSzPts val="1350"/>
+              <a:buChar char="●"/>
+            </a:pPr>
+            <a:r>
+              <a:rPr lang="es" sz="1350">
+                <a:solidFill>
+                  <a:srgbClr val="3C63AB"/>
+                </a:solidFill>
+                <a:highlight>
+                  <a:srgbClr val="FFFFFF"/>
+                </a:highlight>
+              </a:rPr>
+              <a:t> JavaFX Scene Builder genera archivos descriptores FXML que podemos cargar en la aplicación evitando la tediosa y no sencilla tarea de construir la interfaz gráfica mediante código.</a:t>
             </a:r>
             <a:endParaRPr sz="1300">
               <a:solidFill>
-                <a:srgbClr val="375FA9"/>
+                <a:srgbClr val="3C63AB"/>
               </a:solidFill>
-            </a:endParaRPr>
-          </a:p>
-          <a:p>
-            <a:pPr indent="0" lvl="0" marL="0" rtl="0" algn="just">
-              <a:spcBef>
-                <a:spcPts val="0"/>
-              </a:spcBef>
-              <a:spcAft>
-                <a:spcPts val="0"/>
-              </a:spcAft>
-              <a:buNone/>
-            </a:pPr>
-            <a:r>
-              <a:t/>
-            </a:r>
-            <a:endParaRPr sz="1300">
-              <a:solidFill>
-                <a:srgbClr val="375FA9"/>
-              </a:solidFill>
-            </a:endParaRPr>
-          </a:p>
-          <a:p>
-            <a:pPr indent="-311150" lvl="0" marL="457200" rtl="0" algn="just">
-              <a:spcBef>
-                <a:spcPts val="0"/>
-              </a:spcBef>
-              <a:spcAft>
-                <a:spcPts val="0"/>
-              </a:spcAft>
-              <a:buClr>
-                <a:srgbClr val="375FA9"/>
-              </a:buClr>
-              <a:buSzPts val="1300"/>
-              <a:buChar char="●"/>
-            </a:pPr>
-            <a:r>
-              <a:rPr b="1" lang="es" sz="1300">
-                <a:solidFill>
-                  <a:srgbClr val="375FA9"/>
-                </a:solidFill>
-              </a:rPr>
-              <a:t>Mouse Event</a:t>
-            </a:r>
-            <a:r>
-              <a:rPr lang="es" sz="1300">
-                <a:solidFill>
-                  <a:srgbClr val="375FA9"/>
-                </a:solidFill>
-              </a:rPr>
-              <a:t>:  este es un evento de entrada que ocurre cuando se hace clic en un mouse. Está representado por la clase llamada </a:t>
-            </a:r>
-            <a:r>
-              <a:rPr b="1" lang="es" sz="1300">
-                <a:solidFill>
-                  <a:srgbClr val="375FA9"/>
-                </a:solidFill>
-              </a:rPr>
-              <a:t>MouseEvent</a:t>
-            </a:r>
-            <a:r>
-              <a:rPr lang="es" sz="1300">
-                <a:solidFill>
-                  <a:srgbClr val="375FA9"/>
-                </a:solidFill>
-              </a:rPr>
-              <a:t> . Incluye acciones como hacer clic con el mouse, presionar el mouse, soltar el mouse, mover el mouse, objetivo ingresado con el mouse, objetivo salido del mouse, etc.</a:t>
-            </a:r>
-            <a:endParaRPr sz="1300">
-              <a:solidFill>
-                <a:srgbClr val="375FA9"/>
-              </a:solidFill>
-            </a:endParaRPr>
-          </a:p>
-          <a:p>
-            <a:pPr indent="0" lvl="0" marL="0" rtl="0" algn="just">
-              <a:spcBef>
-                <a:spcPts val="0"/>
-              </a:spcBef>
-              <a:spcAft>
-                <a:spcPts val="0"/>
-              </a:spcAft>
-              <a:buNone/>
-            </a:pPr>
-            <a:r>
-              <a:t/>
-            </a:r>
-            <a:endParaRPr sz="1300">
-              <a:solidFill>
-                <a:srgbClr val="375FA9"/>
-              </a:solidFill>
-            </a:endParaRPr>
-          </a:p>
-          <a:p>
-            <a:pPr indent="-311150" lvl="0" marL="457200" rtl="0" algn="just">
-              <a:spcBef>
-                <a:spcPts val="0"/>
-              </a:spcBef>
-              <a:spcAft>
-                <a:spcPts val="0"/>
-              </a:spcAft>
-              <a:buClr>
-                <a:srgbClr val="375FA9"/>
-              </a:buClr>
-              <a:buSzPts val="1300"/>
-              <a:buChar char="●"/>
-            </a:pPr>
-            <a:r>
-              <a:rPr b="1" lang="es" sz="1300">
-                <a:solidFill>
-                  <a:srgbClr val="375FA9"/>
-                </a:solidFill>
-              </a:rPr>
-              <a:t>Key Event</a:t>
-            </a:r>
-            <a:r>
-              <a:rPr lang="es" sz="1300">
-                <a:solidFill>
-                  <a:srgbClr val="375FA9"/>
-                </a:solidFill>
-              </a:rPr>
-              <a:t>: Este es un evento de entrada que indica que la pulsación de la tecla se produjo en un nodo. Está representado por la clase llamada KeyEvent . Este evento incluye acciones como tecla presionada, tecla soltada y tecla tecleada.</a:t>
-            </a:r>
-            <a:endParaRPr sz="1300">
-              <a:solidFill>
-                <a:srgbClr val="375FA9"/>
-              </a:solidFill>
-            </a:endParaRPr>
-          </a:p>
-          <a:p>
-            <a:pPr indent="0" lvl="0" marL="0" rtl="0" algn="just">
-              <a:spcBef>
-                <a:spcPts val="0"/>
-              </a:spcBef>
-              <a:spcAft>
-                <a:spcPts val="0"/>
-              </a:spcAft>
-              <a:buNone/>
-            </a:pPr>
-            <a:r>
-              <a:t/>
-            </a:r>
-            <a:endParaRPr sz="1300">
-              <a:solidFill>
-                <a:srgbClr val="375FA9"/>
-              </a:solidFill>
-            </a:endParaRPr>
-          </a:p>
-          <a:p>
-            <a:pPr indent="0" lvl="0" marL="0" rtl="0" algn="just">
-              <a:spcBef>
-                <a:spcPts val="0"/>
-              </a:spcBef>
-              <a:spcAft>
-                <a:spcPts val="0"/>
-              </a:spcAft>
-              <a:buNone/>
-            </a:pPr>
-            <a:r>
-              <a:t/>
-            </a:r>
-            <a:endParaRPr sz="1300">
-              <a:solidFill>
-                <a:srgbClr val="375FA9"/>
-              </a:solidFill>
-            </a:endParaRPr>
-          </a:p>
-          <a:p>
-            <a:pPr indent="0" lvl="0" marL="0" rtl="0" algn="just">
-              <a:spcBef>
-                <a:spcPts val="0"/>
-              </a:spcBef>
-              <a:spcAft>
-                <a:spcPts val="0"/>
-              </a:spcAft>
-              <a:buNone/>
-            </a:pPr>
-            <a:r>
-              <a:t/>
-            </a:r>
-            <a:endParaRPr sz="1300">
-              <a:solidFill>
-                <a:srgbClr val="375FA9"/>
-              </a:solidFill>
-            </a:endParaRPr>
-          </a:p>
-          <a:p>
-            <a:pPr indent="0" lvl="0" marL="0" rtl="0" algn="just">
-              <a:spcBef>
-                <a:spcPts val="0"/>
-              </a:spcBef>
-              <a:spcAft>
-                <a:spcPts val="0"/>
-              </a:spcAft>
-              <a:buNone/>
-            </a:pPr>
-            <a:r>
-              <a:t/>
-            </a:r>
-            <a:endParaRPr sz="1300">
-              <a:solidFill>
-                <a:srgbClr val="375FA9"/>
-              </a:solidFill>
-            </a:endParaRPr>
-          </a:p>
-          <a:p>
-            <a:pPr indent="0" lvl="0" marL="0" rtl="0" algn="l">
-              <a:spcBef>
-                <a:spcPts val="0"/>
-              </a:spcBef>
-              <a:spcAft>
-                <a:spcPts val="0"/>
-              </a:spcAft>
-              <a:buNone/>
-            </a:pPr>
-            <a:r>
-              <a:t/>
-            </a:r>
-            <a:endParaRPr>
-              <a:latin typeface="Calibri"/>
-              <a:ea typeface="Calibri"/>
-              <a:cs typeface="Calibri"/>
-              <a:sym typeface="Calibri"/>
             </a:endParaRPr>
           </a:p>
         </p:txBody>
@@ -19679,7 +19504,7 @@
     </p:bg>
     <p:spTree>
       <p:nvGrpSpPr>
-        <p:cNvPr id="233" name="Shape 233"/>
+        <p:cNvPr id="229" name="Shape 229"/>
         <p:cNvGrpSpPr/>
         <p:nvPr/>
       </p:nvGrpSpPr>
@@ -19693,14 +19518,14 @@
       </p:grpSpPr>
       <p:sp>
         <p:nvSpPr>
-          <p:cNvPr id="234" name="Google Shape;234;p29"/>
+          <p:cNvPr id="230" name="Google Shape;230;p29"/>
           <p:cNvSpPr txBox="1"/>
           <p:nvPr/>
         </p:nvSpPr>
         <p:spPr>
           <a:xfrm>
-            <a:off x="800098" y="275609"/>
-            <a:ext cx="7543800" cy="1088100"/>
+            <a:off x="681775" y="757572"/>
+            <a:ext cx="7543800" cy="625500"/>
           </a:xfrm>
           <a:prstGeom prst="rect">
             <a:avLst/>
@@ -19729,31 +19554,35 @@
               <a:buNone/>
             </a:pPr>
             <a:r>
-              <a:rPr lang="es" sz="3000">
+              <a:rPr lang="es" sz="2200">
                 <a:solidFill>
                   <a:srgbClr val="E83464"/>
                 </a:solidFill>
               </a:rPr>
-              <a:t>Eventos en JavaFX</a:t>
+              <a:t>Ejemplo de una aplicación GUI utilizando Scene Builder </a:t>
             </a:r>
-            <a:endParaRPr sz="3000">
+            <a:endParaRPr sz="2000">
               <a:solidFill>
-                <a:srgbClr val="E83464"/>
+                <a:srgbClr val="AF7B51"/>
               </a:solidFill>
+              <a:latin typeface="Nunito"/>
+              <a:ea typeface="Nunito"/>
+              <a:cs typeface="Nunito"/>
+              <a:sym typeface="Nunito"/>
             </a:endParaRPr>
           </a:p>
         </p:txBody>
       </p:sp>
       <p:sp>
         <p:nvSpPr>
-          <p:cNvPr id="235" name="Google Shape;235;p29"/>
+          <p:cNvPr id="231" name="Google Shape;231;p29"/>
           <p:cNvSpPr txBox="1"/>
           <p:nvPr/>
         </p:nvSpPr>
         <p:spPr>
           <a:xfrm>
-            <a:off x="585800" y="1593975"/>
-            <a:ext cx="8274600" cy="2801400"/>
+            <a:off x="1786225" y="4050350"/>
+            <a:ext cx="5172600" cy="400200"/>
           </a:xfrm>
           <a:prstGeom prst="rect">
             <a:avLst/>
@@ -19769,7 +19598,7 @@
           </a:bodyPr>
           <a:lstStyle/>
           <a:p>
-            <a:pPr indent="0" lvl="0" marL="0" rtl="0" algn="just">
+            <a:pPr indent="0" lvl="0" marL="0" rtl="0" algn="l">
               <a:spcBef>
                 <a:spcPts val="0"/>
               </a:spcBef>
@@ -19779,195 +19608,21 @@
               <a:buNone/>
             </a:pPr>
             <a:r>
-              <a:t/>
-            </a:r>
-            <a:endParaRPr sz="1300">
-              <a:solidFill>
-                <a:srgbClr val="375FA9"/>
-              </a:solidFill>
-            </a:endParaRPr>
-          </a:p>
-          <a:p>
-            <a:pPr indent="-311150" lvl="0" marL="457200" rtl="0" algn="just">
-              <a:spcBef>
-                <a:spcPts val="0"/>
-              </a:spcBef>
-              <a:spcAft>
-                <a:spcPts val="0"/>
-              </a:spcAft>
-              <a:buClr>
-                <a:srgbClr val="375FA9"/>
-              </a:buClr>
-              <a:buSzPts val="1300"/>
-              <a:buChar char="●"/>
-            </a:pPr>
-            <a:r>
-              <a:rPr b="1" lang="es" sz="1300">
-                <a:solidFill>
-                  <a:srgbClr val="375FA9"/>
-                </a:solidFill>
+              <a:rPr lang="es">
+                <a:solidFill>
+                  <a:schemeClr val="accent5"/>
+                </a:solidFill>
+                <a:latin typeface="Calibri"/>
+                <a:ea typeface="Calibri"/>
+                <a:cs typeface="Calibri"/>
+                <a:sym typeface="Calibri"/>
               </a:rPr>
-              <a:t>Drag Event: </a:t>
-            </a:r>
-            <a:r>
-              <a:rPr lang="es" sz="1300">
-                <a:solidFill>
-                  <a:srgbClr val="375FA9"/>
-                </a:solidFill>
-              </a:rPr>
-              <a:t>Este es un evento de entrada que ocurre cuando se arrastra el mouse. Está representado por la clase llamada DragEvent . Incluye acciones como arrastrar ingresado, arrastrar soltado, arrastrar el objetivo ingresado, arrastrar el objetivo salido, arrastrar sobre, etc.</a:t>
-            </a:r>
-            <a:endParaRPr sz="1300">
-              <a:solidFill>
-                <a:srgbClr val="375FA9"/>
-              </a:solidFill>
-            </a:endParaRPr>
-          </a:p>
-          <a:p>
-            <a:pPr indent="0" lvl="0" marL="457200" rtl="0" algn="just">
-              <a:spcBef>
-                <a:spcPts val="0"/>
-              </a:spcBef>
-              <a:spcAft>
-                <a:spcPts val="0"/>
-              </a:spcAft>
-              <a:buNone/>
-            </a:pPr>
-            <a:r>
-              <a:t/>
-            </a:r>
-            <a:endParaRPr sz="1300">
-              <a:solidFill>
-                <a:srgbClr val="375FA9"/>
-              </a:solidFill>
-            </a:endParaRPr>
-          </a:p>
-          <a:p>
-            <a:pPr indent="-311150" lvl="0" marL="457200" rtl="0" algn="just">
-              <a:spcBef>
-                <a:spcPts val="0"/>
-              </a:spcBef>
-              <a:spcAft>
-                <a:spcPts val="0"/>
-              </a:spcAft>
-              <a:buClr>
-                <a:srgbClr val="375FA9"/>
-              </a:buClr>
-              <a:buSzPts val="1300"/>
-              <a:buChar char="●"/>
-            </a:pPr>
-            <a:r>
-              <a:rPr b="1" lang="es" sz="1300">
-                <a:solidFill>
-                  <a:srgbClr val="375FA9"/>
-                </a:solidFill>
-              </a:rPr>
-              <a:t>Window Event: </a:t>
-            </a:r>
-            <a:r>
-              <a:rPr lang="es" sz="1300">
-                <a:solidFill>
-                  <a:srgbClr val="375FA9"/>
-                </a:solidFill>
-              </a:rPr>
-              <a:t>Este es un evento relacionado con acciones de mostrar / ocultar ventanas. Está representado por la clase llamada WindowEvent . Incluye acciones como ocultar ventanas, mostrar ventanas, ocultar ventanas, mostrar ventanas, etc.</a:t>
-            </a:r>
-            <a:endParaRPr sz="1300">
-              <a:solidFill>
-                <a:srgbClr val="375FA9"/>
-              </a:solidFill>
-            </a:endParaRPr>
-          </a:p>
-          <a:p>
-            <a:pPr indent="0" lvl="0" marL="457200" rtl="0" algn="just">
-              <a:spcBef>
-                <a:spcPts val="0"/>
-              </a:spcBef>
-              <a:spcAft>
-                <a:spcPts val="0"/>
-              </a:spcAft>
-              <a:buNone/>
-            </a:pPr>
-            <a:r>
-              <a:t/>
-            </a:r>
-            <a:endParaRPr sz="1300">
-              <a:solidFill>
-                <a:srgbClr val="375FA9"/>
-              </a:solidFill>
-            </a:endParaRPr>
-          </a:p>
-          <a:p>
-            <a:pPr indent="0" lvl="0" marL="0" rtl="0" algn="just">
-              <a:spcBef>
-                <a:spcPts val="0"/>
-              </a:spcBef>
-              <a:spcAft>
-                <a:spcPts val="0"/>
-              </a:spcAft>
-              <a:buNone/>
-            </a:pPr>
-            <a:r>
-              <a:t/>
-            </a:r>
-            <a:endParaRPr sz="1300">
-              <a:solidFill>
-                <a:srgbClr val="375FA9"/>
-              </a:solidFill>
-            </a:endParaRPr>
-          </a:p>
-          <a:p>
-            <a:pPr indent="0" lvl="0" marL="0" rtl="0" algn="just">
-              <a:spcBef>
-                <a:spcPts val="0"/>
-              </a:spcBef>
-              <a:spcAft>
-                <a:spcPts val="0"/>
-              </a:spcAft>
-              <a:buNone/>
-            </a:pPr>
-            <a:r>
-              <a:t/>
-            </a:r>
-            <a:endParaRPr sz="1300">
-              <a:solidFill>
-                <a:srgbClr val="375FA9"/>
-              </a:solidFill>
-            </a:endParaRPr>
-          </a:p>
-          <a:p>
-            <a:pPr indent="0" lvl="0" marL="0" rtl="0" algn="just">
-              <a:spcBef>
-                <a:spcPts val="0"/>
-              </a:spcBef>
-              <a:spcAft>
-                <a:spcPts val="0"/>
-              </a:spcAft>
-              <a:buNone/>
-            </a:pPr>
-            <a:r>
-              <a:t/>
-            </a:r>
-            <a:endParaRPr sz="1300">
-              <a:solidFill>
-                <a:srgbClr val="375FA9"/>
-              </a:solidFill>
-            </a:endParaRPr>
-          </a:p>
-          <a:p>
-            <a:pPr indent="0" lvl="0" marL="0" rtl="0" algn="l">
-              <a:spcBef>
-                <a:spcPts val="0"/>
-              </a:spcBef>
-              <a:spcAft>
-                <a:spcPts val="0"/>
-              </a:spcAft>
-              <a:buNone/>
-            </a:pPr>
-            <a:r>
-              <a:t/>
+              <a:t>Se construye el layout arrastrando los componentes</a:t>
             </a:r>
             <a:endParaRPr>
+              <a:solidFill>
+                <a:schemeClr val="accent5"/>
+              </a:solidFill>
               <a:latin typeface="Calibri"/>
               <a:ea typeface="Calibri"/>
               <a:cs typeface="Calibri"/>
@@ -19976,6 +19631,60 @@
           </a:p>
         </p:txBody>
       </p:sp>
+      <p:pic>
+        <p:nvPicPr>
+          <p:cNvPr id="232" name="Google Shape;232;p29"/>
+          <p:cNvPicPr preferRelativeResize="0"/>
+          <p:nvPr/>
+        </p:nvPicPr>
+        <p:blipFill rotWithShape="1">
+          <a:blip r:embed="rId4">
+            <a:alphaModFix/>
+          </a:blip>
+          <a:srcRect b="13681" l="0" r="7986" t="0"/>
+          <a:stretch/>
+        </p:blipFill>
+        <p:spPr>
+          <a:xfrm>
+            <a:off x="247425" y="1601575"/>
+            <a:ext cx="4226549" cy="2230276"/>
+          </a:xfrm>
+          <a:prstGeom prst="rect">
+            <a:avLst/>
+          </a:prstGeom>
+          <a:noFill/>
+          <a:ln>
+            <a:noFill/>
+          </a:ln>
+        </p:spPr>
+      </p:pic>
+      <p:pic>
+        <p:nvPicPr>
+          <p:cNvPr id="233" name="Google Shape;233;p29"/>
+          <p:cNvPicPr preferRelativeResize="0"/>
+          <p:nvPr/>
+        </p:nvPicPr>
+        <p:blipFill rotWithShape="1">
+          <a:blip r:embed="rId5">
+            <a:alphaModFix/>
+          </a:blip>
+          <a:srcRect b="8054" l="0" r="0" t="0"/>
+          <a:stretch/>
+        </p:blipFill>
+        <p:spPr>
+          <a:xfrm>
+            <a:off x="4623875" y="1601563"/>
+            <a:ext cx="4425701" cy="2288949"/>
+          </a:xfrm>
+          <a:prstGeom prst="rect">
+            <a:avLst/>
+          </a:prstGeom>
+          <a:noFill/>
+          <a:ln>
+            <a:noFill/>
+          </a:ln>
+        </p:spPr>
+      </p:pic>
     </p:spTree>
   </p:cSld>
   <p:clrMapOvr>
@@ -20001,7 +19710,7 @@
     </p:bg>
     <p:spTree>
       <p:nvGrpSpPr>
-        <p:cNvPr id="239" name="Shape 239"/>
+        <p:cNvPr id="237" name="Shape 237"/>
         <p:cNvGrpSpPr/>
         <p:nvPr/>
       </p:nvGrpSpPr>
@@ -20015,14 +19724,14 @@
       </p:grpSpPr>
       <p:sp>
         <p:nvSpPr>
-          <p:cNvPr id="240" name="Google Shape;240;p30"/>
+          <p:cNvPr id="238" name="Google Shape;238;p30"/>
           <p:cNvSpPr txBox="1"/>
           <p:nvPr/>
         </p:nvSpPr>
         <p:spPr>
           <a:xfrm>
-            <a:off x="800098" y="275609"/>
-            <a:ext cx="7543800" cy="1088100"/>
+            <a:off x="681775" y="757572"/>
+            <a:ext cx="7543800" cy="625500"/>
           </a:xfrm>
           <a:prstGeom prst="rect">
             <a:avLst/>
@@ -20051,31 +19760,35 @@
               <a:buNone/>
             </a:pPr>
             <a:r>
-              <a:rPr lang="es" sz="3000">
+              <a:rPr lang="es" sz="2200">
                 <a:solidFill>
                   <a:srgbClr val="E83464"/>
                 </a:solidFill>
               </a:rPr>
-              <a:t>Eventos en JavaFX</a:t>
+              <a:t>Ejemplo de una aplicación GUI utilizando Scene Builder </a:t>
             </a:r>
-            <a:endParaRPr sz="3000">
+            <a:endParaRPr sz="2000">
               <a:solidFill>
-                <a:srgbClr val="E83464"/>
+                <a:srgbClr val="AF7B51"/>
               </a:solidFill>
+              <a:latin typeface="Nunito"/>
+              <a:ea typeface="Nunito"/>
+              <a:cs typeface="Nunito"/>
+              <a:sym typeface="Nunito"/>
             </a:endParaRPr>
           </a:p>
         </p:txBody>
       </p:sp>
       <p:sp>
         <p:nvSpPr>
-          <p:cNvPr id="241" name="Google Shape;241;p30"/>
+          <p:cNvPr id="239" name="Google Shape;239;p30"/>
           <p:cNvSpPr txBox="1"/>
           <p:nvPr/>
         </p:nvSpPr>
         <p:spPr>
           <a:xfrm>
-            <a:off x="640650" y="1034650"/>
-            <a:ext cx="8274600" cy="4079100"/>
+            <a:off x="4742675" y="1688175"/>
+            <a:ext cx="3089400" cy="615600"/>
           </a:xfrm>
           <a:prstGeom prst="rect">
             <a:avLst/>
@@ -20091,7 +19804,7 @@
           </a:bodyPr>
           <a:lstStyle/>
           <a:p>
-            <a:pPr indent="0" lvl="0" marL="0" rtl="0" algn="just">
+            <a:pPr indent="0" lvl="0" marL="0" rtl="0" algn="l">
               <a:spcBef>
                 <a:spcPts val="0"/>
               </a:spcBef>
@@ -20101,16 +19814,111 @@
               <a:buNone/>
             </a:pPr>
             <a:r>
-              <a:t/>
+              <a:rPr lang="es">
+                <a:solidFill>
+                  <a:schemeClr val="accent5"/>
+                </a:solidFill>
+                <a:latin typeface="Calibri"/>
+                <a:ea typeface="Calibri"/>
+                <a:cs typeface="Calibri"/>
+                <a:sym typeface="Calibri"/>
+              </a:rPr>
+              <a:t>Asignar identificadores únicos a cada componente</a:t>
             </a:r>
-            <a:endParaRPr sz="1300">
+            <a:endParaRPr>
               <a:solidFill>
-                <a:srgbClr val="375FA9"/>
+                <a:schemeClr val="accent5"/>
               </a:solidFill>
+              <a:latin typeface="Calibri"/>
+              <a:ea typeface="Calibri"/>
+              <a:cs typeface="Calibri"/>
+              <a:sym typeface="Calibri"/>
             </a:endParaRPr>
           </a:p>
+        </p:txBody>
+      </p:sp>
+      <p:pic>
+        <p:nvPicPr>
+          <p:cNvPr id="240" name="Google Shape;240;p30"/>
+          <p:cNvPicPr preferRelativeResize="0"/>
+          <p:nvPr/>
+        </p:nvPicPr>
+        <p:blipFill>
+          <a:blip r:embed="rId4">
+            <a:alphaModFix/>
+          </a:blip>
+          <a:stretch>
+            <a:fillRect/>
+          </a:stretch>
+        </p:blipFill>
+        <p:spPr>
+          <a:xfrm>
+            <a:off x="834000" y="1634250"/>
+            <a:ext cx="3816749" cy="1641700"/>
+          </a:xfrm>
+          <a:prstGeom prst="rect">
+            <a:avLst/>
+          </a:prstGeom>
+          <a:noFill/>
+          <a:ln>
+            <a:noFill/>
+          </a:ln>
+        </p:spPr>
+      </p:pic>
+      <p:pic>
+        <p:nvPicPr>
+          <p:cNvPr id="241" name="Google Shape;241;p30"/>
+          <p:cNvPicPr preferRelativeResize="0"/>
+          <p:nvPr/>
+        </p:nvPicPr>
+        <p:blipFill>
+          <a:blip r:embed="rId5">
+            <a:alphaModFix/>
+          </a:blip>
+          <a:stretch>
+            <a:fillRect/>
+          </a:stretch>
+        </p:blipFill>
+        <p:spPr>
+          <a:xfrm>
+            <a:off x="1823175" y="3527125"/>
+            <a:ext cx="2748826" cy="1163250"/>
+          </a:xfrm>
+          <a:prstGeom prst="rect">
+            <a:avLst/>
+          </a:prstGeom>
+          <a:noFill/>
+          <a:ln>
+            <a:noFill/>
+          </a:ln>
+        </p:spPr>
+      </p:pic>
+      <p:sp>
+        <p:nvSpPr>
+          <p:cNvPr id="242" name="Google Shape;242;p30"/>
+          <p:cNvSpPr txBox="1"/>
+          <p:nvPr/>
+        </p:nvSpPr>
+        <p:spPr>
+          <a:xfrm>
+            <a:off x="4808650" y="3707800"/>
+            <a:ext cx="3089400" cy="400200"/>
+          </a:xfrm>
+          <a:prstGeom prst="rect">
+            <a:avLst/>
+          </a:prstGeom>
+          <a:noFill/>
+          <a:ln>
+            <a:noFill/>
+          </a:ln>
+        </p:spPr>
+        <p:txBody>
+          <a:bodyPr anchorCtr="0" anchor="t" bIns="91425" lIns="91425" spcFirstLastPara="1" rIns="91425" wrap="square" tIns="91425">
+            <a:spAutoFit/>
+          </a:bodyPr>
+          <a:lstStyle/>
           <a:p>
-            <a:pPr indent="0" lvl="0" marL="0" rtl="0" algn="just">
+            <a:pPr indent="0" lvl="0" marL="0" rtl="0" algn="l">
               <a:spcBef>
                 <a:spcPts val="0"/>
               </a:spcBef>
@@ -20120,301 +19928,21 @@
               <a:buNone/>
             </a:pPr>
             <a:r>
-              <a:t/>
-            </a:r>
-            <a:endParaRPr sz="1300">
-              <a:solidFill>
-                <a:srgbClr val="375FA9"/>
-              </a:solidFill>
-            </a:endParaRPr>
-          </a:p>
-          <a:p>
-            <a:pPr indent="0" lvl="0" marL="0" rtl="0" algn="just">
-              <a:spcBef>
-                <a:spcPts val="0"/>
-              </a:spcBef>
-              <a:spcAft>
-                <a:spcPts val="0"/>
-              </a:spcAft>
-              <a:buNone/>
-            </a:pPr>
-            <a:r>
-              <a:rPr b="1" lang="es" sz="1300">
-                <a:solidFill>
-                  <a:srgbClr val="375FA9"/>
-                </a:solidFill>
+              <a:rPr lang="es">
+                <a:solidFill>
+                  <a:schemeClr val="accent5"/>
+                </a:solidFill>
+                <a:latin typeface="Calibri"/>
+                <a:ea typeface="Calibri"/>
+                <a:cs typeface="Calibri"/>
+                <a:sym typeface="Calibri"/>
               </a:rPr>
-              <a:t>Event Handling:</a:t>
-            </a:r>
-            <a:r>
-              <a:rPr lang="es" sz="1300">
-                <a:solidFill>
-                  <a:srgbClr val="375FA9"/>
-                </a:solidFill>
-              </a:rPr>
-              <a:t> El manejo de eventos es el mecanismo que controla el evento y decide qué debe suceder, si ocurre un evento. Este mecanismo tiene el código que se conoce como controlador de eventos que se ejecuta cuando ocurre un evento. JavaFX proporciona controladores y filtros para manejar eventos. En JavaFX cada evento tiene:</a:t>
-            </a:r>
-            <a:endParaRPr sz="1300">
-              <a:solidFill>
-                <a:srgbClr val="375FA9"/>
-              </a:solidFill>
-            </a:endParaRPr>
-          </a:p>
-          <a:p>
-            <a:pPr indent="0" lvl="0" marL="457200" rtl="0" algn="just">
-              <a:spcBef>
-                <a:spcPts val="0"/>
-              </a:spcBef>
-              <a:spcAft>
-                <a:spcPts val="0"/>
-              </a:spcAft>
-              <a:buNone/>
-            </a:pPr>
-            <a:r>
-              <a:t/>
-            </a:r>
-            <a:endParaRPr sz="1800">
-              <a:solidFill>
-                <a:srgbClr val="375FA9"/>
-              </a:solidFill>
-            </a:endParaRPr>
-          </a:p>
-          <a:p>
-            <a:pPr indent="-311150" lvl="0" marL="457200" rtl="0" algn="just">
-              <a:spcBef>
-                <a:spcPts val="0"/>
-              </a:spcBef>
-              <a:spcAft>
-                <a:spcPts val="0"/>
-              </a:spcAft>
-              <a:buClr>
-                <a:srgbClr val="375FA9"/>
-              </a:buClr>
-              <a:buSzPts val="1300"/>
-              <a:buChar char="●"/>
-            </a:pPr>
-            <a:r>
-              <a:rPr b="1" lang="es" sz="1300">
-                <a:solidFill>
-                  <a:srgbClr val="375FA9"/>
-                </a:solidFill>
-              </a:rPr>
-              <a:t>Target:</a:t>
-            </a:r>
-            <a:r>
-              <a:rPr lang="es" sz="1300">
-                <a:solidFill>
-                  <a:srgbClr val="375FA9"/>
-                </a:solidFill>
-              </a:rPr>
-              <a:t> el nodo en el que ocurrió un evento. Un objetivo puede ser una ventana, una escena y un nodo.</a:t>
-            </a:r>
-            <a:endParaRPr sz="1300">
-              <a:solidFill>
-                <a:srgbClr val="375FA9"/>
-              </a:solidFill>
-            </a:endParaRPr>
-          </a:p>
-          <a:p>
-            <a:pPr indent="0" lvl="0" marL="457200" rtl="0" algn="just">
-              <a:spcBef>
-                <a:spcPts val="0"/>
-              </a:spcBef>
-              <a:spcAft>
-                <a:spcPts val="0"/>
-              </a:spcAft>
-              <a:buNone/>
-            </a:pPr>
-            <a:r>
-              <a:t/>
-            </a:r>
-            <a:endParaRPr sz="1300">
-              <a:solidFill>
-                <a:srgbClr val="375FA9"/>
-              </a:solidFill>
-            </a:endParaRPr>
-          </a:p>
-          <a:p>
-            <a:pPr indent="-311150" lvl="0" marL="457200" rtl="0" algn="just">
-              <a:spcBef>
-                <a:spcPts val="0"/>
-              </a:spcBef>
-              <a:spcAft>
-                <a:spcPts val="0"/>
-              </a:spcAft>
-              <a:buClr>
-                <a:srgbClr val="375FA9"/>
-              </a:buClr>
-              <a:buSzPts val="1300"/>
-              <a:buChar char="●"/>
-            </a:pPr>
-            <a:r>
-              <a:rPr b="1" lang="es" sz="1300">
-                <a:solidFill>
-                  <a:srgbClr val="375FA9"/>
-                </a:solidFill>
-              </a:rPr>
-              <a:t>Source: </a:t>
-            </a:r>
-            <a:r>
-              <a:rPr lang="es" sz="1300">
-                <a:solidFill>
-                  <a:srgbClr val="375FA9"/>
-                </a:solidFill>
-              </a:rPr>
-              <a:t> la fuente a partir de la cual se genera el evento será la fuente del evento. En el escenario anterior, el mouse es la fuente del evento.</a:t>
-            </a:r>
-            <a:endParaRPr sz="1300">
-              <a:solidFill>
-                <a:srgbClr val="375FA9"/>
-              </a:solidFill>
-            </a:endParaRPr>
-          </a:p>
-          <a:p>
-            <a:pPr indent="0" lvl="0" marL="457200" rtl="0" algn="just">
-              <a:spcBef>
-                <a:spcPts val="0"/>
-              </a:spcBef>
-              <a:spcAft>
-                <a:spcPts val="0"/>
-              </a:spcAft>
-              <a:buNone/>
-            </a:pPr>
-            <a:r>
-              <a:t/>
-            </a:r>
-            <a:endParaRPr sz="1300">
-              <a:solidFill>
-                <a:srgbClr val="375FA9"/>
-              </a:solidFill>
-            </a:endParaRPr>
-          </a:p>
-          <a:p>
-            <a:pPr indent="-311150" lvl="0" marL="457200" rtl="0" algn="just">
-              <a:spcBef>
-                <a:spcPts val="0"/>
-              </a:spcBef>
-              <a:spcAft>
-                <a:spcPts val="0"/>
-              </a:spcAft>
-              <a:buClr>
-                <a:srgbClr val="375FA9"/>
-              </a:buClr>
-              <a:buSzPts val="1300"/>
-              <a:buChar char="●"/>
-            </a:pPr>
-            <a:r>
-              <a:rPr b="1" lang="es" sz="1300">
-                <a:solidFill>
-                  <a:srgbClr val="375FA9"/>
-                </a:solidFill>
-              </a:rPr>
-              <a:t>Type</a:t>
-            </a:r>
-            <a:r>
-              <a:rPr lang="es" sz="1300">
-                <a:solidFill>
-                  <a:srgbClr val="375FA9"/>
-                </a:solidFill>
-              </a:rPr>
-              <a:t>: Tipo de evento ocurrido; en el caso de un evento de mouse, el mouse presionado, el mouse soltado son el tipo de eventos.</a:t>
-            </a:r>
-            <a:endParaRPr sz="1300">
-              <a:solidFill>
-                <a:srgbClr val="375FA9"/>
-              </a:solidFill>
-            </a:endParaRPr>
-          </a:p>
-          <a:p>
-            <a:pPr indent="0" lvl="0" marL="457200" rtl="0" algn="just">
-              <a:spcBef>
-                <a:spcPts val="0"/>
-              </a:spcBef>
-              <a:spcAft>
-                <a:spcPts val="0"/>
-              </a:spcAft>
-              <a:buNone/>
-            </a:pPr>
-            <a:r>
-              <a:t/>
-            </a:r>
-            <a:endParaRPr sz="1300">
-              <a:solidFill>
-                <a:srgbClr val="375FA9"/>
-              </a:solidFill>
-            </a:endParaRPr>
-          </a:p>
-          <a:p>
-            <a:pPr indent="0" lvl="0" marL="0" rtl="0" algn="just">
-              <a:spcBef>
-                <a:spcPts val="0"/>
-              </a:spcBef>
-              <a:spcAft>
-                <a:spcPts val="0"/>
-              </a:spcAft>
-              <a:buNone/>
-            </a:pPr>
-            <a:r>
-              <a:t/>
-            </a:r>
-            <a:endParaRPr sz="1300">
-              <a:solidFill>
-                <a:srgbClr val="375FA9"/>
-              </a:solidFill>
-            </a:endParaRPr>
-          </a:p>
-          <a:p>
-            <a:pPr indent="0" lvl="0" marL="0" rtl="0" algn="just">
-              <a:spcBef>
-                <a:spcPts val="0"/>
-              </a:spcBef>
-              <a:spcAft>
-                <a:spcPts val="0"/>
-              </a:spcAft>
-              <a:buNone/>
-            </a:pPr>
-            <a:r>
-              <a:t/>
-            </a:r>
-            <a:endParaRPr sz="1300">
-              <a:solidFill>
-                <a:srgbClr val="375FA9"/>
-              </a:solidFill>
-            </a:endParaRPr>
-          </a:p>
-          <a:p>
-            <a:pPr indent="0" lvl="0" marL="0" rtl="0" algn="just">
-              <a:spcBef>
-                <a:spcPts val="0"/>
-              </a:spcBef>
-              <a:spcAft>
-                <a:spcPts val="0"/>
-              </a:spcAft>
-              <a:buNone/>
-            </a:pPr>
-            <a:r>
-              <a:t/>
-            </a:r>
-            <a:endParaRPr sz="1300">
-              <a:solidFill>
-                <a:srgbClr val="375FA9"/>
-              </a:solidFill>
-            </a:endParaRPr>
-          </a:p>
-          <a:p>
-            <a:pPr indent="0" lvl="0" marL="0" rtl="0" algn="l">
-              <a:spcBef>
-                <a:spcPts val="0"/>
-              </a:spcBef>
-              <a:spcAft>
-                <a:spcPts val="0"/>
-              </a:spcAft>
-              <a:buNone/>
-            </a:pPr>
-            <a:r>
-              <a:t/>
+              <a:t>Asignar nombre al controlador</a:t>
             </a:r>
             <a:endParaRPr>
+              <a:solidFill>
+                <a:schemeClr val="accent5"/>
+              </a:solidFill>
               <a:latin typeface="Calibri"/>
               <a:ea typeface="Calibri"/>
               <a:cs typeface="Calibri"/>
@@ -20448,7 +19976,7 @@
     </p:bg>
     <p:spTree>
       <p:nvGrpSpPr>
-        <p:cNvPr id="245" name="Shape 245"/>
+        <p:cNvPr id="246" name="Shape 246"/>
         <p:cNvGrpSpPr/>
         <p:nvPr/>
       </p:nvGrpSpPr>
@@ -20462,14 +19990,14 @@
       </p:grpSpPr>
       <p:sp>
         <p:nvSpPr>
-          <p:cNvPr id="246" name="Google Shape;246;p31"/>
+          <p:cNvPr id="247" name="Google Shape;247;p31"/>
           <p:cNvSpPr txBox="1"/>
           <p:nvPr/>
         </p:nvSpPr>
         <p:spPr>
           <a:xfrm>
-            <a:off x="755123" y="1387206"/>
-            <a:ext cx="7657500" cy="2539200"/>
+            <a:off x="681775" y="757572"/>
+            <a:ext cx="7543800" cy="625500"/>
           </a:xfrm>
           <a:prstGeom prst="rect">
             <a:avLst/>
@@ -20480,12 +20008,12 @@
           </a:ln>
         </p:spPr>
         <p:txBody>
-          <a:bodyPr anchorCtr="0" anchor="ctr" bIns="91425" lIns="91425" spcFirstLastPara="1" rIns="91425" wrap="square" tIns="91425">
+          <a:bodyPr anchorCtr="0" anchor="b" bIns="34275" lIns="68575" spcFirstLastPara="1" rIns="68575" wrap="square" tIns="34275">
             <a:noAutofit/>
           </a:bodyPr>
           <a:lstStyle/>
           <a:p>
-            <a:pPr indent="0" lvl="0" marL="0" rtl="0" algn="ctr">
+            <a:pPr indent="0" lvl="0" marL="0" rtl="0" algn="l">
               <a:lnSpc>
                 <a:spcPct val="85000"/>
               </a:lnSpc>
@@ -20495,41 +20023,700 @@
               <a:spcAft>
                 <a:spcPts val="0"/>
               </a:spcAft>
-              <a:buClr>
-                <a:srgbClr val="3F3F3F"/>
-              </a:buClr>
-              <a:buSzPts val="3600"/>
-              <a:buFont typeface="Arial"/>
               <a:buNone/>
             </a:pPr>
             <a:r>
-              <a:rPr b="1" lang="es" sz="3000">
-                <a:solidFill>
-                  <a:srgbClr val="375FA9"/>
+              <a:rPr lang="es" sz="2200">
+                <a:solidFill>
+                  <a:srgbClr val="E83464"/>
                 </a:solidFill>
               </a:rPr>
-              <a:t>Ejercicios</a:t>
+              <a:t>Ejemplo de una aplicación GUI utilizando Scene Builder </a:t>
+            </a:r>
+            <a:endParaRPr sz="2000">
+              <a:solidFill>
+                <a:srgbClr val="AF7B51"/>
+              </a:solidFill>
+              <a:latin typeface="Nunito"/>
+              <a:ea typeface="Nunito"/>
+              <a:cs typeface="Nunito"/>
+              <a:sym typeface="Nunito"/>
+            </a:endParaRPr>
+          </a:p>
+        </p:txBody>
+      </p:sp>
+      <p:sp>
+        <p:nvSpPr>
+          <p:cNvPr id="248" name="Google Shape;248;p31"/>
+          <p:cNvSpPr txBox="1"/>
+          <p:nvPr/>
+        </p:nvSpPr>
+        <p:spPr>
+          <a:xfrm>
+            <a:off x="3570225" y="3684775"/>
+            <a:ext cx="4339500" cy="831300"/>
+          </a:xfrm>
+          <a:prstGeom prst="rect">
+            <a:avLst/>
+          </a:prstGeom>
+          <a:noFill/>
+          <a:ln>
+            <a:noFill/>
+          </a:ln>
+        </p:spPr>
+        <p:txBody>
+          <a:bodyPr anchorCtr="0" anchor="t" bIns="91425" lIns="91425" spcFirstLastPara="1" rIns="91425" wrap="square" tIns="91425">
+            <a:spAutoFit/>
+          </a:bodyPr>
+          <a:lstStyle/>
+          <a:p>
+            <a:pPr indent="0" lvl="0" marL="0" rtl="0" algn="l">
+              <a:spcBef>
+                <a:spcPts val="0"/>
+              </a:spcBef>
+              <a:spcAft>
+                <a:spcPts val="0"/>
+              </a:spcAft>
+              <a:buNone/>
+            </a:pPr>
+            <a:r>
+              <a:rPr lang="es">
+                <a:solidFill>
+                  <a:schemeClr val="accent5"/>
+                </a:solidFill>
+                <a:latin typeface="Calibri"/>
+                <a:ea typeface="Calibri"/>
+                <a:cs typeface="Calibri"/>
+                <a:sym typeface="Calibri"/>
+              </a:rPr>
+              <a:t>Copiar el </a:t>
             </a:r>
             <a:r>
-              <a:rPr lang="es" sz="3000">
-                <a:solidFill>
-                  <a:schemeClr val="lt1"/>
-                </a:solidFill>
+              <a:rPr lang="es">
+                <a:solidFill>
+                  <a:schemeClr val="accent5"/>
+                </a:solidFill>
+                <a:latin typeface="Calibri"/>
+                <a:ea typeface="Calibri"/>
+                <a:cs typeface="Calibri"/>
+                <a:sym typeface="Calibri"/>
+              </a:rPr>
+              <a:t>esqueleto</a:t>
+            </a:r>
+            <a:r>
+              <a:rPr lang="es">
+                <a:solidFill>
+                  <a:schemeClr val="accent5"/>
+                </a:solidFill>
+                <a:latin typeface="Calibri"/>
+                <a:ea typeface="Calibri"/>
+                <a:cs typeface="Calibri"/>
+                <a:sym typeface="Calibri"/>
+              </a:rPr>
+              <a:t> del controlador sugerido por la herramienta en nuestro proyecto con el mismo nombre y extensión .java</a:t>
+            </a:r>
+            <a:endParaRPr>
+              <a:solidFill>
+                <a:schemeClr val="accent5"/>
+              </a:solidFill>
+              <a:latin typeface="Calibri"/>
+              <a:ea typeface="Calibri"/>
+              <a:cs typeface="Calibri"/>
+              <a:sym typeface="Calibri"/>
+            </a:endParaRPr>
+          </a:p>
+        </p:txBody>
+      </p:sp>
+      <p:sp>
+        <p:nvSpPr>
+          <p:cNvPr id="249" name="Google Shape;249;p31"/>
+          <p:cNvSpPr txBox="1"/>
+          <p:nvPr/>
+        </p:nvSpPr>
+        <p:spPr>
+          <a:xfrm>
+            <a:off x="529600" y="1529750"/>
+            <a:ext cx="3542100" cy="615600"/>
+          </a:xfrm>
+          <a:prstGeom prst="rect">
+            <a:avLst/>
+          </a:prstGeom>
+          <a:noFill/>
+          <a:ln>
+            <a:noFill/>
+          </a:ln>
+        </p:spPr>
+        <p:txBody>
+          <a:bodyPr anchorCtr="0" anchor="t" bIns="91425" lIns="91425" spcFirstLastPara="1" rIns="91425" wrap="square" tIns="91425">
+            <a:spAutoFit/>
+          </a:bodyPr>
+          <a:lstStyle/>
+          <a:p>
+            <a:pPr indent="0" lvl="0" marL="0" rtl="0" algn="l">
+              <a:spcBef>
+                <a:spcPts val="0"/>
+              </a:spcBef>
+              <a:spcAft>
+                <a:spcPts val="0"/>
+              </a:spcAft>
+              <a:buNone/>
+            </a:pPr>
+            <a:r>
+              <a:rPr lang="es">
+                <a:solidFill>
+                  <a:schemeClr val="accent5"/>
+                </a:solidFill>
+                <a:latin typeface="Calibri"/>
+                <a:ea typeface="Calibri"/>
+                <a:cs typeface="Calibri"/>
+                <a:sym typeface="Calibri"/>
+              </a:rPr>
+              <a:t>Guardar archivo FXML en la carpeta src de nuestro proyecto en visual studio code</a:t>
+            </a:r>
+            <a:endParaRPr>
+              <a:solidFill>
+                <a:schemeClr val="accent5"/>
+              </a:solidFill>
+              <a:latin typeface="Calibri"/>
+              <a:ea typeface="Calibri"/>
+              <a:cs typeface="Calibri"/>
+              <a:sym typeface="Calibri"/>
+            </a:endParaRPr>
+          </a:p>
+        </p:txBody>
+      </p:sp>
+      <p:pic>
+        <p:nvPicPr>
+          <p:cNvPr id="250" name="Google Shape;250;p31"/>
+          <p:cNvPicPr preferRelativeResize="0"/>
+          <p:nvPr/>
+        </p:nvPicPr>
+        <p:blipFill>
+          <a:blip r:embed="rId4">
+            <a:alphaModFix/>
+          </a:blip>
+          <a:stretch>
+            <a:fillRect/>
+          </a:stretch>
+        </p:blipFill>
+        <p:spPr>
+          <a:xfrm>
+            <a:off x="4857075" y="1499034"/>
+            <a:ext cx="2283276" cy="2145425"/>
+          </a:xfrm>
+          <a:prstGeom prst="rect">
+            <a:avLst/>
+          </a:prstGeom>
+          <a:noFill/>
+          <a:ln>
+            <a:noFill/>
+          </a:ln>
+        </p:spPr>
+      </p:pic>
+      <p:pic>
+        <p:nvPicPr>
+          <p:cNvPr id="251" name="Google Shape;251;p31"/>
+          <p:cNvPicPr preferRelativeResize="0"/>
+          <p:nvPr/>
+        </p:nvPicPr>
+        <p:blipFill>
+          <a:blip r:embed="rId5">
+            <a:alphaModFix/>
+          </a:blip>
+          <a:stretch>
+            <a:fillRect/>
+          </a:stretch>
+        </p:blipFill>
+        <p:spPr>
+          <a:xfrm>
+            <a:off x="990950" y="2361475"/>
+            <a:ext cx="1905000" cy="1376200"/>
+          </a:xfrm>
+          <a:prstGeom prst="rect">
+            <a:avLst/>
+          </a:prstGeom>
+          <a:noFill/>
+          <a:ln>
+            <a:noFill/>
+          </a:ln>
+        </p:spPr>
+      </p:pic>
+    </p:spTree>
+  </p:cSld>
+  <p:clrMapOvr>
+    <a:masterClrMapping/>
+  </p:clrMapOvr>
+</p:sld>
+</file>
+
+<file path=ppt/slides/slide18.xml><?xml version="1.0" encoding="utf-8"?>
+<p:sld xmlns:a="http://schemas.openxmlformats.org/drawingml/2006/main" xmlns:r="http://schemas.openxmlformats.org/officeDocument/2006/relationships" xmlns:mc="http://schemas.openxmlformats.org/markup-compatibility/2006" xmlns:mv="urn:schemas-microsoft-com:mac:vml" xmlns:p="http://schemas.openxmlformats.org/presentationml/2006/main" xmlns:c="http://schemas.openxmlformats.org/drawingml/2006/chart" xmlns:dgm="http://schemas.openxmlformats.org/drawingml/2006/diagram" xmlns:o="urn:schemas-microsoft-com:office:office" xmlns:v="urn:schemas-microsoft-com:vml" xmlns:pvml="urn:schemas-microsoft-com:office:powerpoint" xmlns:com="http://schemas.openxmlformats.org/drawingml/2006/compatibility" xmlns:p14="http://schemas.microsoft.com/office/powerpoint/2010/main" xmlns:p15="http://schemas.microsoft.com/office/powerpoint/2012/main" xmlns:ahyp="http://schemas.microsoft.com/office/drawing/2018/hyperlinkcolor" showMasterSp="0">
+  <p:cSld>
+    <p:bg>
+      <p:bgPr>
+        <a:blipFill>
+          <a:blip r:embed="rId3">
+            <a:alphaModFix/>
+          </a:blip>
+          <a:stretch>
+            <a:fillRect/>
+          </a:stretch>
+        </a:blipFill>
+      </p:bgPr>
+    </p:bg>
+    <p:spTree>
+      <p:nvGrpSpPr>
+        <p:cNvPr id="255" name="Shape 255"/>
+        <p:cNvGrpSpPr/>
+        <p:nvPr/>
+      </p:nvGrpSpPr>
+      <p:grpSpPr>
+        <a:xfrm>
+          <a:off x="0" y="0"/>
+          <a:ext cx="0" cy="0"/>
+          <a:chOff x="0" y="0"/>
+          <a:chExt cx="0" cy="0"/>
+        </a:xfrm>
+      </p:grpSpPr>
+      <p:sp>
+        <p:nvSpPr>
+          <p:cNvPr id="256" name="Google Shape;256;p32"/>
+          <p:cNvSpPr txBox="1"/>
+          <p:nvPr/>
+        </p:nvSpPr>
+        <p:spPr>
+          <a:xfrm>
+            <a:off x="681775" y="757572"/>
+            <a:ext cx="7543800" cy="625500"/>
+          </a:xfrm>
+          <a:prstGeom prst="rect">
+            <a:avLst/>
+          </a:prstGeom>
+          <a:noFill/>
+          <a:ln>
+            <a:noFill/>
+          </a:ln>
+        </p:spPr>
+        <p:txBody>
+          <a:bodyPr anchorCtr="0" anchor="b" bIns="34275" lIns="68575" spcFirstLastPara="1" rIns="68575" wrap="square" tIns="34275">
+            <a:noAutofit/>
+          </a:bodyPr>
+          <a:lstStyle/>
+          <a:p>
+            <a:pPr indent="0" lvl="0" marL="0" rtl="0" algn="l">
+              <a:lnSpc>
+                <a:spcPct val="85000"/>
+              </a:lnSpc>
+              <a:spcBef>
+                <a:spcPts val="0"/>
+              </a:spcBef>
+              <a:spcAft>
+                <a:spcPts val="0"/>
+              </a:spcAft>
+              <a:buNone/>
+            </a:pPr>
+            <a:r>
+              <a:rPr lang="es" sz="2200">
+                <a:solidFill>
+                  <a:srgbClr val="E83464"/>
+                </a:solidFill>
+              </a:rPr>
+              <a:t>Ejemplo de una aplicación GUI utilizando Scene Builder </a:t>
+            </a:r>
+            <a:endParaRPr sz="2000">
+              <a:solidFill>
+                <a:srgbClr val="AF7B51"/>
+              </a:solidFill>
+              <a:latin typeface="Nunito"/>
+              <a:ea typeface="Nunito"/>
+              <a:cs typeface="Nunito"/>
+              <a:sym typeface="Nunito"/>
+            </a:endParaRPr>
+          </a:p>
+        </p:txBody>
+      </p:sp>
+      <p:sp>
+        <p:nvSpPr>
+          <p:cNvPr id="257" name="Google Shape;257;p32"/>
+          <p:cNvSpPr txBox="1"/>
+          <p:nvPr/>
+        </p:nvSpPr>
+        <p:spPr>
+          <a:xfrm>
+            <a:off x="4683475" y="2532525"/>
+            <a:ext cx="3542100" cy="615600"/>
+          </a:xfrm>
+          <a:prstGeom prst="rect">
+            <a:avLst/>
+          </a:prstGeom>
+          <a:noFill/>
+          <a:ln>
+            <a:noFill/>
+          </a:ln>
+        </p:spPr>
+        <p:txBody>
+          <a:bodyPr anchorCtr="0" anchor="t" bIns="91425" lIns="91425" spcFirstLastPara="1" rIns="91425" wrap="square" tIns="91425">
+            <a:spAutoFit/>
+          </a:bodyPr>
+          <a:lstStyle/>
+          <a:p>
+            <a:pPr indent="0" lvl="0" marL="0" rtl="0" algn="l">
+              <a:spcBef>
+                <a:spcPts val="0"/>
+              </a:spcBef>
+              <a:spcAft>
+                <a:spcPts val="0"/>
+              </a:spcAft>
+              <a:buNone/>
+            </a:pPr>
+            <a:r>
+              <a:rPr lang="es">
+                <a:solidFill>
+                  <a:schemeClr val="accent5"/>
+                </a:solidFill>
+                <a:latin typeface="Calibri"/>
+                <a:ea typeface="Calibri"/>
+                <a:cs typeface="Calibri"/>
+                <a:sym typeface="Calibri"/>
+              </a:rPr>
+              <a:t>En el archivo principal App.java se define el layout que tendrá el stage principal </a:t>
+            </a:r>
+            <a:endParaRPr>
+              <a:solidFill>
+                <a:schemeClr val="accent5"/>
+              </a:solidFill>
+              <a:latin typeface="Calibri"/>
+              <a:ea typeface="Calibri"/>
+              <a:cs typeface="Calibri"/>
+              <a:sym typeface="Calibri"/>
+            </a:endParaRPr>
+          </a:p>
+        </p:txBody>
+      </p:sp>
+      <p:sp>
+        <p:nvSpPr>
+          <p:cNvPr id="258" name="Google Shape;258;p32"/>
+          <p:cNvSpPr txBox="1"/>
+          <p:nvPr/>
+        </p:nvSpPr>
+        <p:spPr>
+          <a:xfrm>
+            <a:off x="363050" y="1668350"/>
+            <a:ext cx="4118100" cy="3190200"/>
+          </a:xfrm>
+          <a:prstGeom prst="rect">
+            <a:avLst/>
+          </a:prstGeom>
+          <a:noFill/>
+          <a:ln>
+            <a:noFill/>
+          </a:ln>
+        </p:spPr>
+        <p:txBody>
+          <a:bodyPr anchorCtr="0" anchor="t" bIns="91425" lIns="91425" spcFirstLastPara="1" rIns="91425" wrap="square" tIns="91425">
+            <a:spAutoFit/>
+          </a:bodyPr>
+          <a:lstStyle/>
+          <a:p>
+            <a:pPr indent="0" lvl="0" marL="449580" rtl="0" algn="l">
+              <a:lnSpc>
+                <a:spcPct val="107916"/>
+              </a:lnSpc>
+              <a:spcBef>
+                <a:spcPts val="0"/>
+              </a:spcBef>
+              <a:spcAft>
+                <a:spcPts val="0"/>
+              </a:spcAft>
+              <a:buNone/>
+            </a:pPr>
+            <a:r>
+              <a:rPr lang="es" sz="900">
+                <a:latin typeface="Courier New"/>
+                <a:ea typeface="Courier New"/>
+                <a:cs typeface="Courier New"/>
+                <a:sym typeface="Courier New"/>
+              </a:rPr>
+              <a:t>public void start(Stage primaryStage) throws Exception {</a:t>
+            </a:r>
+            <a:endParaRPr sz="900">
+              <a:latin typeface="Courier New"/>
+              <a:ea typeface="Courier New"/>
+              <a:cs typeface="Courier New"/>
+              <a:sym typeface="Courier New"/>
+            </a:endParaRPr>
+          </a:p>
+          <a:p>
+            <a:pPr indent="0" lvl="0" marL="449580" rtl="0" algn="l">
+              <a:lnSpc>
+                <a:spcPct val="107916"/>
+              </a:lnSpc>
+              <a:spcBef>
+                <a:spcPts val="800"/>
+              </a:spcBef>
+              <a:spcAft>
+                <a:spcPts val="0"/>
+              </a:spcAft>
+              <a:buNone/>
+            </a:pPr>
+            <a:r>
+              <a:rPr lang="es" sz="900">
+                <a:latin typeface="Courier New"/>
+                <a:ea typeface="Courier New"/>
+                <a:cs typeface="Courier New"/>
+                <a:sym typeface="Courier New"/>
+              </a:rPr>
+              <a:t>        //FXMLLoader fxmlLoader = new FXMLLoader(getClass().getResource("ruta absoluta del archivo fxml a mostrar")); </a:t>
+            </a:r>
+            <a:endParaRPr sz="900">
+              <a:latin typeface="Courier New"/>
+              <a:ea typeface="Courier New"/>
+              <a:cs typeface="Courier New"/>
+              <a:sym typeface="Courier New"/>
+            </a:endParaRPr>
+          </a:p>
+          <a:p>
+            <a:pPr indent="0" lvl="0" marL="449580" rtl="0" algn="l">
+              <a:lnSpc>
+                <a:spcPct val="107916"/>
+              </a:lnSpc>
+              <a:spcBef>
+                <a:spcPts val="800"/>
+              </a:spcBef>
+              <a:spcAft>
+                <a:spcPts val="0"/>
+              </a:spcAft>
+              <a:buNone/>
+            </a:pPr>
+            <a:r>
+              <a:rPr lang="es" sz="900">
+                <a:latin typeface="Courier New"/>
+                <a:ea typeface="Courier New"/>
+                <a:cs typeface="Courier New"/>
+                <a:sym typeface="Courier New"/>
+              </a:rPr>
+              <a:t>        FXMLLoader fxmlLoader = new FXMLLoader(getClass().getResource("layout.fxml")); </a:t>
+            </a:r>
+            <a:endParaRPr sz="900">
+              <a:latin typeface="Courier New"/>
+              <a:ea typeface="Courier New"/>
+              <a:cs typeface="Courier New"/>
+              <a:sym typeface="Courier New"/>
+            </a:endParaRPr>
+          </a:p>
+          <a:p>
+            <a:pPr indent="0" lvl="0" marL="449580" rtl="0" algn="l">
+              <a:lnSpc>
+                <a:spcPct val="107916"/>
+              </a:lnSpc>
+              <a:spcBef>
+                <a:spcPts val="800"/>
+              </a:spcBef>
+              <a:spcAft>
+                <a:spcPts val="0"/>
+              </a:spcAft>
+              <a:buNone/>
+            </a:pPr>
+            <a:r>
+              <a:rPr lang="es" sz="900">
+                <a:latin typeface="Courier New"/>
+                <a:ea typeface="Courier New"/>
+                <a:cs typeface="Courier New"/>
+                <a:sym typeface="Courier New"/>
+              </a:rPr>
+              <a:t>        Parent root = fxmlLoader.load();</a:t>
+            </a:r>
+            <a:endParaRPr sz="900">
+              <a:latin typeface="Courier New"/>
+              <a:ea typeface="Courier New"/>
+              <a:cs typeface="Courier New"/>
+              <a:sym typeface="Courier New"/>
+            </a:endParaRPr>
+          </a:p>
+          <a:p>
+            <a:pPr indent="0" lvl="0" marL="449580" rtl="0" algn="l">
+              <a:lnSpc>
+                <a:spcPct val="107916"/>
+              </a:lnSpc>
+              <a:spcBef>
+                <a:spcPts val="800"/>
+              </a:spcBef>
+              <a:spcAft>
+                <a:spcPts val="0"/>
+              </a:spcAft>
+              <a:buNone/>
+            </a:pPr>
+            <a:r>
+              <a:rPr lang="es" sz="900">
+                <a:latin typeface="Courier New"/>
+                <a:ea typeface="Courier New"/>
+                <a:cs typeface="Courier New"/>
+                <a:sym typeface="Courier New"/>
+              </a:rPr>
+              <a:t>        Scene scene = new Scene(root);</a:t>
+            </a:r>
+            <a:endParaRPr sz="900">
+              <a:latin typeface="Courier New"/>
+              <a:ea typeface="Courier New"/>
+              <a:cs typeface="Courier New"/>
+              <a:sym typeface="Courier New"/>
+            </a:endParaRPr>
+          </a:p>
+          <a:p>
+            <a:pPr indent="0" lvl="0" marL="449580" rtl="0" algn="l">
+              <a:lnSpc>
+                <a:spcPct val="107916"/>
+              </a:lnSpc>
+              <a:spcBef>
+                <a:spcPts val="800"/>
+              </a:spcBef>
+              <a:spcAft>
+                <a:spcPts val="0"/>
+              </a:spcAft>
+              <a:buNone/>
+            </a:pPr>
+            <a:r>
+              <a:t/>
+            </a:r>
+            <a:endParaRPr sz="900">
+              <a:latin typeface="Courier New"/>
+              <a:ea typeface="Courier New"/>
+              <a:cs typeface="Courier New"/>
+              <a:sym typeface="Courier New"/>
+            </a:endParaRPr>
+          </a:p>
+          <a:p>
+            <a:pPr indent="0" lvl="0" marL="449580" rtl="0" algn="l">
+              <a:lnSpc>
+                <a:spcPct val="107916"/>
+              </a:lnSpc>
+              <a:spcBef>
+                <a:spcPts val="800"/>
+              </a:spcBef>
+              <a:spcAft>
+                <a:spcPts val="0"/>
+              </a:spcAft>
+              <a:buNone/>
+            </a:pPr>
+            <a:r>
+              <a:rPr lang="es" sz="900">
+                <a:latin typeface="Courier New"/>
+                <a:ea typeface="Courier New"/>
+                <a:cs typeface="Courier New"/>
+                <a:sym typeface="Courier New"/>
+              </a:rPr>
+              <a:t>        primaryStage.setTitle("Hello world!");</a:t>
+            </a:r>
+            <a:endParaRPr sz="900">
+              <a:latin typeface="Courier New"/>
+              <a:ea typeface="Courier New"/>
+              <a:cs typeface="Courier New"/>
+              <a:sym typeface="Courier New"/>
+            </a:endParaRPr>
+          </a:p>
+          <a:p>
+            <a:pPr indent="0" lvl="0" marL="449580" rtl="0" algn="l">
+              <a:lnSpc>
+                <a:spcPct val="107916"/>
+              </a:lnSpc>
+              <a:spcBef>
+                <a:spcPts val="800"/>
+              </a:spcBef>
+              <a:spcAft>
+                <a:spcPts val="0"/>
+              </a:spcAft>
+              <a:buNone/>
+            </a:pPr>
+            <a:r>
+              <a:rPr lang="es" sz="900">
+                <a:latin typeface="Courier New"/>
+                <a:ea typeface="Courier New"/>
+                <a:cs typeface="Courier New"/>
+                <a:sym typeface="Courier New"/>
+              </a:rPr>
+              <a:t>      </a:t>
+            </a:r>
+            <a:r>
+              <a:rPr lang="es" sz="900">
+                <a:latin typeface="Courier New"/>
+                <a:ea typeface="Courier New"/>
+                <a:cs typeface="Courier New"/>
+                <a:sym typeface="Courier New"/>
               </a:rPr>
               <a:t> </a:t>
             </a:r>
             <a:r>
-              <a:rPr lang="es" sz="3000">
-                <a:solidFill>
-                  <a:srgbClr val="E63464"/>
-                </a:solidFill>
+              <a:rPr lang="es" sz="900">
+                <a:latin typeface="Courier New"/>
+                <a:ea typeface="Courier New"/>
+                <a:cs typeface="Courier New"/>
+                <a:sym typeface="Courier New"/>
               </a:rPr>
-              <a:t>para practicar </a:t>
+              <a:t> primaryStage.setScene(scene);</a:t>
             </a:r>
-            <a:endParaRPr sz="1800">
-              <a:solidFill>
-                <a:srgbClr val="E63464"/>
-              </a:solidFill>
+            <a:endParaRPr sz="900">
+              <a:latin typeface="Courier New"/>
+              <a:ea typeface="Courier New"/>
+              <a:cs typeface="Courier New"/>
+              <a:sym typeface="Courier New"/>
+            </a:endParaRPr>
+          </a:p>
+          <a:p>
+            <a:pPr indent="0" lvl="0" marL="449580" rtl="0" algn="l">
+              <a:lnSpc>
+                <a:spcPct val="107916"/>
+              </a:lnSpc>
+              <a:spcBef>
+                <a:spcPts val="800"/>
+              </a:spcBef>
+              <a:spcAft>
+                <a:spcPts val="0"/>
+              </a:spcAft>
+              <a:buNone/>
+            </a:pPr>
+            <a:r>
+              <a:rPr lang="es" sz="900">
+                <a:latin typeface="Courier New"/>
+                <a:ea typeface="Courier New"/>
+                <a:cs typeface="Courier New"/>
+                <a:sym typeface="Courier New"/>
+              </a:rPr>
+              <a:t>        primaryStage.show();</a:t>
+            </a:r>
+            <a:endParaRPr sz="900">
+              <a:latin typeface="Courier New"/>
+              <a:ea typeface="Courier New"/>
+              <a:cs typeface="Courier New"/>
+              <a:sym typeface="Courier New"/>
+            </a:endParaRPr>
+          </a:p>
+          <a:p>
+            <a:pPr indent="0" lvl="0" marL="449580" rtl="0" algn="l">
+              <a:lnSpc>
+                <a:spcPct val="107916"/>
+              </a:lnSpc>
+              <a:spcBef>
+                <a:spcPts val="800"/>
+              </a:spcBef>
+              <a:spcAft>
+                <a:spcPts val="800"/>
+              </a:spcAft>
+              <a:buNone/>
+            </a:pPr>
+            <a:r>
+              <a:rPr lang="es" sz="900">
+                <a:latin typeface="Courier New"/>
+                <a:ea typeface="Courier New"/>
+                <a:cs typeface="Courier New"/>
+                <a:sym typeface="Courier New"/>
+              </a:rPr>
+              <a:t>    }</a:t>
+            </a:r>
+            <a:endParaRPr sz="1200">
+              <a:latin typeface="Courier New"/>
+              <a:ea typeface="Courier New"/>
+              <a:cs typeface="Courier New"/>
+              <a:sym typeface="Courier New"/>
             </a:endParaRPr>
           </a:p>
         </p:txBody>
@@ -20542,12 +20729,24 @@
 </p:sld>
 </file>
 
-<file path=ppt/slides/slide18.xml><?xml version="1.0" encoding="utf-8"?>
-<p:sld xmlns:a="http://schemas.openxmlformats.org/drawingml/2006/main" xmlns:r="http://schemas.openxmlformats.org/officeDocument/2006/relationships" xmlns:mc="http://schemas.openxmlformats.org/markup-compatibility/2006" xmlns:mv="urn:schemas-microsoft-com:mac:vml" xmlns:p="http://schemas.openxmlformats.org/presentationml/2006/main" xmlns:c="http://schemas.openxmlformats.org/drawingml/2006/chart" xmlns:dgm="http://schemas.openxmlformats.org/drawingml/2006/diagram" xmlns:o="urn:schemas-microsoft-com:office:office" xmlns:v="urn:schemas-microsoft-com:vml" xmlns:pvml="urn:schemas-microsoft-com:office:powerpoint" xmlns:com="http://schemas.openxmlformats.org/drawingml/2006/compatibility" xmlns:p14="http://schemas.microsoft.com/office/powerpoint/2010/main" xmlns:p15="http://schemas.microsoft.com/office/powerpoint/2012/main" xmlns:ahyp="http://schemas.microsoft.com/office/drawing/2018/hyperlinkcolor">
+<file path=ppt/slides/slide19.xml><?xml version="1.0" encoding="utf-8"?>
+<p:sld xmlns:a="http://schemas.openxmlformats.org/drawingml/2006/main" xmlns:r="http://schemas.openxmlformats.org/officeDocument/2006/relationships" xmlns:mc="http://schemas.openxmlformats.org/markup-compatibility/2006" xmlns:mv="urn:schemas-microsoft-com:mac:vml" xmlns:p="http://schemas.openxmlformats.org/presentationml/2006/main" xmlns:c="http://schemas.openxmlformats.org/drawingml/2006/chart" xmlns:dgm="http://schemas.openxmlformats.org/drawingml/2006/diagram" xmlns:o="urn:schemas-microsoft-com:office:office" xmlns:v="urn:schemas-microsoft-com:vml" xmlns:pvml="urn:schemas-microsoft-com:office:powerpoint" xmlns:com="http://schemas.openxmlformats.org/drawingml/2006/compatibility" xmlns:p14="http://schemas.microsoft.com/office/powerpoint/2010/main" xmlns:p15="http://schemas.microsoft.com/office/powerpoint/2012/main" xmlns:ahyp="http://schemas.microsoft.com/office/drawing/2018/hyperlinkcolor" showMasterSp="0">
   <p:cSld>
+    <p:bg>
+      <p:bgPr>
+        <a:blipFill>
+          <a:blip r:embed="rId3">
+            <a:alphaModFix/>
+          </a:blip>
+          <a:stretch>
+            <a:fillRect/>
+          </a:stretch>
+        </a:blipFill>
+      </p:bgPr>
+    </p:bg>
     <p:spTree>
       <p:nvGrpSpPr>
-        <p:cNvPr id="250" name="Shape 250"/>
+        <p:cNvPr id="262" name="Shape 262"/>
         <p:cNvGrpSpPr/>
         <p:nvPr/>
       </p:nvGrpSpPr>
@@ -20559,23 +20758,194 @@
           <a:chExt cx="0" cy="0"/>
         </a:xfrm>
       </p:grpSpPr>
+      <p:sp>
+        <p:nvSpPr>
+          <p:cNvPr id="263" name="Google Shape;263;p33"/>
+          <p:cNvSpPr txBox="1"/>
+          <p:nvPr/>
+        </p:nvSpPr>
+        <p:spPr>
+          <a:xfrm>
+            <a:off x="681775" y="757572"/>
+            <a:ext cx="7543800" cy="625500"/>
+          </a:xfrm>
+          <a:prstGeom prst="rect">
+            <a:avLst/>
+          </a:prstGeom>
+          <a:noFill/>
+          <a:ln>
+            <a:noFill/>
+          </a:ln>
+        </p:spPr>
+        <p:txBody>
+          <a:bodyPr anchorCtr="0" anchor="b" bIns="34275" lIns="68575" spcFirstLastPara="1" rIns="68575" wrap="square" tIns="34275">
+            <a:noAutofit/>
+          </a:bodyPr>
+          <a:lstStyle/>
+          <a:p>
+            <a:pPr indent="0" lvl="0" marL="0" rtl="0" algn="l">
+              <a:lnSpc>
+                <a:spcPct val="85000"/>
+              </a:lnSpc>
+              <a:spcBef>
+                <a:spcPts val="0"/>
+              </a:spcBef>
+              <a:spcAft>
+                <a:spcPts val="0"/>
+              </a:spcAft>
+              <a:buNone/>
+            </a:pPr>
+            <a:r>
+              <a:rPr lang="es" sz="2200">
+                <a:solidFill>
+                  <a:srgbClr val="E83464"/>
+                </a:solidFill>
+              </a:rPr>
+              <a:t>Ejemplo de una aplicación GUI utilizando Scene Builder </a:t>
+            </a:r>
+            <a:endParaRPr sz="2000">
+              <a:solidFill>
+                <a:srgbClr val="AF7B51"/>
+              </a:solidFill>
+              <a:latin typeface="Nunito"/>
+              <a:ea typeface="Nunito"/>
+              <a:cs typeface="Nunito"/>
+              <a:sym typeface="Nunito"/>
+            </a:endParaRPr>
+          </a:p>
+        </p:txBody>
+      </p:sp>
+      <p:sp>
+        <p:nvSpPr>
+          <p:cNvPr id="264" name="Google Shape;264;p33"/>
+          <p:cNvSpPr txBox="1"/>
+          <p:nvPr/>
+        </p:nvSpPr>
+        <p:spPr>
+          <a:xfrm>
+            <a:off x="529600" y="1529750"/>
+            <a:ext cx="3542100" cy="615600"/>
+          </a:xfrm>
+          <a:prstGeom prst="rect">
+            <a:avLst/>
+          </a:prstGeom>
+          <a:noFill/>
+          <a:ln>
+            <a:noFill/>
+          </a:ln>
+        </p:spPr>
+        <p:txBody>
+          <a:bodyPr anchorCtr="0" anchor="t" bIns="91425" lIns="91425" spcFirstLastPara="1" rIns="91425" wrap="square" tIns="91425">
+            <a:spAutoFit/>
+          </a:bodyPr>
+          <a:lstStyle/>
+          <a:p>
+            <a:pPr indent="0" lvl="0" marL="0" rtl="0" algn="l">
+              <a:spcBef>
+                <a:spcPts val="0"/>
+              </a:spcBef>
+              <a:spcAft>
+                <a:spcPts val="0"/>
+              </a:spcAft>
+              <a:buNone/>
+            </a:pPr>
+            <a:r>
+              <a:rPr lang="es">
+                <a:solidFill>
+                  <a:schemeClr val="accent5"/>
+                </a:solidFill>
+                <a:latin typeface="Calibri"/>
+                <a:ea typeface="Calibri"/>
+                <a:cs typeface="Calibri"/>
+                <a:sym typeface="Calibri"/>
+              </a:rPr>
+              <a:t>Se le agrega el evento onClick a el button y se define la acción en el controlador.</a:t>
+            </a:r>
+            <a:endParaRPr>
+              <a:solidFill>
+                <a:schemeClr val="accent5"/>
+              </a:solidFill>
+              <a:latin typeface="Calibri"/>
+              <a:ea typeface="Calibri"/>
+              <a:cs typeface="Calibri"/>
+              <a:sym typeface="Calibri"/>
+            </a:endParaRPr>
+          </a:p>
+        </p:txBody>
+      </p:sp>
       <p:pic>
         <p:nvPicPr>
-          <p:cNvPr id="251" name="Google Shape;251;p32"/>
+          <p:cNvPr id="265" name="Google Shape;265;p33"/>
+          <p:cNvPicPr preferRelativeResize="0"/>
+          <p:nvPr/>
+        </p:nvPicPr>
+        <p:blipFill>
+          <a:blip r:embed="rId4">
+            <a:alphaModFix/>
+          </a:blip>
+          <a:stretch>
+            <a:fillRect/>
+          </a:stretch>
+        </p:blipFill>
+        <p:spPr>
+          <a:xfrm>
+            <a:off x="829100" y="2470827"/>
+            <a:ext cx="2513673" cy="532800"/>
+          </a:xfrm>
+          <a:prstGeom prst="rect">
+            <a:avLst/>
+          </a:prstGeom>
+          <a:noFill/>
+          <a:ln>
+            <a:noFill/>
+          </a:ln>
+        </p:spPr>
+      </p:pic>
+      <p:pic>
+        <p:nvPicPr>
+          <p:cNvPr id="266" name="Google Shape;266;p33"/>
+          <p:cNvPicPr preferRelativeResize="0"/>
+          <p:nvPr/>
+        </p:nvPicPr>
+        <p:blipFill>
+          <a:blip r:embed="rId5">
+            <a:alphaModFix/>
+          </a:blip>
+          <a:stretch>
+            <a:fillRect/>
+          </a:stretch>
+        </p:blipFill>
+        <p:spPr>
+          <a:xfrm>
+            <a:off x="1139700" y="3329112"/>
+            <a:ext cx="1892475" cy="440125"/>
+          </a:xfrm>
+          <a:prstGeom prst="rect">
+            <a:avLst/>
+          </a:prstGeom>
+          <a:noFill/>
+          <a:ln>
+            <a:noFill/>
+          </a:ln>
+        </p:spPr>
+      </p:pic>
+      <p:pic>
+        <p:nvPicPr>
+          <p:cNvPr id="267" name="Google Shape;267;p33"/>
           <p:cNvPicPr preferRelativeResize="0"/>
           <p:nvPr/>
         </p:nvPicPr>
         <p:blipFill rotWithShape="1">
-          <a:blip r:embed="rId3">
+          <a:blip r:embed="rId6">
             <a:alphaModFix/>
           </a:blip>
-          <a:srcRect b="0" l="0" r="0" t="0"/>
+          <a:srcRect b="12276" l="0" r="51262" t="38811"/>
           <a:stretch/>
         </p:blipFill>
         <p:spPr>
           <a:xfrm>
-            <a:off x="2475" y="0"/>
-            <a:ext cx="9139049" cy="5143503"/>
+            <a:off x="4387950" y="1642050"/>
+            <a:ext cx="2789699" cy="2799725"/>
           </a:xfrm>
           <a:prstGeom prst="rect">
             <a:avLst/>
@@ -20875,6 +21245,315 @@
           </a:p>
         </p:txBody>
       </p:sp>
+    </p:spTree>
+  </p:cSld>
+  <p:clrMapOvr>
+    <a:masterClrMapping/>
+  </p:clrMapOvr>
+</p:sld>
+</file>
+
+<file path=ppt/slides/slide20.xml><?xml version="1.0" encoding="utf-8"?>
+<p:sld xmlns:a="http://schemas.openxmlformats.org/drawingml/2006/main" xmlns:r="http://schemas.openxmlformats.org/officeDocument/2006/relationships" xmlns:mc="http://schemas.openxmlformats.org/markup-compatibility/2006" xmlns:mv="urn:schemas-microsoft-com:mac:vml" xmlns:p="http://schemas.openxmlformats.org/presentationml/2006/main" xmlns:c="http://schemas.openxmlformats.org/drawingml/2006/chart" xmlns:dgm="http://schemas.openxmlformats.org/drawingml/2006/diagram" xmlns:o="urn:schemas-microsoft-com:office:office" xmlns:v="urn:schemas-microsoft-com:vml" xmlns:pvml="urn:schemas-microsoft-com:office:powerpoint" xmlns:com="http://schemas.openxmlformats.org/drawingml/2006/compatibility" xmlns:p14="http://schemas.microsoft.com/office/powerpoint/2010/main" xmlns:p15="http://schemas.microsoft.com/office/powerpoint/2012/main" xmlns:ahyp="http://schemas.microsoft.com/office/drawing/2018/hyperlinkcolor" showMasterSp="0">
+  <p:cSld>
+    <p:bg>
+      <p:bgPr>
+        <a:blipFill>
+          <a:blip r:embed="rId3">
+            <a:alphaModFix/>
+          </a:blip>
+          <a:stretch>
+            <a:fillRect/>
+          </a:stretch>
+        </a:blipFill>
+      </p:bgPr>
+    </p:bg>
+    <p:spTree>
+      <p:nvGrpSpPr>
+        <p:cNvPr id="271" name="Shape 271"/>
+        <p:cNvGrpSpPr/>
+        <p:nvPr/>
+      </p:nvGrpSpPr>
+      <p:grpSpPr>
+        <a:xfrm>
+          <a:off x="0" y="0"/>
+          <a:ext cx="0" cy="0"/>
+          <a:chOff x="0" y="0"/>
+          <a:chExt cx="0" cy="0"/>
+        </a:xfrm>
+      </p:grpSpPr>
+      <p:sp>
+        <p:nvSpPr>
+          <p:cNvPr id="272" name="Google Shape;272;p34"/>
+          <p:cNvSpPr txBox="1"/>
+          <p:nvPr/>
+        </p:nvSpPr>
+        <p:spPr>
+          <a:xfrm>
+            <a:off x="800105" y="191143"/>
+            <a:ext cx="7543800" cy="1088100"/>
+          </a:xfrm>
+          <a:prstGeom prst="rect">
+            <a:avLst/>
+          </a:prstGeom>
+          <a:noFill/>
+          <a:ln>
+            <a:noFill/>
+          </a:ln>
+        </p:spPr>
+        <p:txBody>
+          <a:bodyPr anchorCtr="0" anchor="b" bIns="34275" lIns="68575" spcFirstLastPara="1" rIns="68575" wrap="square" tIns="34275">
+            <a:noAutofit/>
+          </a:bodyPr>
+          <a:lstStyle/>
+          <a:p>
+            <a:pPr indent="0" lvl="0" marL="0" rtl="0" algn="l">
+              <a:lnSpc>
+                <a:spcPct val="85000"/>
+              </a:lnSpc>
+              <a:spcBef>
+                <a:spcPts val="0"/>
+              </a:spcBef>
+              <a:spcAft>
+                <a:spcPts val="0"/>
+              </a:spcAft>
+              <a:buNone/>
+            </a:pPr>
+            <a:r>
+              <a:rPr lang="es" sz="2200">
+                <a:solidFill>
+                  <a:srgbClr val="E83464"/>
+                </a:solidFill>
+              </a:rPr>
+              <a:t>Ejemplo de una aplicación GUI utilizando Scene Builder </a:t>
+            </a:r>
+            <a:endParaRPr sz="2700">
+              <a:solidFill>
+                <a:srgbClr val="E83464"/>
+              </a:solidFill>
+            </a:endParaRPr>
+          </a:p>
+        </p:txBody>
+      </p:sp>
+      <p:pic>
+        <p:nvPicPr>
+          <p:cNvPr id="273" name="Google Shape;273;p34"/>
+          <p:cNvPicPr preferRelativeResize="0"/>
+          <p:nvPr/>
+        </p:nvPicPr>
+        <p:blipFill>
+          <a:blip r:embed="rId4">
+            <a:alphaModFix/>
+          </a:blip>
+          <a:stretch>
+            <a:fillRect/>
+          </a:stretch>
+        </p:blipFill>
+        <p:spPr>
+          <a:xfrm>
+            <a:off x="4382500" y="1458255"/>
+            <a:ext cx="3324225" cy="2667000"/>
+          </a:xfrm>
+          <a:prstGeom prst="rect">
+            <a:avLst/>
+          </a:prstGeom>
+          <a:noFill/>
+          <a:ln>
+            <a:noFill/>
+          </a:ln>
+        </p:spPr>
+      </p:pic>
+      <p:pic>
+        <p:nvPicPr>
+          <p:cNvPr id="274" name="Google Shape;274;p34"/>
+          <p:cNvPicPr preferRelativeResize="0"/>
+          <p:nvPr/>
+        </p:nvPicPr>
+        <p:blipFill>
+          <a:blip r:embed="rId5">
+            <a:alphaModFix/>
+          </a:blip>
+          <a:stretch>
+            <a:fillRect/>
+          </a:stretch>
+        </p:blipFill>
+        <p:spPr>
+          <a:xfrm>
+            <a:off x="615725" y="1548461"/>
+            <a:ext cx="3324225" cy="2486588"/>
+          </a:xfrm>
+          <a:prstGeom prst="rect">
+            <a:avLst/>
+          </a:prstGeom>
+          <a:noFill/>
+          <a:ln>
+            <a:noFill/>
+          </a:ln>
+        </p:spPr>
+      </p:pic>
+    </p:spTree>
+  </p:cSld>
+  <p:clrMapOvr>
+    <a:masterClrMapping/>
+  </p:clrMapOvr>
+</p:sld>
+</file>
+
+<file path=ppt/slides/slide21.xml><?xml version="1.0" encoding="utf-8"?>
+<p:sld xmlns:a="http://schemas.openxmlformats.org/drawingml/2006/main" xmlns:r="http://schemas.openxmlformats.org/officeDocument/2006/relationships" xmlns:mc="http://schemas.openxmlformats.org/markup-compatibility/2006" xmlns:mv="urn:schemas-microsoft-com:mac:vml" xmlns:p="http://schemas.openxmlformats.org/presentationml/2006/main" xmlns:c="http://schemas.openxmlformats.org/drawingml/2006/chart" xmlns:dgm="http://schemas.openxmlformats.org/drawingml/2006/diagram" xmlns:o="urn:schemas-microsoft-com:office:office" xmlns:v="urn:schemas-microsoft-com:vml" xmlns:pvml="urn:schemas-microsoft-com:office:powerpoint" xmlns:com="http://schemas.openxmlformats.org/drawingml/2006/compatibility" xmlns:p14="http://schemas.microsoft.com/office/powerpoint/2010/main" xmlns:p15="http://schemas.microsoft.com/office/powerpoint/2012/main" xmlns:ahyp="http://schemas.microsoft.com/office/drawing/2018/hyperlinkcolor" showMasterSp="0">
+  <p:cSld>
+    <p:bg>
+      <p:bgPr>
+        <a:blipFill>
+          <a:blip r:embed="rId3">
+            <a:alphaModFix/>
+          </a:blip>
+          <a:stretch>
+            <a:fillRect/>
+          </a:stretch>
+        </a:blipFill>
+      </p:bgPr>
+    </p:bg>
+    <p:spTree>
+      <p:nvGrpSpPr>
+        <p:cNvPr id="278" name="Shape 278"/>
+        <p:cNvGrpSpPr/>
+        <p:nvPr/>
+      </p:nvGrpSpPr>
+      <p:grpSpPr>
+        <a:xfrm>
+          <a:off x="0" y="0"/>
+          <a:ext cx="0" cy="0"/>
+          <a:chOff x="0" y="0"/>
+          <a:chExt cx="0" cy="0"/>
+        </a:xfrm>
+      </p:grpSpPr>
+      <p:sp>
+        <p:nvSpPr>
+          <p:cNvPr id="279" name="Google Shape;279;p35"/>
+          <p:cNvSpPr txBox="1"/>
+          <p:nvPr/>
+        </p:nvSpPr>
+        <p:spPr>
+          <a:xfrm>
+            <a:off x="755123" y="1387206"/>
+            <a:ext cx="7657500" cy="2539200"/>
+          </a:xfrm>
+          <a:prstGeom prst="rect">
+            <a:avLst/>
+          </a:prstGeom>
+          <a:noFill/>
+          <a:ln>
+            <a:noFill/>
+          </a:ln>
+        </p:spPr>
+        <p:txBody>
+          <a:bodyPr anchorCtr="0" anchor="ctr" bIns="91425" lIns="91425" spcFirstLastPara="1" rIns="91425" wrap="square" tIns="91425">
+            <a:noAutofit/>
+          </a:bodyPr>
+          <a:lstStyle/>
+          <a:p>
+            <a:pPr indent="0" lvl="0" marL="0" rtl="0" algn="ctr">
+              <a:lnSpc>
+                <a:spcPct val="85000"/>
+              </a:lnSpc>
+              <a:spcBef>
+                <a:spcPts val="0"/>
+              </a:spcBef>
+              <a:spcAft>
+                <a:spcPts val="0"/>
+              </a:spcAft>
+              <a:buClr>
+                <a:srgbClr val="3F3F3F"/>
+              </a:buClr>
+              <a:buSzPts val="3600"/>
+              <a:buFont typeface="Arial"/>
+              <a:buNone/>
+            </a:pPr>
+            <a:r>
+              <a:rPr b="1" lang="es" sz="3000">
+                <a:solidFill>
+                  <a:srgbClr val="375FA9"/>
+                </a:solidFill>
+              </a:rPr>
+              <a:t>Ejercicios</a:t>
+            </a:r>
+            <a:r>
+              <a:rPr lang="es" sz="3000">
+                <a:solidFill>
+                  <a:schemeClr val="lt1"/>
+                </a:solidFill>
+              </a:rPr>
+              <a:t> </a:t>
+            </a:r>
+            <a:r>
+              <a:rPr lang="es" sz="3000">
+                <a:solidFill>
+                  <a:srgbClr val="E63464"/>
+                </a:solidFill>
+              </a:rPr>
+              <a:t>para practicar </a:t>
+            </a:r>
+            <a:endParaRPr sz="1800">
+              <a:solidFill>
+                <a:srgbClr val="E63464"/>
+              </a:solidFill>
+            </a:endParaRPr>
+          </a:p>
+        </p:txBody>
+      </p:sp>
+    </p:spTree>
+  </p:cSld>
+  <p:clrMapOvr>
+    <a:masterClrMapping/>
+  </p:clrMapOvr>
+</p:sld>
+</file>
+
+<file path=ppt/slides/slide22.xml><?xml version="1.0" encoding="utf-8"?>
+<p:sld xmlns:a="http://schemas.openxmlformats.org/drawingml/2006/main" xmlns:r="http://schemas.openxmlformats.org/officeDocument/2006/relationships" xmlns:mc="http://schemas.openxmlformats.org/markup-compatibility/2006" xmlns:mv="urn:schemas-microsoft-com:mac:vml" xmlns:p="http://schemas.openxmlformats.org/presentationml/2006/main" xmlns:c="http://schemas.openxmlformats.org/drawingml/2006/chart" xmlns:dgm="http://schemas.openxmlformats.org/drawingml/2006/diagram" xmlns:o="urn:schemas-microsoft-com:office:office" xmlns:v="urn:schemas-microsoft-com:vml" xmlns:pvml="urn:schemas-microsoft-com:office:powerpoint" xmlns:com="http://schemas.openxmlformats.org/drawingml/2006/compatibility" xmlns:p14="http://schemas.microsoft.com/office/powerpoint/2010/main" xmlns:p15="http://schemas.microsoft.com/office/powerpoint/2012/main" xmlns:ahyp="http://schemas.microsoft.com/office/drawing/2018/hyperlinkcolor">
+  <p:cSld>
+    <p:spTree>
+      <p:nvGrpSpPr>
+        <p:cNvPr id="283" name="Shape 283"/>
+        <p:cNvGrpSpPr/>
+        <p:nvPr/>
+      </p:nvGrpSpPr>
+      <p:grpSpPr>
+        <a:xfrm>
+          <a:off x="0" y="0"/>
+          <a:ext cx="0" cy="0"/>
+          <a:chOff x="0" y="0"/>
+          <a:chExt cx="0" cy="0"/>
+        </a:xfrm>
+      </p:grpSpPr>
+      <p:pic>
+        <p:nvPicPr>
+          <p:cNvPr id="284" name="Google Shape;284;p36"/>
+          <p:cNvPicPr preferRelativeResize="0"/>
+          <p:nvPr/>
+        </p:nvPicPr>
+        <p:blipFill rotWithShape="1">
+          <a:blip r:embed="rId3">
+            <a:alphaModFix/>
+          </a:blip>
+          <a:srcRect b="0" l="0" r="0" t="0"/>
+          <a:stretch/>
+        </p:blipFill>
+        <p:spPr>
+          <a:xfrm>
+            <a:off x="2475" y="0"/>
+            <a:ext cx="9139049" cy="5143503"/>
+          </a:xfrm>
+          <a:prstGeom prst="rect">
+            <a:avLst/>
+          </a:prstGeom>
+          <a:noFill/>
+          <a:ln>
+            <a:noFill/>
+          </a:ln>
+        </p:spPr>
+      </p:pic>
     </p:spTree>
   </p:cSld>
   <p:clrMapOvr>
@@ -22450,6 +23129,285 @@
 </file>
 
 <file path=ppt/theme/theme1.xml><?xml version="1.0" encoding="utf-8"?>
+<a:theme xmlns:a="http://schemas.openxmlformats.org/drawingml/2006/main" xmlns:r="http://schemas.openxmlformats.org/officeDocument/2006/relationships" name="Shift">
+  <a:themeElements>
+    <a:clrScheme name="Shift">
+      <a:dk1>
+        <a:srgbClr val="FFFFFF"/>
+      </a:dk1>
+      <a:lt1>
+        <a:srgbClr val="AF7B51"/>
+      </a:lt1>
+      <a:dk2>
+        <a:srgbClr val="233A44"/>
+      </a:dk2>
+      <a:lt2>
+        <a:srgbClr val="D9D9D9"/>
+      </a:lt2>
+      <a:accent1>
+        <a:srgbClr val="00796B"/>
+      </a:accent1>
+      <a:accent2>
+        <a:srgbClr val="D9563F"/>
+      </a:accent2>
+      <a:accent3>
+        <a:srgbClr val="C4A15A"/>
+      </a:accent3>
+      <a:accent4>
+        <a:srgbClr val="14F597"/>
+      </a:accent4>
+      <a:accent5>
+        <a:srgbClr val="3D4594"/>
+      </a:accent5>
+      <a:accent6>
+        <a:srgbClr val="163EF5"/>
+      </a:accent6>
+      <a:hlink>
+        <a:srgbClr val="3D4594"/>
+      </a:hlink>
+      <a:folHlink>
+        <a:srgbClr val="3D4594"/>
+      </a:folHlink>
+    </a:clrScheme>
+    <a:fontScheme name="Office">
+      <a:majorFont>
+        <a:latin typeface="Arial"/>
+        <a:ea typeface=""/>
+        <a:cs typeface=""/>
+        <a:font script="Jpan" typeface="ＭＳ Ｐゴシック"/>
+        <a:font script="Hang" typeface="맑은 고딕"/>
+        <a:font script="Hans" typeface="宋体"/>
+        <a:font script="Hant" typeface="新細明體"/>
+        <a:font script="Arab" typeface="Times New Roman"/>
+        <a:font script="Hebr" typeface="Times New Roman"/>
+        <a:font script="Thai" typeface="Angsana New"/>
+        <a:font script="Ethi" typeface="Nyala"/>
+        <a:font script="Beng" typeface="Vrinda"/>
+        <a:font script="Gujr" typeface="Shruti"/>
+        <a:font script="Khmr" typeface="MoolBoran"/>
+        <a:font script="Knda" typeface="Tunga"/>
+        <a:font script="Guru" typeface="Raavi"/>
+        <a:font script="Cans" typeface="Euphemia"/>
+        <a:font script="Cher" typeface="Plantagenet Cherokee"/>
+        <a:font script="Yiii" typeface="Microsoft Yi Baiti"/>
+        <a:font script="Tibt" typeface="Microsoft Himalaya"/>
+        <a:font script="Thaa" typeface="MV Boli"/>
+        <a:font script="Deva" typeface="Mangal"/>
+        <a:font script="Telu" typeface="Gautami"/>
+        <a:font script="Taml" typeface="Latha"/>
+        <a:font script="Syrc" typeface="Estrangelo Edessa"/>
+        <a:font script="Orya" typeface="Kalinga"/>
+        <a:font script="Mlym" typeface="Kartika"/>
+        <a:font script="Laoo" typeface="DokChampa"/>
+        <a:font script="Sinh" typeface="Iskoola Pota"/>
+        <a:font script="Mong" typeface="Mongolian Baiti"/>
+        <a:font script="Viet" typeface="Times New Roman"/>
+        <a:font script="Uigh" typeface="Microsoft Uighur"/>
+        <a:font script="Geor" typeface="Sylfaen"/>
+      </a:majorFont>
+      <a:minorFont>
+        <a:latin typeface="Arial"/>
+        <a:ea typeface=""/>
+        <a:cs typeface=""/>
+        <a:font script="Jpan" typeface="ＭＳ Ｐゴシック"/>
+        <a:font script="Hang" typeface="맑은 고딕"/>
+        <a:font script="Hans" typeface="宋体"/>
+        <a:font script="Hant" typeface="新細明體"/>
+        <a:font script="Arab" typeface="Arial"/>
+        <a:font script="Hebr" typeface="Arial"/>
+        <a:font script="Thai" typeface="Cordia New"/>
+        <a:font script="Ethi" typeface="Nyala"/>
+        <a:font script="Beng" typeface="Vrinda"/>
+        <a:font script="Gujr" typeface="Shruti"/>
+        <a:font script="Khmr" typeface="DaunPenh"/>
+        <a:font script="Knda" typeface="Tunga"/>
+        <a:font script="Guru" typeface="Raavi"/>
+        <a:font script="Cans" typeface="Euphemia"/>
+        <a:font script="Cher" typeface="Plantagenet Cherokee"/>
+        <a:font script="Yiii" typeface="Microsoft Yi Baiti"/>
+        <a:font script="Tibt" typeface="Microsoft Himalaya"/>
+        <a:font script="Thaa" typeface="MV Boli"/>
+        <a:font script="Deva" typeface="Mangal"/>
+        <a:font script="Telu" typeface="Gautami"/>
+        <a:font script="Taml" typeface="Latha"/>
+        <a:font script="Syrc" typeface="Estrangelo Edessa"/>
+        <a:font script="Orya" typeface="Kalinga"/>
+        <a:font script="Mlym" typeface="Kartika"/>
+        <a:font script="Laoo" typeface="DokChampa"/>
+        <a:font script="Sinh" typeface="Iskoola Pota"/>
+        <a:font script="Mong" typeface="Mongolian Baiti"/>
+        <a:font script="Viet" typeface="Arial"/>
+        <a:font script="Uigh" typeface="Microsoft Uighur"/>
+        <a:font script="Geor" typeface="Sylfaen"/>
+      </a:minorFont>
+    </a:fontScheme>
+    <a:fmtScheme name="Office">
+      <a:fillStyleLst>
+        <a:solidFill>
+          <a:schemeClr val="phClr"/>
+        </a:solidFill>
+        <a:gradFill rotWithShape="1">
+          <a:gsLst>
+            <a:gs pos="0">
+              <a:schemeClr val="phClr">
+                <a:tint val="50000"/>
+                <a:satMod val="300000"/>
+              </a:schemeClr>
+            </a:gs>
+            <a:gs pos="35000">
+              <a:schemeClr val="phClr">
+                <a:tint val="37000"/>
+                <a:satMod val="300000"/>
+              </a:schemeClr>
+            </a:gs>
+            <a:gs pos="100000">
+              <a:schemeClr val="phClr">
+                <a:tint val="15000"/>
+                <a:satMod val="350000"/>
+              </a:schemeClr>
+            </a:gs>
+          </a:gsLst>
+          <a:lin ang="16200000" scaled="1"/>
+        </a:gradFill>
+        <a:gradFill rotWithShape="1">
+          <a:gsLst>
+            <a:gs pos="0">
+              <a:schemeClr val="phClr">
+                <a:tint val="100000"/>
+                <a:shade val="100000"/>
+                <a:satMod val="130000"/>
+              </a:schemeClr>
+            </a:gs>
+            <a:gs pos="100000">
+              <a:schemeClr val="phClr">
+                <a:tint val="50000"/>
+                <a:shade val="100000"/>
+                <a:satMod val="350000"/>
+              </a:schemeClr>
+            </a:gs>
+          </a:gsLst>
+          <a:lin ang="16200000" scaled="0"/>
+        </a:gradFill>
+      </a:fillStyleLst>
+      <a:lnStyleLst>
+        <a:ln w="9525" cap="flat" cmpd="sng" algn="ctr">
+          <a:solidFill>
+            <a:schemeClr val="phClr">
+              <a:shade val="95000"/>
+              <a:satMod val="105000"/>
+            </a:schemeClr>
+          </a:solidFill>
+          <a:prstDash val="solid"/>
+        </a:ln>
+        <a:ln w="25400" cap="flat" cmpd="sng" algn="ctr">
+          <a:solidFill>
+            <a:schemeClr val="phClr"/>
+          </a:solidFill>
+          <a:prstDash val="solid"/>
+        </a:ln>
+        <a:ln w="38100" cap="flat" cmpd="sng" algn="ctr">
+          <a:solidFill>
+            <a:schemeClr val="phClr"/>
+          </a:solidFill>
+          <a:prstDash val="solid"/>
+        </a:ln>
+      </a:lnStyleLst>
+      <a:effectStyleLst>
+        <a:effectStyle>
+          <a:effectLst>
+            <a:outerShdw blurRad="40000" dist="20000" dir="5400000" rotWithShape="0">
+              <a:srgbClr val="000000">
+                <a:alpha val="38000"/>
+              </a:srgbClr>
+            </a:outerShdw>
+          </a:effectLst>
+        </a:effectStyle>
+        <a:effectStyle>
+          <a:effectLst>
+            <a:outerShdw blurRad="40000" dist="23000" dir="5400000" rotWithShape="0">
+              <a:srgbClr val="000000">
+                <a:alpha val="35000"/>
+              </a:srgbClr>
+            </a:outerShdw>
+          </a:effectLst>
+        </a:effectStyle>
+        <a:effectStyle>
+          <a:effectLst>
+            <a:outerShdw blurRad="40000" dist="23000" dir="5400000" rotWithShape="0">
+              <a:srgbClr val="000000">
+                <a:alpha val="35000"/>
+              </a:srgbClr>
+            </a:outerShdw>
+          </a:effectLst>
+          <a:scene3d>
+            <a:camera prst="orthographicFront">
+              <a:rot lat="0" lon="0" rev="0"/>
+            </a:camera>
+            <a:lightRig rig="threePt" dir="t">
+              <a:rot lat="0" lon="0" rev="1200000"/>
+            </a:lightRig>
+          </a:scene3d>
+          <a:sp3d>
+            <a:bevelT w="63500" h="25400"/>
+          </a:sp3d>
+        </a:effectStyle>
+      </a:effectStyleLst>
+      <a:bgFillStyleLst>
+        <a:solidFill>
+          <a:schemeClr val="phClr"/>
+        </a:solidFill>
+        <a:gradFill rotWithShape="1">
+          <a:gsLst>
+            <a:gs pos="0">
+              <a:schemeClr val="phClr">
+                <a:tint val="40000"/>
+                <a:satMod val="350000"/>
+              </a:schemeClr>
+            </a:gs>
+            <a:gs pos="40000">
+              <a:schemeClr val="phClr">
+                <a:tint val="45000"/>
+                <a:shade val="99000"/>
+                <a:satMod val="350000"/>
+              </a:schemeClr>
+            </a:gs>
+            <a:gs pos="100000">
+              <a:schemeClr val="phClr">
+                <a:shade val="20000"/>
+                <a:satMod val="255000"/>
+              </a:schemeClr>
+            </a:gs>
+          </a:gsLst>
+          <a:path path="circle">
+            <a:fillToRect l="50000" t="-80000" r="50000" b="180000"/>
+          </a:path>
+        </a:gradFill>
+        <a:gradFill rotWithShape="1">
+          <a:gsLst>
+            <a:gs pos="0">
+              <a:schemeClr val="phClr">
+                <a:tint val="80000"/>
+                <a:satMod val="300000"/>
+              </a:schemeClr>
+            </a:gs>
+            <a:gs pos="100000">
+              <a:schemeClr val="phClr">
+                <a:shade val="30000"/>
+                <a:satMod val="200000"/>
+              </a:schemeClr>
+            </a:gs>
+          </a:gsLst>
+          <a:path path="circle">
+            <a:fillToRect l="50000" t="50000" r="50000" b="50000"/>
+          </a:path>
+        </a:gradFill>
+      </a:bgFillStyleLst>
+    </a:fmtScheme>
+  </a:themeElements>
+</a:theme>
+</file>
+
+<file path=ppt/theme/theme2.xml><?xml version="1.0" encoding="utf-8"?>
 <a:theme xmlns:a="http://schemas.openxmlformats.org/drawingml/2006/main" xmlns:r="http://schemas.openxmlformats.org/officeDocument/2006/relationships">
   <a:themeElements>
     <a:clrScheme name="Default">
@@ -22726,283 +23684,4 @@
     </a:fmtScheme>
   </a:themeElements>
 </a:theme>
-</file>
-
-<file path=ppt/theme/theme2.xml><?xml version="1.0" encoding="utf-8"?>
-<a:theme xmlns:a="http://schemas.openxmlformats.org/drawingml/2006/main" xmlns:r="http://schemas.openxmlformats.org/officeDocument/2006/relationships" name="Shift">
-  <a:themeElements>
-    <a:clrScheme name="Shift">
-      <a:dk1>
-        <a:srgbClr val="FFFFFF"/>
-      </a:dk1>
-      <a:lt1>
-        <a:srgbClr val="AF7B51"/>
-      </a:lt1>
-      <a:dk2>
-        <a:srgbClr val="233A44"/>
-      </a:dk2>
-      <a:lt2>
-        <a:srgbClr val="D9D9D9"/>
-      </a:lt2>
-      <a:accent1>
-        <a:srgbClr val="00796B"/>
-      </a:accent1>
-      <a:accent2>
-        <a:srgbClr val="D9563F"/>
-      </a:accent2>
-      <a:accent3>
-        <a:srgbClr val="C4A15A"/>
-      </a:accent3>
-      <a:accent4>
-        <a:srgbClr val="14F597"/>
-      </a:accent4>
-      <a:accent5>
-        <a:srgbClr val="3D4594"/>
-      </a:accent5>
-      <a:accent6>
-        <a:srgbClr val="163EF5"/>
-      </a:accent6>
-      <a:hlink>
-        <a:srgbClr val="3D4594"/>
-      </a:hlink>
-      <a:folHlink>
-        <a:srgbClr val="3D4594"/>
-      </a:folHlink>
-    </a:clrScheme>
-    <a:fontScheme name="Office">
-      <a:majorFont>
-        <a:latin typeface="Arial"/>
-        <a:ea typeface=""/>
-        <a:cs typeface=""/>
-        <a:font script="Jpan" typeface="ＭＳ Ｐゴシック"/>
-        <a:font script="Hang" typeface="맑은 고딕"/>
-        <a:font script="Hans" typeface="宋体"/>
-        <a:font script="Hant" typeface="新細明體"/>
-        <a:font script="Arab" typeface="Times New Roman"/>
-        <a:font script="Hebr" typeface="Times New Roman"/>
-        <a:font script="Thai" typeface="Angsana New"/>
-        <a:font script="Ethi" typeface="Nyala"/>
-        <a:font script="Beng" typeface="Vrinda"/>
-        <a:font script="Gujr" typeface="Shruti"/>
-        <a:font script="Khmr" typeface="MoolBoran"/>
-        <a:font script="Knda" typeface="Tunga"/>
-        <a:font script="Guru" typeface="Raavi"/>
-        <a:font script="Cans" typeface="Euphemia"/>
-        <a:font script="Cher" typeface="Plantagenet Cherokee"/>
-        <a:font script="Yiii" typeface="Microsoft Yi Baiti"/>
-        <a:font script="Tibt" typeface="Microsoft Himalaya"/>
-        <a:font script="Thaa" typeface="MV Boli"/>
-        <a:font script="Deva" typeface="Mangal"/>
-        <a:font script="Telu" typeface="Gautami"/>
-        <a:font script="Taml" typeface="Latha"/>
-        <a:font script="Syrc" typeface="Estrangelo Edessa"/>
-        <a:font script="Orya" typeface="Kalinga"/>
-        <a:font script="Mlym" typeface="Kartika"/>
-        <a:font script="Laoo" typeface="DokChampa"/>
-        <a:font script="Sinh" typeface="Iskoola Pota"/>
-        <a:font script="Mong" typeface="Mongolian Baiti"/>
-        <a:font script="Viet" typeface="Times New Roman"/>
-        <a:font script="Uigh" typeface="Microsoft Uighur"/>
-        <a:font script="Geor" typeface="Sylfaen"/>
-      </a:majorFont>
-      <a:minorFont>
-        <a:latin typeface="Arial"/>
-        <a:ea typeface=""/>
-        <a:cs typeface=""/>
-        <a:font script="Jpan" typeface="ＭＳ Ｐゴシック"/>
-        <a:font script="Hang" typeface="맑은 고딕"/>
-        <a:font script="Hans" typeface="宋体"/>
-        <a:font script="Hant" typeface="新細明體"/>
-        <a:font script="Arab" typeface="Arial"/>
-        <a:font script="Hebr" typeface="Arial"/>
-        <a:font script="Thai" typeface="Cordia New"/>
-        <a:font script="Ethi" typeface="Nyala"/>
-        <a:font script="Beng" typeface="Vrinda"/>
-        <a:font script="Gujr" typeface="Shruti"/>
-        <a:font script="Khmr" typeface="DaunPenh"/>
-        <a:font script="Knda" typeface="Tunga"/>
-        <a:font script="Guru" typeface="Raavi"/>
-        <a:font script="Cans" typeface="Euphemia"/>
-        <a:font script="Cher" typeface="Plantagenet Cherokee"/>
-        <a:font script="Yiii" typeface="Microsoft Yi Baiti"/>
-        <a:font script="Tibt" typeface="Microsoft Himalaya"/>
-        <a:font script="Thaa" typeface="MV Boli"/>
-        <a:font script="Deva" typeface="Mangal"/>
-        <a:font script="Telu" typeface="Gautami"/>
-        <a:font script="Taml" typeface="Latha"/>
-        <a:font script="Syrc" typeface="Estrangelo Edessa"/>
-        <a:font script="Orya" typeface="Kalinga"/>
-        <a:font script="Mlym" typeface="Kartika"/>
-        <a:font script="Laoo" typeface="DokChampa"/>
-        <a:font script="Sinh" typeface="Iskoola Pota"/>
-        <a:font script="Mong" typeface="Mongolian Baiti"/>
-        <a:font script="Viet" typeface="Arial"/>
-        <a:font script="Uigh" typeface="Microsoft Uighur"/>
-        <a:font script="Geor" typeface="Sylfaen"/>
-      </a:minorFont>
-    </a:fontScheme>
-    <a:fmtScheme name="Office">
-      <a:fillStyleLst>
-        <a:solidFill>
-          <a:schemeClr val="phClr"/>
-        </a:solidFill>
-        <a:gradFill rotWithShape="1">
-          <a:gsLst>
-            <a:gs pos="0">
-              <a:schemeClr val="phClr">
-                <a:tint val="50000"/>
-                <a:satMod val="300000"/>
-              </a:schemeClr>
-            </a:gs>
-            <a:gs pos="35000">
-              <a:schemeClr val="phClr">
-                <a:tint val="37000"/>
-                <a:satMod val="300000"/>
-              </a:schemeClr>
-            </a:gs>
-            <a:gs pos="100000">
-              <a:schemeClr val="phClr">
-                <a:tint val="15000"/>
-                <a:satMod val="350000"/>
-              </a:schemeClr>
-            </a:gs>
-          </a:gsLst>
-          <a:lin ang="16200000" scaled="1"/>
-        </a:gradFill>
-        <a:gradFill rotWithShape="1">
-          <a:gsLst>
-            <a:gs pos="0">
-              <a:schemeClr val="phClr">
-                <a:tint val="100000"/>
-                <a:shade val="100000"/>
-                <a:satMod val="130000"/>
-              </a:schemeClr>
-            </a:gs>
-            <a:gs pos="100000">
-              <a:schemeClr val="phClr">
-                <a:tint val="50000"/>
-                <a:shade val="100000"/>
-                <a:satMod val="350000"/>
-              </a:schemeClr>
-            </a:gs>
-          </a:gsLst>
-          <a:lin ang="16200000" scaled="0"/>
-        </a:gradFill>
-      </a:fillStyleLst>
-      <a:lnStyleLst>
-        <a:ln w="9525" cap="flat" cmpd="sng" algn="ctr">
-          <a:solidFill>
-            <a:schemeClr val="phClr">
-              <a:shade val="95000"/>
-              <a:satMod val="105000"/>
-            </a:schemeClr>
-          </a:solidFill>
-          <a:prstDash val="solid"/>
-        </a:ln>
-        <a:ln w="25400" cap="flat" cmpd="sng" algn="ctr">
-          <a:solidFill>
-            <a:schemeClr val="phClr"/>
-          </a:solidFill>
-          <a:prstDash val="solid"/>
-        </a:ln>
-        <a:ln w="38100" cap="flat" cmpd="sng" algn="ctr">
-          <a:solidFill>
-            <a:schemeClr val="phClr"/>
-          </a:solidFill>
-          <a:prstDash val="solid"/>
-        </a:ln>
-      </a:lnStyleLst>
-      <a:effectStyleLst>
-        <a:effectStyle>
-          <a:effectLst>
-            <a:outerShdw blurRad="40000" dist="20000" dir="5400000" rotWithShape="0">
-              <a:srgbClr val="000000">
-                <a:alpha val="38000"/>
-              </a:srgbClr>
-            </a:outerShdw>
-          </a:effectLst>
-        </a:effectStyle>
-        <a:effectStyle>
-          <a:effectLst>
-            <a:outerShdw blurRad="40000" dist="23000" dir="5400000" rotWithShape="0">
-              <a:srgbClr val="000000">
-                <a:alpha val="35000"/>
-              </a:srgbClr>
-            </a:outerShdw>
-          </a:effectLst>
-        </a:effectStyle>
-        <a:effectStyle>
-          <a:effectLst>
-            <a:outerShdw blurRad="40000" dist="23000" dir="5400000" rotWithShape="0">
-              <a:srgbClr val="000000">
-                <a:alpha val="35000"/>
-              </a:srgbClr>
-            </a:outerShdw>
-          </a:effectLst>
-          <a:scene3d>
-            <a:camera prst="orthographicFront">
-              <a:rot lat="0" lon="0" rev="0"/>
-            </a:camera>
-            <a:lightRig rig="threePt" dir="t">
-              <a:rot lat="0" lon="0" rev="1200000"/>
-            </a:lightRig>
-          </a:scene3d>
-          <a:sp3d>
-            <a:bevelT w="63500" h="25400"/>
-          </a:sp3d>
-        </a:effectStyle>
-      </a:effectStyleLst>
-      <a:bgFillStyleLst>
-        <a:solidFill>
-          <a:schemeClr val="phClr"/>
-        </a:solidFill>
-        <a:gradFill rotWithShape="1">
-          <a:gsLst>
-            <a:gs pos="0">
-              <a:schemeClr val="phClr">
-                <a:tint val="40000"/>
-                <a:satMod val="350000"/>
-              </a:schemeClr>
-            </a:gs>
-            <a:gs pos="40000">
-              <a:schemeClr val="phClr">
-                <a:tint val="45000"/>
-                <a:shade val="99000"/>
-                <a:satMod val="350000"/>
-              </a:schemeClr>
-            </a:gs>
-            <a:gs pos="100000">
-              <a:schemeClr val="phClr">
-                <a:shade val="20000"/>
-                <a:satMod val="255000"/>
-              </a:schemeClr>
-            </a:gs>
-          </a:gsLst>
-          <a:path path="circle">
-            <a:fillToRect l="50000" t="-80000" r="50000" b="180000"/>
-          </a:path>
-        </a:gradFill>
-        <a:gradFill rotWithShape="1">
-          <a:gsLst>
-            <a:gs pos="0">
-              <a:schemeClr val="phClr">
-                <a:tint val="80000"/>
-                <a:satMod val="300000"/>
-              </a:schemeClr>
-            </a:gs>
-            <a:gs pos="100000">
-              <a:schemeClr val="phClr">
-                <a:shade val="30000"/>
-                <a:satMod val="200000"/>
-              </a:schemeClr>
-            </a:gs>
-          </a:gsLst>
-          <a:path path="circle">
-            <a:fillToRect l="50000" t="50000" r="50000" b="50000"/>
-          </a:path>
-        </a:gradFill>
-      </a:bgFillStyleLst>
-    </a:fmtScheme>
-  </a:themeElements>
-</a:theme>
 </file>
--- a/Componente_Teórico_Presentaciones/Slide-Java sesión 13 semana 5_.pptx
+++ b/Componente_Teórico_Presentaciones/Slide-Java sesión 13 semana 5_.pptx
@@ -1,6 +1,6 @@
 
 <file path=ppt/presentation.xml><?xml version="1.0" encoding="utf-8"?>
-<p:presentation xmlns:a="http://schemas.openxmlformats.org/drawingml/2006/main" xmlns:r="http://schemas.openxmlformats.org/officeDocument/2006/relationships" xmlns:mc="http://schemas.openxmlformats.org/markup-compatibility/2006" xmlns:mv="urn:schemas-microsoft-com:mac:vml" xmlns:p="http://schemas.openxmlformats.org/presentationml/2006/main" xmlns:c="http://schemas.openxmlformats.org/drawingml/2006/chart" xmlns:dgm="http://schemas.openxmlformats.org/drawingml/2006/diagram" xmlns:o="urn:schemas-microsoft-com:office:office" xmlns:v="urn:schemas-microsoft-com:vml" xmlns:pvml="urn:schemas-microsoft-com:office:powerpoint" xmlns:com="http://schemas.openxmlformats.org/drawingml/2006/compatibility" xmlns:p14="http://schemas.microsoft.com/office/powerpoint/2010/main" xmlns:p15="http://schemas.microsoft.com/office/powerpoint/2012/main" xmlns:ahyp="http://schemas.microsoft.com/office/drawing/2018/hyperlinkcolor" autoCompressPictures="0" embedTrueTypeFonts="1" strictFirstAndLastChars="0" saveSubsetFonts="1">
+<p:presentation xmlns:a="http://schemas.openxmlformats.org/drawingml/2006/main" xmlns:r="http://schemas.openxmlformats.org/officeDocument/2006/relationships" xmlns:mc="http://schemas.openxmlformats.org/markup-compatibility/2006" xmlns:mv="urn:schemas-microsoft-com:mac:vml" xmlns:p="http://schemas.openxmlformats.org/presentationml/2006/main" xmlns:c="http://schemas.openxmlformats.org/drawingml/2006/chart" xmlns:dgm="http://schemas.openxmlformats.org/drawingml/2006/diagram" xmlns:o="urn:schemas-microsoft-com:office:office" xmlns:v="urn:schemas-microsoft-com:vml" xmlns:pvml="urn:schemas-microsoft-com:office:powerpoint" xmlns:com="http://schemas.openxmlformats.org/drawingml/2006/compatibility" xmlns:p14="http://schemas.microsoft.com/office/powerpoint/2010/main" xmlns:p15="http://schemas.microsoft.com/office/powerpoint/2012/main" xmlns:ahyp="http://schemas.microsoft.com/office/drawing/2018/hyperlinkcolor" autoCompressPictures="0" strictFirstAndLastChars="0" saveSubsetFonts="1">
   <p:sldMasterIdLst>
     <p:sldMasterId id="2147483661" r:id="rId4"/>
   </p:sldMasterIdLst>
@@ -30,18 +30,10 @@
     <p:sldId id="275" r:id="rId25"/>
     <p:sldId id="276" r:id="rId26"/>
     <p:sldId id="277" r:id="rId27"/>
+    <p:sldId id="278" r:id="rId28"/>
   </p:sldIdLst>
   <p:sldSz cy="5143500" cx="9144000"/>
   <p:notesSz cx="6858000" cy="9144000"/>
-  <p:embeddedFontLst>
-    <p:embeddedFont>
-      <p:font typeface="Nunito"/>
-      <p:regular r:id="rId28"/>
-      <p:bold r:id="rId29"/>
-      <p:italic r:id="rId30"/>
-      <p:boldItalic r:id="rId31"/>
-    </p:embeddedFont>
-  </p:embeddedFontLst>
   <p:defaultTextStyle>
     <a:defPPr lvl="0" marR="0" rtl="0" algn="l">
       <a:lnSpc>
@@ -994,7 +986,7 @@
       </p:grpSpPr>
       <p:sp>
         <p:nvSpPr>
-          <p:cNvPr id="195" name="Google Shape;195;ge535eb90df_0_59:notes"/>
+          <p:cNvPr id="195" name="Google Shape;195;ge68f274298_0_0:notes"/>
           <p:cNvSpPr txBox="1"/>
           <p:nvPr>
             <p:ph idx="1" type="body"/>
@@ -1041,7 +1033,7 @@
       </p:sp>
       <p:sp>
         <p:nvSpPr>
-          <p:cNvPr id="196" name="Google Shape;196;ge535eb90df_0_59:notes"/>
+          <p:cNvPr id="196" name="Google Shape;196;ge68f274298_0_0:notes"/>
           <p:cNvSpPr/>
           <p:nvPr>
             <p:ph idx="2" type="sldImg"/>
@@ -1097,7 +1089,7 @@
   <p:cSld>
     <p:spTree>
       <p:nvGrpSpPr>
-        <p:cNvPr id="200" name="Shape 200"/>
+        <p:cNvPr id="201" name="Shape 201"/>
         <p:cNvGrpSpPr/>
         <p:nvPr/>
       </p:nvGrpSpPr>
@@ -1111,7 +1103,7 @@
       </p:grpSpPr>
       <p:sp>
         <p:nvSpPr>
-          <p:cNvPr id="201" name="Google Shape;201;ge535eb90df_0_64:notes"/>
+          <p:cNvPr id="202" name="Google Shape;202;ge68f274298_0_6:notes"/>
           <p:cNvSpPr txBox="1"/>
           <p:nvPr>
             <p:ph idx="1" type="body"/>
@@ -1158,7 +1150,7 @@
       </p:sp>
       <p:sp>
         <p:nvSpPr>
-          <p:cNvPr id="202" name="Google Shape;202;ge535eb90df_0_64:notes"/>
+          <p:cNvPr id="203" name="Google Shape;203;ge68f274298_0_6:notes"/>
           <p:cNvSpPr/>
           <p:nvPr>
             <p:ph idx="2" type="sldImg"/>
@@ -1214,7 +1206,7 @@
   <p:cSld>
     <p:spTree>
       <p:nvGrpSpPr>
-        <p:cNvPr id="206" name="Shape 206"/>
+        <p:cNvPr id="207" name="Shape 207"/>
         <p:cNvGrpSpPr/>
         <p:nvPr/>
       </p:nvGrpSpPr>
@@ -1228,7 +1220,7 @@
       </p:grpSpPr>
       <p:sp>
         <p:nvSpPr>
-          <p:cNvPr id="207" name="Google Shape;207;ge535eb90df_0_69:notes"/>
+          <p:cNvPr id="208" name="Google Shape;208;ge68f274298_0_11:notes"/>
           <p:cNvSpPr txBox="1"/>
           <p:nvPr>
             <p:ph idx="1" type="body"/>
@@ -1275,7 +1267,7 @@
       </p:sp>
       <p:sp>
         <p:nvSpPr>
-          <p:cNvPr id="208" name="Google Shape;208;ge535eb90df_0_69:notes"/>
+          <p:cNvPr id="209" name="Google Shape;209;ge68f274298_0_11:notes"/>
           <p:cNvSpPr/>
           <p:nvPr>
             <p:ph idx="2" type="sldImg"/>
@@ -1331,7 +1323,7 @@
   <p:cSld>
     <p:spTree>
       <p:nvGrpSpPr>
-        <p:cNvPr id="212" name="Shape 212"/>
+        <p:cNvPr id="213" name="Shape 213"/>
         <p:cNvGrpSpPr/>
         <p:nvPr/>
       </p:nvGrpSpPr>
@@ -1345,7 +1337,7 @@
       </p:grpSpPr>
       <p:sp>
         <p:nvSpPr>
-          <p:cNvPr id="213" name="Google Shape;213;gdeea6e1648_1_26:notes"/>
+          <p:cNvPr id="214" name="Google Shape;214;ge535eb90df_0_69:notes"/>
           <p:cNvSpPr txBox="1"/>
           <p:nvPr>
             <p:ph idx="1" type="body"/>
@@ -1392,7 +1384,7 @@
       </p:sp>
       <p:sp>
         <p:nvSpPr>
-          <p:cNvPr id="214" name="Google Shape;214;gdeea6e1648_1_26:notes"/>
+          <p:cNvPr id="215" name="Google Shape;215;ge535eb90df_0_69:notes"/>
           <p:cNvSpPr/>
           <p:nvPr>
             <p:ph idx="2" type="sldImg"/>
@@ -1462,7 +1454,7 @@
       </p:grpSpPr>
       <p:sp>
         <p:nvSpPr>
-          <p:cNvPr id="220" name="Google Shape;220;gdeea6e1648_1_32:notes"/>
+          <p:cNvPr id="220" name="Google Shape;220;gdeea6e1648_1_26:notes"/>
           <p:cNvSpPr txBox="1"/>
           <p:nvPr>
             <p:ph idx="1" type="body"/>
@@ -1509,7 +1501,7 @@
       </p:sp>
       <p:sp>
         <p:nvSpPr>
-          <p:cNvPr id="221" name="Google Shape;221;gdeea6e1648_1_32:notes"/>
+          <p:cNvPr id="221" name="Google Shape;221;gdeea6e1648_1_26:notes"/>
           <p:cNvSpPr/>
           <p:nvPr>
             <p:ph idx="2" type="sldImg"/>
@@ -1579,7 +1571,7 @@
       </p:grpSpPr>
       <p:sp>
         <p:nvSpPr>
-          <p:cNvPr id="227" name="Google Shape;227;ge535eb90df_0_2:notes"/>
+          <p:cNvPr id="227" name="Google Shape;227;gdeea6e1648_1_32:notes"/>
           <p:cNvSpPr txBox="1"/>
           <p:nvPr>
             <p:ph idx="1" type="body"/>
@@ -1626,7 +1618,7 @@
       </p:sp>
       <p:sp>
         <p:nvSpPr>
-          <p:cNvPr id="228" name="Google Shape;228;ge535eb90df_0_2:notes"/>
+          <p:cNvPr id="228" name="Google Shape;228;gdeea6e1648_1_32:notes"/>
           <p:cNvSpPr/>
           <p:nvPr>
             <p:ph idx="2" type="sldImg"/>
@@ -1682,7 +1674,7 @@
   <p:cSld>
     <p:spTree>
       <p:nvGrpSpPr>
-        <p:cNvPr id="234" name="Shape 234"/>
+        <p:cNvPr id="233" name="Shape 233"/>
         <p:cNvGrpSpPr/>
         <p:nvPr/>
       </p:nvGrpSpPr>
@@ -1696,7 +1688,7 @@
       </p:grpSpPr>
       <p:sp>
         <p:nvSpPr>
-          <p:cNvPr id="235" name="Google Shape;235;ge535eb90df_0_16:notes"/>
+          <p:cNvPr id="234" name="Google Shape;234;ge535eb90df_0_2:notes"/>
           <p:cNvSpPr txBox="1"/>
           <p:nvPr>
             <p:ph idx="1" type="body"/>
@@ -1743,7 +1735,7 @@
       </p:sp>
       <p:sp>
         <p:nvSpPr>
-          <p:cNvPr id="236" name="Google Shape;236;ge535eb90df_0_16:notes"/>
+          <p:cNvPr id="235" name="Google Shape;235;ge535eb90df_0_2:notes"/>
           <p:cNvSpPr/>
           <p:nvPr>
             <p:ph idx="2" type="sldImg"/>
@@ -1799,7 +1791,7 @@
   <p:cSld>
     <p:spTree>
       <p:nvGrpSpPr>
-        <p:cNvPr id="243" name="Shape 243"/>
+        <p:cNvPr id="241" name="Shape 241"/>
         <p:cNvGrpSpPr/>
         <p:nvPr/>
       </p:nvGrpSpPr>
@@ -1813,7 +1805,7 @@
       </p:grpSpPr>
       <p:sp>
         <p:nvSpPr>
-          <p:cNvPr id="244" name="Google Shape;244;ge535eb90df_0_27:notes"/>
+          <p:cNvPr id="242" name="Google Shape;242;ge535eb90df_0_16:notes"/>
           <p:cNvSpPr txBox="1"/>
           <p:nvPr>
             <p:ph idx="1" type="body"/>
@@ -1860,7 +1852,7 @@
       </p:sp>
       <p:sp>
         <p:nvSpPr>
-          <p:cNvPr id="245" name="Google Shape;245;ge535eb90df_0_27:notes"/>
+          <p:cNvPr id="243" name="Google Shape;243;ge535eb90df_0_16:notes"/>
           <p:cNvSpPr/>
           <p:nvPr>
             <p:ph idx="2" type="sldImg"/>
@@ -1916,7 +1908,7 @@
   <p:cSld>
     <p:spTree>
       <p:nvGrpSpPr>
-        <p:cNvPr id="252" name="Shape 252"/>
+        <p:cNvPr id="250" name="Shape 250"/>
         <p:cNvGrpSpPr/>
         <p:nvPr/>
       </p:nvGrpSpPr>
@@ -1930,7 +1922,7 @@
       </p:grpSpPr>
       <p:sp>
         <p:nvSpPr>
-          <p:cNvPr id="253" name="Google Shape;253;ge535eb90df_0_37:notes"/>
+          <p:cNvPr id="251" name="Google Shape;251;ge535eb90df_0_27:notes"/>
           <p:cNvSpPr txBox="1"/>
           <p:nvPr>
             <p:ph idx="1" type="body"/>
@@ -1977,7 +1969,7 @@
       </p:sp>
       <p:sp>
         <p:nvSpPr>
-          <p:cNvPr id="254" name="Google Shape;254;ge535eb90df_0_37:notes"/>
+          <p:cNvPr id="252" name="Google Shape;252;ge535eb90df_0_27:notes"/>
           <p:cNvSpPr/>
           <p:nvPr>
             <p:ph idx="2" type="sldImg"/>
@@ -2047,7 +2039,7 @@
       </p:grpSpPr>
       <p:sp>
         <p:nvSpPr>
-          <p:cNvPr id="260" name="Google Shape;260;ge535eb90df_0_50:notes"/>
+          <p:cNvPr id="260" name="Google Shape;260;ge535eb90df_0_37:notes"/>
           <p:cNvSpPr txBox="1"/>
           <p:nvPr>
             <p:ph idx="1" type="body"/>
@@ -2094,7 +2086,7 @@
       </p:sp>
       <p:sp>
         <p:nvSpPr>
-          <p:cNvPr id="261" name="Google Shape;261;ge535eb90df_0_50:notes"/>
+          <p:cNvPr id="261" name="Google Shape;261;ge535eb90df_0_37:notes"/>
           <p:cNvSpPr/>
           <p:nvPr>
             <p:ph idx="2" type="sldImg"/>
@@ -2267,7 +2259,7 @@
   <p:cSld>
     <p:spTree>
       <p:nvGrpSpPr>
-        <p:cNvPr id="268" name="Shape 268"/>
+        <p:cNvPr id="266" name="Shape 266"/>
         <p:cNvGrpSpPr/>
         <p:nvPr/>
       </p:nvGrpSpPr>
@@ -2281,7 +2273,7 @@
       </p:grpSpPr>
       <p:sp>
         <p:nvSpPr>
-          <p:cNvPr id="269" name="Google Shape;269;gdeea6e1648_1_41:notes"/>
+          <p:cNvPr id="267" name="Google Shape;267;ge535eb90df_0_50:notes"/>
           <p:cNvSpPr txBox="1"/>
           <p:nvPr>
             <p:ph idx="1" type="body"/>
@@ -2328,7 +2320,7 @@
       </p:sp>
       <p:sp>
         <p:nvSpPr>
-          <p:cNvPr id="270" name="Google Shape;270;gdeea6e1648_1_41:notes"/>
+          <p:cNvPr id="268" name="Google Shape;268;ge535eb90df_0_50:notes"/>
           <p:cNvSpPr/>
           <p:nvPr>
             <p:ph idx="2" type="sldImg"/>
@@ -2398,7 +2390,7 @@
       </p:grpSpPr>
       <p:sp>
         <p:nvSpPr>
-          <p:cNvPr id="276" name="Google Shape;276;gdeea6e1648_1_201:notes"/>
+          <p:cNvPr id="276" name="Google Shape;276;gdeea6e1648_1_41:notes"/>
           <p:cNvSpPr txBox="1"/>
           <p:nvPr>
             <p:ph idx="1" type="body"/>
@@ -2445,7 +2437,7 @@
       </p:sp>
       <p:sp>
         <p:nvSpPr>
-          <p:cNvPr id="277" name="Google Shape;277;gdeea6e1648_1_201:notes"/>
+          <p:cNvPr id="277" name="Google Shape;277;gdeea6e1648_1_41:notes"/>
           <p:cNvSpPr/>
           <p:nvPr>
             <p:ph idx="2" type="sldImg"/>
@@ -2501,7 +2493,7 @@
   <p:cSld>
     <p:spTree>
       <p:nvGrpSpPr>
-        <p:cNvPr id="280" name="Shape 280"/>
+        <p:cNvPr id="282" name="Shape 282"/>
         <p:cNvGrpSpPr/>
         <p:nvPr/>
       </p:nvGrpSpPr>
@@ -2515,7 +2507,124 @@
       </p:grpSpPr>
       <p:sp>
         <p:nvSpPr>
-          <p:cNvPr id="281" name="Google Shape;281;gd62fcfd924_1_333:notes"/>
+          <p:cNvPr id="283" name="Google Shape;283;gdeea6e1648_1_201:notes"/>
+          <p:cNvSpPr txBox="1"/>
+          <p:nvPr>
+            <p:ph idx="1" type="body"/>
+          </p:nvPr>
+        </p:nvSpPr>
+        <p:spPr>
+          <a:xfrm>
+            <a:off x="685800" y="4343400"/>
+            <a:ext cx="5486400" cy="4114800"/>
+          </a:xfrm>
+          <a:prstGeom prst="rect">
+            <a:avLst/>
+          </a:prstGeom>
+          <a:noFill/>
+          <a:ln>
+            <a:noFill/>
+          </a:ln>
+        </p:spPr>
+        <p:txBody>
+          <a:bodyPr anchorCtr="0" anchor="t" bIns="91425" lIns="91425" spcFirstLastPara="1" rIns="91425" wrap="square" tIns="91425">
+            <a:noAutofit/>
+          </a:bodyPr>
+          <a:lstStyle/>
+          <a:p>
+            <a:pPr indent="0" lvl="0" marL="0" rtl="0" algn="l">
+              <a:lnSpc>
+                <a:spcPct val="100000"/>
+              </a:lnSpc>
+              <a:spcBef>
+                <a:spcPts val="0"/>
+              </a:spcBef>
+              <a:spcAft>
+                <a:spcPts val="0"/>
+              </a:spcAft>
+              <a:buSzPts val="1100"/>
+              <a:buNone/>
+            </a:pPr>
+            <a:r>
+              <a:t/>
+            </a:r>
+            <a:endParaRPr/>
+          </a:p>
+        </p:txBody>
+      </p:sp>
+      <p:sp>
+        <p:nvSpPr>
+          <p:cNvPr id="284" name="Google Shape;284;gdeea6e1648_1_201:notes"/>
+          <p:cNvSpPr/>
+          <p:nvPr>
+            <p:ph idx="2" type="sldImg"/>
+          </p:nvPr>
+        </p:nvSpPr>
+        <p:spPr>
+          <a:xfrm>
+            <a:off x="381000" y="685800"/>
+            <a:ext cx="6096000" cy="3429000"/>
+          </a:xfrm>
+          <a:custGeom>
+            <a:rect b="b" l="l" r="r" t="t"/>
+            <a:pathLst>
+              <a:path extrusionOk="0" h="120000" w="120000">
+                <a:moveTo>
+                  <a:pt x="0" y="0"/>
+                </a:moveTo>
+                <a:lnTo>
+                  <a:pt x="120000" y="0"/>
+                </a:lnTo>
+                <a:lnTo>
+                  <a:pt x="120000" y="120000"/>
+                </a:lnTo>
+                <a:lnTo>
+                  <a:pt x="0" y="120000"/>
+                </a:lnTo>
+                <a:close/>
+              </a:path>
+            </a:pathLst>
+          </a:custGeom>
+          <a:noFill/>
+          <a:ln cap="flat" cmpd="sng" w="9525">
+            <a:solidFill>
+              <a:srgbClr val="000000"/>
+            </a:solidFill>
+            <a:prstDash val="solid"/>
+            <a:round/>
+            <a:headEnd len="sm" w="sm" type="none"/>
+            <a:tailEnd len="sm" w="sm" type="none"/>
+          </a:ln>
+        </p:spPr>
+      </p:sp>
+    </p:spTree>
+  </p:cSld>
+  <p:clrMapOvr>
+    <a:masterClrMapping/>
+  </p:clrMapOvr>
+</p:notes>
+</file>
+
+<file path=ppt/notesSlides/notesSlide23.xml><?xml version="1.0" encoding="utf-8"?>
+<p:notes xmlns:a="http://schemas.openxmlformats.org/drawingml/2006/main" xmlns:r="http://schemas.openxmlformats.org/officeDocument/2006/relationships" xmlns:mc="http://schemas.openxmlformats.org/markup-compatibility/2006" xmlns:mv="urn:schemas-microsoft-com:mac:vml" xmlns:p="http://schemas.openxmlformats.org/presentationml/2006/main" xmlns:c="http://schemas.openxmlformats.org/drawingml/2006/chart" xmlns:dgm="http://schemas.openxmlformats.org/drawingml/2006/diagram" xmlns:o="urn:schemas-microsoft-com:office:office" xmlns:v="urn:schemas-microsoft-com:vml" xmlns:pvml="urn:schemas-microsoft-com:office:powerpoint" xmlns:com="http://schemas.openxmlformats.org/drawingml/2006/compatibility" xmlns:p14="http://schemas.microsoft.com/office/powerpoint/2010/main" xmlns:p15="http://schemas.microsoft.com/office/powerpoint/2012/main" xmlns:ahyp="http://schemas.microsoft.com/office/drawing/2018/hyperlinkcolor" showMasterPhAnim="0" showMasterSp="0">
+  <p:cSld>
+    <p:spTree>
+      <p:nvGrpSpPr>
+        <p:cNvPr id="287" name="Shape 287"/>
+        <p:cNvGrpSpPr/>
+        <p:nvPr/>
+      </p:nvGrpSpPr>
+      <p:grpSpPr>
+        <a:xfrm>
+          <a:off x="0" y="0"/>
+          <a:ext cx="0" cy="0"/>
+          <a:chOff x="0" y="0"/>
+          <a:chExt cx="0" cy="0"/>
+        </a:xfrm>
+      </p:grpSpPr>
+      <p:sp>
+        <p:nvSpPr>
+          <p:cNvPr id="288" name="Google Shape;288;gd62fcfd924_1_333:notes"/>
           <p:cNvSpPr txBox="1"/>
           <p:nvPr>
             <p:ph idx="1" type="body"/>
@@ -2554,7 +2663,7 @@
       </p:sp>
       <p:sp>
         <p:nvSpPr>
-          <p:cNvPr id="282" name="Google Shape;282;gd62fcfd924_1_333:notes"/>
+          <p:cNvPr id="289" name="Google Shape;289;gd62fcfd924_1_333:notes"/>
           <p:cNvSpPr/>
           <p:nvPr>
             <p:ph idx="2" type="sldImg"/>
@@ -17988,7 +18097,7 @@
         </p:nvSpPr>
         <p:spPr>
           <a:xfrm>
-            <a:off x="800098" y="275609"/>
+            <a:off x="636523" y="655909"/>
             <a:ext cx="7543800" cy="1088100"/>
           </a:xfrm>
           <a:prstGeom prst="rect">
@@ -18005,7 +18114,7 @@
           </a:bodyPr>
           <a:lstStyle/>
           <a:p>
-            <a:pPr indent="0" lvl="0" marL="0" rtl="0" algn="l">
+            <a:pPr indent="0" lvl="0" marL="0" marR="0" rtl="0" algn="l">
               <a:lnSpc>
                 <a:spcPct val="85000"/>
               </a:lnSpc>
@@ -18015,20 +18124,33 @@
               <a:spcAft>
                 <a:spcPts val="0"/>
               </a:spcAft>
+              <a:buClr>
+                <a:srgbClr val="000000"/>
+              </a:buClr>
+              <a:buSzPts val="3000"/>
+              <a:buFont typeface="Arial"/>
               <a:buNone/>
             </a:pPr>
             <a:r>
-              <a:rPr lang="es" sz="3000">
+              <a:rPr b="0" i="0" lang="es" sz="3000" u="none" cap="none" strike="noStrike">
                 <a:solidFill>
                   <a:srgbClr val="E83464"/>
                 </a:solidFill>
+                <a:latin typeface="Arial"/>
+                <a:ea typeface="Arial"/>
+                <a:cs typeface="Arial"/>
+                <a:sym typeface="Arial"/>
               </a:rPr>
               <a:t>Eventos en JavaFX</a:t>
             </a:r>
-            <a:endParaRPr sz="3000">
+            <a:endParaRPr b="0" i="0" sz="3000" u="none" cap="none" strike="noStrike">
               <a:solidFill>
                 <a:srgbClr val="E83464"/>
               </a:solidFill>
+              <a:latin typeface="Arial"/>
+              <a:ea typeface="Arial"/>
+              <a:cs typeface="Arial"/>
+              <a:sym typeface="Arial"/>
             </a:endParaRPr>
           </a:p>
         </p:txBody>
@@ -18041,8 +18163,8 @@
         </p:nvSpPr>
         <p:spPr>
           <a:xfrm>
-            <a:off x="636525" y="1744000"/>
-            <a:ext cx="7862700" cy="3601800"/>
+            <a:off x="636525" y="2007825"/>
+            <a:ext cx="4928400" cy="2924400"/>
           </a:xfrm>
           <a:prstGeom prst="rect">
             <a:avLst/>
@@ -18058,7 +18180,10 @@
           </a:bodyPr>
           <a:lstStyle/>
           <a:p>
-            <a:pPr indent="0" lvl="0" marL="0" rtl="0" algn="just">
+            <a:pPr indent="0" lvl="0" marL="0" marR="0" rtl="0" algn="just">
+              <a:lnSpc>
+                <a:spcPct val="100000"/>
+              </a:lnSpc>
               <a:spcBef>
                 <a:spcPts val="0"/>
               </a:spcBef>
@@ -18068,243 +18193,208 @@
               <a:buNone/>
             </a:pPr>
             <a:r>
-              <a:rPr lang="es" sz="1300">
+              <a:rPr lang="es" sz="1600">
                 <a:solidFill>
                   <a:srgbClr val="375FA9"/>
                 </a:solidFill>
               </a:rPr>
-              <a:t>JavaFX proporciona soporte para manejar una amplia variedad de eventos. La clase llamada Evento del paquete javafx.event es la clase base para un evento. Una instancia de cualquiera de su subclase es un evento. JavaFX proporciona una amplia variedad de eventos:</a:t>
+              <a:t>Los eventos en JavaFX son parte importante en el desarrollo de una aplicación, un evento se produce cuando el usuario interactúa con la aplicación, por ejemplo, al hacer clic sobre un botón, al mover el mouse sobre algún Node de la escena, al presionar una tecla, o al seleccionar un elemento de una lista, entre muchas otras cosas.</a:t>
             </a:r>
-            <a:endParaRPr sz="1300">
+            <a:endParaRPr b="0" i="0" sz="1600" u="none" cap="none" strike="noStrike">
               <a:solidFill>
                 <a:srgbClr val="375FA9"/>
               </a:solidFill>
+              <a:latin typeface="Arial"/>
+              <a:ea typeface="Arial"/>
+              <a:cs typeface="Arial"/>
+              <a:sym typeface="Arial"/>
             </a:endParaRPr>
           </a:p>
           <a:p>
-            <a:pPr indent="0" lvl="0" marL="0" rtl="0" algn="just">
-              <a:spcBef>
-                <a:spcPts val="0"/>
-              </a:spcBef>
-              <a:spcAft>
-                <a:spcPts val="0"/>
-              </a:spcAft>
+            <a:pPr indent="0" lvl="0" marL="0" marR="0" rtl="0" algn="just">
+              <a:lnSpc>
+                <a:spcPct val="100000"/>
+              </a:lnSpc>
+              <a:spcBef>
+                <a:spcPts val="0"/>
+              </a:spcBef>
+              <a:spcAft>
+                <a:spcPts val="0"/>
+              </a:spcAft>
+              <a:buClr>
+                <a:srgbClr val="000000"/>
+              </a:buClr>
+              <a:buSzPts val="1300"/>
+              <a:buFont typeface="Arial"/>
               <a:buNone/>
             </a:pPr>
             <a:r>
               <a:t/>
             </a:r>
-            <a:endParaRPr sz="1300">
+            <a:endParaRPr b="0" i="0" sz="1300" u="none" cap="none" strike="noStrike">
               <a:solidFill>
                 <a:srgbClr val="375FA9"/>
               </a:solidFill>
+              <a:latin typeface="Arial"/>
+              <a:ea typeface="Arial"/>
+              <a:cs typeface="Arial"/>
+              <a:sym typeface="Arial"/>
             </a:endParaRPr>
           </a:p>
           <a:p>
-            <a:pPr indent="-311150" lvl="0" marL="457200" rtl="0" algn="just">
-              <a:spcBef>
-                <a:spcPts val="0"/>
-              </a:spcBef>
-              <a:spcAft>
-                <a:spcPts val="0"/>
-              </a:spcAft>
-              <a:buClr>
-                <a:srgbClr val="375FA9"/>
+            <a:pPr indent="0" lvl="0" marL="0" marR="0" rtl="0" algn="just">
+              <a:lnSpc>
+                <a:spcPct val="100000"/>
+              </a:lnSpc>
+              <a:spcBef>
+                <a:spcPts val="0"/>
+              </a:spcBef>
+              <a:spcAft>
+                <a:spcPts val="0"/>
+              </a:spcAft>
+              <a:buClr>
+                <a:srgbClr val="000000"/>
               </a:buClr>
               <a:buSzPts val="1300"/>
-              <a:buChar char="●"/>
-            </a:pPr>
-            <a:r>
-              <a:rPr b="1" lang="es" sz="1300">
-                <a:solidFill>
-                  <a:srgbClr val="375FA9"/>
-                </a:solidFill>
-              </a:rPr>
-              <a:t>Mouse Event</a:t>
-            </a:r>
-            <a:r>
-              <a:rPr lang="es" sz="1300">
-                <a:solidFill>
-                  <a:srgbClr val="375FA9"/>
-                </a:solidFill>
-              </a:rPr>
-              <a:t>:  este es un evento de entrada que ocurre cuando se hace clic en un mouse. Está representado por la clase llamada </a:t>
-            </a:r>
-            <a:r>
-              <a:rPr b="1" lang="es" sz="1300">
-                <a:solidFill>
-                  <a:srgbClr val="375FA9"/>
-                </a:solidFill>
-              </a:rPr>
-              <a:t>MouseEvent</a:t>
-            </a:r>
-            <a:r>
-              <a:rPr lang="es" sz="1300">
-                <a:solidFill>
-                  <a:srgbClr val="375FA9"/>
-                </a:solidFill>
-              </a:rPr>
-              <a:t> . Incluye acciones como hacer clic con el mouse, presionar el mouse, soltar el mouse, mover el mouse, objetivo ingresado con el mouse, objetivo salido del mouse, etc.</a:t>
-            </a:r>
-            <a:endParaRPr sz="1300">
-              <a:solidFill>
-                <a:srgbClr val="375FA9"/>
-              </a:solidFill>
-            </a:endParaRPr>
-          </a:p>
-          <a:p>
-            <a:pPr indent="0" lvl="0" marL="0" rtl="0" algn="just">
-              <a:spcBef>
-                <a:spcPts val="0"/>
-              </a:spcBef>
-              <a:spcAft>
-                <a:spcPts val="0"/>
-              </a:spcAft>
+              <a:buFont typeface="Arial"/>
               <a:buNone/>
             </a:pPr>
             <a:r>
               <a:t/>
             </a:r>
-            <a:endParaRPr sz="1300">
+            <a:endParaRPr b="0" i="0" sz="1300" u="none" cap="none" strike="noStrike">
               <a:solidFill>
                 <a:srgbClr val="375FA9"/>
               </a:solidFill>
+              <a:latin typeface="Arial"/>
+              <a:ea typeface="Arial"/>
+              <a:cs typeface="Arial"/>
+              <a:sym typeface="Arial"/>
             </a:endParaRPr>
           </a:p>
           <a:p>
-            <a:pPr indent="-311150" lvl="0" marL="457200" rtl="0" algn="just">
-              <a:spcBef>
-                <a:spcPts val="0"/>
-              </a:spcBef>
-              <a:spcAft>
-                <a:spcPts val="0"/>
-              </a:spcAft>
-              <a:buClr>
-                <a:srgbClr val="375FA9"/>
+            <a:pPr indent="0" lvl="0" marL="0" marR="0" rtl="0" algn="just">
+              <a:lnSpc>
+                <a:spcPct val="100000"/>
+              </a:lnSpc>
+              <a:spcBef>
+                <a:spcPts val="0"/>
+              </a:spcBef>
+              <a:spcAft>
+                <a:spcPts val="0"/>
+              </a:spcAft>
+              <a:buClr>
+                <a:srgbClr val="000000"/>
               </a:buClr>
               <a:buSzPts val="1300"/>
-              <a:buChar char="●"/>
-            </a:pPr>
-            <a:r>
-              <a:rPr b="1" lang="es" sz="1300">
-                <a:solidFill>
-                  <a:srgbClr val="375FA9"/>
-                </a:solidFill>
-              </a:rPr>
-              <a:t>Key Event</a:t>
-            </a:r>
-            <a:r>
-              <a:rPr lang="es" sz="1300">
-                <a:solidFill>
-                  <a:srgbClr val="375FA9"/>
-                </a:solidFill>
-              </a:rPr>
-              <a:t>: Este es un evento de entrada que indica que la pulsación de la tecla se produjo en un nodo. Está representado por la clase llamada KeyEvent . Este evento incluye acciones como tecla presionada, tecla soltada y tecla tecleada.</a:t>
-            </a:r>
-            <a:endParaRPr sz="1300">
-              <a:solidFill>
-                <a:srgbClr val="375FA9"/>
-              </a:solidFill>
-            </a:endParaRPr>
-          </a:p>
-          <a:p>
-            <a:pPr indent="0" lvl="0" marL="0" rtl="0" algn="just">
-              <a:spcBef>
-                <a:spcPts val="0"/>
-              </a:spcBef>
-              <a:spcAft>
-                <a:spcPts val="0"/>
-              </a:spcAft>
+              <a:buFont typeface="Arial"/>
               <a:buNone/>
             </a:pPr>
             <a:r>
               <a:t/>
             </a:r>
-            <a:endParaRPr sz="1300">
+            <a:endParaRPr b="0" i="0" sz="1300" u="none" cap="none" strike="noStrike">
               <a:solidFill>
                 <a:srgbClr val="375FA9"/>
               </a:solidFill>
+              <a:latin typeface="Arial"/>
+              <a:ea typeface="Arial"/>
+              <a:cs typeface="Arial"/>
+              <a:sym typeface="Arial"/>
             </a:endParaRPr>
           </a:p>
           <a:p>
-            <a:pPr indent="0" lvl="0" marL="0" rtl="0" algn="just">
-              <a:spcBef>
-                <a:spcPts val="0"/>
-              </a:spcBef>
-              <a:spcAft>
-                <a:spcPts val="0"/>
-              </a:spcAft>
+            <a:pPr indent="0" lvl="0" marL="0" marR="0" rtl="0" algn="just">
+              <a:lnSpc>
+                <a:spcPct val="100000"/>
+              </a:lnSpc>
+              <a:spcBef>
+                <a:spcPts val="0"/>
+              </a:spcBef>
+              <a:spcAft>
+                <a:spcPts val="0"/>
+              </a:spcAft>
+              <a:buClr>
+                <a:srgbClr val="000000"/>
+              </a:buClr>
+              <a:buSzPts val="1300"/>
+              <a:buFont typeface="Arial"/>
               <a:buNone/>
             </a:pPr>
             <a:r>
               <a:t/>
             </a:r>
-            <a:endParaRPr sz="1300">
+            <a:endParaRPr b="0" i="0" sz="1300" u="none" cap="none" strike="noStrike">
               <a:solidFill>
                 <a:srgbClr val="375FA9"/>
               </a:solidFill>
+              <a:latin typeface="Arial"/>
+              <a:ea typeface="Arial"/>
+              <a:cs typeface="Arial"/>
+              <a:sym typeface="Arial"/>
             </a:endParaRPr>
           </a:p>
           <a:p>
-            <a:pPr indent="0" lvl="0" marL="0" rtl="0" algn="just">
-              <a:spcBef>
-                <a:spcPts val="0"/>
-              </a:spcBef>
-              <a:spcAft>
-                <a:spcPts val="0"/>
-              </a:spcAft>
+            <a:pPr indent="0" lvl="0" marL="0" marR="0" rtl="0" algn="l">
+              <a:lnSpc>
+                <a:spcPct val="100000"/>
+              </a:lnSpc>
+              <a:spcBef>
+                <a:spcPts val="0"/>
+              </a:spcBef>
+              <a:spcAft>
+                <a:spcPts val="0"/>
+              </a:spcAft>
+              <a:buClr>
+                <a:srgbClr val="000000"/>
+              </a:buClr>
+              <a:buSzPts val="1400"/>
+              <a:buFont typeface="Arial"/>
               <a:buNone/>
             </a:pPr>
             <a:r>
               <a:t/>
             </a:r>
-            <a:endParaRPr sz="1300">
+            <a:endParaRPr b="0" i="0" sz="1400" u="none" cap="none" strike="noStrike">
               <a:solidFill>
-                <a:srgbClr val="375FA9"/>
+                <a:srgbClr val="000000"/>
               </a:solidFill>
-            </a:endParaRPr>
-          </a:p>
-          <a:p>
-            <a:pPr indent="0" lvl="0" marL="0" rtl="0" algn="just">
-              <a:spcBef>
-                <a:spcPts val="0"/>
-              </a:spcBef>
-              <a:spcAft>
-                <a:spcPts val="0"/>
-              </a:spcAft>
-              <a:buNone/>
-            </a:pPr>
-            <a:r>
-              <a:t/>
-            </a:r>
-            <a:endParaRPr sz="1300">
-              <a:solidFill>
-                <a:srgbClr val="375FA9"/>
-              </a:solidFill>
-            </a:endParaRPr>
-          </a:p>
-          <a:p>
-            <a:pPr indent="0" lvl="0" marL="0" rtl="0" algn="l">
-              <a:spcBef>
-                <a:spcPts val="0"/>
-              </a:spcBef>
-              <a:spcAft>
-                <a:spcPts val="0"/>
-              </a:spcAft>
-              <a:buNone/>
-            </a:pPr>
-            <a:r>
-              <a:t/>
-            </a:r>
-            <a:endParaRPr>
-              <a:latin typeface="Calibri"/>
-              <a:ea typeface="Calibri"/>
-              <a:cs typeface="Calibri"/>
-              <a:sym typeface="Calibri"/>
+              <a:latin typeface="Arial"/>
+              <a:ea typeface="Arial"/>
+              <a:cs typeface="Arial"/>
+              <a:sym typeface="Arial"/>
             </a:endParaRPr>
           </a:p>
         </p:txBody>
       </p:sp>
+      <p:pic>
+        <p:nvPicPr>
+          <p:cNvPr id="200" name="Google Shape;200;p24"/>
+          <p:cNvPicPr preferRelativeResize="0"/>
+          <p:nvPr/>
+        </p:nvPicPr>
+        <p:blipFill>
+          <a:blip r:embed="rId4">
+            <a:alphaModFix/>
+          </a:blip>
+          <a:stretch>
+            <a:fillRect/>
+          </a:stretch>
+        </p:blipFill>
+        <p:spPr>
+          <a:xfrm>
+            <a:off x="5816500" y="2007834"/>
+            <a:ext cx="2667000" cy="1714500"/>
+          </a:xfrm>
+          <a:prstGeom prst="rect">
+            <a:avLst/>
+          </a:prstGeom>
+          <a:noFill/>
+          <a:ln>
+            <a:noFill/>
+          </a:ln>
+        </p:spPr>
+      </p:pic>
     </p:spTree>
   </p:cSld>
   <p:clrMapOvr>
@@ -18330,7 +18420,7 @@
     </p:bg>
     <p:spTree>
       <p:nvGrpSpPr>
-        <p:cNvPr id="203" name="Shape 203"/>
+        <p:cNvPr id="204" name="Shape 204"/>
         <p:cNvGrpSpPr/>
         <p:nvPr/>
       </p:nvGrpSpPr>
@@ -18344,7 +18434,7 @@
       </p:grpSpPr>
       <p:sp>
         <p:nvSpPr>
-          <p:cNvPr id="204" name="Google Shape;204;p25"/>
+          <p:cNvPr id="205" name="Google Shape;205;p25"/>
           <p:cNvSpPr txBox="1"/>
           <p:nvPr/>
         </p:nvSpPr>
@@ -18367,7 +18457,7 @@
           </a:bodyPr>
           <a:lstStyle/>
           <a:p>
-            <a:pPr indent="0" lvl="0" marL="0" rtl="0" algn="l">
+            <a:pPr indent="0" lvl="0" marL="0" marR="0" rtl="0" algn="l">
               <a:lnSpc>
                 <a:spcPct val="85000"/>
               </a:lnSpc>
@@ -18377,34 +18467,47 @@
               <a:spcAft>
                 <a:spcPts val="0"/>
               </a:spcAft>
+              <a:buClr>
+                <a:srgbClr val="000000"/>
+              </a:buClr>
+              <a:buSzPts val="3000"/>
+              <a:buFont typeface="Arial"/>
               <a:buNone/>
             </a:pPr>
             <a:r>
-              <a:rPr lang="es" sz="3000">
+              <a:rPr b="0" i="0" lang="es" sz="3000" u="none" cap="none" strike="noStrike">
                 <a:solidFill>
                   <a:srgbClr val="E83464"/>
                 </a:solidFill>
+                <a:latin typeface="Arial"/>
+                <a:ea typeface="Arial"/>
+                <a:cs typeface="Arial"/>
+                <a:sym typeface="Arial"/>
               </a:rPr>
               <a:t>Eventos en JavaFX</a:t>
             </a:r>
-            <a:endParaRPr sz="3000">
+            <a:endParaRPr b="0" i="0" sz="3000" u="none" cap="none" strike="noStrike">
               <a:solidFill>
                 <a:srgbClr val="E83464"/>
               </a:solidFill>
+              <a:latin typeface="Arial"/>
+              <a:ea typeface="Arial"/>
+              <a:cs typeface="Arial"/>
+              <a:sym typeface="Arial"/>
             </a:endParaRPr>
           </a:p>
         </p:txBody>
       </p:sp>
       <p:sp>
         <p:nvSpPr>
-          <p:cNvPr id="205" name="Google Shape;205;p25"/>
+          <p:cNvPr id="206" name="Google Shape;206;p25"/>
           <p:cNvSpPr txBox="1"/>
           <p:nvPr/>
         </p:nvSpPr>
         <p:spPr>
           <a:xfrm>
-            <a:off x="585800" y="1593975"/>
-            <a:ext cx="8274600" cy="2801400"/>
+            <a:off x="640650" y="1541700"/>
+            <a:ext cx="7862700" cy="3601800"/>
           </a:xfrm>
           <a:prstGeom prst="rect">
             <a:avLst/>
@@ -18420,26 +18523,81 @@
           </a:bodyPr>
           <a:lstStyle/>
           <a:p>
-            <a:pPr indent="0" lvl="0" marL="0" rtl="0" algn="just">
-              <a:spcBef>
-                <a:spcPts val="0"/>
-              </a:spcBef>
-              <a:spcAft>
-                <a:spcPts val="0"/>
-              </a:spcAft>
+            <a:pPr indent="0" lvl="0" marL="0" marR="0" rtl="0" algn="just">
+              <a:lnSpc>
+                <a:spcPct val="100000"/>
+              </a:lnSpc>
+              <a:spcBef>
+                <a:spcPts val="0"/>
+              </a:spcBef>
+              <a:spcAft>
+                <a:spcPts val="0"/>
+              </a:spcAft>
+              <a:buClr>
+                <a:srgbClr val="000000"/>
+              </a:buClr>
+              <a:buSzPts val="1300"/>
+              <a:buFont typeface="Arial"/>
+              <a:buNone/>
+            </a:pPr>
+            <a:r>
+              <a:rPr b="0" i="0" lang="es" sz="1300" u="none" cap="none" strike="noStrike">
+                <a:solidFill>
+                  <a:srgbClr val="375FA9"/>
+                </a:solidFill>
+                <a:latin typeface="Arial"/>
+                <a:ea typeface="Arial"/>
+                <a:cs typeface="Arial"/>
+                <a:sym typeface="Arial"/>
+              </a:rPr>
+              <a:t>JavaFX proporciona soporte para manejar una amplia variedad de eventos. La clase llamada Evento del paquete javafx.event es la clase base para un evento. Una instancia de cualquiera de su subclase es un evento. JavaFX proporciona una amplia variedad de eventos:</a:t>
+            </a:r>
+            <a:endParaRPr b="0" i="0" sz="1300" u="none" cap="none" strike="noStrike">
+              <a:solidFill>
+                <a:srgbClr val="375FA9"/>
+              </a:solidFill>
+              <a:latin typeface="Arial"/>
+              <a:ea typeface="Arial"/>
+              <a:cs typeface="Arial"/>
+              <a:sym typeface="Arial"/>
+            </a:endParaRPr>
+          </a:p>
+          <a:p>
+            <a:pPr indent="0" lvl="0" marL="0" marR="0" rtl="0" algn="just">
+              <a:lnSpc>
+                <a:spcPct val="100000"/>
+              </a:lnSpc>
+              <a:spcBef>
+                <a:spcPts val="0"/>
+              </a:spcBef>
+              <a:spcAft>
+                <a:spcPts val="0"/>
+              </a:spcAft>
+              <a:buClr>
+                <a:srgbClr val="000000"/>
+              </a:buClr>
+              <a:buSzPts val="1300"/>
+              <a:buFont typeface="Arial"/>
               <a:buNone/>
             </a:pPr>
             <a:r>
               <a:t/>
             </a:r>
-            <a:endParaRPr sz="1300">
+            <a:endParaRPr b="0" i="0" sz="1300" u="none" cap="none" strike="noStrike">
               <a:solidFill>
                 <a:srgbClr val="375FA9"/>
               </a:solidFill>
+              <a:latin typeface="Arial"/>
+              <a:ea typeface="Arial"/>
+              <a:cs typeface="Arial"/>
+              <a:sym typeface="Arial"/>
             </a:endParaRPr>
           </a:p>
           <a:p>
-            <a:pPr indent="-311150" lvl="0" marL="457200" rtl="0" algn="just">
+            <a:pPr indent="-311150" lvl="0" marL="457200" marR="0" rtl="0" algn="just">
+              <a:lnSpc>
+                <a:spcPct val="100000"/>
+              </a:lnSpc>
               <a:spcBef>
                 <a:spcPts val="0"/>
               </a:spcBef>
@@ -18450,6 +18608,7 @@
                 <a:srgbClr val="375FA9"/>
               </a:buClr>
               <a:buSzPts val="1300"/>
+              <a:buFont typeface="Arial"/>
               <a:buChar char="●"/>
             </a:pPr>
             <a:r>
@@ -18458,43 +18617,90 @@
                   <a:srgbClr val="375FA9"/>
                 </a:solidFill>
               </a:rPr>
-              <a:t>Drag Event: </a:t>
+              <a:t>MouseEvent</a:t>
             </a:r>
             <a:r>
-              <a:rPr lang="es" sz="1300">
+              <a:rPr b="0" i="0" lang="es" sz="1300" u="none" cap="none" strike="noStrike">
                 <a:solidFill>
                   <a:srgbClr val="375FA9"/>
                 </a:solidFill>
+                <a:latin typeface="Arial"/>
+                <a:ea typeface="Arial"/>
+                <a:cs typeface="Arial"/>
+                <a:sym typeface="Arial"/>
               </a:rPr>
-              <a:t>Este es un evento de entrada que ocurre cuando se arrastra el mouse. Está representado por la clase llamada DragEvent . Incluye acciones como arrastrar ingresado, arrastrar soltado, arrastrar el objetivo ingresado, arrastrar el objetivo salido, arrastrar sobre, etc.</a:t>
+              <a:t>:  este es un evento de entrada que ocurre cuando se hace clic en un mouse. Está representado por la clase llamada </a:t>
             </a:r>
-            <a:endParaRPr sz="1300">
+            <a:r>
+              <a:rPr b="1" i="0" lang="es" sz="1300" u="none" cap="none" strike="noStrike">
+                <a:solidFill>
+                  <a:srgbClr val="375FA9"/>
+                </a:solidFill>
+                <a:latin typeface="Arial"/>
+                <a:ea typeface="Arial"/>
+                <a:cs typeface="Arial"/>
+                <a:sym typeface="Arial"/>
+              </a:rPr>
+              <a:t>MouseEvent</a:t>
+            </a:r>
+            <a:r>
+              <a:rPr b="0" i="0" lang="es" sz="1300" u="none" cap="none" strike="noStrike">
+                <a:solidFill>
+                  <a:srgbClr val="375FA9"/>
+                </a:solidFill>
+                <a:latin typeface="Arial"/>
+                <a:ea typeface="Arial"/>
+                <a:cs typeface="Arial"/>
+                <a:sym typeface="Arial"/>
+              </a:rPr>
+              <a:t> . Incluye acciones como hacer clic con el mouse, presionar el mouse, soltar el mouse, mover el mouse, objetivo ingresado con el mouse, objetivo salido del mouse, etc.</a:t>
+            </a:r>
+            <a:endParaRPr b="0" i="0" sz="1300" u="none" cap="none" strike="noStrike">
               <a:solidFill>
                 <a:srgbClr val="375FA9"/>
               </a:solidFill>
+              <a:latin typeface="Arial"/>
+              <a:ea typeface="Arial"/>
+              <a:cs typeface="Arial"/>
+              <a:sym typeface="Arial"/>
             </a:endParaRPr>
           </a:p>
           <a:p>
-            <a:pPr indent="0" lvl="0" marL="457200" rtl="0" algn="just">
-              <a:spcBef>
-                <a:spcPts val="0"/>
-              </a:spcBef>
-              <a:spcAft>
-                <a:spcPts val="0"/>
-              </a:spcAft>
+            <a:pPr indent="0" lvl="0" marL="0" marR="0" rtl="0" algn="just">
+              <a:lnSpc>
+                <a:spcPct val="100000"/>
+              </a:lnSpc>
+              <a:spcBef>
+                <a:spcPts val="0"/>
+              </a:spcBef>
+              <a:spcAft>
+                <a:spcPts val="0"/>
+              </a:spcAft>
+              <a:buClr>
+                <a:srgbClr val="000000"/>
+              </a:buClr>
+              <a:buSzPts val="1300"/>
+              <a:buFont typeface="Arial"/>
               <a:buNone/>
             </a:pPr>
             <a:r>
               <a:t/>
             </a:r>
-            <a:endParaRPr sz="1300">
+            <a:endParaRPr b="0" i="0" sz="1300" u="none" cap="none" strike="noStrike">
               <a:solidFill>
                 <a:srgbClr val="375FA9"/>
               </a:solidFill>
+              <a:latin typeface="Arial"/>
+              <a:ea typeface="Arial"/>
+              <a:cs typeface="Arial"/>
+              <a:sym typeface="Arial"/>
             </a:endParaRPr>
           </a:p>
           <a:p>
-            <a:pPr indent="-311150" lvl="0" marL="457200" rtl="0" algn="just">
+            <a:pPr indent="-311150" lvl="0" marL="457200" marR="0" rtl="0" algn="just">
+              <a:lnSpc>
+                <a:spcPct val="100000"/>
+              </a:lnSpc>
               <a:spcBef>
                 <a:spcPts val="0"/>
               </a:spcBef>
@@ -18505,6 +18711,7 @@
                 <a:srgbClr val="375FA9"/>
               </a:buClr>
               <a:buSzPts val="1300"/>
+              <a:buFont typeface="Arial"/>
               <a:buChar char="●"/>
             </a:pPr>
             <a:r>
@@ -18513,116 +18720,183 @@
                   <a:srgbClr val="375FA9"/>
                 </a:solidFill>
               </a:rPr>
-              <a:t>Window Event: </a:t>
+              <a:t>KeyEvent</a:t>
             </a:r>
             <a:r>
-              <a:rPr lang="es" sz="1300">
+              <a:rPr b="0" i="0" lang="es" sz="1300" u="none" cap="none" strike="noStrike">
                 <a:solidFill>
                   <a:srgbClr val="375FA9"/>
                 </a:solidFill>
+                <a:latin typeface="Arial"/>
+                <a:ea typeface="Arial"/>
+                <a:cs typeface="Arial"/>
+                <a:sym typeface="Arial"/>
               </a:rPr>
-              <a:t>Este es un evento relacionado con acciones de mostrar / ocultar ventanas. Está representado por la clase llamada WindowEvent . Incluye acciones como ocultar ventanas, mostrar ventanas, ocultar ventanas, mostrar ventanas, etc.</a:t>
+              <a:t>: Este es un evento de entrada que indica que la pulsación de la tecla se produjo en un nodo. Está representado por la clase llamada KeyEvent . Este evento incluye acciones como tecla presionada, tecla soltada y tecla tecleada.</a:t>
             </a:r>
-            <a:endParaRPr sz="1300">
+            <a:endParaRPr b="0" i="0" sz="1300" u="none" cap="none" strike="noStrike">
               <a:solidFill>
                 <a:srgbClr val="375FA9"/>
               </a:solidFill>
+              <a:latin typeface="Arial"/>
+              <a:ea typeface="Arial"/>
+              <a:cs typeface="Arial"/>
+              <a:sym typeface="Arial"/>
             </a:endParaRPr>
           </a:p>
           <a:p>
-            <a:pPr indent="0" lvl="0" marL="457200" rtl="0" algn="just">
-              <a:spcBef>
-                <a:spcPts val="0"/>
-              </a:spcBef>
-              <a:spcAft>
-                <a:spcPts val="0"/>
-              </a:spcAft>
+            <a:pPr indent="0" lvl="0" marL="0" marR="0" rtl="0" algn="just">
+              <a:lnSpc>
+                <a:spcPct val="100000"/>
+              </a:lnSpc>
+              <a:spcBef>
+                <a:spcPts val="0"/>
+              </a:spcBef>
+              <a:spcAft>
+                <a:spcPts val="0"/>
+              </a:spcAft>
+              <a:buClr>
+                <a:srgbClr val="000000"/>
+              </a:buClr>
+              <a:buSzPts val="1300"/>
+              <a:buFont typeface="Arial"/>
               <a:buNone/>
             </a:pPr>
             <a:r>
               <a:t/>
             </a:r>
-            <a:endParaRPr sz="1300">
+            <a:endParaRPr b="0" i="0" sz="1300" u="none" cap="none" strike="noStrike">
               <a:solidFill>
                 <a:srgbClr val="375FA9"/>
               </a:solidFill>
+              <a:latin typeface="Arial"/>
+              <a:ea typeface="Arial"/>
+              <a:cs typeface="Arial"/>
+              <a:sym typeface="Arial"/>
             </a:endParaRPr>
           </a:p>
           <a:p>
-            <a:pPr indent="0" lvl="0" marL="0" rtl="0" algn="just">
-              <a:spcBef>
-                <a:spcPts val="0"/>
-              </a:spcBef>
-              <a:spcAft>
-                <a:spcPts val="0"/>
-              </a:spcAft>
+            <a:pPr indent="0" lvl="0" marL="0" marR="0" rtl="0" algn="just">
+              <a:lnSpc>
+                <a:spcPct val="100000"/>
+              </a:lnSpc>
+              <a:spcBef>
+                <a:spcPts val="0"/>
+              </a:spcBef>
+              <a:spcAft>
+                <a:spcPts val="0"/>
+              </a:spcAft>
+              <a:buClr>
+                <a:srgbClr val="000000"/>
+              </a:buClr>
+              <a:buSzPts val="1300"/>
+              <a:buFont typeface="Arial"/>
               <a:buNone/>
             </a:pPr>
             <a:r>
               <a:t/>
             </a:r>
-            <a:endParaRPr sz="1300">
+            <a:endParaRPr b="0" i="0" sz="1300" u="none" cap="none" strike="noStrike">
               <a:solidFill>
                 <a:srgbClr val="375FA9"/>
               </a:solidFill>
+              <a:latin typeface="Arial"/>
+              <a:ea typeface="Arial"/>
+              <a:cs typeface="Arial"/>
+              <a:sym typeface="Arial"/>
             </a:endParaRPr>
           </a:p>
           <a:p>
-            <a:pPr indent="0" lvl="0" marL="0" rtl="0" algn="just">
-              <a:spcBef>
-                <a:spcPts val="0"/>
-              </a:spcBef>
-              <a:spcAft>
-                <a:spcPts val="0"/>
-              </a:spcAft>
+            <a:pPr indent="0" lvl="0" marL="0" marR="0" rtl="0" algn="just">
+              <a:lnSpc>
+                <a:spcPct val="100000"/>
+              </a:lnSpc>
+              <a:spcBef>
+                <a:spcPts val="0"/>
+              </a:spcBef>
+              <a:spcAft>
+                <a:spcPts val="0"/>
+              </a:spcAft>
+              <a:buClr>
+                <a:srgbClr val="000000"/>
+              </a:buClr>
+              <a:buSzPts val="1300"/>
+              <a:buFont typeface="Arial"/>
               <a:buNone/>
             </a:pPr>
             <a:r>
               <a:t/>
             </a:r>
-            <a:endParaRPr sz="1300">
+            <a:endParaRPr b="0" i="0" sz="1300" u="none" cap="none" strike="noStrike">
               <a:solidFill>
                 <a:srgbClr val="375FA9"/>
               </a:solidFill>
+              <a:latin typeface="Arial"/>
+              <a:ea typeface="Arial"/>
+              <a:cs typeface="Arial"/>
+              <a:sym typeface="Arial"/>
             </a:endParaRPr>
           </a:p>
           <a:p>
-            <a:pPr indent="0" lvl="0" marL="0" rtl="0" algn="just">
-              <a:spcBef>
-                <a:spcPts val="0"/>
-              </a:spcBef>
-              <a:spcAft>
-                <a:spcPts val="0"/>
-              </a:spcAft>
+            <a:pPr indent="0" lvl="0" marL="0" marR="0" rtl="0" algn="just">
+              <a:lnSpc>
+                <a:spcPct val="100000"/>
+              </a:lnSpc>
+              <a:spcBef>
+                <a:spcPts val="0"/>
+              </a:spcBef>
+              <a:spcAft>
+                <a:spcPts val="0"/>
+              </a:spcAft>
+              <a:buClr>
+                <a:srgbClr val="000000"/>
+              </a:buClr>
+              <a:buSzPts val="1300"/>
+              <a:buFont typeface="Arial"/>
               <a:buNone/>
             </a:pPr>
             <a:r>
               <a:t/>
             </a:r>
-            <a:endParaRPr sz="1300">
+            <a:endParaRPr b="0" i="0" sz="1300" u="none" cap="none" strike="noStrike">
               <a:solidFill>
                 <a:srgbClr val="375FA9"/>
               </a:solidFill>
+              <a:latin typeface="Arial"/>
+              <a:ea typeface="Arial"/>
+              <a:cs typeface="Arial"/>
+              <a:sym typeface="Arial"/>
             </a:endParaRPr>
           </a:p>
           <a:p>
-            <a:pPr indent="0" lvl="0" marL="0" rtl="0" algn="l">
-              <a:spcBef>
-                <a:spcPts val="0"/>
-              </a:spcBef>
-              <a:spcAft>
-                <a:spcPts val="0"/>
-              </a:spcAft>
+            <a:pPr indent="0" lvl="0" marL="0" marR="0" rtl="0" algn="l">
+              <a:lnSpc>
+                <a:spcPct val="100000"/>
+              </a:lnSpc>
+              <a:spcBef>
+                <a:spcPts val="0"/>
+              </a:spcBef>
+              <a:spcAft>
+                <a:spcPts val="0"/>
+              </a:spcAft>
+              <a:buClr>
+                <a:srgbClr val="000000"/>
+              </a:buClr>
+              <a:buSzPts val="1400"/>
+              <a:buFont typeface="Arial"/>
               <a:buNone/>
             </a:pPr>
             <a:r>
               <a:t/>
             </a:r>
-            <a:endParaRPr>
-              <a:latin typeface="Calibri"/>
-              <a:ea typeface="Calibri"/>
-              <a:cs typeface="Calibri"/>
-              <a:sym typeface="Calibri"/>
+            <a:endParaRPr b="0" i="0" sz="1400" u="none" cap="none" strike="noStrike">
+              <a:solidFill>
+                <a:srgbClr val="000000"/>
+              </a:solidFill>
+              <a:latin typeface="Arial"/>
+              <a:ea typeface="Arial"/>
+              <a:cs typeface="Arial"/>
+              <a:sym typeface="Arial"/>
             </a:endParaRPr>
           </a:p>
         </p:txBody>
@@ -18652,7 +18926,7 @@
     </p:bg>
     <p:spTree>
       <p:nvGrpSpPr>
-        <p:cNvPr id="209" name="Shape 209"/>
+        <p:cNvPr id="210" name="Shape 210"/>
         <p:cNvGrpSpPr/>
         <p:nvPr/>
       </p:nvGrpSpPr>
@@ -18666,13 +18940,13 @@
       </p:grpSpPr>
       <p:sp>
         <p:nvSpPr>
-          <p:cNvPr id="210" name="Google Shape;210;p26"/>
+          <p:cNvPr id="211" name="Google Shape;211;p26"/>
           <p:cNvSpPr txBox="1"/>
           <p:nvPr/>
         </p:nvSpPr>
         <p:spPr>
           <a:xfrm>
-            <a:off x="800098" y="275609"/>
+            <a:off x="800098" y="585459"/>
             <a:ext cx="7543800" cy="1088100"/>
           </a:xfrm>
           <a:prstGeom prst="rect">
@@ -18689,7 +18963,7 @@
           </a:bodyPr>
           <a:lstStyle/>
           <a:p>
-            <a:pPr indent="0" lvl="0" marL="0" rtl="0" algn="l">
+            <a:pPr indent="0" lvl="0" marL="0" marR="0" rtl="0" algn="l">
               <a:lnSpc>
                 <a:spcPct val="85000"/>
               </a:lnSpc>
@@ -18699,34 +18973,47 @@
               <a:spcAft>
                 <a:spcPts val="0"/>
               </a:spcAft>
+              <a:buClr>
+                <a:srgbClr val="000000"/>
+              </a:buClr>
+              <a:buSzPts val="3000"/>
+              <a:buFont typeface="Arial"/>
               <a:buNone/>
             </a:pPr>
             <a:r>
-              <a:rPr lang="es" sz="3000">
+              <a:rPr b="0" i="0" lang="es" sz="3000" u="none" cap="none" strike="noStrike">
                 <a:solidFill>
                   <a:srgbClr val="E83464"/>
                 </a:solidFill>
+                <a:latin typeface="Arial"/>
+                <a:ea typeface="Arial"/>
+                <a:cs typeface="Arial"/>
+                <a:sym typeface="Arial"/>
               </a:rPr>
               <a:t>Eventos en JavaFX</a:t>
             </a:r>
-            <a:endParaRPr sz="3000">
+            <a:endParaRPr b="0" i="0" sz="3000" u="none" cap="none" strike="noStrike">
               <a:solidFill>
                 <a:srgbClr val="E83464"/>
               </a:solidFill>
+              <a:latin typeface="Arial"/>
+              <a:ea typeface="Arial"/>
+              <a:cs typeface="Arial"/>
+              <a:sym typeface="Arial"/>
             </a:endParaRPr>
           </a:p>
         </p:txBody>
       </p:sp>
       <p:sp>
         <p:nvSpPr>
-          <p:cNvPr id="211" name="Google Shape;211;p26"/>
+          <p:cNvPr id="212" name="Google Shape;212;p26"/>
           <p:cNvSpPr txBox="1"/>
           <p:nvPr/>
         </p:nvSpPr>
         <p:spPr>
           <a:xfrm>
-            <a:off x="640650" y="1034650"/>
-            <a:ext cx="8274600" cy="4079100"/>
+            <a:off x="585800" y="1821925"/>
+            <a:ext cx="8274600" cy="2801400"/>
           </a:xfrm>
           <a:prstGeom prst="rect">
             <a:avLst/>
@@ -18742,52 +19029,152 @@
           </a:bodyPr>
           <a:lstStyle/>
           <a:p>
-            <a:pPr indent="0" lvl="0" marL="0" rtl="0" algn="just">
-              <a:spcBef>
-                <a:spcPts val="0"/>
-              </a:spcBef>
-              <a:spcAft>
-                <a:spcPts val="0"/>
-              </a:spcAft>
+            <a:pPr indent="0" lvl="0" marL="0" marR="0" rtl="0" algn="just">
+              <a:lnSpc>
+                <a:spcPct val="100000"/>
+              </a:lnSpc>
+              <a:spcBef>
+                <a:spcPts val="0"/>
+              </a:spcBef>
+              <a:spcAft>
+                <a:spcPts val="0"/>
+              </a:spcAft>
+              <a:buClr>
+                <a:srgbClr val="000000"/>
+              </a:buClr>
+              <a:buSzPts val="1300"/>
+              <a:buFont typeface="Arial"/>
               <a:buNone/>
             </a:pPr>
             <a:r>
               <a:t/>
             </a:r>
-            <a:endParaRPr sz="1300">
+            <a:endParaRPr b="0" i="0" sz="1300" u="none" cap="none" strike="noStrike">
               <a:solidFill>
                 <a:srgbClr val="375FA9"/>
               </a:solidFill>
+              <a:latin typeface="Arial"/>
+              <a:ea typeface="Arial"/>
+              <a:cs typeface="Arial"/>
+              <a:sym typeface="Arial"/>
             </a:endParaRPr>
           </a:p>
           <a:p>
-            <a:pPr indent="0" lvl="0" marL="0" rtl="0" algn="just">
-              <a:spcBef>
-                <a:spcPts val="0"/>
-              </a:spcBef>
-              <a:spcAft>
-                <a:spcPts val="0"/>
-              </a:spcAft>
+            <a:pPr indent="-311150" lvl="0" marL="457200" marR="0" rtl="0" algn="just">
+              <a:lnSpc>
+                <a:spcPct val="100000"/>
+              </a:lnSpc>
+              <a:spcBef>
+                <a:spcPts val="0"/>
+              </a:spcBef>
+              <a:spcAft>
+                <a:spcPts val="0"/>
+              </a:spcAft>
+              <a:buClr>
+                <a:srgbClr val="375FA9"/>
+              </a:buClr>
+              <a:buSzPts val="1300"/>
+              <a:buFont typeface="Arial"/>
+              <a:buChar char="●"/>
+            </a:pPr>
+            <a:r>
+              <a:rPr b="1" lang="es" sz="1300">
+                <a:solidFill>
+                  <a:srgbClr val="375FA9"/>
+                </a:solidFill>
+              </a:rPr>
+              <a:t>DragEvent</a:t>
+            </a:r>
+            <a:r>
+              <a:rPr b="1" i="0" lang="es" sz="1300" u="none" cap="none" strike="noStrike">
+                <a:solidFill>
+                  <a:srgbClr val="375FA9"/>
+                </a:solidFill>
+                <a:latin typeface="Arial"/>
+                <a:ea typeface="Arial"/>
+                <a:cs typeface="Arial"/>
+                <a:sym typeface="Arial"/>
+              </a:rPr>
+              <a:t>: </a:t>
+            </a:r>
+            <a:r>
+              <a:rPr b="0" i="0" lang="es" sz="1300" u="none" cap="none" strike="noStrike">
+                <a:solidFill>
+                  <a:srgbClr val="375FA9"/>
+                </a:solidFill>
+                <a:latin typeface="Arial"/>
+                <a:ea typeface="Arial"/>
+                <a:cs typeface="Arial"/>
+                <a:sym typeface="Arial"/>
+              </a:rPr>
+              <a:t>Este es un evento de entrada que ocurre cuando se arrastra el mouse. Está representado por la clase llamada DragEvent . Incluye acciones como </a:t>
+            </a:r>
+            <a:r>
+              <a:rPr lang="es" sz="1300">
+                <a:solidFill>
+                  <a:srgbClr val="375FA9"/>
+                </a:solidFill>
+              </a:rPr>
+              <a:t>drag entered, drag dropped, drag entered target, drag exited target, drag over, etc.</a:t>
+            </a:r>
+            <a:endParaRPr b="0" i="0" sz="1300" u="none" cap="none" strike="noStrike">
+              <a:solidFill>
+                <a:srgbClr val="375FA9"/>
+              </a:solidFill>
+              <a:latin typeface="Arial"/>
+              <a:ea typeface="Arial"/>
+              <a:cs typeface="Arial"/>
+              <a:sym typeface="Arial"/>
+            </a:endParaRPr>
+          </a:p>
+          <a:p>
+            <a:pPr indent="0" lvl="0" marL="457200" marR="0" rtl="0" algn="just">
+              <a:lnSpc>
+                <a:spcPct val="100000"/>
+              </a:lnSpc>
+              <a:spcBef>
+                <a:spcPts val="0"/>
+              </a:spcBef>
+              <a:spcAft>
+                <a:spcPts val="0"/>
+              </a:spcAft>
+              <a:buClr>
+                <a:srgbClr val="000000"/>
+              </a:buClr>
+              <a:buSzPts val="1300"/>
+              <a:buFont typeface="Arial"/>
               <a:buNone/>
             </a:pPr>
             <a:r>
               <a:t/>
             </a:r>
-            <a:endParaRPr sz="1300">
+            <a:endParaRPr b="0" i="0" sz="1300" u="none" cap="none" strike="noStrike">
               <a:solidFill>
                 <a:srgbClr val="375FA9"/>
               </a:solidFill>
+              <a:latin typeface="Arial"/>
+              <a:ea typeface="Arial"/>
+              <a:cs typeface="Arial"/>
+              <a:sym typeface="Arial"/>
             </a:endParaRPr>
           </a:p>
           <a:p>
-            <a:pPr indent="0" lvl="0" marL="0" rtl="0" algn="just">
-              <a:spcBef>
-                <a:spcPts val="0"/>
-              </a:spcBef>
-              <a:spcAft>
-                <a:spcPts val="0"/>
-              </a:spcAft>
-              <a:buNone/>
+            <a:pPr indent="-311150" lvl="0" marL="457200" marR="0" rtl="0" algn="just">
+              <a:lnSpc>
+                <a:spcPct val="100000"/>
+              </a:lnSpc>
+              <a:spcBef>
+                <a:spcPts val="0"/>
+              </a:spcBef>
+              <a:spcAft>
+                <a:spcPts val="0"/>
+              </a:spcAft>
+              <a:buClr>
+                <a:srgbClr val="375FA9"/>
+              </a:buClr>
+              <a:buSzPts val="1300"/>
+              <a:buFont typeface="Arial"/>
+              <a:buChar char="●"/>
             </a:pPr>
             <a:r>
               <a:rPr b="1" lang="es" sz="1300">
@@ -18795,281 +19182,195 @@
                   <a:srgbClr val="375FA9"/>
                 </a:solidFill>
               </a:rPr>
-              <a:t>Event Handling:</a:t>
+              <a:t>WindowEvent</a:t>
             </a:r>
             <a:r>
-              <a:rPr lang="es" sz="1300">
+              <a:rPr b="1" i="0" lang="es" sz="1300" u="none" cap="none" strike="noStrike">
                 <a:solidFill>
                   <a:srgbClr val="375FA9"/>
                 </a:solidFill>
+                <a:latin typeface="Arial"/>
+                <a:ea typeface="Arial"/>
+                <a:cs typeface="Arial"/>
+                <a:sym typeface="Arial"/>
               </a:rPr>
-              <a:t> El manejo de eventos es el mecanismo que controla el evento y decide qué debe suceder, si ocurre un evento. Este mecanismo tiene el código que se conoce como controlador de eventos que se ejecuta cuando ocurre un evento. JavaFX proporciona controladores y filtros para manejar eventos. En JavaFX cada evento tiene:</a:t>
+              <a:t>: </a:t>
             </a:r>
-            <a:endParaRPr sz="1300">
+            <a:r>
+              <a:rPr b="0" i="0" lang="es" sz="1300" u="none" cap="none" strike="noStrike">
+                <a:solidFill>
+                  <a:srgbClr val="375FA9"/>
+                </a:solidFill>
+                <a:latin typeface="Arial"/>
+                <a:ea typeface="Arial"/>
+                <a:cs typeface="Arial"/>
+                <a:sym typeface="Arial"/>
+              </a:rPr>
+              <a:t>Este es un evento relacionado con acciones de mostrar / ocultar ventanas. Está representado por la clase llamada WindowEvent . Incluye acciones como ocultar ventanas, mostrar ventanas, ocultar ventanas, mostrar ventanas, etc.</a:t>
+            </a:r>
+            <a:endParaRPr b="0" i="0" sz="1300" u="none" cap="none" strike="noStrike">
               <a:solidFill>
                 <a:srgbClr val="375FA9"/>
               </a:solidFill>
+              <a:latin typeface="Arial"/>
+              <a:ea typeface="Arial"/>
+              <a:cs typeface="Arial"/>
+              <a:sym typeface="Arial"/>
             </a:endParaRPr>
           </a:p>
           <a:p>
-            <a:pPr indent="0" lvl="0" marL="457200" rtl="0" algn="just">
-              <a:spcBef>
-                <a:spcPts val="0"/>
-              </a:spcBef>
-              <a:spcAft>
-                <a:spcPts val="0"/>
-              </a:spcAft>
+            <a:pPr indent="0" lvl="0" marL="457200" marR="0" rtl="0" algn="just">
+              <a:lnSpc>
+                <a:spcPct val="100000"/>
+              </a:lnSpc>
+              <a:spcBef>
+                <a:spcPts val="0"/>
+              </a:spcBef>
+              <a:spcAft>
+                <a:spcPts val="0"/>
+              </a:spcAft>
+              <a:buClr>
+                <a:srgbClr val="000000"/>
+              </a:buClr>
+              <a:buSzPts val="1300"/>
+              <a:buFont typeface="Arial"/>
               <a:buNone/>
             </a:pPr>
             <a:r>
               <a:t/>
             </a:r>
-            <a:endParaRPr sz="1800">
+            <a:endParaRPr b="0" i="0" sz="1300" u="none" cap="none" strike="noStrike">
               <a:solidFill>
                 <a:srgbClr val="375FA9"/>
               </a:solidFill>
+              <a:latin typeface="Arial"/>
+              <a:ea typeface="Arial"/>
+              <a:cs typeface="Arial"/>
+              <a:sym typeface="Arial"/>
             </a:endParaRPr>
           </a:p>
           <a:p>
-            <a:pPr indent="-311150" lvl="0" marL="457200" rtl="0" algn="just">
-              <a:spcBef>
-                <a:spcPts val="0"/>
-              </a:spcBef>
-              <a:spcAft>
-                <a:spcPts val="0"/>
-              </a:spcAft>
-              <a:buClr>
-                <a:srgbClr val="375FA9"/>
+            <a:pPr indent="0" lvl="0" marL="0" marR="0" rtl="0" algn="just">
+              <a:lnSpc>
+                <a:spcPct val="100000"/>
+              </a:lnSpc>
+              <a:spcBef>
+                <a:spcPts val="0"/>
+              </a:spcBef>
+              <a:spcAft>
+                <a:spcPts val="0"/>
+              </a:spcAft>
+              <a:buClr>
+                <a:srgbClr val="000000"/>
               </a:buClr>
               <a:buSzPts val="1300"/>
-              <a:buChar char="●"/>
-            </a:pPr>
-            <a:r>
-              <a:rPr b="1" lang="es" sz="1300">
-                <a:solidFill>
-                  <a:srgbClr val="375FA9"/>
-                </a:solidFill>
-              </a:rPr>
-              <a:t>Target:</a:t>
-            </a:r>
-            <a:r>
-              <a:rPr lang="es" sz="1300">
-                <a:solidFill>
-                  <a:srgbClr val="375FA9"/>
-                </a:solidFill>
-              </a:rPr>
-              <a:t> el nodo en el que ocurrió un evento. Un objetivo puede ser una ventana, una escena y un nodo.</a:t>
-            </a:r>
-            <a:endParaRPr sz="1300">
-              <a:solidFill>
-                <a:srgbClr val="375FA9"/>
-              </a:solidFill>
-            </a:endParaRPr>
-          </a:p>
-          <a:p>
-            <a:pPr indent="0" lvl="0" marL="457200" rtl="0" algn="just">
-              <a:spcBef>
-                <a:spcPts val="0"/>
-              </a:spcBef>
-              <a:spcAft>
-                <a:spcPts val="0"/>
-              </a:spcAft>
+              <a:buFont typeface="Arial"/>
               <a:buNone/>
             </a:pPr>
             <a:r>
               <a:t/>
             </a:r>
-            <a:endParaRPr sz="1300">
+            <a:endParaRPr b="0" i="0" sz="1300" u="none" cap="none" strike="noStrike">
               <a:solidFill>
                 <a:srgbClr val="375FA9"/>
               </a:solidFill>
+              <a:latin typeface="Arial"/>
+              <a:ea typeface="Arial"/>
+              <a:cs typeface="Arial"/>
+              <a:sym typeface="Arial"/>
             </a:endParaRPr>
           </a:p>
           <a:p>
-            <a:pPr indent="-311150" lvl="0" marL="457200" rtl="0" algn="just">
-              <a:spcBef>
-                <a:spcPts val="0"/>
-              </a:spcBef>
-              <a:spcAft>
-                <a:spcPts val="0"/>
-              </a:spcAft>
-              <a:buClr>
-                <a:srgbClr val="375FA9"/>
+            <a:pPr indent="0" lvl="0" marL="0" marR="0" rtl="0" algn="just">
+              <a:lnSpc>
+                <a:spcPct val="100000"/>
+              </a:lnSpc>
+              <a:spcBef>
+                <a:spcPts val="0"/>
+              </a:spcBef>
+              <a:spcAft>
+                <a:spcPts val="0"/>
+              </a:spcAft>
+              <a:buClr>
+                <a:srgbClr val="000000"/>
               </a:buClr>
               <a:buSzPts val="1300"/>
-              <a:buChar char="●"/>
-            </a:pPr>
-            <a:r>
-              <a:rPr b="1" lang="es" sz="1300">
-                <a:solidFill>
-                  <a:srgbClr val="375FA9"/>
-                </a:solidFill>
-              </a:rPr>
-              <a:t>Source: </a:t>
-            </a:r>
-            <a:r>
-              <a:rPr lang="es" sz="1300">
-                <a:solidFill>
-                  <a:srgbClr val="375FA9"/>
-                </a:solidFill>
-              </a:rPr>
-              <a:t> la fuente a partir de la cual se genera el evento será la fuente del evento. En el escenario anterior, el mouse es la fuente del evento.</a:t>
-            </a:r>
-            <a:endParaRPr sz="1300">
-              <a:solidFill>
-                <a:srgbClr val="375FA9"/>
-              </a:solidFill>
-            </a:endParaRPr>
-          </a:p>
-          <a:p>
-            <a:pPr indent="0" lvl="0" marL="457200" rtl="0" algn="just">
-              <a:spcBef>
-                <a:spcPts val="0"/>
-              </a:spcBef>
-              <a:spcAft>
-                <a:spcPts val="0"/>
-              </a:spcAft>
+              <a:buFont typeface="Arial"/>
               <a:buNone/>
             </a:pPr>
             <a:r>
               <a:t/>
             </a:r>
-            <a:endParaRPr sz="1300">
+            <a:endParaRPr b="0" i="0" sz="1300" u="none" cap="none" strike="noStrike">
               <a:solidFill>
                 <a:srgbClr val="375FA9"/>
               </a:solidFill>
+              <a:latin typeface="Arial"/>
+              <a:ea typeface="Arial"/>
+              <a:cs typeface="Arial"/>
+              <a:sym typeface="Arial"/>
             </a:endParaRPr>
           </a:p>
           <a:p>
-            <a:pPr indent="-311150" lvl="0" marL="457200" rtl="0" algn="just">
-              <a:spcBef>
-                <a:spcPts val="0"/>
-              </a:spcBef>
-              <a:spcAft>
-                <a:spcPts val="0"/>
-              </a:spcAft>
-              <a:buClr>
-                <a:srgbClr val="375FA9"/>
+            <a:pPr indent="0" lvl="0" marL="0" marR="0" rtl="0" algn="just">
+              <a:lnSpc>
+                <a:spcPct val="100000"/>
+              </a:lnSpc>
+              <a:spcBef>
+                <a:spcPts val="0"/>
+              </a:spcBef>
+              <a:spcAft>
+                <a:spcPts val="0"/>
+              </a:spcAft>
+              <a:buClr>
+                <a:srgbClr val="000000"/>
               </a:buClr>
               <a:buSzPts val="1300"/>
-              <a:buChar char="●"/>
-            </a:pPr>
-            <a:r>
-              <a:rPr b="1" lang="es" sz="1300">
-                <a:solidFill>
-                  <a:srgbClr val="375FA9"/>
-                </a:solidFill>
-              </a:rPr>
-              <a:t>Type</a:t>
-            </a:r>
-            <a:r>
-              <a:rPr lang="es" sz="1300">
-                <a:solidFill>
-                  <a:srgbClr val="375FA9"/>
-                </a:solidFill>
-              </a:rPr>
-              <a:t>: Tipo de evento ocurrido; en el caso de un evento de mouse, el mouse presionado, el mouse soltado son el tipo de eventos.</a:t>
-            </a:r>
-            <a:endParaRPr sz="1300">
-              <a:solidFill>
-                <a:srgbClr val="375FA9"/>
-              </a:solidFill>
-            </a:endParaRPr>
-          </a:p>
-          <a:p>
-            <a:pPr indent="0" lvl="0" marL="457200" rtl="0" algn="just">
-              <a:spcBef>
-                <a:spcPts val="0"/>
-              </a:spcBef>
-              <a:spcAft>
-                <a:spcPts val="0"/>
-              </a:spcAft>
+              <a:buFont typeface="Arial"/>
               <a:buNone/>
             </a:pPr>
             <a:r>
               <a:t/>
             </a:r>
-            <a:endParaRPr sz="1300">
+            <a:endParaRPr b="0" i="0" sz="1300" u="none" cap="none" strike="noStrike">
               <a:solidFill>
                 <a:srgbClr val="375FA9"/>
               </a:solidFill>
+              <a:latin typeface="Arial"/>
+              <a:ea typeface="Arial"/>
+              <a:cs typeface="Arial"/>
+              <a:sym typeface="Arial"/>
             </a:endParaRPr>
           </a:p>
           <a:p>
-            <a:pPr indent="0" lvl="0" marL="0" rtl="0" algn="just">
-              <a:spcBef>
-                <a:spcPts val="0"/>
-              </a:spcBef>
-              <a:spcAft>
-                <a:spcPts val="0"/>
-              </a:spcAft>
+            <a:pPr indent="0" lvl="0" marL="0" marR="0" rtl="0" algn="l">
+              <a:lnSpc>
+                <a:spcPct val="100000"/>
+              </a:lnSpc>
+              <a:spcBef>
+                <a:spcPts val="0"/>
+              </a:spcBef>
+              <a:spcAft>
+                <a:spcPts val="0"/>
+              </a:spcAft>
+              <a:buClr>
+                <a:srgbClr val="000000"/>
+              </a:buClr>
+              <a:buSzPts val="1400"/>
+              <a:buFont typeface="Arial"/>
               <a:buNone/>
             </a:pPr>
             <a:r>
               <a:t/>
             </a:r>
-            <a:endParaRPr sz="1300">
+            <a:endParaRPr b="0" i="0" sz="1400" u="none" cap="none" strike="noStrike">
               <a:solidFill>
-                <a:srgbClr val="375FA9"/>
+                <a:srgbClr val="000000"/>
               </a:solidFill>
-            </a:endParaRPr>
-          </a:p>
-          <a:p>
-            <a:pPr indent="0" lvl="0" marL="0" rtl="0" algn="just">
-              <a:spcBef>
-                <a:spcPts val="0"/>
-              </a:spcBef>
-              <a:spcAft>
-                <a:spcPts val="0"/>
-              </a:spcAft>
-              <a:buNone/>
-            </a:pPr>
-            <a:r>
-              <a:t/>
-            </a:r>
-            <a:endParaRPr sz="1300">
-              <a:solidFill>
-                <a:srgbClr val="375FA9"/>
-              </a:solidFill>
-            </a:endParaRPr>
-          </a:p>
-          <a:p>
-            <a:pPr indent="0" lvl="0" marL="0" rtl="0" algn="just">
-              <a:spcBef>
-                <a:spcPts val="0"/>
-              </a:spcBef>
-              <a:spcAft>
-                <a:spcPts val="0"/>
-              </a:spcAft>
-              <a:buNone/>
-            </a:pPr>
-            <a:r>
-              <a:t/>
-            </a:r>
-            <a:endParaRPr sz="1300">
-              <a:solidFill>
-                <a:srgbClr val="375FA9"/>
-              </a:solidFill>
-            </a:endParaRPr>
-          </a:p>
-          <a:p>
-            <a:pPr indent="0" lvl="0" marL="0" rtl="0" algn="l">
-              <a:spcBef>
-                <a:spcPts val="0"/>
-              </a:spcBef>
-              <a:spcAft>
-                <a:spcPts val="0"/>
-              </a:spcAft>
-              <a:buNone/>
-            </a:pPr>
-            <a:r>
-              <a:t/>
-            </a:r>
-            <a:endParaRPr>
-              <a:latin typeface="Calibri"/>
-              <a:ea typeface="Calibri"/>
-              <a:cs typeface="Calibri"/>
-              <a:sym typeface="Calibri"/>
+              <a:latin typeface="Arial"/>
+              <a:ea typeface="Arial"/>
+              <a:cs typeface="Arial"/>
+              <a:sym typeface="Arial"/>
             </a:endParaRPr>
           </a:p>
         </p:txBody>
@@ -19099,7 +19400,7 @@
     </p:bg>
     <p:spTree>
       <p:nvGrpSpPr>
-        <p:cNvPr id="215" name="Shape 215"/>
+        <p:cNvPr id="216" name="Shape 216"/>
         <p:cNvGrpSpPr/>
         <p:nvPr/>
       </p:nvGrpSpPr>
@@ -19113,13 +19414,13 @@
       </p:grpSpPr>
       <p:sp>
         <p:nvSpPr>
-          <p:cNvPr id="216" name="Google Shape;216;p27"/>
+          <p:cNvPr id="217" name="Google Shape;217;p27"/>
           <p:cNvSpPr txBox="1"/>
           <p:nvPr/>
         </p:nvSpPr>
         <p:spPr>
           <a:xfrm>
-            <a:off x="526205" y="359918"/>
+            <a:off x="800098" y="275609"/>
             <a:ext cx="7543800" cy="1088100"/>
           </a:xfrm>
           <a:prstGeom prst="rect">
@@ -19154,38 +19455,26 @@
                   <a:srgbClr val="E83464"/>
                 </a:solidFill>
               </a:rPr>
-              <a:t>Estructura de una aplicación GUI</a:t>
+              <a:t>Eventos en JavaFX</a:t>
             </a:r>
-            <a:endParaRPr sz="2800">
+            <a:endParaRPr sz="3000">
               <a:solidFill>
-                <a:srgbClr val="AF7B51"/>
+                <a:srgbClr val="E83464"/>
               </a:solidFill>
-              <a:latin typeface="Nunito"/>
-              <a:ea typeface="Nunito"/>
-              <a:cs typeface="Nunito"/>
-              <a:sym typeface="Nunito"/>
             </a:endParaRPr>
           </a:p>
         </p:txBody>
       </p:sp>
-      <p:pic>
-        <p:nvPicPr>
-          <p:cNvPr id="217" name="Google Shape;217;p27"/>
-          <p:cNvPicPr preferRelativeResize="0"/>
+      <p:sp>
+        <p:nvSpPr>
+          <p:cNvPr id="218" name="Google Shape;218;p27"/>
+          <p:cNvSpPr txBox="1"/>
           <p:nvPr/>
-        </p:nvPicPr>
-        <p:blipFill>
-          <a:blip r:embed="rId4">
-            <a:alphaModFix/>
-          </a:blip>
-          <a:stretch>
-            <a:fillRect/>
-          </a:stretch>
-        </p:blipFill>
+        </p:nvSpPr>
         <p:spPr>
           <a:xfrm>
-            <a:off x="834850" y="1537200"/>
-            <a:ext cx="2991775" cy="3200350"/>
+            <a:off x="640650" y="1034650"/>
+            <a:ext cx="8274600" cy="4079100"/>
           </a:xfrm>
           <a:prstGeom prst="rect">
             <a:avLst/>
@@ -19195,35 +19484,344 @@
             <a:noFill/>
           </a:ln>
         </p:spPr>
-      </p:pic>
-      <p:pic>
-        <p:nvPicPr>
-          <p:cNvPr id="218" name="Google Shape;218;p27"/>
-          <p:cNvPicPr preferRelativeResize="0"/>
-          <p:nvPr/>
-        </p:nvPicPr>
-        <p:blipFill>
-          <a:blip r:embed="rId5">
-            <a:alphaModFix/>
-          </a:blip>
-          <a:stretch>
-            <a:fillRect/>
-          </a:stretch>
-        </p:blipFill>
-        <p:spPr>
-          <a:xfrm>
-            <a:off x="4867025" y="1730700"/>
-            <a:ext cx="2724800" cy="2336350"/>
-          </a:xfrm>
-          <a:prstGeom prst="rect">
-            <a:avLst/>
-          </a:prstGeom>
-          <a:noFill/>
-          <a:ln>
-            <a:noFill/>
-          </a:ln>
-        </p:spPr>
-      </p:pic>
+        <p:txBody>
+          <a:bodyPr anchorCtr="0" anchor="t" bIns="91425" lIns="91425" spcFirstLastPara="1" rIns="91425" wrap="square" tIns="91425">
+            <a:spAutoFit/>
+          </a:bodyPr>
+          <a:lstStyle/>
+          <a:p>
+            <a:pPr indent="0" lvl="0" marL="0" rtl="0" algn="just">
+              <a:spcBef>
+                <a:spcPts val="0"/>
+              </a:spcBef>
+              <a:spcAft>
+                <a:spcPts val="0"/>
+              </a:spcAft>
+              <a:buNone/>
+            </a:pPr>
+            <a:r>
+              <a:t/>
+            </a:r>
+            <a:endParaRPr sz="1300">
+              <a:solidFill>
+                <a:srgbClr val="375FA9"/>
+              </a:solidFill>
+            </a:endParaRPr>
+          </a:p>
+          <a:p>
+            <a:pPr indent="0" lvl="0" marL="0" rtl="0" algn="just">
+              <a:spcBef>
+                <a:spcPts val="0"/>
+              </a:spcBef>
+              <a:spcAft>
+                <a:spcPts val="0"/>
+              </a:spcAft>
+              <a:buNone/>
+            </a:pPr>
+            <a:r>
+              <a:t/>
+            </a:r>
+            <a:endParaRPr sz="1300">
+              <a:solidFill>
+                <a:srgbClr val="375FA9"/>
+              </a:solidFill>
+            </a:endParaRPr>
+          </a:p>
+          <a:p>
+            <a:pPr indent="0" lvl="0" marL="0" rtl="0" algn="just">
+              <a:spcBef>
+                <a:spcPts val="0"/>
+              </a:spcBef>
+              <a:spcAft>
+                <a:spcPts val="0"/>
+              </a:spcAft>
+              <a:buNone/>
+            </a:pPr>
+            <a:r>
+              <a:rPr b="1" lang="es" sz="1300">
+                <a:solidFill>
+                  <a:srgbClr val="375FA9"/>
+                </a:solidFill>
+              </a:rPr>
+              <a:t>Event Handling:</a:t>
+            </a:r>
+            <a:r>
+              <a:rPr lang="es" sz="1300">
+                <a:solidFill>
+                  <a:srgbClr val="375FA9"/>
+                </a:solidFill>
+              </a:rPr>
+              <a:t> El manejo de eventos es el mecanismo que controla el evento y decide qué debe suceder, si ocurre un evento. Este mecanismo tiene el código que se conoce como controlador de eventos que se ejecuta cuando ocurre un evento. JavaFX proporciona controladores y filtros para manejar eventos. En JavaFX cada evento tiene:</a:t>
+            </a:r>
+            <a:endParaRPr sz="1300">
+              <a:solidFill>
+                <a:srgbClr val="375FA9"/>
+              </a:solidFill>
+            </a:endParaRPr>
+          </a:p>
+          <a:p>
+            <a:pPr indent="0" lvl="0" marL="457200" rtl="0" algn="just">
+              <a:spcBef>
+                <a:spcPts val="0"/>
+              </a:spcBef>
+              <a:spcAft>
+                <a:spcPts val="0"/>
+              </a:spcAft>
+              <a:buNone/>
+            </a:pPr>
+            <a:r>
+              <a:t/>
+            </a:r>
+            <a:endParaRPr sz="1800">
+              <a:solidFill>
+                <a:srgbClr val="375FA9"/>
+              </a:solidFill>
+            </a:endParaRPr>
+          </a:p>
+          <a:p>
+            <a:pPr indent="-311150" lvl="0" marL="457200" rtl="0" algn="just">
+              <a:spcBef>
+                <a:spcPts val="0"/>
+              </a:spcBef>
+              <a:spcAft>
+                <a:spcPts val="0"/>
+              </a:spcAft>
+              <a:buClr>
+                <a:srgbClr val="375FA9"/>
+              </a:buClr>
+              <a:buSzPts val="1300"/>
+              <a:buChar char="●"/>
+            </a:pPr>
+            <a:r>
+              <a:rPr b="1" lang="es" sz="1300">
+                <a:solidFill>
+                  <a:srgbClr val="375FA9"/>
+                </a:solidFill>
+              </a:rPr>
+              <a:t>Target:</a:t>
+            </a:r>
+            <a:r>
+              <a:rPr lang="es" sz="1300">
+                <a:solidFill>
+                  <a:srgbClr val="375FA9"/>
+                </a:solidFill>
+              </a:rPr>
+              <a:t> el nodo en el que ocurrió un evento. Un objetivo puede ser una ventana, una escena y un nodo.</a:t>
+            </a:r>
+            <a:endParaRPr sz="1300">
+              <a:solidFill>
+                <a:srgbClr val="375FA9"/>
+              </a:solidFill>
+            </a:endParaRPr>
+          </a:p>
+          <a:p>
+            <a:pPr indent="0" lvl="0" marL="457200" rtl="0" algn="just">
+              <a:spcBef>
+                <a:spcPts val="0"/>
+              </a:spcBef>
+              <a:spcAft>
+                <a:spcPts val="0"/>
+              </a:spcAft>
+              <a:buNone/>
+            </a:pPr>
+            <a:r>
+              <a:t/>
+            </a:r>
+            <a:endParaRPr sz="1300">
+              <a:solidFill>
+                <a:srgbClr val="375FA9"/>
+              </a:solidFill>
+            </a:endParaRPr>
+          </a:p>
+          <a:p>
+            <a:pPr indent="-311150" lvl="0" marL="457200" rtl="0" algn="just">
+              <a:spcBef>
+                <a:spcPts val="0"/>
+              </a:spcBef>
+              <a:spcAft>
+                <a:spcPts val="0"/>
+              </a:spcAft>
+              <a:buClr>
+                <a:srgbClr val="375FA9"/>
+              </a:buClr>
+              <a:buSzPts val="1300"/>
+              <a:buChar char="●"/>
+            </a:pPr>
+            <a:r>
+              <a:rPr b="1" lang="es" sz="1300">
+                <a:solidFill>
+                  <a:srgbClr val="375FA9"/>
+                </a:solidFill>
+              </a:rPr>
+              <a:t>Source: </a:t>
+            </a:r>
+            <a:r>
+              <a:rPr lang="es" sz="1300">
+                <a:solidFill>
+                  <a:srgbClr val="375FA9"/>
+                </a:solidFill>
+              </a:rPr>
+              <a:t> la fuente a partir de la cual se genera el evento será la fuente del evento. En el escenario anterior, el mouse es la fuente del evento.</a:t>
+            </a:r>
+            <a:endParaRPr sz="1300">
+              <a:solidFill>
+                <a:srgbClr val="375FA9"/>
+              </a:solidFill>
+            </a:endParaRPr>
+          </a:p>
+          <a:p>
+            <a:pPr indent="0" lvl="0" marL="457200" rtl="0" algn="just">
+              <a:spcBef>
+                <a:spcPts val="0"/>
+              </a:spcBef>
+              <a:spcAft>
+                <a:spcPts val="0"/>
+              </a:spcAft>
+              <a:buNone/>
+            </a:pPr>
+            <a:r>
+              <a:t/>
+            </a:r>
+            <a:endParaRPr sz="1300">
+              <a:solidFill>
+                <a:srgbClr val="375FA9"/>
+              </a:solidFill>
+            </a:endParaRPr>
+          </a:p>
+          <a:p>
+            <a:pPr indent="-311150" lvl="0" marL="457200" rtl="0" algn="just">
+              <a:spcBef>
+                <a:spcPts val="0"/>
+              </a:spcBef>
+              <a:spcAft>
+                <a:spcPts val="0"/>
+              </a:spcAft>
+              <a:buClr>
+                <a:srgbClr val="375FA9"/>
+              </a:buClr>
+              <a:buSzPts val="1300"/>
+              <a:buChar char="●"/>
+            </a:pPr>
+            <a:r>
+              <a:rPr b="1" lang="es" sz="1300">
+                <a:solidFill>
+                  <a:srgbClr val="375FA9"/>
+                </a:solidFill>
+              </a:rPr>
+              <a:t>Type</a:t>
+            </a:r>
+            <a:r>
+              <a:rPr lang="es" sz="1300">
+                <a:solidFill>
+                  <a:srgbClr val="375FA9"/>
+                </a:solidFill>
+              </a:rPr>
+              <a:t>: Tipo de evento ocurrido; en el caso de un evento de mouse, el mouse presionado, el mouse soltado son el tipo de eventos.</a:t>
+            </a:r>
+            <a:endParaRPr sz="1300">
+              <a:solidFill>
+                <a:srgbClr val="375FA9"/>
+              </a:solidFill>
+            </a:endParaRPr>
+          </a:p>
+          <a:p>
+            <a:pPr indent="0" lvl="0" marL="457200" rtl="0" algn="just">
+              <a:spcBef>
+                <a:spcPts val="0"/>
+              </a:spcBef>
+              <a:spcAft>
+                <a:spcPts val="0"/>
+              </a:spcAft>
+              <a:buNone/>
+            </a:pPr>
+            <a:r>
+              <a:t/>
+            </a:r>
+            <a:endParaRPr sz="1300">
+              <a:solidFill>
+                <a:srgbClr val="375FA9"/>
+              </a:solidFill>
+            </a:endParaRPr>
+          </a:p>
+          <a:p>
+            <a:pPr indent="0" lvl="0" marL="0" rtl="0" algn="just">
+              <a:spcBef>
+                <a:spcPts val="0"/>
+              </a:spcBef>
+              <a:spcAft>
+                <a:spcPts val="0"/>
+              </a:spcAft>
+              <a:buNone/>
+            </a:pPr>
+            <a:r>
+              <a:t/>
+            </a:r>
+            <a:endParaRPr sz="1300">
+              <a:solidFill>
+                <a:srgbClr val="375FA9"/>
+              </a:solidFill>
+            </a:endParaRPr>
+          </a:p>
+          <a:p>
+            <a:pPr indent="0" lvl="0" marL="0" rtl="0" algn="just">
+              <a:spcBef>
+                <a:spcPts val="0"/>
+              </a:spcBef>
+              <a:spcAft>
+                <a:spcPts val="0"/>
+              </a:spcAft>
+              <a:buNone/>
+            </a:pPr>
+            <a:r>
+              <a:t/>
+            </a:r>
+            <a:endParaRPr sz="1300">
+              <a:solidFill>
+                <a:srgbClr val="375FA9"/>
+              </a:solidFill>
+            </a:endParaRPr>
+          </a:p>
+          <a:p>
+            <a:pPr indent="0" lvl="0" marL="0" rtl="0" algn="just">
+              <a:spcBef>
+                <a:spcPts val="0"/>
+              </a:spcBef>
+              <a:spcAft>
+                <a:spcPts val="0"/>
+              </a:spcAft>
+              <a:buNone/>
+            </a:pPr>
+            <a:r>
+              <a:t/>
+            </a:r>
+            <a:endParaRPr sz="1300">
+              <a:solidFill>
+                <a:srgbClr val="375FA9"/>
+              </a:solidFill>
+            </a:endParaRPr>
+          </a:p>
+          <a:p>
+            <a:pPr indent="0" lvl="0" marL="0" rtl="0" algn="l">
+              <a:spcBef>
+                <a:spcPts val="0"/>
+              </a:spcBef>
+              <a:spcAft>
+                <a:spcPts val="0"/>
+              </a:spcAft>
+              <a:buNone/>
+            </a:pPr>
+            <a:r>
+              <a:t/>
+            </a:r>
+            <a:endParaRPr>
+              <a:latin typeface="Calibri"/>
+              <a:ea typeface="Calibri"/>
+              <a:cs typeface="Calibri"/>
+              <a:sym typeface="Calibri"/>
+            </a:endParaRPr>
+          </a:p>
+        </p:txBody>
+      </p:sp>
     </p:spTree>
   </p:cSld>
   <p:clrMapOvr>
@@ -19269,8 +19867,8 @@
         </p:nvSpPr>
         <p:spPr>
           <a:xfrm>
-            <a:off x="800100" y="895872"/>
-            <a:ext cx="7543800" cy="556500"/>
+            <a:off x="526205" y="359918"/>
+            <a:ext cx="7543800" cy="1088100"/>
           </a:xfrm>
           <a:prstGeom prst="rect">
             <a:avLst/>
@@ -19304,15 +19902,7 @@
                   <a:srgbClr val="E83464"/>
                 </a:solidFill>
               </a:rPr>
-              <a:t>S</a:t>
-            </a:r>
-            <a:r>
-              <a:rPr lang="es" sz="3000">
-                <a:solidFill>
-                  <a:srgbClr val="E83464"/>
-                </a:solidFill>
-              </a:rPr>
-              <a:t>cene Builder </a:t>
+              <a:t>Estructura de una aplicación GUI</a:t>
             </a:r>
             <a:endParaRPr sz="2800">
               <a:solidFill>
@@ -19342,8 +19932,8 @@
         </p:blipFill>
         <p:spPr>
           <a:xfrm>
-            <a:off x="4572000" y="1302224"/>
-            <a:ext cx="3952299" cy="2622400"/>
+            <a:off x="834850" y="1537200"/>
+            <a:ext cx="2991775" cy="3200350"/>
           </a:xfrm>
           <a:prstGeom prst="rect">
             <a:avLst/>
@@ -19354,16 +19944,24 @@
           </a:ln>
         </p:spPr>
       </p:pic>
-      <p:sp>
-        <p:nvSpPr>
+      <p:pic>
+        <p:nvPicPr>
           <p:cNvPr id="225" name="Google Shape;225;p28"/>
-          <p:cNvSpPr txBox="1"/>
+          <p:cNvPicPr preferRelativeResize="0"/>
           <p:nvPr/>
-        </p:nvSpPr>
+        </p:nvPicPr>
+        <p:blipFill>
+          <a:blip r:embed="rId5">
+            <a:alphaModFix/>
+          </a:blip>
+          <a:stretch>
+            <a:fillRect/>
+          </a:stretch>
+        </p:blipFill>
         <p:spPr>
           <a:xfrm>
-            <a:off x="535950" y="1553650"/>
-            <a:ext cx="3648000" cy="2678100"/>
+            <a:off x="4867025" y="1730700"/>
+            <a:ext cx="2724800" cy="2336350"/>
           </a:xfrm>
           <a:prstGeom prst="rect">
             <a:avLst/>
@@ -19373,112 +19971,7 @@
             <a:noFill/>
           </a:ln>
         </p:spPr>
-        <p:txBody>
-          <a:bodyPr anchorCtr="0" anchor="t" bIns="91425" lIns="91425" spcFirstLastPara="1" rIns="91425" wrap="square" tIns="91425">
-            <a:spAutoFit/>
-          </a:bodyPr>
-          <a:lstStyle/>
-          <a:p>
-            <a:pPr indent="-314325" lvl="0" marL="457200" rtl="0" algn="l">
-              <a:spcBef>
-                <a:spcPts val="0"/>
-              </a:spcBef>
-              <a:spcAft>
-                <a:spcPts val="0"/>
-              </a:spcAft>
-              <a:buClr>
-                <a:srgbClr val="3C63AB"/>
-              </a:buClr>
-              <a:buSzPts val="1350"/>
-              <a:buChar char="●"/>
-            </a:pPr>
-            <a:r>
-              <a:rPr lang="es" sz="1350">
-                <a:solidFill>
-                  <a:srgbClr val="3C63AB"/>
-                </a:solidFill>
-                <a:highlight>
-                  <a:srgbClr val="FFFFFF"/>
-                </a:highlight>
-              </a:rPr>
-              <a:t>Scene Builder permite construir la interfaz gráfica de una aplicación de escritorio Java de forma más sencilla.</a:t>
-            </a:r>
-            <a:endParaRPr sz="1350">
-              <a:solidFill>
-                <a:srgbClr val="3C63AB"/>
-              </a:solidFill>
-              <a:highlight>
-                <a:srgbClr val="FFFFFF"/>
-              </a:highlight>
-            </a:endParaRPr>
-          </a:p>
-          <a:p>
-            <a:pPr indent="-314325" lvl="0" marL="457200" rtl="0" algn="l">
-              <a:spcBef>
-                <a:spcPts val="0"/>
-              </a:spcBef>
-              <a:spcAft>
-                <a:spcPts val="0"/>
-              </a:spcAft>
-              <a:buClr>
-                <a:srgbClr val="3C63AB"/>
-              </a:buClr>
-              <a:buSzPts val="1350"/>
-              <a:buChar char="●"/>
-            </a:pPr>
-            <a:r>
-              <a:rPr lang="es" sz="1350">
-                <a:solidFill>
-                  <a:srgbClr val="3C63AB"/>
-                </a:solidFill>
-                <a:highlight>
-                  <a:srgbClr val="FFFFFF"/>
-                </a:highlight>
-              </a:rPr>
-              <a:t>El diseño de la interfaz de usuario de arrastrar y soltar permite una iteración rápida.</a:t>
-            </a:r>
-            <a:endParaRPr sz="1350">
-              <a:solidFill>
-                <a:srgbClr val="3C63AB"/>
-              </a:solidFill>
-              <a:highlight>
-                <a:srgbClr val="FFFFFF"/>
-              </a:highlight>
-            </a:endParaRPr>
-          </a:p>
-          <a:p>
-            <a:pPr indent="-314325" lvl="0" marL="457200" rtl="0" algn="l">
-              <a:spcBef>
-                <a:spcPts val="0"/>
-              </a:spcBef>
-              <a:spcAft>
-                <a:spcPts val="0"/>
-              </a:spcAft>
-              <a:buClr>
-                <a:srgbClr val="3C63AB"/>
-              </a:buClr>
-              <a:buSzPts val="1350"/>
-              <a:buChar char="●"/>
-            </a:pPr>
-            <a:r>
-              <a:rPr lang="es" sz="1350">
-                <a:solidFill>
-                  <a:srgbClr val="3C63AB"/>
-                </a:solidFill>
-                <a:highlight>
-                  <a:srgbClr val="FFFFFF"/>
-                </a:highlight>
-              </a:rPr>
-              <a:t> JavaFX Scene Builder genera archivos descriptores FXML que podemos cargar en la aplicación evitando la tediosa y no sencilla tarea de construir la interfaz gráfica mediante código.</a:t>
-            </a:r>
-            <a:endParaRPr sz="1300">
-              <a:solidFill>
-                <a:srgbClr val="3C63AB"/>
-              </a:solidFill>
-            </a:endParaRPr>
-          </a:p>
-        </p:txBody>
-      </p:sp>
+      </p:pic>
     </p:spTree>
   </p:cSld>
   <p:clrMapOvr>
@@ -19524,6 +20017,261 @@
         </p:nvSpPr>
         <p:spPr>
           <a:xfrm>
+            <a:off x="800100" y="895872"/>
+            <a:ext cx="7543800" cy="556500"/>
+          </a:xfrm>
+          <a:prstGeom prst="rect">
+            <a:avLst/>
+          </a:prstGeom>
+          <a:noFill/>
+          <a:ln>
+            <a:noFill/>
+          </a:ln>
+        </p:spPr>
+        <p:txBody>
+          <a:bodyPr anchorCtr="0" anchor="b" bIns="34275" lIns="68575" spcFirstLastPara="1" rIns="68575" wrap="square" tIns="34275">
+            <a:noAutofit/>
+          </a:bodyPr>
+          <a:lstStyle/>
+          <a:p>
+            <a:pPr indent="0" lvl="0" marL="0" rtl="0" algn="l">
+              <a:lnSpc>
+                <a:spcPct val="85000"/>
+              </a:lnSpc>
+              <a:spcBef>
+                <a:spcPts val="0"/>
+              </a:spcBef>
+              <a:spcAft>
+                <a:spcPts val="0"/>
+              </a:spcAft>
+              <a:buNone/>
+            </a:pPr>
+            <a:r>
+              <a:rPr lang="es" sz="3000">
+                <a:solidFill>
+                  <a:srgbClr val="E83464"/>
+                </a:solidFill>
+              </a:rPr>
+              <a:t>S</a:t>
+            </a:r>
+            <a:r>
+              <a:rPr lang="es" sz="3000">
+                <a:solidFill>
+                  <a:srgbClr val="E83464"/>
+                </a:solidFill>
+              </a:rPr>
+              <a:t>cene Builder </a:t>
+            </a:r>
+            <a:endParaRPr sz="2800">
+              <a:solidFill>
+                <a:srgbClr val="AF7B51"/>
+              </a:solidFill>
+              <a:latin typeface="Nunito"/>
+              <a:ea typeface="Nunito"/>
+              <a:cs typeface="Nunito"/>
+              <a:sym typeface="Nunito"/>
+            </a:endParaRPr>
+          </a:p>
+        </p:txBody>
+      </p:sp>
+      <p:pic>
+        <p:nvPicPr>
+          <p:cNvPr id="231" name="Google Shape;231;p29"/>
+          <p:cNvPicPr preferRelativeResize="0"/>
+          <p:nvPr/>
+        </p:nvPicPr>
+        <p:blipFill>
+          <a:blip r:embed="rId4">
+            <a:alphaModFix/>
+          </a:blip>
+          <a:stretch>
+            <a:fillRect/>
+          </a:stretch>
+        </p:blipFill>
+        <p:spPr>
+          <a:xfrm>
+            <a:off x="4572000" y="1302224"/>
+            <a:ext cx="3952299" cy="2622400"/>
+          </a:xfrm>
+          <a:prstGeom prst="rect">
+            <a:avLst/>
+          </a:prstGeom>
+          <a:noFill/>
+          <a:ln>
+            <a:noFill/>
+          </a:ln>
+        </p:spPr>
+      </p:pic>
+      <p:sp>
+        <p:nvSpPr>
+          <p:cNvPr id="232" name="Google Shape;232;p29"/>
+          <p:cNvSpPr txBox="1"/>
+          <p:nvPr/>
+        </p:nvSpPr>
+        <p:spPr>
+          <a:xfrm>
+            <a:off x="535950" y="1553650"/>
+            <a:ext cx="3648000" cy="2678100"/>
+          </a:xfrm>
+          <a:prstGeom prst="rect">
+            <a:avLst/>
+          </a:prstGeom>
+          <a:noFill/>
+          <a:ln>
+            <a:noFill/>
+          </a:ln>
+        </p:spPr>
+        <p:txBody>
+          <a:bodyPr anchorCtr="0" anchor="t" bIns="91425" lIns="91425" spcFirstLastPara="1" rIns="91425" wrap="square" tIns="91425">
+            <a:spAutoFit/>
+          </a:bodyPr>
+          <a:lstStyle/>
+          <a:p>
+            <a:pPr indent="-314325" lvl="0" marL="457200" rtl="0" algn="l">
+              <a:spcBef>
+                <a:spcPts val="0"/>
+              </a:spcBef>
+              <a:spcAft>
+                <a:spcPts val="0"/>
+              </a:spcAft>
+              <a:buClr>
+                <a:srgbClr val="3C63AB"/>
+              </a:buClr>
+              <a:buSzPts val="1350"/>
+              <a:buChar char="●"/>
+            </a:pPr>
+            <a:r>
+              <a:rPr lang="es" sz="1350">
+                <a:solidFill>
+                  <a:srgbClr val="3C63AB"/>
+                </a:solidFill>
+                <a:highlight>
+                  <a:srgbClr val="FFFFFF"/>
+                </a:highlight>
+              </a:rPr>
+              <a:t>Scene Builder permite construir la interfaz gráfica de una aplicación de escritorio Java de forma más sencilla.</a:t>
+            </a:r>
+            <a:endParaRPr sz="1350">
+              <a:solidFill>
+                <a:srgbClr val="3C63AB"/>
+              </a:solidFill>
+              <a:highlight>
+                <a:srgbClr val="FFFFFF"/>
+              </a:highlight>
+            </a:endParaRPr>
+          </a:p>
+          <a:p>
+            <a:pPr indent="-314325" lvl="0" marL="457200" rtl="0" algn="l">
+              <a:spcBef>
+                <a:spcPts val="0"/>
+              </a:spcBef>
+              <a:spcAft>
+                <a:spcPts val="0"/>
+              </a:spcAft>
+              <a:buClr>
+                <a:srgbClr val="3C63AB"/>
+              </a:buClr>
+              <a:buSzPts val="1350"/>
+              <a:buChar char="●"/>
+            </a:pPr>
+            <a:r>
+              <a:rPr lang="es" sz="1350">
+                <a:solidFill>
+                  <a:srgbClr val="3C63AB"/>
+                </a:solidFill>
+                <a:highlight>
+                  <a:srgbClr val="FFFFFF"/>
+                </a:highlight>
+              </a:rPr>
+              <a:t>El diseño de la interfaz de usuario de arrastrar y soltar permite una iteración rápida.</a:t>
+            </a:r>
+            <a:endParaRPr sz="1350">
+              <a:solidFill>
+                <a:srgbClr val="3C63AB"/>
+              </a:solidFill>
+              <a:highlight>
+                <a:srgbClr val="FFFFFF"/>
+              </a:highlight>
+            </a:endParaRPr>
+          </a:p>
+          <a:p>
+            <a:pPr indent="-314325" lvl="0" marL="457200" rtl="0" algn="l">
+              <a:spcBef>
+                <a:spcPts val="0"/>
+              </a:spcBef>
+              <a:spcAft>
+                <a:spcPts val="0"/>
+              </a:spcAft>
+              <a:buClr>
+                <a:srgbClr val="3C63AB"/>
+              </a:buClr>
+              <a:buSzPts val="1350"/>
+              <a:buChar char="●"/>
+            </a:pPr>
+            <a:r>
+              <a:rPr lang="es" sz="1350">
+                <a:solidFill>
+                  <a:srgbClr val="3C63AB"/>
+                </a:solidFill>
+                <a:highlight>
+                  <a:srgbClr val="FFFFFF"/>
+                </a:highlight>
+              </a:rPr>
+              <a:t> JavaFX Scene Builder genera archivos descriptores FXML que podemos cargar en la aplicación evitando la tediosa y no sencilla tarea de construir la interfaz gráfica mediante código.</a:t>
+            </a:r>
+            <a:endParaRPr sz="1300">
+              <a:solidFill>
+                <a:srgbClr val="3C63AB"/>
+              </a:solidFill>
+            </a:endParaRPr>
+          </a:p>
+        </p:txBody>
+      </p:sp>
+    </p:spTree>
+  </p:cSld>
+  <p:clrMapOvr>
+    <a:masterClrMapping/>
+  </p:clrMapOvr>
+</p:sld>
+</file>
+
+<file path=ppt/slides/slide16.xml><?xml version="1.0" encoding="utf-8"?>
+<p:sld xmlns:a="http://schemas.openxmlformats.org/drawingml/2006/main" xmlns:r="http://schemas.openxmlformats.org/officeDocument/2006/relationships" xmlns:mc="http://schemas.openxmlformats.org/markup-compatibility/2006" xmlns:mv="urn:schemas-microsoft-com:mac:vml" xmlns:p="http://schemas.openxmlformats.org/presentationml/2006/main" xmlns:c="http://schemas.openxmlformats.org/drawingml/2006/chart" xmlns:dgm="http://schemas.openxmlformats.org/drawingml/2006/diagram" xmlns:o="urn:schemas-microsoft-com:office:office" xmlns:v="urn:schemas-microsoft-com:vml" xmlns:pvml="urn:schemas-microsoft-com:office:powerpoint" xmlns:com="http://schemas.openxmlformats.org/drawingml/2006/compatibility" xmlns:p14="http://schemas.microsoft.com/office/powerpoint/2010/main" xmlns:p15="http://schemas.microsoft.com/office/powerpoint/2012/main" xmlns:ahyp="http://schemas.microsoft.com/office/drawing/2018/hyperlinkcolor" showMasterSp="0">
+  <p:cSld>
+    <p:bg>
+      <p:bgPr>
+        <a:blipFill>
+          <a:blip r:embed="rId3">
+            <a:alphaModFix/>
+          </a:blip>
+          <a:stretch>
+            <a:fillRect/>
+          </a:stretch>
+        </a:blipFill>
+      </p:bgPr>
+    </p:bg>
+    <p:spTree>
+      <p:nvGrpSpPr>
+        <p:cNvPr id="236" name="Shape 236"/>
+        <p:cNvGrpSpPr/>
+        <p:nvPr/>
+      </p:nvGrpSpPr>
+      <p:grpSpPr>
+        <a:xfrm>
+          <a:off x="0" y="0"/>
+          <a:ext cx="0" cy="0"/>
+          <a:chOff x="0" y="0"/>
+          <a:chExt cx="0" cy="0"/>
+        </a:xfrm>
+      </p:grpSpPr>
+      <p:sp>
+        <p:nvSpPr>
+          <p:cNvPr id="237" name="Google Shape;237;p30"/>
+          <p:cNvSpPr txBox="1"/>
+          <p:nvPr/>
+        </p:nvSpPr>
+        <p:spPr>
+          <a:xfrm>
             <a:off x="681775" y="757572"/>
             <a:ext cx="7543800" cy="625500"/>
           </a:xfrm>
@@ -19575,7 +20323,7 @@
       </p:sp>
       <p:sp>
         <p:nvSpPr>
-          <p:cNvPr id="231" name="Google Shape;231;p29"/>
+          <p:cNvPr id="238" name="Google Shape;238;p30"/>
           <p:cNvSpPr txBox="1"/>
           <p:nvPr/>
         </p:nvSpPr>
@@ -19633,7 +20381,7 @@
       </p:sp>
       <p:pic>
         <p:nvPicPr>
-          <p:cNvPr id="232" name="Google Shape;232;p29"/>
+          <p:cNvPr id="239" name="Google Shape;239;p30"/>
           <p:cNvPicPr preferRelativeResize="0"/>
           <p:nvPr/>
         </p:nvPicPr>
@@ -19660,7 +20408,7 @@
       </p:pic>
       <p:pic>
         <p:nvPicPr>
-          <p:cNvPr id="233" name="Google Shape;233;p29"/>
+          <p:cNvPr id="240" name="Google Shape;240;p30"/>
           <p:cNvPicPr preferRelativeResize="0"/>
           <p:nvPr/>
         </p:nvPicPr>
@@ -19693,7 +20441,7 @@
 </p:sld>
 </file>
 
-<file path=ppt/slides/slide16.xml><?xml version="1.0" encoding="utf-8"?>
+<file path=ppt/slides/slide17.xml><?xml version="1.0" encoding="utf-8"?>
 <p:sld xmlns:a="http://schemas.openxmlformats.org/drawingml/2006/main" xmlns:r="http://schemas.openxmlformats.org/officeDocument/2006/relationships" xmlns:mc="http://schemas.openxmlformats.org/markup-compatibility/2006" xmlns:mv="urn:schemas-microsoft-com:mac:vml" xmlns:p="http://schemas.openxmlformats.org/presentationml/2006/main" xmlns:c="http://schemas.openxmlformats.org/drawingml/2006/chart" xmlns:dgm="http://schemas.openxmlformats.org/drawingml/2006/diagram" xmlns:o="urn:schemas-microsoft-com:office:office" xmlns:v="urn:schemas-microsoft-com:vml" xmlns:pvml="urn:schemas-microsoft-com:office:powerpoint" xmlns:com="http://schemas.openxmlformats.org/drawingml/2006/compatibility" xmlns:p14="http://schemas.microsoft.com/office/powerpoint/2010/main" xmlns:p15="http://schemas.microsoft.com/office/powerpoint/2012/main" xmlns:ahyp="http://schemas.microsoft.com/office/drawing/2018/hyperlinkcolor" showMasterSp="0">
   <p:cSld>
     <p:bg>
@@ -19710,7 +20458,7 @@
     </p:bg>
     <p:spTree>
       <p:nvGrpSpPr>
-        <p:cNvPr id="237" name="Shape 237"/>
+        <p:cNvPr id="244" name="Shape 244"/>
         <p:cNvGrpSpPr/>
         <p:nvPr/>
       </p:nvGrpSpPr>
@@ -19724,7 +20472,7 @@
       </p:grpSpPr>
       <p:sp>
         <p:nvSpPr>
-          <p:cNvPr id="238" name="Google Shape;238;p30"/>
+          <p:cNvPr id="245" name="Google Shape;245;p31"/>
           <p:cNvSpPr txBox="1"/>
           <p:nvPr/>
         </p:nvSpPr>
@@ -19781,7 +20529,7 @@
       </p:sp>
       <p:sp>
         <p:nvSpPr>
-          <p:cNvPr id="239" name="Google Shape;239;p30"/>
+          <p:cNvPr id="246" name="Google Shape;246;p31"/>
           <p:cNvSpPr txBox="1"/>
           <p:nvPr/>
         </p:nvSpPr>
@@ -19839,7 +20587,7 @@
       </p:sp>
       <p:pic>
         <p:nvPicPr>
-          <p:cNvPr id="240" name="Google Shape;240;p30"/>
+          <p:cNvPr id="247" name="Google Shape;247;p31"/>
           <p:cNvPicPr preferRelativeResize="0"/>
           <p:nvPr/>
         </p:nvPicPr>
@@ -19867,7 +20615,7 @@
       </p:pic>
       <p:pic>
         <p:nvPicPr>
-          <p:cNvPr id="241" name="Google Shape;241;p30"/>
+          <p:cNvPr id="248" name="Google Shape;248;p31"/>
           <p:cNvPicPr preferRelativeResize="0"/>
           <p:nvPr/>
         </p:nvPicPr>
@@ -19895,7 +20643,7 @@
       </p:pic>
       <p:sp>
         <p:nvSpPr>
-          <p:cNvPr id="242" name="Google Shape;242;p30"/>
+          <p:cNvPr id="249" name="Google Shape;249;p31"/>
           <p:cNvSpPr txBox="1"/>
           <p:nvPr/>
         </p:nvSpPr>
@@ -19959,7 +20707,7 @@
 </p:sld>
 </file>
 
-<file path=ppt/slides/slide17.xml><?xml version="1.0" encoding="utf-8"?>
+<file path=ppt/slides/slide18.xml><?xml version="1.0" encoding="utf-8"?>
 <p:sld xmlns:a="http://schemas.openxmlformats.org/drawingml/2006/main" xmlns:r="http://schemas.openxmlformats.org/officeDocument/2006/relationships" xmlns:mc="http://schemas.openxmlformats.org/markup-compatibility/2006" xmlns:mv="urn:schemas-microsoft-com:mac:vml" xmlns:p="http://schemas.openxmlformats.org/presentationml/2006/main" xmlns:c="http://schemas.openxmlformats.org/drawingml/2006/chart" xmlns:dgm="http://schemas.openxmlformats.org/drawingml/2006/diagram" xmlns:o="urn:schemas-microsoft-com:office:office" xmlns:v="urn:schemas-microsoft-com:vml" xmlns:pvml="urn:schemas-microsoft-com:office:powerpoint" xmlns:com="http://schemas.openxmlformats.org/drawingml/2006/compatibility" xmlns:p14="http://schemas.microsoft.com/office/powerpoint/2010/main" xmlns:p15="http://schemas.microsoft.com/office/powerpoint/2012/main" xmlns:ahyp="http://schemas.microsoft.com/office/drawing/2018/hyperlinkcolor" showMasterSp="0">
   <p:cSld>
     <p:bg>
@@ -19976,7 +20724,7 @@
     </p:bg>
     <p:spTree>
       <p:nvGrpSpPr>
-        <p:cNvPr id="246" name="Shape 246"/>
+        <p:cNvPr id="253" name="Shape 253"/>
         <p:cNvGrpSpPr/>
         <p:nvPr/>
       </p:nvGrpSpPr>
@@ -19990,7 +20738,7 @@
       </p:grpSpPr>
       <p:sp>
         <p:nvSpPr>
-          <p:cNvPr id="247" name="Google Shape;247;p31"/>
+          <p:cNvPr id="254" name="Google Shape;254;p32"/>
           <p:cNvSpPr txBox="1"/>
           <p:nvPr/>
         </p:nvSpPr>
@@ -20047,7 +20795,7 @@
       </p:sp>
       <p:sp>
         <p:nvSpPr>
-          <p:cNvPr id="248" name="Google Shape;248;p31"/>
+          <p:cNvPr id="255" name="Google Shape;255;p32"/>
           <p:cNvSpPr txBox="1"/>
           <p:nvPr/>
         </p:nvSpPr>
@@ -20129,7 +20877,7 @@
       </p:sp>
       <p:sp>
         <p:nvSpPr>
-          <p:cNvPr id="249" name="Google Shape;249;p31"/>
+          <p:cNvPr id="256" name="Google Shape;256;p32"/>
           <p:cNvSpPr txBox="1"/>
           <p:nvPr/>
         </p:nvSpPr>
@@ -20187,7 +20935,7 @@
       </p:sp>
       <p:pic>
         <p:nvPicPr>
-          <p:cNvPr id="250" name="Google Shape;250;p31"/>
+          <p:cNvPr id="257" name="Google Shape;257;p32"/>
           <p:cNvPicPr preferRelativeResize="0"/>
           <p:nvPr/>
         </p:nvPicPr>
@@ -20215,7 +20963,7 @@
       </p:pic>
       <p:pic>
         <p:nvPicPr>
-          <p:cNvPr id="251" name="Google Shape;251;p31"/>
+          <p:cNvPr id="258" name="Google Shape;258;p32"/>
           <p:cNvPicPr preferRelativeResize="0"/>
           <p:nvPr/>
         </p:nvPicPr>
@@ -20241,486 +20989,6 @@
           </a:ln>
         </p:spPr>
       </p:pic>
-    </p:spTree>
-  </p:cSld>
-  <p:clrMapOvr>
-    <a:masterClrMapping/>
-  </p:clrMapOvr>
-</p:sld>
-</file>
-
-<file path=ppt/slides/slide18.xml><?xml version="1.0" encoding="utf-8"?>
-<p:sld xmlns:a="http://schemas.openxmlformats.org/drawingml/2006/main" xmlns:r="http://schemas.openxmlformats.org/officeDocument/2006/relationships" xmlns:mc="http://schemas.openxmlformats.org/markup-compatibility/2006" xmlns:mv="urn:schemas-microsoft-com:mac:vml" xmlns:p="http://schemas.openxmlformats.org/presentationml/2006/main" xmlns:c="http://schemas.openxmlformats.org/drawingml/2006/chart" xmlns:dgm="http://schemas.openxmlformats.org/drawingml/2006/diagram" xmlns:o="urn:schemas-microsoft-com:office:office" xmlns:v="urn:schemas-microsoft-com:vml" xmlns:pvml="urn:schemas-microsoft-com:office:powerpoint" xmlns:com="http://schemas.openxmlformats.org/drawingml/2006/compatibility" xmlns:p14="http://schemas.microsoft.com/office/powerpoint/2010/main" xmlns:p15="http://schemas.microsoft.com/office/powerpoint/2012/main" xmlns:ahyp="http://schemas.microsoft.com/office/drawing/2018/hyperlinkcolor" showMasterSp="0">
-  <p:cSld>
-    <p:bg>
-      <p:bgPr>
-        <a:blipFill>
-          <a:blip r:embed="rId3">
-            <a:alphaModFix/>
-          </a:blip>
-          <a:stretch>
-            <a:fillRect/>
-          </a:stretch>
-        </a:blipFill>
-      </p:bgPr>
-    </p:bg>
-    <p:spTree>
-      <p:nvGrpSpPr>
-        <p:cNvPr id="255" name="Shape 255"/>
-        <p:cNvGrpSpPr/>
-        <p:nvPr/>
-      </p:nvGrpSpPr>
-      <p:grpSpPr>
-        <a:xfrm>
-          <a:off x="0" y="0"/>
-          <a:ext cx="0" cy="0"/>
-          <a:chOff x="0" y="0"/>
-          <a:chExt cx="0" cy="0"/>
-        </a:xfrm>
-      </p:grpSpPr>
-      <p:sp>
-        <p:nvSpPr>
-          <p:cNvPr id="256" name="Google Shape;256;p32"/>
-          <p:cNvSpPr txBox="1"/>
-          <p:nvPr/>
-        </p:nvSpPr>
-        <p:spPr>
-          <a:xfrm>
-            <a:off x="681775" y="757572"/>
-            <a:ext cx="7543800" cy="625500"/>
-          </a:xfrm>
-          <a:prstGeom prst="rect">
-            <a:avLst/>
-          </a:prstGeom>
-          <a:noFill/>
-          <a:ln>
-            <a:noFill/>
-          </a:ln>
-        </p:spPr>
-        <p:txBody>
-          <a:bodyPr anchorCtr="0" anchor="b" bIns="34275" lIns="68575" spcFirstLastPara="1" rIns="68575" wrap="square" tIns="34275">
-            <a:noAutofit/>
-          </a:bodyPr>
-          <a:lstStyle/>
-          <a:p>
-            <a:pPr indent="0" lvl="0" marL="0" rtl="0" algn="l">
-              <a:lnSpc>
-                <a:spcPct val="85000"/>
-              </a:lnSpc>
-              <a:spcBef>
-                <a:spcPts val="0"/>
-              </a:spcBef>
-              <a:spcAft>
-                <a:spcPts val="0"/>
-              </a:spcAft>
-              <a:buNone/>
-            </a:pPr>
-            <a:r>
-              <a:rPr lang="es" sz="2200">
-                <a:solidFill>
-                  <a:srgbClr val="E83464"/>
-                </a:solidFill>
-              </a:rPr>
-              <a:t>Ejemplo de una aplicación GUI utilizando Scene Builder </a:t>
-            </a:r>
-            <a:endParaRPr sz="2000">
-              <a:solidFill>
-                <a:srgbClr val="AF7B51"/>
-              </a:solidFill>
-              <a:latin typeface="Nunito"/>
-              <a:ea typeface="Nunito"/>
-              <a:cs typeface="Nunito"/>
-              <a:sym typeface="Nunito"/>
-            </a:endParaRPr>
-          </a:p>
-        </p:txBody>
-      </p:sp>
-      <p:sp>
-        <p:nvSpPr>
-          <p:cNvPr id="257" name="Google Shape;257;p32"/>
-          <p:cNvSpPr txBox="1"/>
-          <p:nvPr/>
-        </p:nvSpPr>
-        <p:spPr>
-          <a:xfrm>
-            <a:off x="4683475" y="2532525"/>
-            <a:ext cx="3542100" cy="615600"/>
-          </a:xfrm>
-          <a:prstGeom prst="rect">
-            <a:avLst/>
-          </a:prstGeom>
-          <a:noFill/>
-          <a:ln>
-            <a:noFill/>
-          </a:ln>
-        </p:spPr>
-        <p:txBody>
-          <a:bodyPr anchorCtr="0" anchor="t" bIns="91425" lIns="91425" spcFirstLastPara="1" rIns="91425" wrap="square" tIns="91425">
-            <a:spAutoFit/>
-          </a:bodyPr>
-          <a:lstStyle/>
-          <a:p>
-            <a:pPr indent="0" lvl="0" marL="0" rtl="0" algn="l">
-              <a:spcBef>
-                <a:spcPts val="0"/>
-              </a:spcBef>
-              <a:spcAft>
-                <a:spcPts val="0"/>
-              </a:spcAft>
-              <a:buNone/>
-            </a:pPr>
-            <a:r>
-              <a:rPr lang="es">
-                <a:solidFill>
-                  <a:schemeClr val="accent5"/>
-                </a:solidFill>
-                <a:latin typeface="Calibri"/>
-                <a:ea typeface="Calibri"/>
-                <a:cs typeface="Calibri"/>
-                <a:sym typeface="Calibri"/>
-              </a:rPr>
-              <a:t>En el archivo principal App.java se define el layout que tendrá el stage principal </a:t>
-            </a:r>
-            <a:endParaRPr>
-              <a:solidFill>
-                <a:schemeClr val="accent5"/>
-              </a:solidFill>
-              <a:latin typeface="Calibri"/>
-              <a:ea typeface="Calibri"/>
-              <a:cs typeface="Calibri"/>
-              <a:sym typeface="Calibri"/>
-            </a:endParaRPr>
-          </a:p>
-        </p:txBody>
-      </p:sp>
-      <p:sp>
-        <p:nvSpPr>
-          <p:cNvPr id="258" name="Google Shape;258;p32"/>
-          <p:cNvSpPr txBox="1"/>
-          <p:nvPr/>
-        </p:nvSpPr>
-        <p:spPr>
-          <a:xfrm>
-            <a:off x="363050" y="1668350"/>
-            <a:ext cx="4118100" cy="3190200"/>
-          </a:xfrm>
-          <a:prstGeom prst="rect">
-            <a:avLst/>
-          </a:prstGeom>
-          <a:noFill/>
-          <a:ln>
-            <a:noFill/>
-          </a:ln>
-        </p:spPr>
-        <p:txBody>
-          <a:bodyPr anchorCtr="0" anchor="t" bIns="91425" lIns="91425" spcFirstLastPara="1" rIns="91425" wrap="square" tIns="91425">
-            <a:spAutoFit/>
-          </a:bodyPr>
-          <a:lstStyle/>
-          <a:p>
-            <a:pPr indent="0" lvl="0" marL="449580" rtl="0" algn="l">
-              <a:lnSpc>
-                <a:spcPct val="107916"/>
-              </a:lnSpc>
-              <a:spcBef>
-                <a:spcPts val="0"/>
-              </a:spcBef>
-              <a:spcAft>
-                <a:spcPts val="0"/>
-              </a:spcAft>
-              <a:buNone/>
-            </a:pPr>
-            <a:r>
-              <a:rPr lang="es" sz="900">
-                <a:latin typeface="Courier New"/>
-                <a:ea typeface="Courier New"/>
-                <a:cs typeface="Courier New"/>
-                <a:sym typeface="Courier New"/>
-              </a:rPr>
-              <a:t>public void start(Stage primaryStage) throws Exception {</a:t>
-            </a:r>
-            <a:endParaRPr sz="900">
-              <a:latin typeface="Courier New"/>
-              <a:ea typeface="Courier New"/>
-              <a:cs typeface="Courier New"/>
-              <a:sym typeface="Courier New"/>
-            </a:endParaRPr>
-          </a:p>
-          <a:p>
-            <a:pPr indent="0" lvl="0" marL="449580" rtl="0" algn="l">
-              <a:lnSpc>
-                <a:spcPct val="107916"/>
-              </a:lnSpc>
-              <a:spcBef>
-                <a:spcPts val="800"/>
-              </a:spcBef>
-              <a:spcAft>
-                <a:spcPts val="0"/>
-              </a:spcAft>
-              <a:buNone/>
-            </a:pPr>
-            <a:r>
-              <a:rPr lang="es" sz="900">
-                <a:latin typeface="Courier New"/>
-                <a:ea typeface="Courier New"/>
-                <a:cs typeface="Courier New"/>
-                <a:sym typeface="Courier New"/>
-              </a:rPr>
-              <a:t>        //FXMLLoader fxmlLoader = new FXMLLoader(getClass().getResource("ruta absoluta del archivo fxml a mostrar")); </a:t>
-            </a:r>
-            <a:endParaRPr sz="900">
-              <a:latin typeface="Courier New"/>
-              <a:ea typeface="Courier New"/>
-              <a:cs typeface="Courier New"/>
-              <a:sym typeface="Courier New"/>
-            </a:endParaRPr>
-          </a:p>
-          <a:p>
-            <a:pPr indent="0" lvl="0" marL="449580" rtl="0" algn="l">
-              <a:lnSpc>
-                <a:spcPct val="107916"/>
-              </a:lnSpc>
-              <a:spcBef>
-                <a:spcPts val="800"/>
-              </a:spcBef>
-              <a:spcAft>
-                <a:spcPts val="0"/>
-              </a:spcAft>
-              <a:buNone/>
-            </a:pPr>
-            <a:r>
-              <a:rPr lang="es" sz="900">
-                <a:latin typeface="Courier New"/>
-                <a:ea typeface="Courier New"/>
-                <a:cs typeface="Courier New"/>
-                <a:sym typeface="Courier New"/>
-              </a:rPr>
-              <a:t>        FXMLLoader fxmlLoader = new FXMLLoader(getClass().getResource("layout.fxml")); </a:t>
-            </a:r>
-            <a:endParaRPr sz="900">
-              <a:latin typeface="Courier New"/>
-              <a:ea typeface="Courier New"/>
-              <a:cs typeface="Courier New"/>
-              <a:sym typeface="Courier New"/>
-            </a:endParaRPr>
-          </a:p>
-          <a:p>
-            <a:pPr indent="0" lvl="0" marL="449580" rtl="0" algn="l">
-              <a:lnSpc>
-                <a:spcPct val="107916"/>
-              </a:lnSpc>
-              <a:spcBef>
-                <a:spcPts val="800"/>
-              </a:spcBef>
-              <a:spcAft>
-                <a:spcPts val="0"/>
-              </a:spcAft>
-              <a:buNone/>
-            </a:pPr>
-            <a:r>
-              <a:rPr lang="es" sz="900">
-                <a:latin typeface="Courier New"/>
-                <a:ea typeface="Courier New"/>
-                <a:cs typeface="Courier New"/>
-                <a:sym typeface="Courier New"/>
-              </a:rPr>
-              <a:t>        Parent root = fxmlLoader.load();</a:t>
-            </a:r>
-            <a:endParaRPr sz="900">
-              <a:latin typeface="Courier New"/>
-              <a:ea typeface="Courier New"/>
-              <a:cs typeface="Courier New"/>
-              <a:sym typeface="Courier New"/>
-            </a:endParaRPr>
-          </a:p>
-          <a:p>
-            <a:pPr indent="0" lvl="0" marL="449580" rtl="0" algn="l">
-              <a:lnSpc>
-                <a:spcPct val="107916"/>
-              </a:lnSpc>
-              <a:spcBef>
-                <a:spcPts val="800"/>
-              </a:spcBef>
-              <a:spcAft>
-                <a:spcPts val="0"/>
-              </a:spcAft>
-              <a:buNone/>
-            </a:pPr>
-            <a:r>
-              <a:rPr lang="es" sz="900">
-                <a:latin typeface="Courier New"/>
-                <a:ea typeface="Courier New"/>
-                <a:cs typeface="Courier New"/>
-                <a:sym typeface="Courier New"/>
-              </a:rPr>
-              <a:t>        Scene scene = new Scene(root);</a:t>
-            </a:r>
-            <a:endParaRPr sz="900">
-              <a:latin typeface="Courier New"/>
-              <a:ea typeface="Courier New"/>
-              <a:cs typeface="Courier New"/>
-              <a:sym typeface="Courier New"/>
-            </a:endParaRPr>
-          </a:p>
-          <a:p>
-            <a:pPr indent="0" lvl="0" marL="449580" rtl="0" algn="l">
-              <a:lnSpc>
-                <a:spcPct val="107916"/>
-              </a:lnSpc>
-              <a:spcBef>
-                <a:spcPts val="800"/>
-              </a:spcBef>
-              <a:spcAft>
-                <a:spcPts val="0"/>
-              </a:spcAft>
-              <a:buNone/>
-            </a:pPr>
-            <a:r>
-              <a:t/>
-            </a:r>
-            <a:endParaRPr sz="900">
-              <a:latin typeface="Courier New"/>
-              <a:ea typeface="Courier New"/>
-              <a:cs typeface="Courier New"/>
-              <a:sym typeface="Courier New"/>
-            </a:endParaRPr>
-          </a:p>
-          <a:p>
-            <a:pPr indent="0" lvl="0" marL="449580" rtl="0" algn="l">
-              <a:lnSpc>
-                <a:spcPct val="107916"/>
-              </a:lnSpc>
-              <a:spcBef>
-                <a:spcPts val="800"/>
-              </a:spcBef>
-              <a:spcAft>
-                <a:spcPts val="0"/>
-              </a:spcAft>
-              <a:buNone/>
-            </a:pPr>
-            <a:r>
-              <a:rPr lang="es" sz="900">
-                <a:latin typeface="Courier New"/>
-                <a:ea typeface="Courier New"/>
-                <a:cs typeface="Courier New"/>
-                <a:sym typeface="Courier New"/>
-              </a:rPr>
-              <a:t>        primaryStage.setTitle("Hello world!");</a:t>
-            </a:r>
-            <a:endParaRPr sz="900">
-              <a:latin typeface="Courier New"/>
-              <a:ea typeface="Courier New"/>
-              <a:cs typeface="Courier New"/>
-              <a:sym typeface="Courier New"/>
-            </a:endParaRPr>
-          </a:p>
-          <a:p>
-            <a:pPr indent="0" lvl="0" marL="449580" rtl="0" algn="l">
-              <a:lnSpc>
-                <a:spcPct val="107916"/>
-              </a:lnSpc>
-              <a:spcBef>
-                <a:spcPts val="800"/>
-              </a:spcBef>
-              <a:spcAft>
-                <a:spcPts val="0"/>
-              </a:spcAft>
-              <a:buNone/>
-            </a:pPr>
-            <a:r>
-              <a:rPr lang="es" sz="900">
-                <a:latin typeface="Courier New"/>
-                <a:ea typeface="Courier New"/>
-                <a:cs typeface="Courier New"/>
-                <a:sym typeface="Courier New"/>
-              </a:rPr>
-              <a:t>      </a:t>
-            </a:r>
-            <a:r>
-              <a:rPr lang="es" sz="900">
-                <a:latin typeface="Courier New"/>
-                <a:ea typeface="Courier New"/>
-                <a:cs typeface="Courier New"/>
-                <a:sym typeface="Courier New"/>
-              </a:rPr>
-              <a:t> </a:t>
-            </a:r>
-            <a:r>
-              <a:rPr lang="es" sz="900">
-                <a:latin typeface="Courier New"/>
-                <a:ea typeface="Courier New"/>
-                <a:cs typeface="Courier New"/>
-                <a:sym typeface="Courier New"/>
-              </a:rPr>
-              <a:t> primaryStage.setScene(scene);</a:t>
-            </a:r>
-            <a:endParaRPr sz="900">
-              <a:latin typeface="Courier New"/>
-              <a:ea typeface="Courier New"/>
-              <a:cs typeface="Courier New"/>
-              <a:sym typeface="Courier New"/>
-            </a:endParaRPr>
-          </a:p>
-          <a:p>
-            <a:pPr indent="0" lvl="0" marL="449580" rtl="0" algn="l">
-              <a:lnSpc>
-                <a:spcPct val="107916"/>
-              </a:lnSpc>
-              <a:spcBef>
-                <a:spcPts val="800"/>
-              </a:spcBef>
-              <a:spcAft>
-                <a:spcPts val="0"/>
-              </a:spcAft>
-              <a:buNone/>
-            </a:pPr>
-            <a:r>
-              <a:rPr lang="es" sz="900">
-                <a:latin typeface="Courier New"/>
-                <a:ea typeface="Courier New"/>
-                <a:cs typeface="Courier New"/>
-                <a:sym typeface="Courier New"/>
-              </a:rPr>
-              <a:t>        primaryStage.show();</a:t>
-            </a:r>
-            <a:endParaRPr sz="900">
-              <a:latin typeface="Courier New"/>
-              <a:ea typeface="Courier New"/>
-              <a:cs typeface="Courier New"/>
-              <a:sym typeface="Courier New"/>
-            </a:endParaRPr>
-          </a:p>
-          <a:p>
-            <a:pPr indent="0" lvl="0" marL="449580" rtl="0" algn="l">
-              <a:lnSpc>
-                <a:spcPct val="107916"/>
-              </a:lnSpc>
-              <a:spcBef>
-                <a:spcPts val="800"/>
-              </a:spcBef>
-              <a:spcAft>
-                <a:spcPts val="800"/>
-              </a:spcAft>
-              <a:buNone/>
-            </a:pPr>
-            <a:r>
-              <a:rPr lang="es" sz="900">
-                <a:latin typeface="Courier New"/>
-                <a:ea typeface="Courier New"/>
-                <a:cs typeface="Courier New"/>
-                <a:sym typeface="Courier New"/>
-              </a:rPr>
-              <a:t>    }</a:t>
-            </a:r>
-            <a:endParaRPr sz="1200">
-              <a:latin typeface="Courier New"/>
-              <a:ea typeface="Courier New"/>
-              <a:cs typeface="Courier New"/>
-              <a:sym typeface="Courier New"/>
-            </a:endParaRPr>
-          </a:p>
-        </p:txBody>
-      </p:sp>
     </p:spTree>
   </p:cSld>
   <p:clrMapOvr>
@@ -20823,7 +21091,7 @@
         </p:nvSpPr>
         <p:spPr>
           <a:xfrm>
-            <a:off x="529600" y="1529750"/>
+            <a:off x="4683475" y="2532525"/>
             <a:ext cx="3542100" cy="615600"/>
           </a:xfrm>
           <a:prstGeom prst="rect">
@@ -20859,7 +21127,7 @@
                 <a:cs typeface="Calibri"/>
                 <a:sym typeface="Calibri"/>
               </a:rPr>
-              <a:t>Se le agrega el evento onClick a el button y se define la acción en el controlador.</a:t>
+              <a:t>En el archivo principal App.java se define el layout que tendrá el stage principal </a:t>
             </a:r>
             <a:endParaRPr>
               <a:solidFill>
@@ -20873,24 +21141,16 @@
           </a:p>
         </p:txBody>
       </p:sp>
-      <p:pic>
-        <p:nvPicPr>
+      <p:sp>
+        <p:nvSpPr>
           <p:cNvPr id="265" name="Google Shape;265;p33"/>
-          <p:cNvPicPr preferRelativeResize="0"/>
+          <p:cNvSpPr txBox="1"/>
           <p:nvPr/>
-        </p:nvPicPr>
-        <p:blipFill>
-          <a:blip r:embed="rId4">
-            <a:alphaModFix/>
-          </a:blip>
-          <a:stretch>
-            <a:fillRect/>
-          </a:stretch>
-        </p:blipFill>
+        </p:nvSpPr>
         <p:spPr>
           <a:xfrm>
-            <a:off x="829100" y="2470827"/>
-            <a:ext cx="2513673" cy="532800"/>
+            <a:off x="363050" y="1668350"/>
+            <a:ext cx="4118100" cy="3190200"/>
           </a:xfrm>
           <a:prstGeom prst="rect">
             <a:avLst/>
@@ -20900,62 +21160,315 @@
             <a:noFill/>
           </a:ln>
         </p:spPr>
-      </p:pic>
-      <p:pic>
-        <p:nvPicPr>
-          <p:cNvPr id="266" name="Google Shape;266;p33"/>
-          <p:cNvPicPr preferRelativeResize="0"/>
-          <p:nvPr/>
-        </p:nvPicPr>
-        <p:blipFill>
-          <a:blip r:embed="rId5">
-            <a:alphaModFix/>
-          </a:blip>
-          <a:stretch>
-            <a:fillRect/>
-          </a:stretch>
-        </p:blipFill>
-        <p:spPr>
-          <a:xfrm>
-            <a:off x="1139700" y="3329112"/>
-            <a:ext cx="1892475" cy="440125"/>
-          </a:xfrm>
-          <a:prstGeom prst="rect">
-            <a:avLst/>
-          </a:prstGeom>
-          <a:noFill/>
-          <a:ln>
-            <a:noFill/>
-          </a:ln>
-        </p:spPr>
-      </p:pic>
-      <p:pic>
-        <p:nvPicPr>
-          <p:cNvPr id="267" name="Google Shape;267;p33"/>
-          <p:cNvPicPr preferRelativeResize="0"/>
-          <p:nvPr/>
-        </p:nvPicPr>
-        <p:blipFill rotWithShape="1">
-          <a:blip r:embed="rId6">
-            <a:alphaModFix/>
-          </a:blip>
-          <a:srcRect b="12276" l="0" r="51262" t="38811"/>
-          <a:stretch/>
-        </p:blipFill>
-        <p:spPr>
-          <a:xfrm>
-            <a:off x="4387950" y="1642050"/>
-            <a:ext cx="2789699" cy="2799725"/>
-          </a:xfrm>
-          <a:prstGeom prst="rect">
-            <a:avLst/>
-          </a:prstGeom>
-          <a:noFill/>
-          <a:ln>
-            <a:noFill/>
-          </a:ln>
-        </p:spPr>
-      </p:pic>
+        <p:txBody>
+          <a:bodyPr anchorCtr="0" anchor="t" bIns="91425" lIns="91425" spcFirstLastPara="1" rIns="91425" wrap="square" tIns="91425">
+            <a:spAutoFit/>
+          </a:bodyPr>
+          <a:lstStyle/>
+          <a:p>
+            <a:pPr indent="0" lvl="0" marL="449580" rtl="0" algn="l">
+              <a:lnSpc>
+                <a:spcPct val="107916"/>
+              </a:lnSpc>
+              <a:spcBef>
+                <a:spcPts val="0"/>
+              </a:spcBef>
+              <a:spcAft>
+                <a:spcPts val="0"/>
+              </a:spcAft>
+              <a:buNone/>
+            </a:pPr>
+            <a:r>
+              <a:rPr lang="es" sz="900">
+                <a:latin typeface="Courier New"/>
+                <a:ea typeface="Courier New"/>
+                <a:cs typeface="Courier New"/>
+                <a:sym typeface="Courier New"/>
+              </a:rPr>
+              <a:t>public void start(Stage primaryStage) throws Exception {</a:t>
+            </a:r>
+            <a:endParaRPr sz="900">
+              <a:latin typeface="Courier New"/>
+              <a:ea typeface="Courier New"/>
+              <a:cs typeface="Courier New"/>
+              <a:sym typeface="Courier New"/>
+            </a:endParaRPr>
+          </a:p>
+          <a:p>
+            <a:pPr indent="0" lvl="0" marL="449580" rtl="0" algn="l">
+              <a:lnSpc>
+                <a:spcPct val="107916"/>
+              </a:lnSpc>
+              <a:spcBef>
+                <a:spcPts val="800"/>
+              </a:spcBef>
+              <a:spcAft>
+                <a:spcPts val="0"/>
+              </a:spcAft>
+              <a:buNone/>
+            </a:pPr>
+            <a:r>
+              <a:rPr lang="es" sz="900">
+                <a:latin typeface="Courier New"/>
+                <a:ea typeface="Courier New"/>
+                <a:cs typeface="Courier New"/>
+                <a:sym typeface="Courier New"/>
+              </a:rPr>
+              <a:t>        //FXMLLoader fxmlLoader = new FXMLLoader(getClass().getResource("ruta absoluta del archivo fxml a mostrar")); </a:t>
+            </a:r>
+            <a:endParaRPr sz="900">
+              <a:latin typeface="Courier New"/>
+              <a:ea typeface="Courier New"/>
+              <a:cs typeface="Courier New"/>
+              <a:sym typeface="Courier New"/>
+            </a:endParaRPr>
+          </a:p>
+          <a:p>
+            <a:pPr indent="0" lvl="0" marL="449580" rtl="0" algn="l">
+              <a:lnSpc>
+                <a:spcPct val="107916"/>
+              </a:lnSpc>
+              <a:spcBef>
+                <a:spcPts val="800"/>
+              </a:spcBef>
+              <a:spcAft>
+                <a:spcPts val="0"/>
+              </a:spcAft>
+              <a:buNone/>
+            </a:pPr>
+            <a:r>
+              <a:rPr lang="es" sz="900">
+                <a:latin typeface="Courier New"/>
+                <a:ea typeface="Courier New"/>
+                <a:cs typeface="Courier New"/>
+                <a:sym typeface="Courier New"/>
+              </a:rPr>
+              <a:t>        FXMLLoader fxmlLoader = new FXMLLoader(getClass().getResource("layout.fxml")); </a:t>
+            </a:r>
+            <a:endParaRPr sz="900">
+              <a:latin typeface="Courier New"/>
+              <a:ea typeface="Courier New"/>
+              <a:cs typeface="Courier New"/>
+              <a:sym typeface="Courier New"/>
+            </a:endParaRPr>
+          </a:p>
+          <a:p>
+            <a:pPr indent="0" lvl="0" marL="449580" rtl="0" algn="l">
+              <a:lnSpc>
+                <a:spcPct val="107916"/>
+              </a:lnSpc>
+              <a:spcBef>
+                <a:spcPts val="800"/>
+              </a:spcBef>
+              <a:spcAft>
+                <a:spcPts val="0"/>
+              </a:spcAft>
+              <a:buNone/>
+            </a:pPr>
+            <a:r>
+              <a:rPr lang="es" sz="900">
+                <a:latin typeface="Courier New"/>
+                <a:ea typeface="Courier New"/>
+                <a:cs typeface="Courier New"/>
+                <a:sym typeface="Courier New"/>
+              </a:rPr>
+              <a:t>        Parent root = fxmlLoader.load();</a:t>
+            </a:r>
+            <a:endParaRPr sz="900">
+              <a:latin typeface="Courier New"/>
+              <a:ea typeface="Courier New"/>
+              <a:cs typeface="Courier New"/>
+              <a:sym typeface="Courier New"/>
+            </a:endParaRPr>
+          </a:p>
+          <a:p>
+            <a:pPr indent="0" lvl="0" marL="449580" rtl="0" algn="l">
+              <a:lnSpc>
+                <a:spcPct val="107916"/>
+              </a:lnSpc>
+              <a:spcBef>
+                <a:spcPts val="800"/>
+              </a:spcBef>
+              <a:spcAft>
+                <a:spcPts val="0"/>
+              </a:spcAft>
+              <a:buNone/>
+            </a:pPr>
+            <a:r>
+              <a:rPr lang="es" sz="900">
+                <a:latin typeface="Courier New"/>
+                <a:ea typeface="Courier New"/>
+                <a:cs typeface="Courier New"/>
+                <a:sym typeface="Courier New"/>
+              </a:rPr>
+              <a:t>        Scene scene = new Scene(root);</a:t>
+            </a:r>
+            <a:endParaRPr sz="900">
+              <a:latin typeface="Courier New"/>
+              <a:ea typeface="Courier New"/>
+              <a:cs typeface="Courier New"/>
+              <a:sym typeface="Courier New"/>
+            </a:endParaRPr>
+          </a:p>
+          <a:p>
+            <a:pPr indent="0" lvl="0" marL="449580" rtl="0" algn="l">
+              <a:lnSpc>
+                <a:spcPct val="107916"/>
+              </a:lnSpc>
+              <a:spcBef>
+                <a:spcPts val="800"/>
+              </a:spcBef>
+              <a:spcAft>
+                <a:spcPts val="0"/>
+              </a:spcAft>
+              <a:buNone/>
+            </a:pPr>
+            <a:r>
+              <a:t/>
+            </a:r>
+            <a:endParaRPr sz="900">
+              <a:latin typeface="Courier New"/>
+              <a:ea typeface="Courier New"/>
+              <a:cs typeface="Courier New"/>
+              <a:sym typeface="Courier New"/>
+            </a:endParaRPr>
+          </a:p>
+          <a:p>
+            <a:pPr indent="0" lvl="0" marL="449580" rtl="0" algn="l">
+              <a:lnSpc>
+                <a:spcPct val="107916"/>
+              </a:lnSpc>
+              <a:spcBef>
+                <a:spcPts val="800"/>
+              </a:spcBef>
+              <a:spcAft>
+                <a:spcPts val="0"/>
+              </a:spcAft>
+              <a:buNone/>
+            </a:pPr>
+            <a:r>
+              <a:rPr lang="es" sz="900">
+                <a:latin typeface="Courier New"/>
+                <a:ea typeface="Courier New"/>
+                <a:cs typeface="Courier New"/>
+                <a:sym typeface="Courier New"/>
+              </a:rPr>
+              <a:t>        primaryStage.setTitle("Hello world!");</a:t>
+            </a:r>
+            <a:endParaRPr sz="900">
+              <a:latin typeface="Courier New"/>
+              <a:ea typeface="Courier New"/>
+              <a:cs typeface="Courier New"/>
+              <a:sym typeface="Courier New"/>
+            </a:endParaRPr>
+          </a:p>
+          <a:p>
+            <a:pPr indent="0" lvl="0" marL="449580" rtl="0" algn="l">
+              <a:lnSpc>
+                <a:spcPct val="107916"/>
+              </a:lnSpc>
+              <a:spcBef>
+                <a:spcPts val="800"/>
+              </a:spcBef>
+              <a:spcAft>
+                <a:spcPts val="0"/>
+              </a:spcAft>
+              <a:buNone/>
+            </a:pPr>
+            <a:r>
+              <a:rPr lang="es" sz="900">
+                <a:latin typeface="Courier New"/>
+                <a:ea typeface="Courier New"/>
+                <a:cs typeface="Courier New"/>
+                <a:sym typeface="Courier New"/>
+              </a:rPr>
+              <a:t>      </a:t>
+            </a:r>
+            <a:r>
+              <a:rPr lang="es" sz="900">
+                <a:latin typeface="Courier New"/>
+                <a:ea typeface="Courier New"/>
+                <a:cs typeface="Courier New"/>
+                <a:sym typeface="Courier New"/>
+              </a:rPr>
+              <a:t> </a:t>
+            </a:r>
+            <a:r>
+              <a:rPr lang="es" sz="900">
+                <a:latin typeface="Courier New"/>
+                <a:ea typeface="Courier New"/>
+                <a:cs typeface="Courier New"/>
+                <a:sym typeface="Courier New"/>
+              </a:rPr>
+              <a:t> primaryStage.setScene(scene);</a:t>
+            </a:r>
+            <a:endParaRPr sz="900">
+              <a:latin typeface="Courier New"/>
+              <a:ea typeface="Courier New"/>
+              <a:cs typeface="Courier New"/>
+              <a:sym typeface="Courier New"/>
+            </a:endParaRPr>
+          </a:p>
+          <a:p>
+            <a:pPr indent="0" lvl="0" marL="449580" rtl="0" algn="l">
+              <a:lnSpc>
+                <a:spcPct val="107916"/>
+              </a:lnSpc>
+              <a:spcBef>
+                <a:spcPts val="800"/>
+              </a:spcBef>
+              <a:spcAft>
+                <a:spcPts val="0"/>
+              </a:spcAft>
+              <a:buNone/>
+            </a:pPr>
+            <a:r>
+              <a:rPr lang="es" sz="900">
+                <a:latin typeface="Courier New"/>
+                <a:ea typeface="Courier New"/>
+                <a:cs typeface="Courier New"/>
+                <a:sym typeface="Courier New"/>
+              </a:rPr>
+              <a:t>        primaryStage.show();</a:t>
+            </a:r>
+            <a:endParaRPr sz="900">
+              <a:latin typeface="Courier New"/>
+              <a:ea typeface="Courier New"/>
+              <a:cs typeface="Courier New"/>
+              <a:sym typeface="Courier New"/>
+            </a:endParaRPr>
+          </a:p>
+          <a:p>
+            <a:pPr indent="0" lvl="0" marL="449580" rtl="0" algn="l">
+              <a:lnSpc>
+                <a:spcPct val="107916"/>
+              </a:lnSpc>
+              <a:spcBef>
+                <a:spcPts val="800"/>
+              </a:spcBef>
+              <a:spcAft>
+                <a:spcPts val="800"/>
+              </a:spcAft>
+              <a:buNone/>
+            </a:pPr>
+            <a:r>
+              <a:rPr lang="es" sz="900">
+                <a:latin typeface="Courier New"/>
+                <a:ea typeface="Courier New"/>
+                <a:cs typeface="Courier New"/>
+                <a:sym typeface="Courier New"/>
+              </a:rPr>
+              <a:t>    }</a:t>
+            </a:r>
+            <a:endParaRPr sz="1200">
+              <a:latin typeface="Courier New"/>
+              <a:ea typeface="Courier New"/>
+              <a:cs typeface="Courier New"/>
+              <a:sym typeface="Courier New"/>
+            </a:endParaRPr>
+          </a:p>
+        </p:txBody>
+      </p:sp>
     </p:spTree>
   </p:cSld>
   <p:clrMapOvr>
@@ -21270,7 +21783,7 @@
     </p:bg>
     <p:spTree>
       <p:nvGrpSpPr>
-        <p:cNvPr id="271" name="Shape 271"/>
+        <p:cNvPr id="269" name="Shape 269"/>
         <p:cNvGrpSpPr/>
         <p:nvPr/>
       </p:nvGrpSpPr>
@@ -21284,14 +21797,14 @@
       </p:grpSpPr>
       <p:sp>
         <p:nvSpPr>
-          <p:cNvPr id="272" name="Google Shape;272;p34"/>
+          <p:cNvPr id="270" name="Google Shape;270;p34"/>
           <p:cNvSpPr txBox="1"/>
           <p:nvPr/>
         </p:nvSpPr>
         <p:spPr>
           <a:xfrm>
-            <a:off x="800105" y="191143"/>
-            <a:ext cx="7543800" cy="1088100"/>
+            <a:off x="681775" y="757572"/>
+            <a:ext cx="7543800" cy="625500"/>
           </a:xfrm>
           <a:prstGeom prst="rect">
             <a:avLst/>
@@ -21327,17 +21840,79 @@
               </a:rPr>
               <a:t>Ejemplo de una aplicación GUI utilizando Scene Builder </a:t>
             </a:r>
-            <a:endParaRPr sz="2700">
+            <a:endParaRPr sz="2000">
               <a:solidFill>
-                <a:srgbClr val="E83464"/>
+                <a:srgbClr val="AF7B51"/>
               </a:solidFill>
+              <a:latin typeface="Nunito"/>
+              <a:ea typeface="Nunito"/>
+              <a:cs typeface="Nunito"/>
+              <a:sym typeface="Nunito"/>
+            </a:endParaRPr>
+          </a:p>
+        </p:txBody>
+      </p:sp>
+      <p:sp>
+        <p:nvSpPr>
+          <p:cNvPr id="271" name="Google Shape;271;p34"/>
+          <p:cNvSpPr txBox="1"/>
+          <p:nvPr/>
+        </p:nvSpPr>
+        <p:spPr>
+          <a:xfrm>
+            <a:off x="529600" y="1529750"/>
+            <a:ext cx="3542100" cy="615600"/>
+          </a:xfrm>
+          <a:prstGeom prst="rect">
+            <a:avLst/>
+          </a:prstGeom>
+          <a:noFill/>
+          <a:ln>
+            <a:noFill/>
+          </a:ln>
+        </p:spPr>
+        <p:txBody>
+          <a:bodyPr anchorCtr="0" anchor="t" bIns="91425" lIns="91425" spcFirstLastPara="1" rIns="91425" wrap="square" tIns="91425">
+            <a:spAutoFit/>
+          </a:bodyPr>
+          <a:lstStyle/>
+          <a:p>
+            <a:pPr indent="0" lvl="0" marL="0" rtl="0" algn="l">
+              <a:spcBef>
+                <a:spcPts val="0"/>
+              </a:spcBef>
+              <a:spcAft>
+                <a:spcPts val="0"/>
+              </a:spcAft>
+              <a:buNone/>
+            </a:pPr>
+            <a:r>
+              <a:rPr lang="es">
+                <a:solidFill>
+                  <a:schemeClr val="accent5"/>
+                </a:solidFill>
+                <a:latin typeface="Calibri"/>
+                <a:ea typeface="Calibri"/>
+                <a:cs typeface="Calibri"/>
+                <a:sym typeface="Calibri"/>
+              </a:rPr>
+              <a:t>Se le agrega el evento onClick a el button y se define la acción en el controlador.</a:t>
+            </a:r>
+            <a:endParaRPr>
+              <a:solidFill>
+                <a:schemeClr val="accent5"/>
+              </a:solidFill>
+              <a:latin typeface="Calibri"/>
+              <a:ea typeface="Calibri"/>
+              <a:cs typeface="Calibri"/>
+              <a:sym typeface="Calibri"/>
             </a:endParaRPr>
           </a:p>
         </p:txBody>
       </p:sp>
       <p:pic>
         <p:nvPicPr>
-          <p:cNvPr id="273" name="Google Shape;273;p34"/>
+          <p:cNvPr id="272" name="Google Shape;272;p34"/>
           <p:cNvPicPr preferRelativeResize="0"/>
           <p:nvPr/>
         </p:nvPicPr>
@@ -21351,8 +21926,36 @@
         </p:blipFill>
         <p:spPr>
           <a:xfrm>
-            <a:off x="4382500" y="1458255"/>
-            <a:ext cx="3324225" cy="2667000"/>
+            <a:off x="829100" y="2470827"/>
+            <a:ext cx="2513673" cy="532800"/>
+          </a:xfrm>
+          <a:prstGeom prst="rect">
+            <a:avLst/>
+          </a:prstGeom>
+          <a:noFill/>
+          <a:ln>
+            <a:noFill/>
+          </a:ln>
+        </p:spPr>
+      </p:pic>
+      <p:pic>
+        <p:nvPicPr>
+          <p:cNvPr id="273" name="Google Shape;273;p34"/>
+          <p:cNvPicPr preferRelativeResize="0"/>
+          <p:nvPr/>
+        </p:nvPicPr>
+        <p:blipFill>
+          <a:blip r:embed="rId5">
+            <a:alphaModFix/>
+          </a:blip>
+          <a:stretch>
+            <a:fillRect/>
+          </a:stretch>
+        </p:blipFill>
+        <p:spPr>
+          <a:xfrm>
+            <a:off x="1139700" y="3329112"/>
+            <a:ext cx="1892475" cy="440125"/>
           </a:xfrm>
           <a:prstGeom prst="rect">
             <a:avLst/>
@@ -21369,18 +21972,17 @@
           <p:cNvPicPr preferRelativeResize="0"/>
           <p:nvPr/>
         </p:nvPicPr>
-        <p:blipFill>
-          <a:blip r:embed="rId5">
+        <p:blipFill rotWithShape="1">
+          <a:blip r:embed="rId6">
             <a:alphaModFix/>
           </a:blip>
-          <a:stretch>
-            <a:fillRect/>
-          </a:stretch>
+          <a:srcRect b="12276" l="0" r="51262" t="38811"/>
+          <a:stretch/>
         </p:blipFill>
         <p:spPr>
           <a:xfrm>
-            <a:off x="615725" y="1548461"/>
-            <a:ext cx="3324225" cy="2486588"/>
+            <a:off x="4387950" y="1642050"/>
+            <a:ext cx="2789699" cy="2799725"/>
           </a:xfrm>
           <a:prstGeom prst="rect">
             <a:avLst/>
@@ -21436,6 +22038,152 @@
         </p:nvSpPr>
         <p:spPr>
           <a:xfrm>
+            <a:off x="800105" y="191143"/>
+            <a:ext cx="7543800" cy="1088100"/>
+          </a:xfrm>
+          <a:prstGeom prst="rect">
+            <a:avLst/>
+          </a:prstGeom>
+          <a:noFill/>
+          <a:ln>
+            <a:noFill/>
+          </a:ln>
+        </p:spPr>
+        <p:txBody>
+          <a:bodyPr anchorCtr="0" anchor="b" bIns="34275" lIns="68575" spcFirstLastPara="1" rIns="68575" wrap="square" tIns="34275">
+            <a:noAutofit/>
+          </a:bodyPr>
+          <a:lstStyle/>
+          <a:p>
+            <a:pPr indent="0" lvl="0" marL="0" rtl="0" algn="l">
+              <a:lnSpc>
+                <a:spcPct val="85000"/>
+              </a:lnSpc>
+              <a:spcBef>
+                <a:spcPts val="0"/>
+              </a:spcBef>
+              <a:spcAft>
+                <a:spcPts val="0"/>
+              </a:spcAft>
+              <a:buNone/>
+            </a:pPr>
+            <a:r>
+              <a:rPr lang="es" sz="2200">
+                <a:solidFill>
+                  <a:srgbClr val="E83464"/>
+                </a:solidFill>
+              </a:rPr>
+              <a:t>Ejemplo de una aplicación GUI utilizando Scene Builder </a:t>
+            </a:r>
+            <a:endParaRPr sz="2700">
+              <a:solidFill>
+                <a:srgbClr val="E83464"/>
+              </a:solidFill>
+            </a:endParaRPr>
+          </a:p>
+        </p:txBody>
+      </p:sp>
+      <p:pic>
+        <p:nvPicPr>
+          <p:cNvPr id="280" name="Google Shape;280;p35"/>
+          <p:cNvPicPr preferRelativeResize="0"/>
+          <p:nvPr/>
+        </p:nvPicPr>
+        <p:blipFill>
+          <a:blip r:embed="rId4">
+            <a:alphaModFix/>
+          </a:blip>
+          <a:stretch>
+            <a:fillRect/>
+          </a:stretch>
+        </p:blipFill>
+        <p:spPr>
+          <a:xfrm>
+            <a:off x="4382500" y="1458255"/>
+            <a:ext cx="3324225" cy="2667000"/>
+          </a:xfrm>
+          <a:prstGeom prst="rect">
+            <a:avLst/>
+          </a:prstGeom>
+          <a:noFill/>
+          <a:ln>
+            <a:noFill/>
+          </a:ln>
+        </p:spPr>
+      </p:pic>
+      <p:pic>
+        <p:nvPicPr>
+          <p:cNvPr id="281" name="Google Shape;281;p35"/>
+          <p:cNvPicPr preferRelativeResize="0"/>
+          <p:nvPr/>
+        </p:nvPicPr>
+        <p:blipFill>
+          <a:blip r:embed="rId5">
+            <a:alphaModFix/>
+          </a:blip>
+          <a:stretch>
+            <a:fillRect/>
+          </a:stretch>
+        </p:blipFill>
+        <p:spPr>
+          <a:xfrm>
+            <a:off x="615725" y="1548461"/>
+            <a:ext cx="3324225" cy="2486588"/>
+          </a:xfrm>
+          <a:prstGeom prst="rect">
+            <a:avLst/>
+          </a:prstGeom>
+          <a:noFill/>
+          <a:ln>
+            <a:noFill/>
+          </a:ln>
+        </p:spPr>
+      </p:pic>
+    </p:spTree>
+  </p:cSld>
+  <p:clrMapOvr>
+    <a:masterClrMapping/>
+  </p:clrMapOvr>
+</p:sld>
+</file>
+
+<file path=ppt/slides/slide22.xml><?xml version="1.0" encoding="utf-8"?>
+<p:sld xmlns:a="http://schemas.openxmlformats.org/drawingml/2006/main" xmlns:r="http://schemas.openxmlformats.org/officeDocument/2006/relationships" xmlns:mc="http://schemas.openxmlformats.org/markup-compatibility/2006" xmlns:mv="urn:schemas-microsoft-com:mac:vml" xmlns:p="http://schemas.openxmlformats.org/presentationml/2006/main" xmlns:c="http://schemas.openxmlformats.org/drawingml/2006/chart" xmlns:dgm="http://schemas.openxmlformats.org/drawingml/2006/diagram" xmlns:o="urn:schemas-microsoft-com:office:office" xmlns:v="urn:schemas-microsoft-com:vml" xmlns:pvml="urn:schemas-microsoft-com:office:powerpoint" xmlns:com="http://schemas.openxmlformats.org/drawingml/2006/compatibility" xmlns:p14="http://schemas.microsoft.com/office/powerpoint/2010/main" xmlns:p15="http://schemas.microsoft.com/office/powerpoint/2012/main" xmlns:ahyp="http://schemas.microsoft.com/office/drawing/2018/hyperlinkcolor" showMasterSp="0">
+  <p:cSld>
+    <p:bg>
+      <p:bgPr>
+        <a:blipFill>
+          <a:blip r:embed="rId3">
+            <a:alphaModFix/>
+          </a:blip>
+          <a:stretch>
+            <a:fillRect/>
+          </a:stretch>
+        </a:blipFill>
+      </p:bgPr>
+    </p:bg>
+    <p:spTree>
+      <p:nvGrpSpPr>
+        <p:cNvPr id="285" name="Shape 285"/>
+        <p:cNvGrpSpPr/>
+        <p:nvPr/>
+      </p:nvGrpSpPr>
+      <p:grpSpPr>
+        <a:xfrm>
+          <a:off x="0" y="0"/>
+          <a:ext cx="0" cy="0"/>
+          <a:chOff x="0" y="0"/>
+          <a:chExt cx="0" cy="0"/>
+        </a:xfrm>
+      </p:grpSpPr>
+      <p:sp>
+        <p:nvSpPr>
+          <p:cNvPr id="286" name="Google Shape;286;p36"/>
+          <p:cNvSpPr txBox="1"/>
+          <p:nvPr/>
+        </p:nvSpPr>
+        <p:spPr>
+          <a:xfrm>
             <a:off x="755123" y="1387206"/>
             <a:ext cx="7657500" cy="2539200"/>
           </a:xfrm>
@@ -21510,12 +22258,12 @@
 </p:sld>
 </file>
 
-<file path=ppt/slides/slide22.xml><?xml version="1.0" encoding="utf-8"?>
+<file path=ppt/slides/slide23.xml><?xml version="1.0" encoding="utf-8"?>
 <p:sld xmlns:a="http://schemas.openxmlformats.org/drawingml/2006/main" xmlns:r="http://schemas.openxmlformats.org/officeDocument/2006/relationships" xmlns:mc="http://schemas.openxmlformats.org/markup-compatibility/2006" xmlns:mv="urn:schemas-microsoft-com:mac:vml" xmlns:p="http://schemas.openxmlformats.org/presentationml/2006/main" xmlns:c="http://schemas.openxmlformats.org/drawingml/2006/chart" xmlns:dgm="http://schemas.openxmlformats.org/drawingml/2006/diagram" xmlns:o="urn:schemas-microsoft-com:office:office" xmlns:v="urn:schemas-microsoft-com:vml" xmlns:pvml="urn:schemas-microsoft-com:office:powerpoint" xmlns:com="http://schemas.openxmlformats.org/drawingml/2006/compatibility" xmlns:p14="http://schemas.microsoft.com/office/powerpoint/2010/main" xmlns:p15="http://schemas.microsoft.com/office/powerpoint/2012/main" xmlns:ahyp="http://schemas.microsoft.com/office/drawing/2018/hyperlinkcolor">
   <p:cSld>
     <p:spTree>
       <p:nvGrpSpPr>
-        <p:cNvPr id="283" name="Shape 283"/>
+        <p:cNvPr id="290" name="Shape 290"/>
         <p:cNvGrpSpPr/>
         <p:nvPr/>
       </p:nvGrpSpPr>
@@ -21529,7 +22277,7 @@
       </p:grpSpPr>
       <p:pic>
         <p:nvPicPr>
-          <p:cNvPr id="284" name="Google Shape;284;p36"/>
+          <p:cNvPr id="291" name="Google Shape;291;p37"/>
           <p:cNvPicPr preferRelativeResize="0"/>
           <p:nvPr/>
         </p:nvPicPr>
@@ -21779,7 +22527,53 @@
                 <a:cs typeface="Arial"/>
                 <a:sym typeface="Arial"/>
               </a:rPr>
-              <a:t>Usar el Editor  (VS Code) para el desarrollo de aplicaciones en Java</a:t>
+              <a:t>Identificar los conceptos básicos de una GUI.</a:t>
+            </a:r>
+            <a:endParaRPr sz="1200">
+              <a:solidFill>
+                <a:srgbClr val="000000"/>
+              </a:solidFill>
+              <a:highlight>
+                <a:srgbClr val="FFFFFF"/>
+              </a:highlight>
+              <a:latin typeface="Arial"/>
+              <a:ea typeface="Arial"/>
+              <a:cs typeface="Arial"/>
+              <a:sym typeface="Arial"/>
+            </a:endParaRPr>
+          </a:p>
+          <a:p>
+            <a:pPr indent="-383540" lvl="0" marL="685800" rtl="0" algn="l">
+              <a:lnSpc>
+                <a:spcPct val="90000"/>
+              </a:lnSpc>
+              <a:spcBef>
+                <a:spcPts val="600"/>
+              </a:spcBef>
+              <a:spcAft>
+                <a:spcPts val="0"/>
+              </a:spcAft>
+              <a:buClr>
+                <a:srgbClr val="000000"/>
+              </a:buClr>
+              <a:buSzPts val="1200"/>
+              <a:buFont typeface="Arial"/>
+              <a:buAutoNum type="arabicPeriod"/>
+            </a:pPr>
+            <a:r>
+              <a:rPr lang="es" sz="1200">
+                <a:solidFill>
+                  <a:srgbClr val="000000"/>
+                </a:solidFill>
+                <a:highlight>
+                  <a:srgbClr val="FFFFFF"/>
+                </a:highlight>
+                <a:latin typeface="Arial"/>
+                <a:ea typeface="Arial"/>
+                <a:cs typeface="Arial"/>
+                <a:sym typeface="Arial"/>
+              </a:rPr>
+              <a:t>Usar VSCode con la herramienta Scene builder y JavaFx para el desarrollo GUI. </a:t>
             </a:r>
             <a:endParaRPr sz="1200">
               <a:solidFill>
@@ -21822,6 +22616,35 @@
                 <a:sym typeface="Arial"/>
               </a:rPr>
               <a:t>Desarrollar interfaces gráficas utilizando codificación directa</a:t>
+            </a:r>
+            <a:endParaRPr sz="1200">
+              <a:solidFill>
+                <a:srgbClr val="000000"/>
+              </a:solidFill>
+              <a:highlight>
+                <a:srgbClr val="FFFFFF"/>
+              </a:highlight>
+              <a:latin typeface="Arial"/>
+              <a:ea typeface="Arial"/>
+              <a:cs typeface="Arial"/>
+              <a:sym typeface="Arial"/>
+            </a:endParaRPr>
+          </a:p>
+          <a:p>
+            <a:pPr indent="0" lvl="0" marL="457200" rtl="0" algn="l">
+              <a:lnSpc>
+                <a:spcPct val="90000"/>
+              </a:lnSpc>
+              <a:spcBef>
+                <a:spcPts val="600"/>
+              </a:spcBef>
+              <a:spcAft>
+                <a:spcPts val="0"/>
+              </a:spcAft>
+              <a:buNone/>
+            </a:pPr>
+            <a:r>
+              <a:t/>
             </a:r>
             <a:endParaRPr sz="1200">
               <a:solidFill>
@@ -23129,6 +23952,285 @@
 </file>
 
 <file path=ppt/theme/theme1.xml><?xml version="1.0" encoding="utf-8"?>
+<a:theme xmlns:a="http://schemas.openxmlformats.org/drawingml/2006/main" xmlns:r="http://schemas.openxmlformats.org/officeDocument/2006/relationships">
+  <a:themeElements>
+    <a:clrScheme name="Default">
+      <a:dk1>
+        <a:srgbClr val="000000"/>
+      </a:dk1>
+      <a:lt1>
+        <a:srgbClr val="FFFFFF"/>
+      </a:lt1>
+      <a:dk2>
+        <a:srgbClr val="158158"/>
+      </a:dk2>
+      <a:lt2>
+        <a:srgbClr val="F3F3F3"/>
+      </a:lt2>
+      <a:accent1>
+        <a:srgbClr val="058DC7"/>
+      </a:accent1>
+      <a:accent2>
+        <a:srgbClr val="50B432"/>
+      </a:accent2>
+      <a:accent3>
+        <a:srgbClr val="ED561B"/>
+      </a:accent3>
+      <a:accent4>
+        <a:srgbClr val="EDEF00"/>
+      </a:accent4>
+      <a:accent5>
+        <a:srgbClr val="24CBE5"/>
+      </a:accent5>
+      <a:accent6>
+        <a:srgbClr val="64E572"/>
+      </a:accent6>
+      <a:hlink>
+        <a:srgbClr val="2200CC"/>
+      </a:hlink>
+      <a:folHlink>
+        <a:srgbClr val="551A8B"/>
+      </a:folHlink>
+    </a:clrScheme>
+    <a:fontScheme name="Office">
+      <a:majorFont>
+        <a:latin typeface="Arial"/>
+        <a:ea typeface=""/>
+        <a:cs typeface=""/>
+        <a:font script="Jpan" typeface="ＭＳ Ｐゴシック"/>
+        <a:font script="Hang" typeface="맑은 고딕"/>
+        <a:font script="Hans" typeface="宋体"/>
+        <a:font script="Hant" typeface="新細明體"/>
+        <a:font script="Arab" typeface="Times New Roman"/>
+        <a:font script="Hebr" typeface="Times New Roman"/>
+        <a:font script="Thai" typeface="Angsana New"/>
+        <a:font script="Ethi" typeface="Nyala"/>
+        <a:font script="Beng" typeface="Vrinda"/>
+        <a:font script="Gujr" typeface="Shruti"/>
+        <a:font script="Khmr" typeface="MoolBoran"/>
+        <a:font script="Knda" typeface="Tunga"/>
+        <a:font script="Guru" typeface="Raavi"/>
+        <a:font script="Cans" typeface="Euphemia"/>
+        <a:font script="Cher" typeface="Plantagenet Cherokee"/>
+        <a:font script="Yiii" typeface="Microsoft Yi Baiti"/>
+        <a:font script="Tibt" typeface="Microsoft Himalaya"/>
+        <a:font script="Thaa" typeface="MV Boli"/>
+        <a:font script="Deva" typeface="Mangal"/>
+        <a:font script="Telu" typeface="Gautami"/>
+        <a:font script="Taml" typeface="Latha"/>
+        <a:font script="Syrc" typeface="Estrangelo Edessa"/>
+        <a:font script="Orya" typeface="Kalinga"/>
+        <a:font script="Mlym" typeface="Kartika"/>
+        <a:font script="Laoo" typeface="DokChampa"/>
+        <a:font script="Sinh" typeface="Iskoola Pota"/>
+        <a:font script="Mong" typeface="Mongolian Baiti"/>
+        <a:font script="Viet" typeface="Times New Roman"/>
+        <a:font script="Uigh" typeface="Microsoft Uighur"/>
+        <a:font script="Geor" typeface="Sylfaen"/>
+      </a:majorFont>
+      <a:minorFont>
+        <a:latin typeface="Arial"/>
+        <a:ea typeface=""/>
+        <a:cs typeface=""/>
+        <a:font script="Jpan" typeface="ＭＳ Ｐゴシック"/>
+        <a:font script="Hang" typeface="맑은 고딕"/>
+        <a:font script="Hans" typeface="宋体"/>
+        <a:font script="Hant" typeface="新細明體"/>
+        <a:font script="Arab" typeface="Arial"/>
+        <a:font script="Hebr" typeface="Arial"/>
+        <a:font script="Thai" typeface="Cordia New"/>
+        <a:font script="Ethi" typeface="Nyala"/>
+        <a:font script="Beng" typeface="Vrinda"/>
+        <a:font script="Gujr" typeface="Shruti"/>
+        <a:font script="Khmr" typeface="DaunPenh"/>
+        <a:font script="Knda" typeface="Tunga"/>
+        <a:font script="Guru" typeface="Raavi"/>
+        <a:font script="Cans" typeface="Euphemia"/>
+        <a:font script="Cher" typeface="Plantagenet Cherokee"/>
+        <a:font script="Yiii" typeface="Microsoft Yi Baiti"/>
+        <a:font script="Tibt" typeface="Microsoft Himalaya"/>
+        <a:font script="Thaa" typeface="MV Boli"/>
+        <a:font script="Deva" typeface="Mangal"/>
+        <a:font script="Telu" typeface="Gautami"/>
+        <a:font script="Taml" typeface="Latha"/>
+        <a:font script="Syrc" typeface="Estrangelo Edessa"/>
+        <a:font script="Orya" typeface="Kalinga"/>
+        <a:font script="Mlym" typeface="Kartika"/>
+        <a:font script="Laoo" typeface="DokChampa"/>
+        <a:font script="Sinh" typeface="Iskoola Pota"/>
+        <a:font script="Mong" typeface="Mongolian Baiti"/>
+        <a:font script="Viet" typeface="Arial"/>
+        <a:font script="Uigh" typeface="Microsoft Uighur"/>
+        <a:font script="Geor" typeface="Sylfaen"/>
+      </a:minorFont>
+    </a:fontScheme>
+    <a:fmtScheme name="Office">
+      <a:fillStyleLst>
+        <a:solidFill>
+          <a:schemeClr val="phClr"/>
+        </a:solidFill>
+        <a:gradFill rotWithShape="1">
+          <a:gsLst>
+            <a:gs pos="0">
+              <a:schemeClr val="phClr">
+                <a:tint val="50000"/>
+                <a:satMod val="300000"/>
+              </a:schemeClr>
+            </a:gs>
+            <a:gs pos="35000">
+              <a:schemeClr val="phClr">
+                <a:tint val="37000"/>
+                <a:satMod val="300000"/>
+              </a:schemeClr>
+            </a:gs>
+            <a:gs pos="100000">
+              <a:schemeClr val="phClr">
+                <a:tint val="15000"/>
+                <a:satMod val="350000"/>
+              </a:schemeClr>
+            </a:gs>
+          </a:gsLst>
+          <a:lin ang="16200000" scaled="1"/>
+        </a:gradFill>
+        <a:gradFill rotWithShape="1">
+          <a:gsLst>
+            <a:gs pos="0">
+              <a:schemeClr val="phClr">
+                <a:tint val="100000"/>
+                <a:shade val="100000"/>
+                <a:satMod val="130000"/>
+              </a:schemeClr>
+            </a:gs>
+            <a:gs pos="100000">
+              <a:schemeClr val="phClr">
+                <a:tint val="50000"/>
+                <a:shade val="100000"/>
+                <a:satMod val="350000"/>
+              </a:schemeClr>
+            </a:gs>
+          </a:gsLst>
+          <a:lin ang="16200000" scaled="0"/>
+        </a:gradFill>
+      </a:fillStyleLst>
+      <a:lnStyleLst>
+        <a:ln w="9525" cap="flat" cmpd="sng" algn="ctr">
+          <a:solidFill>
+            <a:schemeClr val="phClr">
+              <a:shade val="95000"/>
+              <a:satMod val="105000"/>
+            </a:schemeClr>
+          </a:solidFill>
+          <a:prstDash val="solid"/>
+        </a:ln>
+        <a:ln w="25400" cap="flat" cmpd="sng" algn="ctr">
+          <a:solidFill>
+            <a:schemeClr val="phClr"/>
+          </a:solidFill>
+          <a:prstDash val="solid"/>
+        </a:ln>
+        <a:ln w="38100" cap="flat" cmpd="sng" algn="ctr">
+          <a:solidFill>
+            <a:schemeClr val="phClr"/>
+          </a:solidFill>
+          <a:prstDash val="solid"/>
+        </a:ln>
+      </a:lnStyleLst>
+      <a:effectStyleLst>
+        <a:effectStyle>
+          <a:effectLst>
+            <a:outerShdw blurRad="40000" dist="20000" dir="5400000" rotWithShape="0">
+              <a:srgbClr val="000000">
+                <a:alpha val="38000"/>
+              </a:srgbClr>
+            </a:outerShdw>
+          </a:effectLst>
+        </a:effectStyle>
+        <a:effectStyle>
+          <a:effectLst>
+            <a:outerShdw blurRad="40000" dist="23000" dir="5400000" rotWithShape="0">
+              <a:srgbClr val="000000">
+                <a:alpha val="35000"/>
+              </a:srgbClr>
+            </a:outerShdw>
+          </a:effectLst>
+        </a:effectStyle>
+        <a:effectStyle>
+          <a:effectLst>
+            <a:outerShdw blurRad="40000" dist="23000" dir="5400000" rotWithShape="0">
+              <a:srgbClr val="000000">
+                <a:alpha val="35000"/>
+              </a:srgbClr>
+            </a:outerShdw>
+          </a:effectLst>
+          <a:scene3d>
+            <a:camera prst="orthographicFront">
+              <a:rot lat="0" lon="0" rev="0"/>
+            </a:camera>
+            <a:lightRig rig="threePt" dir="t">
+              <a:rot lat="0" lon="0" rev="1200000"/>
+            </a:lightRig>
+          </a:scene3d>
+          <a:sp3d>
+            <a:bevelT w="63500" h="25400"/>
+          </a:sp3d>
+        </a:effectStyle>
+      </a:effectStyleLst>
+      <a:bgFillStyleLst>
+        <a:solidFill>
+          <a:schemeClr val="phClr"/>
+        </a:solidFill>
+        <a:gradFill rotWithShape="1">
+          <a:gsLst>
+            <a:gs pos="0">
+              <a:schemeClr val="phClr">
+                <a:tint val="40000"/>
+                <a:satMod val="350000"/>
+              </a:schemeClr>
+            </a:gs>
+            <a:gs pos="40000">
+              <a:schemeClr val="phClr">
+                <a:tint val="45000"/>
+                <a:shade val="99000"/>
+                <a:satMod val="350000"/>
+              </a:schemeClr>
+            </a:gs>
+            <a:gs pos="100000">
+              <a:schemeClr val="phClr">
+                <a:shade val="20000"/>
+                <a:satMod val="255000"/>
+              </a:schemeClr>
+            </a:gs>
+          </a:gsLst>
+          <a:path path="circle">
+            <a:fillToRect l="50000" t="-80000" r="50000" b="180000"/>
+          </a:path>
+        </a:gradFill>
+        <a:gradFill rotWithShape="1">
+          <a:gsLst>
+            <a:gs pos="0">
+              <a:schemeClr val="phClr">
+                <a:tint val="80000"/>
+                <a:satMod val="300000"/>
+              </a:schemeClr>
+            </a:gs>
+            <a:gs pos="100000">
+              <a:schemeClr val="phClr">
+                <a:shade val="30000"/>
+                <a:satMod val="200000"/>
+              </a:schemeClr>
+            </a:gs>
+          </a:gsLst>
+          <a:path path="circle">
+            <a:fillToRect l="50000" t="50000" r="50000" b="50000"/>
+          </a:path>
+        </a:gradFill>
+      </a:bgFillStyleLst>
+    </a:fmtScheme>
+  </a:themeElements>
+</a:theme>
+</file>
+
+<file path=ppt/theme/theme2.xml><?xml version="1.0" encoding="utf-8"?>
 <a:theme xmlns:a="http://schemas.openxmlformats.org/drawingml/2006/main" xmlns:r="http://schemas.openxmlformats.org/officeDocument/2006/relationships" name="Shift">
   <a:themeElements>
     <a:clrScheme name="Shift">
@@ -23405,283 +24507,4 @@
     </a:fmtScheme>
   </a:themeElements>
 </a:theme>
-</file>
-
-<file path=ppt/theme/theme2.xml><?xml version="1.0" encoding="utf-8"?>
-<a:theme xmlns:a="http://schemas.openxmlformats.org/drawingml/2006/main" xmlns:r="http://schemas.openxmlformats.org/officeDocument/2006/relationships">
-  <a:themeElements>
-    <a:clrScheme name="Default">
-      <a:dk1>
-        <a:srgbClr val="000000"/>
-      </a:dk1>
-      <a:lt1>
-        <a:srgbClr val="FFFFFF"/>
-      </a:lt1>
-      <a:dk2>
-        <a:srgbClr val="158158"/>
-      </a:dk2>
-      <a:lt2>
-        <a:srgbClr val="F3F3F3"/>
-      </a:lt2>
-      <a:accent1>
-        <a:srgbClr val="058DC7"/>
-      </a:accent1>
-      <a:accent2>
-        <a:srgbClr val="50B432"/>
-      </a:accent2>
-      <a:accent3>
-        <a:srgbClr val="ED561B"/>
-      </a:accent3>
-      <a:accent4>
-        <a:srgbClr val="EDEF00"/>
-      </a:accent4>
-      <a:accent5>
-        <a:srgbClr val="24CBE5"/>
-      </a:accent5>
-      <a:accent6>
-        <a:srgbClr val="64E572"/>
-      </a:accent6>
-      <a:hlink>
-        <a:srgbClr val="2200CC"/>
-      </a:hlink>
-      <a:folHlink>
-        <a:srgbClr val="551A8B"/>
-      </a:folHlink>
-    </a:clrScheme>
-    <a:fontScheme name="Office">
-      <a:majorFont>
-        <a:latin typeface="Arial"/>
-        <a:ea typeface=""/>
-        <a:cs typeface=""/>
-        <a:font script="Jpan" typeface="ＭＳ Ｐゴシック"/>
-        <a:font script="Hang" typeface="맑은 고딕"/>
-        <a:font script="Hans" typeface="宋体"/>
-        <a:font script="Hant" typeface="新細明體"/>
-        <a:font script="Arab" typeface="Times New Roman"/>
-        <a:font script="Hebr" typeface="Times New Roman"/>
-        <a:font script="Thai" typeface="Angsana New"/>
-        <a:font script="Ethi" typeface="Nyala"/>
-        <a:font script="Beng" typeface="Vrinda"/>
-        <a:font script="Gujr" typeface="Shruti"/>
-        <a:font script="Khmr" typeface="MoolBoran"/>
-        <a:font script="Knda" typeface="Tunga"/>
-        <a:font script="Guru" typeface="Raavi"/>
-        <a:font script="Cans" typeface="Euphemia"/>
-        <a:font script="Cher" typeface="Plantagenet Cherokee"/>
-        <a:font script="Yiii" typeface="Microsoft Yi Baiti"/>
-        <a:font script="Tibt" typeface="Microsoft Himalaya"/>
-        <a:font script="Thaa" typeface="MV Boli"/>
-        <a:font script="Deva" typeface="Mangal"/>
-        <a:font script="Telu" typeface="Gautami"/>
-        <a:font script="Taml" typeface="Latha"/>
-        <a:font script="Syrc" typeface="Estrangelo Edessa"/>
-        <a:font script="Orya" typeface="Kalinga"/>
-        <a:font script="Mlym" typeface="Kartika"/>
-        <a:font script="Laoo" typeface="DokChampa"/>
-        <a:font script="Sinh" typeface="Iskoola Pota"/>
-        <a:font script="Mong" typeface="Mongolian Baiti"/>
-        <a:font script="Viet" typeface="Times New Roman"/>
-        <a:font script="Uigh" typeface="Microsoft Uighur"/>
-        <a:font script="Geor" typeface="Sylfaen"/>
-      </a:majorFont>
-      <a:minorFont>
-        <a:latin typeface="Arial"/>
-        <a:ea typeface=""/>
-        <a:cs typeface=""/>
-        <a:font script="Jpan" typeface="ＭＳ Ｐゴシック"/>
-        <a:font script="Hang" typeface="맑은 고딕"/>
-        <a:font script="Hans" typeface="宋体"/>
-        <a:font script="Hant" typeface="新細明體"/>
-        <a:font script="Arab" typeface="Arial"/>
-        <a:font script="Hebr" typeface="Arial"/>
-        <a:font script="Thai" typeface="Cordia New"/>
-        <a:font script="Ethi" typeface="Nyala"/>
-        <a:font script="Beng" typeface="Vrinda"/>
-        <a:font script="Gujr" typeface="Shruti"/>
-        <a:font script="Khmr" typeface="DaunPenh"/>
-        <a:font script="Knda" typeface="Tunga"/>
-        <a:font script="Guru" typeface="Raavi"/>
-        <a:font script="Cans" typeface="Euphemia"/>
-        <a:font script="Cher" typeface="Plantagenet Cherokee"/>
-        <a:font script="Yiii" typeface="Microsoft Yi Baiti"/>
-        <a:font script="Tibt" typeface="Microsoft Himalaya"/>
-        <a:font script="Thaa" typeface="MV Boli"/>
-        <a:font script="Deva" typeface="Mangal"/>
-        <a:font script="Telu" typeface="Gautami"/>
-        <a:font script="Taml" typeface="Latha"/>
-        <a:font script="Syrc" typeface="Estrangelo Edessa"/>
-        <a:font script="Orya" typeface="Kalinga"/>
-        <a:font script="Mlym" typeface="Kartika"/>
-        <a:font script="Laoo" typeface="DokChampa"/>
-        <a:font script="Sinh" typeface="Iskoola Pota"/>
-        <a:font script="Mong" typeface="Mongolian Baiti"/>
-        <a:font script="Viet" typeface="Arial"/>
-        <a:font script="Uigh" typeface="Microsoft Uighur"/>
-        <a:font script="Geor" typeface="Sylfaen"/>
-      </a:minorFont>
-    </a:fontScheme>
-    <a:fmtScheme name="Office">
-      <a:fillStyleLst>
-        <a:solidFill>
-          <a:schemeClr val="phClr"/>
-        </a:solidFill>
-        <a:gradFill rotWithShape="1">
-          <a:gsLst>
-            <a:gs pos="0">
-              <a:schemeClr val="phClr">
-                <a:tint val="50000"/>
-                <a:satMod val="300000"/>
-              </a:schemeClr>
-            </a:gs>
-            <a:gs pos="35000">
-              <a:schemeClr val="phClr">
-                <a:tint val="37000"/>
-                <a:satMod val="300000"/>
-              </a:schemeClr>
-            </a:gs>
-            <a:gs pos="100000">
-              <a:schemeClr val="phClr">
-                <a:tint val="15000"/>
-                <a:satMod val="350000"/>
-              </a:schemeClr>
-            </a:gs>
-          </a:gsLst>
-          <a:lin ang="16200000" scaled="1"/>
-        </a:gradFill>
-        <a:gradFill rotWithShape="1">
-          <a:gsLst>
-            <a:gs pos="0">
-              <a:schemeClr val="phClr">
-                <a:tint val="100000"/>
-                <a:shade val="100000"/>
-                <a:satMod val="130000"/>
-              </a:schemeClr>
-            </a:gs>
-            <a:gs pos="100000">
-              <a:schemeClr val="phClr">
-                <a:tint val="50000"/>
-                <a:shade val="100000"/>
-                <a:satMod val="350000"/>
-              </a:schemeClr>
-            </a:gs>
-          </a:gsLst>
-          <a:lin ang="16200000" scaled="0"/>
-        </a:gradFill>
-      </a:fillStyleLst>
-      <a:lnStyleLst>
-        <a:ln w="9525" cap="flat" cmpd="sng" algn="ctr">
-          <a:solidFill>
-            <a:schemeClr val="phClr">
-              <a:shade val="95000"/>
-              <a:satMod val="105000"/>
-            </a:schemeClr>
-          </a:solidFill>
-          <a:prstDash val="solid"/>
-        </a:ln>
-        <a:ln w="25400" cap="flat" cmpd="sng" algn="ctr">
-          <a:solidFill>
-            <a:schemeClr val="phClr"/>
-          </a:solidFill>
-          <a:prstDash val="solid"/>
-        </a:ln>
-        <a:ln w="38100" cap="flat" cmpd="sng" algn="ctr">
-          <a:solidFill>
-            <a:schemeClr val="phClr"/>
-          </a:solidFill>
-          <a:prstDash val="solid"/>
-        </a:ln>
-      </a:lnStyleLst>
-      <a:effectStyleLst>
-        <a:effectStyle>
-          <a:effectLst>
-            <a:outerShdw blurRad="40000" dist="20000" dir="5400000" rotWithShape="0">
-              <a:srgbClr val="000000">
-                <a:alpha val="38000"/>
-              </a:srgbClr>
-            </a:outerShdw>
-          </a:effectLst>
-        </a:effectStyle>
-        <a:effectStyle>
-          <a:effectLst>
-            <a:outerShdw blurRad="40000" dist="23000" dir="5400000" rotWithShape="0">
-              <a:srgbClr val="000000">
-                <a:alpha val="35000"/>
-              </a:srgbClr>
-            </a:outerShdw>
-          </a:effectLst>
-        </a:effectStyle>
-        <a:effectStyle>
-          <a:effectLst>
-            <a:outerShdw blurRad="40000" dist="23000" dir="5400000" rotWithShape="0">
-              <a:srgbClr val="000000">
-                <a:alpha val="35000"/>
-              </a:srgbClr>
-            </a:outerShdw>
-          </a:effectLst>
-          <a:scene3d>
-            <a:camera prst="orthographicFront">
-              <a:rot lat="0" lon="0" rev="0"/>
-            </a:camera>
-            <a:lightRig rig="threePt" dir="t">
-              <a:rot lat="0" lon="0" rev="1200000"/>
-            </a:lightRig>
-          </a:scene3d>
-          <a:sp3d>
-            <a:bevelT w="63500" h="25400"/>
-          </a:sp3d>
-        </a:effectStyle>
-      </a:effectStyleLst>
-      <a:bgFillStyleLst>
-        <a:solidFill>
-          <a:schemeClr val="phClr"/>
-        </a:solidFill>
-        <a:gradFill rotWithShape="1">
-          <a:gsLst>
-            <a:gs pos="0">
-              <a:schemeClr val="phClr">
-                <a:tint val="40000"/>
-                <a:satMod val="350000"/>
-              </a:schemeClr>
-            </a:gs>
-            <a:gs pos="40000">
-              <a:schemeClr val="phClr">
-                <a:tint val="45000"/>
-                <a:shade val="99000"/>
-                <a:satMod val="350000"/>
-              </a:schemeClr>
-            </a:gs>
-            <a:gs pos="100000">
-              <a:schemeClr val="phClr">
-                <a:shade val="20000"/>
-                <a:satMod val="255000"/>
-              </a:schemeClr>
-            </a:gs>
-          </a:gsLst>
-          <a:path path="circle">
-            <a:fillToRect l="50000" t="-80000" r="50000" b="180000"/>
-          </a:path>
-        </a:gradFill>
-        <a:gradFill rotWithShape="1">
-          <a:gsLst>
-            <a:gs pos="0">
-              <a:schemeClr val="phClr">
-                <a:tint val="80000"/>
-                <a:satMod val="300000"/>
-              </a:schemeClr>
-            </a:gs>
-            <a:gs pos="100000">
-              <a:schemeClr val="phClr">
-                <a:shade val="30000"/>
-                <a:satMod val="200000"/>
-              </a:schemeClr>
-            </a:gs>
-          </a:gsLst>
-          <a:path path="circle">
-            <a:fillToRect l="50000" t="50000" r="50000" b="50000"/>
-          </a:path>
-        </a:gradFill>
-      </a:bgFillStyleLst>
-    </a:fmtScheme>
-  </a:themeElements>
-</a:theme>
 </file>